--- a/Resources/Clinical Trial.pptx
+++ b/Resources/Clinical Trial.pptx
@@ -5,7 +5,7 @@
     <p:sldMasterId id="2147483660" r:id="rId1"/>
   </p:sldMasterIdLst>
   <p:notesMasterIdLst>
-    <p:notesMasterId r:id="rId11"/>
+    <p:notesMasterId r:id="rId15"/>
   </p:notesMasterIdLst>
   <p:sldIdLst>
     <p:sldId id="256" r:id="rId2"/>
@@ -16,7 +16,11 @@
     <p:sldId id="263" r:id="rId7"/>
     <p:sldId id="261" r:id="rId8"/>
     <p:sldId id="264" r:id="rId9"/>
-    <p:sldId id="262" r:id="rId10"/>
+    <p:sldId id="265" r:id="rId10"/>
+    <p:sldId id="268" r:id="rId11"/>
+    <p:sldId id="269" r:id="rId12"/>
+    <p:sldId id="266" r:id="rId13"/>
+    <p:sldId id="262" r:id="rId14"/>
   </p:sldIdLst>
   <p:sldSz cx="12192000" cy="6858000"/>
   <p:notesSz cx="6858000" cy="9144000"/>
@@ -21220,17 +21224,29 @@
           <a:p>
             <a:pPr algn="r"/>
             <a:r>
-              <a:rPr lang="en-US" sz="2800" dirty="0">
+              <a:rPr lang="en-US" sz="2800" b="1" dirty="0">
+                <a:solidFill>
+                  <a:schemeClr val="tx1">
+                    <a:lumMod val="85000"/>
+                    <a:lumOff val="15000"/>
+                  </a:schemeClr>
+                </a:solidFill>
                 <a:latin typeface="Tw Cen MT Condensed (Headings)"/>
                 <a:cs typeface="Arial" panose="020B0604020202020204" pitchFamily="34" charset="0"/>
               </a:rPr>
-              <a:t>Pharma AI Team</a:t>
+              <a:t>Pharma AI Team:</a:t>
             </a:r>
           </a:p>
           <a:p>
             <a:pPr algn="r"/>
             <a:r>
               <a:rPr lang="en-US" sz="2800" dirty="0">
+                <a:solidFill>
+                  <a:schemeClr val="tx1">
+                    <a:lumMod val="85000"/>
+                    <a:lumOff val="15000"/>
+                  </a:schemeClr>
+                </a:solidFill>
                 <a:latin typeface="Tw Cen MT Condensed (Headings)"/>
                 <a:cs typeface="Arial" panose="020B0604020202020204" pitchFamily="34" charset="0"/>
               </a:rPr>
@@ -21238,12 +21254,24 @@
             </a:r>
             <a:r>
               <a:rPr lang="en-US" sz="2800" dirty="0" err="1">
+                <a:solidFill>
+                  <a:schemeClr val="tx1">
+                    <a:lumMod val="85000"/>
+                    <a:lumOff val="15000"/>
+                  </a:schemeClr>
+                </a:solidFill>
                 <a:latin typeface="Tw Cen MT Condensed (Headings)"/>
                 <a:cs typeface="Arial" panose="020B0604020202020204" pitchFamily="34" charset="0"/>
               </a:rPr>
               <a:t>Shojaie</a:t>
             </a:r>
             <a:endParaRPr lang="en-US" sz="2800" dirty="0">
+              <a:solidFill>
+                <a:schemeClr val="tx1">
+                  <a:lumMod val="85000"/>
+                  <a:lumOff val="15000"/>
+                </a:schemeClr>
+              </a:solidFill>
               <a:latin typeface="Tw Cen MT Condensed (Headings)"/>
               <a:cs typeface="Arial" panose="020B0604020202020204" pitchFamily="34" charset="0"/>
             </a:endParaRPr>
@@ -21252,6 +21280,12 @@
             <a:pPr algn="r"/>
             <a:r>
               <a:rPr lang="en-US" sz="2800" dirty="0" err="1">
+                <a:solidFill>
+                  <a:schemeClr val="tx1">
+                    <a:lumMod val="85000"/>
+                    <a:lumOff val="15000"/>
+                  </a:schemeClr>
+                </a:solidFill>
                 <a:latin typeface="Tw Cen MT Condensed (Headings)"/>
                 <a:cs typeface="Arial" panose="020B0604020202020204" pitchFamily="34" charset="0"/>
               </a:rPr>
@@ -21259,6 +21293,12 @@
             </a:r>
             <a:r>
               <a:rPr lang="en-US" sz="2800" dirty="0">
+                <a:solidFill>
+                  <a:schemeClr val="tx1">
+                    <a:lumMod val="85000"/>
+                    <a:lumOff val="15000"/>
+                  </a:schemeClr>
+                </a:solidFill>
                 <a:latin typeface="Tw Cen MT Condensed (Headings)"/>
                 <a:cs typeface="Arial" panose="020B0604020202020204" pitchFamily="34" charset="0"/>
               </a:rPr>
@@ -21266,12 +21306,24 @@
             </a:r>
             <a:r>
               <a:rPr lang="en-US" sz="2800" dirty="0" err="1">
+                <a:solidFill>
+                  <a:schemeClr val="tx1">
+                    <a:lumMod val="85000"/>
+                    <a:lumOff val="15000"/>
+                  </a:schemeClr>
+                </a:solidFill>
                 <a:latin typeface="Tw Cen MT Condensed (Headings)"/>
                 <a:cs typeface="Arial" panose="020B0604020202020204" pitchFamily="34" charset="0"/>
               </a:rPr>
               <a:t>Santosa</a:t>
             </a:r>
             <a:endParaRPr lang="en-US" sz="2800" dirty="0">
+              <a:solidFill>
+                <a:schemeClr val="tx1">
+                  <a:lumMod val="85000"/>
+                  <a:lumOff val="15000"/>
+                </a:schemeClr>
+              </a:solidFill>
               <a:latin typeface="Tw Cen MT Condensed (Headings)"/>
               <a:cs typeface="Arial" panose="020B0604020202020204" pitchFamily="34" charset="0"/>
             </a:endParaRPr>
@@ -21280,6 +21332,12 @@
             <a:pPr algn="r"/>
             <a:r>
               <a:rPr lang="en-US" sz="2800" dirty="0" err="1">
+                <a:solidFill>
+                  <a:schemeClr val="tx1">
+                    <a:lumMod val="85000"/>
+                    <a:lumOff val="15000"/>
+                  </a:schemeClr>
+                </a:solidFill>
                 <a:latin typeface="Tw Cen MT Condensed (Headings)"/>
                 <a:cs typeface="Arial" panose="020B0604020202020204" pitchFamily="34" charset="0"/>
               </a:rPr>
@@ -21287,6 +21345,12 @@
             </a:r>
             <a:r>
               <a:rPr lang="en-US" sz="2800" dirty="0">
+                <a:solidFill>
+                  <a:schemeClr val="tx1">
+                    <a:lumMod val="85000"/>
+                    <a:lumOff val="15000"/>
+                  </a:schemeClr>
+                </a:solidFill>
                 <a:latin typeface="Tw Cen MT Condensed (Headings)"/>
                 <a:cs typeface="Arial" panose="020B0604020202020204" pitchFamily="34" charset="0"/>
               </a:rPr>
@@ -21294,6 +21358,12 @@
             </a:r>
             <a:r>
               <a:rPr lang="en-US" sz="2800" dirty="0" err="1">
+                <a:solidFill>
+                  <a:schemeClr val="tx1">
+                    <a:lumMod val="85000"/>
+                    <a:lumOff val="15000"/>
+                  </a:schemeClr>
+                </a:solidFill>
                 <a:latin typeface="Tw Cen MT Condensed (Headings)"/>
                 <a:cs typeface="Arial" panose="020B0604020202020204" pitchFamily="34" charset="0"/>
               </a:rPr>
@@ -21301,6 +21371,12 @@
             </a:r>
             <a:r>
               <a:rPr lang="en-US" sz="2800" dirty="0">
+                <a:solidFill>
+                  <a:schemeClr val="tx1">
+                    <a:lumMod val="85000"/>
+                    <a:lumOff val="15000"/>
+                  </a:schemeClr>
+                </a:solidFill>
                 <a:latin typeface="Tw Cen MT Condensed (Headings)"/>
                 <a:cs typeface="Arial" panose="020B0604020202020204" pitchFamily="34" charset="0"/>
               </a:rPr>
@@ -21311,6 +21387,12 @@
             <a:pPr algn="r"/>
             <a:r>
               <a:rPr lang="en-US" sz="2800" dirty="0">
+                <a:solidFill>
+                  <a:schemeClr val="tx1">
+                    <a:lumMod val="85000"/>
+                    <a:lumOff val="15000"/>
+                  </a:schemeClr>
+                </a:solidFill>
                 <a:latin typeface="Tw Cen MT Condensed (Headings)"/>
                 <a:cs typeface="Arial" panose="020B0604020202020204" pitchFamily="34" charset="0"/>
               </a:rPr>
@@ -21323,6 +21405,1892 @@
     <p:extLst>
       <p:ext uri="{BB962C8B-B14F-4D97-AF65-F5344CB8AC3E}">
         <p14:creationId xmlns:p14="http://schemas.microsoft.com/office/powerpoint/2010/main" val="257233791"/>
+      </p:ext>
+    </p:extLst>
+  </p:cSld>
+  <p:clrMapOvr>
+    <a:masterClrMapping/>
+  </p:clrMapOvr>
+</p:sld>
+</file>
+
+<file path=ppt/slides/slide10.xml><?xml version="1.0" encoding="utf-8"?>
+<p:sld xmlns:a="http://schemas.openxmlformats.org/drawingml/2006/main" xmlns:r="http://schemas.openxmlformats.org/officeDocument/2006/relationships" xmlns:p="http://schemas.openxmlformats.org/presentationml/2006/main">
+  <p:cSld>
+    <p:spTree>
+      <p:nvGrpSpPr>
+        <p:cNvPr id="1" name=""/>
+        <p:cNvGrpSpPr/>
+        <p:nvPr/>
+      </p:nvGrpSpPr>
+      <p:grpSpPr>
+        <a:xfrm>
+          <a:off x="0" y="0"/>
+          <a:ext cx="0" cy="0"/>
+          <a:chOff x="0" y="0"/>
+          <a:chExt cx="0" cy="0"/>
+        </a:xfrm>
+      </p:grpSpPr>
+      <p:sp>
+        <p:nvSpPr>
+          <p:cNvPr id="2" name="Title 1">
+            <a:extLst>
+              <a:ext uri="{FF2B5EF4-FFF2-40B4-BE49-F238E27FC236}">
+                <a16:creationId xmlns:a16="http://schemas.microsoft.com/office/drawing/2014/main" id="{7E79C0C7-BCE7-4BD3-9AD5-1F3CE14078A3}"/>
+              </a:ext>
+            </a:extLst>
+          </p:cNvPr>
+          <p:cNvSpPr>
+            <a:spLocks noGrp="1"/>
+          </p:cNvSpPr>
+          <p:nvPr>
+            <p:ph type="title"/>
+          </p:nvPr>
+        </p:nvSpPr>
+        <p:spPr/>
+        <p:txBody>
+          <a:bodyPr/>
+          <a:lstStyle/>
+          <a:p>
+            <a:pPr algn="ctr"/>
+            <a:r>
+              <a:rPr lang="en-US" dirty="0"/>
+              <a:t>Result:</a:t>
+            </a:r>
+            <a:br>
+              <a:rPr lang="en-US" dirty="0"/>
+            </a:br>
+            <a:r>
+              <a:rPr lang="en-US" dirty="0"/>
+              <a:t>The Calculation</a:t>
+            </a:r>
+            <a:endParaRPr lang="en-CA" dirty="0"/>
+          </a:p>
+        </p:txBody>
+      </p:sp>
+      <p:grpSp>
+        <p:nvGrpSpPr>
+          <p:cNvPr id="14" name="Group 13">
+            <a:extLst>
+              <a:ext uri="{FF2B5EF4-FFF2-40B4-BE49-F238E27FC236}">
+                <a16:creationId xmlns:a16="http://schemas.microsoft.com/office/drawing/2014/main" id="{1C2DBA09-C960-4AD8-86BC-08E3072ABF0F}"/>
+              </a:ext>
+            </a:extLst>
+          </p:cNvPr>
+          <p:cNvGrpSpPr/>
+          <p:nvPr/>
+        </p:nvGrpSpPr>
+        <p:grpSpPr>
+          <a:xfrm>
+            <a:off x="8092690" y="2453941"/>
+            <a:ext cx="3449054" cy="2187232"/>
+            <a:chOff x="8101399" y="2507849"/>
+            <a:chExt cx="3809128" cy="2415574"/>
+          </a:xfrm>
+        </p:grpSpPr>
+        <p:sp>
+          <p:nvSpPr>
+            <p:cNvPr id="8" name="Content Placeholder 2">
+              <a:extLst>
+                <a:ext uri="{FF2B5EF4-FFF2-40B4-BE49-F238E27FC236}">
+                  <a16:creationId xmlns:a16="http://schemas.microsoft.com/office/drawing/2014/main" id="{A8E95F8B-34C8-49DF-A9D0-D8FA1750F8DB}"/>
+                </a:ext>
+              </a:extLst>
+            </p:cNvPr>
+            <p:cNvSpPr txBox="1">
+              <a:spLocks/>
+            </p:cNvSpPr>
+            <p:nvPr/>
+          </p:nvSpPr>
+          <p:spPr>
+            <a:xfrm>
+              <a:off x="8101399" y="2507849"/>
+              <a:ext cx="3809128" cy="653143"/>
+            </a:xfrm>
+            <a:prstGeom prst="rect">
+              <a:avLst/>
+            </a:prstGeom>
+          </p:spPr>
+          <p:txBody>
+            <a:bodyPr vert="horz" lIns="45720" tIns="45720" rIns="45720" bIns="45720" rtlCol="0">
+              <a:normAutofit/>
+            </a:bodyPr>
+            <a:lstStyle>
+              <a:lvl1pPr marL="91440" indent="-91440" algn="l" defTabSz="914400" rtl="0" eaLnBrk="1" latinLnBrk="0" hangingPunct="1">
+                <a:lnSpc>
+                  <a:spcPct val="90000"/>
+                </a:lnSpc>
+                <a:spcBef>
+                  <a:spcPts val="1200"/>
+                </a:spcBef>
+                <a:spcAft>
+                  <a:spcPts val="200"/>
+                </a:spcAft>
+                <a:buClr>
+                  <a:schemeClr val="accent1"/>
+                </a:buClr>
+                <a:buSzPct val="100000"/>
+                <a:buFont typeface="Tw Cen MT" panose="020B0602020104020603" pitchFamily="34" charset="0"/>
+                <a:buChar char=" "/>
+                <a:defRPr sz="2200" kern="1200">
+                  <a:solidFill>
+                    <a:schemeClr val="tx1"/>
+                  </a:solidFill>
+                  <a:latin typeface="+mn-lt"/>
+                  <a:ea typeface="+mn-ea"/>
+                  <a:cs typeface="+mn-cs"/>
+                </a:defRPr>
+              </a:lvl1pPr>
+              <a:lvl2pPr marL="265176" indent="-137160" algn="l" defTabSz="914400" rtl="0" eaLnBrk="1" latinLnBrk="0" hangingPunct="1">
+                <a:lnSpc>
+                  <a:spcPct val="90000"/>
+                </a:lnSpc>
+                <a:spcBef>
+                  <a:spcPts val="200"/>
+                </a:spcBef>
+                <a:spcAft>
+                  <a:spcPts val="400"/>
+                </a:spcAft>
+                <a:buClr>
+                  <a:schemeClr val="accent1"/>
+                </a:buClr>
+                <a:buFont typeface="Wingdings 3" pitchFamily="18" charset="2"/>
+                <a:buChar char=""/>
+                <a:defRPr sz="1800" kern="1200">
+                  <a:solidFill>
+                    <a:schemeClr val="tx1"/>
+                  </a:solidFill>
+                  <a:latin typeface="+mn-lt"/>
+                  <a:ea typeface="+mn-ea"/>
+                  <a:cs typeface="+mn-cs"/>
+                </a:defRPr>
+              </a:lvl2pPr>
+              <a:lvl3pPr marL="448056" indent="-137160" algn="l" defTabSz="914400" rtl="0" eaLnBrk="1" latinLnBrk="0" hangingPunct="1">
+                <a:lnSpc>
+                  <a:spcPct val="90000"/>
+                </a:lnSpc>
+                <a:spcBef>
+                  <a:spcPts val="200"/>
+                </a:spcBef>
+                <a:spcAft>
+                  <a:spcPts val="400"/>
+                </a:spcAft>
+                <a:buClr>
+                  <a:schemeClr val="accent1"/>
+                </a:buClr>
+                <a:buFont typeface="Wingdings 3" pitchFamily="18" charset="2"/>
+                <a:buChar char=""/>
+                <a:defRPr sz="1400" kern="1200">
+                  <a:solidFill>
+                    <a:schemeClr val="tx1"/>
+                  </a:solidFill>
+                  <a:latin typeface="+mn-lt"/>
+                  <a:ea typeface="+mn-ea"/>
+                  <a:cs typeface="+mn-cs"/>
+                </a:defRPr>
+              </a:lvl3pPr>
+              <a:lvl4pPr marL="594360" indent="-137160" algn="l" defTabSz="914400" rtl="0" eaLnBrk="1" latinLnBrk="0" hangingPunct="1">
+                <a:lnSpc>
+                  <a:spcPct val="90000"/>
+                </a:lnSpc>
+                <a:spcBef>
+                  <a:spcPts val="200"/>
+                </a:spcBef>
+                <a:spcAft>
+                  <a:spcPts val="400"/>
+                </a:spcAft>
+                <a:buClr>
+                  <a:schemeClr val="accent1"/>
+                </a:buClr>
+                <a:buFont typeface="Wingdings 3" pitchFamily="18" charset="2"/>
+                <a:buChar char=""/>
+                <a:defRPr sz="1400" kern="1200">
+                  <a:solidFill>
+                    <a:schemeClr val="tx1"/>
+                  </a:solidFill>
+                  <a:latin typeface="+mn-lt"/>
+                  <a:ea typeface="+mn-ea"/>
+                  <a:cs typeface="+mn-cs"/>
+                </a:defRPr>
+              </a:lvl4pPr>
+              <a:lvl5pPr marL="777240" indent="-137160" algn="l" defTabSz="914400" rtl="0" eaLnBrk="1" latinLnBrk="0" hangingPunct="1">
+                <a:lnSpc>
+                  <a:spcPct val="90000"/>
+                </a:lnSpc>
+                <a:spcBef>
+                  <a:spcPts val="200"/>
+                </a:spcBef>
+                <a:spcAft>
+                  <a:spcPts val="400"/>
+                </a:spcAft>
+                <a:buClr>
+                  <a:schemeClr val="accent1"/>
+                </a:buClr>
+                <a:buFont typeface="Wingdings 3" pitchFamily="18" charset="2"/>
+                <a:buChar char=""/>
+                <a:defRPr sz="1400" kern="1200">
+                  <a:solidFill>
+                    <a:schemeClr val="tx1"/>
+                  </a:solidFill>
+                  <a:latin typeface="+mn-lt"/>
+                  <a:ea typeface="+mn-ea"/>
+                  <a:cs typeface="+mn-cs"/>
+                </a:defRPr>
+              </a:lvl5pPr>
+              <a:lvl6pPr marL="914400" indent="-137160" algn="l" defTabSz="914400" rtl="0" eaLnBrk="1" latinLnBrk="0" hangingPunct="1">
+                <a:lnSpc>
+                  <a:spcPct val="90000"/>
+                </a:lnSpc>
+                <a:spcBef>
+                  <a:spcPts val="200"/>
+                </a:spcBef>
+                <a:spcAft>
+                  <a:spcPts val="400"/>
+                </a:spcAft>
+                <a:buClr>
+                  <a:schemeClr val="accent1"/>
+                </a:buClr>
+                <a:buFont typeface="Wingdings 3" pitchFamily="18" charset="2"/>
+                <a:buChar char=""/>
+                <a:defRPr sz="1400" kern="1200">
+                  <a:solidFill>
+                    <a:schemeClr val="tx1"/>
+                  </a:solidFill>
+                  <a:latin typeface="+mn-lt"/>
+                  <a:ea typeface="+mn-ea"/>
+                  <a:cs typeface="+mn-cs"/>
+                </a:defRPr>
+              </a:lvl6pPr>
+              <a:lvl7pPr marL="1060704" indent="-137160" algn="l" defTabSz="914400" rtl="0" eaLnBrk="1" latinLnBrk="0" hangingPunct="1">
+                <a:lnSpc>
+                  <a:spcPct val="90000"/>
+                </a:lnSpc>
+                <a:spcBef>
+                  <a:spcPts val="200"/>
+                </a:spcBef>
+                <a:spcAft>
+                  <a:spcPts val="400"/>
+                </a:spcAft>
+                <a:buClr>
+                  <a:schemeClr val="accent1"/>
+                </a:buClr>
+                <a:buFont typeface="Wingdings 3" pitchFamily="18" charset="2"/>
+                <a:buChar char=""/>
+                <a:defRPr sz="1400" kern="1200">
+                  <a:solidFill>
+                    <a:schemeClr val="tx1"/>
+                  </a:solidFill>
+                  <a:latin typeface="+mn-lt"/>
+                  <a:ea typeface="+mn-ea"/>
+                  <a:cs typeface="+mn-cs"/>
+                </a:defRPr>
+              </a:lvl7pPr>
+              <a:lvl8pPr marL="1216152" indent="-137160" algn="l" defTabSz="914400" rtl="0" eaLnBrk="1" latinLnBrk="0" hangingPunct="1">
+                <a:lnSpc>
+                  <a:spcPct val="90000"/>
+                </a:lnSpc>
+                <a:spcBef>
+                  <a:spcPts val="200"/>
+                </a:spcBef>
+                <a:spcAft>
+                  <a:spcPts val="400"/>
+                </a:spcAft>
+                <a:buClr>
+                  <a:schemeClr val="accent1"/>
+                </a:buClr>
+                <a:buFont typeface="Wingdings 3" pitchFamily="18" charset="2"/>
+                <a:buChar char=""/>
+                <a:defRPr sz="1400" kern="1200">
+                  <a:solidFill>
+                    <a:schemeClr val="tx1"/>
+                  </a:solidFill>
+                  <a:latin typeface="+mn-lt"/>
+                  <a:ea typeface="+mn-ea"/>
+                  <a:cs typeface="+mn-cs"/>
+                </a:defRPr>
+              </a:lvl8pPr>
+              <a:lvl9pPr marL="1362456" indent="-137160" algn="l" defTabSz="914400" rtl="0" eaLnBrk="1" latinLnBrk="0" hangingPunct="1">
+                <a:lnSpc>
+                  <a:spcPct val="90000"/>
+                </a:lnSpc>
+                <a:spcBef>
+                  <a:spcPts val="200"/>
+                </a:spcBef>
+                <a:spcAft>
+                  <a:spcPts val="400"/>
+                </a:spcAft>
+                <a:buClr>
+                  <a:schemeClr val="accent1"/>
+                </a:buClr>
+                <a:buFont typeface="Wingdings 3" pitchFamily="18" charset="2"/>
+                <a:buChar char=""/>
+                <a:defRPr sz="1400" kern="1200">
+                  <a:solidFill>
+                    <a:schemeClr val="tx1"/>
+                  </a:solidFill>
+                  <a:latin typeface="+mn-lt"/>
+                  <a:ea typeface="+mn-ea"/>
+                  <a:cs typeface="+mn-cs"/>
+                </a:defRPr>
+              </a:lvl9pPr>
+            </a:lstStyle>
+            <a:p>
+              <a:pPr algn="r"/>
+              <a:r>
+                <a:rPr lang="en-US" sz="2800" b="1" dirty="0"/>
+                <a:t>K Nearest </a:t>
+              </a:r>
+              <a:r>
+                <a:rPr lang="en-US" sz="2800" b="1" dirty="0" err="1"/>
+                <a:t>Neighbour</a:t>
+              </a:r>
+              <a:endParaRPr lang="en-US" sz="2800" b="1" dirty="0"/>
+            </a:p>
+          </p:txBody>
+        </p:sp>
+        <p:pic>
+          <p:nvPicPr>
+            <p:cNvPr id="6" name="Picture 5">
+              <a:extLst>
+                <a:ext uri="{FF2B5EF4-FFF2-40B4-BE49-F238E27FC236}">
+                  <a16:creationId xmlns:a16="http://schemas.microsoft.com/office/drawing/2014/main" id="{2F4F5D53-0C0B-4E11-95E7-462816F6BA54}"/>
+                </a:ext>
+              </a:extLst>
+            </p:cNvPr>
+            <p:cNvPicPr>
+              <a:picLocks noChangeAspect="1"/>
+            </p:cNvPicPr>
+            <p:nvPr/>
+          </p:nvPicPr>
+          <p:blipFill>
+            <a:blip r:embed="rId2"/>
+            <a:stretch>
+              <a:fillRect/>
+            </a:stretch>
+          </p:blipFill>
+          <p:spPr>
+            <a:xfrm>
+              <a:off x="8704145" y="3303037"/>
+              <a:ext cx="3090039" cy="1620386"/>
+            </a:xfrm>
+            <a:prstGeom prst="rect">
+              <a:avLst/>
+            </a:prstGeom>
+          </p:spPr>
+        </p:pic>
+      </p:grpSp>
+      <p:grpSp>
+        <p:nvGrpSpPr>
+          <p:cNvPr id="11" name="Group 10">
+            <a:extLst>
+              <a:ext uri="{FF2B5EF4-FFF2-40B4-BE49-F238E27FC236}">
+                <a16:creationId xmlns:a16="http://schemas.microsoft.com/office/drawing/2014/main" id="{2C64F804-4083-421D-8CF7-C32CF5D9CC6A}"/>
+              </a:ext>
+            </a:extLst>
+          </p:cNvPr>
+          <p:cNvGrpSpPr/>
+          <p:nvPr/>
+        </p:nvGrpSpPr>
+        <p:grpSpPr>
+          <a:xfrm>
+            <a:off x="130558" y="2481943"/>
+            <a:ext cx="3324448" cy="2130822"/>
+            <a:chOff x="857673" y="2481943"/>
+            <a:chExt cx="3809128" cy="2441480"/>
+          </a:xfrm>
+        </p:grpSpPr>
+        <p:sp>
+          <p:nvSpPr>
+            <p:cNvPr id="12" name="Content Placeholder 2">
+              <a:extLst>
+                <a:ext uri="{FF2B5EF4-FFF2-40B4-BE49-F238E27FC236}">
+                  <a16:creationId xmlns:a16="http://schemas.microsoft.com/office/drawing/2014/main" id="{881EFC97-0059-45E3-A83C-FA463C935E1B}"/>
+                </a:ext>
+              </a:extLst>
+            </p:cNvPr>
+            <p:cNvSpPr txBox="1">
+              <a:spLocks/>
+            </p:cNvSpPr>
+            <p:nvPr/>
+          </p:nvSpPr>
+          <p:spPr>
+            <a:xfrm>
+              <a:off x="857673" y="2481943"/>
+              <a:ext cx="3809128" cy="653143"/>
+            </a:xfrm>
+            <a:prstGeom prst="rect">
+              <a:avLst/>
+            </a:prstGeom>
+          </p:spPr>
+          <p:txBody>
+            <a:bodyPr vert="horz" lIns="45720" tIns="45720" rIns="45720" bIns="45720" rtlCol="0">
+              <a:normAutofit/>
+            </a:bodyPr>
+            <a:lstStyle>
+              <a:lvl1pPr marL="91440" indent="-91440" algn="l" defTabSz="914400" rtl="0" eaLnBrk="1" latinLnBrk="0" hangingPunct="1">
+                <a:lnSpc>
+                  <a:spcPct val="90000"/>
+                </a:lnSpc>
+                <a:spcBef>
+                  <a:spcPts val="1200"/>
+                </a:spcBef>
+                <a:spcAft>
+                  <a:spcPts val="200"/>
+                </a:spcAft>
+                <a:buClr>
+                  <a:schemeClr val="accent1"/>
+                </a:buClr>
+                <a:buSzPct val="100000"/>
+                <a:buFont typeface="Tw Cen MT" panose="020B0602020104020603" pitchFamily="34" charset="0"/>
+                <a:buChar char=" "/>
+                <a:defRPr sz="2200" kern="1200">
+                  <a:solidFill>
+                    <a:schemeClr val="tx1"/>
+                  </a:solidFill>
+                  <a:latin typeface="+mn-lt"/>
+                  <a:ea typeface="+mn-ea"/>
+                  <a:cs typeface="+mn-cs"/>
+                </a:defRPr>
+              </a:lvl1pPr>
+              <a:lvl2pPr marL="265176" indent="-137160" algn="l" defTabSz="914400" rtl="0" eaLnBrk="1" latinLnBrk="0" hangingPunct="1">
+                <a:lnSpc>
+                  <a:spcPct val="90000"/>
+                </a:lnSpc>
+                <a:spcBef>
+                  <a:spcPts val="200"/>
+                </a:spcBef>
+                <a:spcAft>
+                  <a:spcPts val="400"/>
+                </a:spcAft>
+                <a:buClr>
+                  <a:schemeClr val="accent1"/>
+                </a:buClr>
+                <a:buFont typeface="Wingdings 3" pitchFamily="18" charset="2"/>
+                <a:buChar char=""/>
+                <a:defRPr sz="1800" kern="1200">
+                  <a:solidFill>
+                    <a:schemeClr val="tx1"/>
+                  </a:solidFill>
+                  <a:latin typeface="+mn-lt"/>
+                  <a:ea typeface="+mn-ea"/>
+                  <a:cs typeface="+mn-cs"/>
+                </a:defRPr>
+              </a:lvl2pPr>
+              <a:lvl3pPr marL="448056" indent="-137160" algn="l" defTabSz="914400" rtl="0" eaLnBrk="1" latinLnBrk="0" hangingPunct="1">
+                <a:lnSpc>
+                  <a:spcPct val="90000"/>
+                </a:lnSpc>
+                <a:spcBef>
+                  <a:spcPts val="200"/>
+                </a:spcBef>
+                <a:spcAft>
+                  <a:spcPts val="400"/>
+                </a:spcAft>
+                <a:buClr>
+                  <a:schemeClr val="accent1"/>
+                </a:buClr>
+                <a:buFont typeface="Wingdings 3" pitchFamily="18" charset="2"/>
+                <a:buChar char=""/>
+                <a:defRPr sz="1400" kern="1200">
+                  <a:solidFill>
+                    <a:schemeClr val="tx1"/>
+                  </a:solidFill>
+                  <a:latin typeface="+mn-lt"/>
+                  <a:ea typeface="+mn-ea"/>
+                  <a:cs typeface="+mn-cs"/>
+                </a:defRPr>
+              </a:lvl3pPr>
+              <a:lvl4pPr marL="594360" indent="-137160" algn="l" defTabSz="914400" rtl="0" eaLnBrk="1" latinLnBrk="0" hangingPunct="1">
+                <a:lnSpc>
+                  <a:spcPct val="90000"/>
+                </a:lnSpc>
+                <a:spcBef>
+                  <a:spcPts val="200"/>
+                </a:spcBef>
+                <a:spcAft>
+                  <a:spcPts val="400"/>
+                </a:spcAft>
+                <a:buClr>
+                  <a:schemeClr val="accent1"/>
+                </a:buClr>
+                <a:buFont typeface="Wingdings 3" pitchFamily="18" charset="2"/>
+                <a:buChar char=""/>
+                <a:defRPr sz="1400" kern="1200">
+                  <a:solidFill>
+                    <a:schemeClr val="tx1"/>
+                  </a:solidFill>
+                  <a:latin typeface="+mn-lt"/>
+                  <a:ea typeface="+mn-ea"/>
+                  <a:cs typeface="+mn-cs"/>
+                </a:defRPr>
+              </a:lvl4pPr>
+              <a:lvl5pPr marL="777240" indent="-137160" algn="l" defTabSz="914400" rtl="0" eaLnBrk="1" latinLnBrk="0" hangingPunct="1">
+                <a:lnSpc>
+                  <a:spcPct val="90000"/>
+                </a:lnSpc>
+                <a:spcBef>
+                  <a:spcPts val="200"/>
+                </a:spcBef>
+                <a:spcAft>
+                  <a:spcPts val="400"/>
+                </a:spcAft>
+                <a:buClr>
+                  <a:schemeClr val="accent1"/>
+                </a:buClr>
+                <a:buFont typeface="Wingdings 3" pitchFamily="18" charset="2"/>
+                <a:buChar char=""/>
+                <a:defRPr sz="1400" kern="1200">
+                  <a:solidFill>
+                    <a:schemeClr val="tx1"/>
+                  </a:solidFill>
+                  <a:latin typeface="+mn-lt"/>
+                  <a:ea typeface="+mn-ea"/>
+                  <a:cs typeface="+mn-cs"/>
+                </a:defRPr>
+              </a:lvl5pPr>
+              <a:lvl6pPr marL="914400" indent="-137160" algn="l" defTabSz="914400" rtl="0" eaLnBrk="1" latinLnBrk="0" hangingPunct="1">
+                <a:lnSpc>
+                  <a:spcPct val="90000"/>
+                </a:lnSpc>
+                <a:spcBef>
+                  <a:spcPts val="200"/>
+                </a:spcBef>
+                <a:spcAft>
+                  <a:spcPts val="400"/>
+                </a:spcAft>
+                <a:buClr>
+                  <a:schemeClr val="accent1"/>
+                </a:buClr>
+                <a:buFont typeface="Wingdings 3" pitchFamily="18" charset="2"/>
+                <a:buChar char=""/>
+                <a:defRPr sz="1400" kern="1200">
+                  <a:solidFill>
+                    <a:schemeClr val="tx1"/>
+                  </a:solidFill>
+                  <a:latin typeface="+mn-lt"/>
+                  <a:ea typeface="+mn-ea"/>
+                  <a:cs typeface="+mn-cs"/>
+                </a:defRPr>
+              </a:lvl6pPr>
+              <a:lvl7pPr marL="1060704" indent="-137160" algn="l" defTabSz="914400" rtl="0" eaLnBrk="1" latinLnBrk="0" hangingPunct="1">
+                <a:lnSpc>
+                  <a:spcPct val="90000"/>
+                </a:lnSpc>
+                <a:spcBef>
+                  <a:spcPts val="200"/>
+                </a:spcBef>
+                <a:spcAft>
+                  <a:spcPts val="400"/>
+                </a:spcAft>
+                <a:buClr>
+                  <a:schemeClr val="accent1"/>
+                </a:buClr>
+                <a:buFont typeface="Wingdings 3" pitchFamily="18" charset="2"/>
+                <a:buChar char=""/>
+                <a:defRPr sz="1400" kern="1200">
+                  <a:solidFill>
+                    <a:schemeClr val="tx1"/>
+                  </a:solidFill>
+                  <a:latin typeface="+mn-lt"/>
+                  <a:ea typeface="+mn-ea"/>
+                  <a:cs typeface="+mn-cs"/>
+                </a:defRPr>
+              </a:lvl7pPr>
+              <a:lvl8pPr marL="1216152" indent="-137160" algn="l" defTabSz="914400" rtl="0" eaLnBrk="1" latinLnBrk="0" hangingPunct="1">
+                <a:lnSpc>
+                  <a:spcPct val="90000"/>
+                </a:lnSpc>
+                <a:spcBef>
+                  <a:spcPts val="200"/>
+                </a:spcBef>
+                <a:spcAft>
+                  <a:spcPts val="400"/>
+                </a:spcAft>
+                <a:buClr>
+                  <a:schemeClr val="accent1"/>
+                </a:buClr>
+                <a:buFont typeface="Wingdings 3" pitchFamily="18" charset="2"/>
+                <a:buChar char=""/>
+                <a:defRPr sz="1400" kern="1200">
+                  <a:solidFill>
+                    <a:schemeClr val="tx1"/>
+                  </a:solidFill>
+                  <a:latin typeface="+mn-lt"/>
+                  <a:ea typeface="+mn-ea"/>
+                  <a:cs typeface="+mn-cs"/>
+                </a:defRPr>
+              </a:lvl8pPr>
+              <a:lvl9pPr marL="1362456" indent="-137160" algn="l" defTabSz="914400" rtl="0" eaLnBrk="1" latinLnBrk="0" hangingPunct="1">
+                <a:lnSpc>
+                  <a:spcPct val="90000"/>
+                </a:lnSpc>
+                <a:spcBef>
+                  <a:spcPts val="200"/>
+                </a:spcBef>
+                <a:spcAft>
+                  <a:spcPts val="400"/>
+                </a:spcAft>
+                <a:buClr>
+                  <a:schemeClr val="accent1"/>
+                </a:buClr>
+                <a:buFont typeface="Wingdings 3" pitchFamily="18" charset="2"/>
+                <a:buChar char=""/>
+                <a:defRPr sz="1400" kern="1200">
+                  <a:solidFill>
+                    <a:schemeClr val="tx1"/>
+                  </a:solidFill>
+                  <a:latin typeface="+mn-lt"/>
+                  <a:ea typeface="+mn-ea"/>
+                  <a:cs typeface="+mn-cs"/>
+                </a:defRPr>
+              </a:lvl9pPr>
+            </a:lstStyle>
+            <a:p>
+              <a:pPr algn="r"/>
+              <a:r>
+                <a:rPr lang="en-US" sz="2800" b="1" dirty="0"/>
+                <a:t>Logistic Regression</a:t>
+              </a:r>
+            </a:p>
+          </p:txBody>
+        </p:sp>
+        <p:pic>
+          <p:nvPicPr>
+            <p:cNvPr id="7" name="Picture 6">
+              <a:extLst>
+                <a:ext uri="{FF2B5EF4-FFF2-40B4-BE49-F238E27FC236}">
+                  <a16:creationId xmlns:a16="http://schemas.microsoft.com/office/drawing/2014/main" id="{058DDB7C-F697-4F89-8544-7CF6D1F80BFF}"/>
+                </a:ext>
+              </a:extLst>
+            </p:cNvPr>
+            <p:cNvPicPr>
+              <a:picLocks noChangeAspect="1"/>
+            </p:cNvPicPr>
+            <p:nvPr/>
+          </p:nvPicPr>
+          <p:blipFill>
+            <a:blip r:embed="rId3"/>
+            <a:stretch>
+              <a:fillRect/>
+            </a:stretch>
+          </p:blipFill>
+          <p:spPr>
+            <a:xfrm>
+              <a:off x="1453139" y="3303037"/>
+              <a:ext cx="3123917" cy="1620386"/>
+            </a:xfrm>
+            <a:prstGeom prst="rect">
+              <a:avLst/>
+            </a:prstGeom>
+          </p:spPr>
+        </p:pic>
+      </p:grpSp>
+      <p:grpSp>
+        <p:nvGrpSpPr>
+          <p:cNvPr id="20" name="Group 19">
+            <a:extLst>
+              <a:ext uri="{FF2B5EF4-FFF2-40B4-BE49-F238E27FC236}">
+                <a16:creationId xmlns:a16="http://schemas.microsoft.com/office/drawing/2014/main" id="{5DA8E89C-BD4E-45B2-9728-D5D4394312D2}"/>
+              </a:ext>
+            </a:extLst>
+          </p:cNvPr>
+          <p:cNvGrpSpPr/>
+          <p:nvPr/>
+        </p:nvGrpSpPr>
+        <p:grpSpPr>
+          <a:xfrm>
+            <a:off x="3817535" y="2475723"/>
+            <a:ext cx="3556749" cy="2216768"/>
+            <a:chOff x="3817535" y="2475723"/>
+            <a:chExt cx="3928066" cy="2448194"/>
+          </a:xfrm>
+        </p:grpSpPr>
+        <p:pic>
+          <p:nvPicPr>
+            <p:cNvPr id="16" name="Picture 15">
+              <a:extLst>
+                <a:ext uri="{FF2B5EF4-FFF2-40B4-BE49-F238E27FC236}">
+                  <a16:creationId xmlns:a16="http://schemas.microsoft.com/office/drawing/2014/main" id="{3E029577-236D-45CA-9A97-6C294B05AEB4}"/>
+                </a:ext>
+              </a:extLst>
+            </p:cNvPr>
+            <p:cNvPicPr>
+              <a:picLocks noChangeAspect="1"/>
+            </p:cNvPicPr>
+            <p:nvPr/>
+          </p:nvPicPr>
+          <p:blipFill>
+            <a:blip r:embed="rId4"/>
+            <a:stretch>
+              <a:fillRect/>
+            </a:stretch>
+          </p:blipFill>
+          <p:spPr>
+            <a:xfrm>
+              <a:off x="4421153" y="3135087"/>
+              <a:ext cx="3324448" cy="1788830"/>
+            </a:xfrm>
+            <a:prstGeom prst="rect">
+              <a:avLst/>
+            </a:prstGeom>
+          </p:spPr>
+        </p:pic>
+        <p:sp>
+          <p:nvSpPr>
+            <p:cNvPr id="23" name="Content Placeholder 2">
+              <a:extLst>
+                <a:ext uri="{FF2B5EF4-FFF2-40B4-BE49-F238E27FC236}">
+                  <a16:creationId xmlns:a16="http://schemas.microsoft.com/office/drawing/2014/main" id="{BF7384DD-912E-4677-A102-539BEC6EAC79}"/>
+                </a:ext>
+              </a:extLst>
+            </p:cNvPr>
+            <p:cNvSpPr txBox="1">
+              <a:spLocks/>
+            </p:cNvSpPr>
+            <p:nvPr/>
+          </p:nvSpPr>
+          <p:spPr>
+            <a:xfrm>
+              <a:off x="3817535" y="2475723"/>
+              <a:ext cx="3809128" cy="653143"/>
+            </a:xfrm>
+            <a:prstGeom prst="rect">
+              <a:avLst/>
+            </a:prstGeom>
+          </p:spPr>
+          <p:txBody>
+            <a:bodyPr vert="horz" lIns="45720" tIns="45720" rIns="45720" bIns="45720" rtlCol="0">
+              <a:normAutofit/>
+            </a:bodyPr>
+            <a:lstStyle>
+              <a:lvl1pPr marL="91440" indent="-91440" algn="l" defTabSz="914400" rtl="0" eaLnBrk="1" latinLnBrk="0" hangingPunct="1">
+                <a:lnSpc>
+                  <a:spcPct val="90000"/>
+                </a:lnSpc>
+                <a:spcBef>
+                  <a:spcPts val="1200"/>
+                </a:spcBef>
+                <a:spcAft>
+                  <a:spcPts val="200"/>
+                </a:spcAft>
+                <a:buClr>
+                  <a:schemeClr val="accent1"/>
+                </a:buClr>
+                <a:buSzPct val="100000"/>
+                <a:buFont typeface="Tw Cen MT" panose="020B0602020104020603" pitchFamily="34" charset="0"/>
+                <a:buChar char=" "/>
+                <a:defRPr sz="2200" kern="1200">
+                  <a:solidFill>
+                    <a:schemeClr val="tx1"/>
+                  </a:solidFill>
+                  <a:latin typeface="+mn-lt"/>
+                  <a:ea typeface="+mn-ea"/>
+                  <a:cs typeface="+mn-cs"/>
+                </a:defRPr>
+              </a:lvl1pPr>
+              <a:lvl2pPr marL="265176" indent="-137160" algn="l" defTabSz="914400" rtl="0" eaLnBrk="1" latinLnBrk="0" hangingPunct="1">
+                <a:lnSpc>
+                  <a:spcPct val="90000"/>
+                </a:lnSpc>
+                <a:spcBef>
+                  <a:spcPts val="200"/>
+                </a:spcBef>
+                <a:spcAft>
+                  <a:spcPts val="400"/>
+                </a:spcAft>
+                <a:buClr>
+                  <a:schemeClr val="accent1"/>
+                </a:buClr>
+                <a:buFont typeface="Wingdings 3" pitchFamily="18" charset="2"/>
+                <a:buChar char=""/>
+                <a:defRPr sz="1800" kern="1200">
+                  <a:solidFill>
+                    <a:schemeClr val="tx1"/>
+                  </a:solidFill>
+                  <a:latin typeface="+mn-lt"/>
+                  <a:ea typeface="+mn-ea"/>
+                  <a:cs typeface="+mn-cs"/>
+                </a:defRPr>
+              </a:lvl2pPr>
+              <a:lvl3pPr marL="448056" indent="-137160" algn="l" defTabSz="914400" rtl="0" eaLnBrk="1" latinLnBrk="0" hangingPunct="1">
+                <a:lnSpc>
+                  <a:spcPct val="90000"/>
+                </a:lnSpc>
+                <a:spcBef>
+                  <a:spcPts val="200"/>
+                </a:spcBef>
+                <a:spcAft>
+                  <a:spcPts val="400"/>
+                </a:spcAft>
+                <a:buClr>
+                  <a:schemeClr val="accent1"/>
+                </a:buClr>
+                <a:buFont typeface="Wingdings 3" pitchFamily="18" charset="2"/>
+                <a:buChar char=""/>
+                <a:defRPr sz="1400" kern="1200">
+                  <a:solidFill>
+                    <a:schemeClr val="tx1"/>
+                  </a:solidFill>
+                  <a:latin typeface="+mn-lt"/>
+                  <a:ea typeface="+mn-ea"/>
+                  <a:cs typeface="+mn-cs"/>
+                </a:defRPr>
+              </a:lvl3pPr>
+              <a:lvl4pPr marL="594360" indent="-137160" algn="l" defTabSz="914400" rtl="0" eaLnBrk="1" latinLnBrk="0" hangingPunct="1">
+                <a:lnSpc>
+                  <a:spcPct val="90000"/>
+                </a:lnSpc>
+                <a:spcBef>
+                  <a:spcPts val="200"/>
+                </a:spcBef>
+                <a:spcAft>
+                  <a:spcPts val="400"/>
+                </a:spcAft>
+                <a:buClr>
+                  <a:schemeClr val="accent1"/>
+                </a:buClr>
+                <a:buFont typeface="Wingdings 3" pitchFamily="18" charset="2"/>
+                <a:buChar char=""/>
+                <a:defRPr sz="1400" kern="1200">
+                  <a:solidFill>
+                    <a:schemeClr val="tx1"/>
+                  </a:solidFill>
+                  <a:latin typeface="+mn-lt"/>
+                  <a:ea typeface="+mn-ea"/>
+                  <a:cs typeface="+mn-cs"/>
+                </a:defRPr>
+              </a:lvl4pPr>
+              <a:lvl5pPr marL="777240" indent="-137160" algn="l" defTabSz="914400" rtl="0" eaLnBrk="1" latinLnBrk="0" hangingPunct="1">
+                <a:lnSpc>
+                  <a:spcPct val="90000"/>
+                </a:lnSpc>
+                <a:spcBef>
+                  <a:spcPts val="200"/>
+                </a:spcBef>
+                <a:spcAft>
+                  <a:spcPts val="400"/>
+                </a:spcAft>
+                <a:buClr>
+                  <a:schemeClr val="accent1"/>
+                </a:buClr>
+                <a:buFont typeface="Wingdings 3" pitchFamily="18" charset="2"/>
+                <a:buChar char=""/>
+                <a:defRPr sz="1400" kern="1200">
+                  <a:solidFill>
+                    <a:schemeClr val="tx1"/>
+                  </a:solidFill>
+                  <a:latin typeface="+mn-lt"/>
+                  <a:ea typeface="+mn-ea"/>
+                  <a:cs typeface="+mn-cs"/>
+                </a:defRPr>
+              </a:lvl5pPr>
+              <a:lvl6pPr marL="914400" indent="-137160" algn="l" defTabSz="914400" rtl="0" eaLnBrk="1" latinLnBrk="0" hangingPunct="1">
+                <a:lnSpc>
+                  <a:spcPct val="90000"/>
+                </a:lnSpc>
+                <a:spcBef>
+                  <a:spcPts val="200"/>
+                </a:spcBef>
+                <a:spcAft>
+                  <a:spcPts val="400"/>
+                </a:spcAft>
+                <a:buClr>
+                  <a:schemeClr val="accent1"/>
+                </a:buClr>
+                <a:buFont typeface="Wingdings 3" pitchFamily="18" charset="2"/>
+                <a:buChar char=""/>
+                <a:defRPr sz="1400" kern="1200">
+                  <a:solidFill>
+                    <a:schemeClr val="tx1"/>
+                  </a:solidFill>
+                  <a:latin typeface="+mn-lt"/>
+                  <a:ea typeface="+mn-ea"/>
+                  <a:cs typeface="+mn-cs"/>
+                </a:defRPr>
+              </a:lvl6pPr>
+              <a:lvl7pPr marL="1060704" indent="-137160" algn="l" defTabSz="914400" rtl="0" eaLnBrk="1" latinLnBrk="0" hangingPunct="1">
+                <a:lnSpc>
+                  <a:spcPct val="90000"/>
+                </a:lnSpc>
+                <a:spcBef>
+                  <a:spcPts val="200"/>
+                </a:spcBef>
+                <a:spcAft>
+                  <a:spcPts val="400"/>
+                </a:spcAft>
+                <a:buClr>
+                  <a:schemeClr val="accent1"/>
+                </a:buClr>
+                <a:buFont typeface="Wingdings 3" pitchFamily="18" charset="2"/>
+                <a:buChar char=""/>
+                <a:defRPr sz="1400" kern="1200">
+                  <a:solidFill>
+                    <a:schemeClr val="tx1"/>
+                  </a:solidFill>
+                  <a:latin typeface="+mn-lt"/>
+                  <a:ea typeface="+mn-ea"/>
+                  <a:cs typeface="+mn-cs"/>
+                </a:defRPr>
+              </a:lvl7pPr>
+              <a:lvl8pPr marL="1216152" indent="-137160" algn="l" defTabSz="914400" rtl="0" eaLnBrk="1" latinLnBrk="0" hangingPunct="1">
+                <a:lnSpc>
+                  <a:spcPct val="90000"/>
+                </a:lnSpc>
+                <a:spcBef>
+                  <a:spcPts val="200"/>
+                </a:spcBef>
+                <a:spcAft>
+                  <a:spcPts val="400"/>
+                </a:spcAft>
+                <a:buClr>
+                  <a:schemeClr val="accent1"/>
+                </a:buClr>
+                <a:buFont typeface="Wingdings 3" pitchFamily="18" charset="2"/>
+                <a:buChar char=""/>
+                <a:defRPr sz="1400" kern="1200">
+                  <a:solidFill>
+                    <a:schemeClr val="tx1"/>
+                  </a:solidFill>
+                  <a:latin typeface="+mn-lt"/>
+                  <a:ea typeface="+mn-ea"/>
+                  <a:cs typeface="+mn-cs"/>
+                </a:defRPr>
+              </a:lvl8pPr>
+              <a:lvl9pPr marL="1362456" indent="-137160" algn="l" defTabSz="914400" rtl="0" eaLnBrk="1" latinLnBrk="0" hangingPunct="1">
+                <a:lnSpc>
+                  <a:spcPct val="90000"/>
+                </a:lnSpc>
+                <a:spcBef>
+                  <a:spcPts val="200"/>
+                </a:spcBef>
+                <a:spcAft>
+                  <a:spcPts val="400"/>
+                </a:spcAft>
+                <a:buClr>
+                  <a:schemeClr val="accent1"/>
+                </a:buClr>
+                <a:buFont typeface="Wingdings 3" pitchFamily="18" charset="2"/>
+                <a:buChar char=""/>
+                <a:defRPr sz="1400" kern="1200">
+                  <a:solidFill>
+                    <a:schemeClr val="tx1"/>
+                  </a:solidFill>
+                  <a:latin typeface="+mn-lt"/>
+                  <a:ea typeface="+mn-ea"/>
+                  <a:cs typeface="+mn-cs"/>
+                </a:defRPr>
+              </a:lvl9pPr>
+            </a:lstStyle>
+            <a:p>
+              <a:pPr algn="r"/>
+              <a:r>
+                <a:rPr lang="en-US" sz="2800" b="1" dirty="0"/>
+                <a:t>Random Forest</a:t>
+              </a:r>
+            </a:p>
+          </p:txBody>
+        </p:sp>
+      </p:grpSp>
+      <p:sp>
+        <p:nvSpPr>
+          <p:cNvPr id="25" name="Rectangle 24">
+            <a:extLst>
+              <a:ext uri="{FF2B5EF4-FFF2-40B4-BE49-F238E27FC236}">
+                <a16:creationId xmlns:a16="http://schemas.microsoft.com/office/drawing/2014/main" id="{C0246016-4015-4106-9BEC-42143BFFBEBF}"/>
+              </a:ext>
+            </a:extLst>
+          </p:cNvPr>
+          <p:cNvSpPr/>
+          <p:nvPr/>
+        </p:nvSpPr>
+        <p:spPr>
+          <a:xfrm>
+            <a:off x="4449989" y="3671888"/>
+            <a:ext cx="2924295" cy="173831"/>
+          </a:xfrm>
+          <a:prstGeom prst="rect">
+            <a:avLst/>
+          </a:prstGeom>
+          <a:noFill/>
+          <a:ln w="28575">
+            <a:solidFill>
+              <a:schemeClr val="accent5">
+                <a:lumMod val="40000"/>
+                <a:lumOff val="60000"/>
+              </a:schemeClr>
+            </a:solidFill>
+          </a:ln>
+        </p:spPr>
+        <p:style>
+          <a:lnRef idx="2">
+            <a:schemeClr val="accent1">
+              <a:shade val="50000"/>
+            </a:schemeClr>
+          </a:lnRef>
+          <a:fillRef idx="1">
+            <a:schemeClr val="accent1"/>
+          </a:fillRef>
+          <a:effectRef idx="0">
+            <a:schemeClr val="accent1"/>
+          </a:effectRef>
+          <a:fontRef idx="minor">
+            <a:schemeClr val="lt1"/>
+          </a:fontRef>
+        </p:style>
+        <p:txBody>
+          <a:bodyPr rtlCol="0" anchor="ctr"/>
+          <a:lstStyle/>
+          <a:p>
+            <a:pPr algn="ctr"/>
+            <a:endParaRPr lang="en-CA"/>
+          </a:p>
+        </p:txBody>
+      </p:sp>
+      <p:pic>
+        <p:nvPicPr>
+          <p:cNvPr id="24" name="Picture 8" descr="Decade Awards Winner Cup Trophy - Gold Laurel Wreath Winners Cup Award - 6  Inch Tall - Engraved Plate on Request, Trophies - Amazon Canada">
+            <a:extLst>
+              <a:ext uri="{FF2B5EF4-FFF2-40B4-BE49-F238E27FC236}">
+                <a16:creationId xmlns:a16="http://schemas.microsoft.com/office/drawing/2014/main" id="{964B4FA0-BDC6-456B-9B13-2489D91960F0}"/>
+              </a:ext>
+            </a:extLst>
+          </p:cNvPr>
+          <p:cNvPicPr>
+            <a:picLocks noChangeAspect="1" noChangeArrowheads="1"/>
+          </p:cNvPicPr>
+          <p:nvPr/>
+        </p:nvPicPr>
+        <p:blipFill>
+          <a:blip r:embed="rId5">
+            <a:extLst>
+              <a:ext uri="{28A0092B-C50C-407E-A947-70E740481C1C}">
+                <a14:useLocalDpi xmlns:a14="http://schemas.microsoft.com/office/drawing/2010/main" val="0"/>
+              </a:ext>
+            </a:extLst>
+          </a:blip>
+          <a:srcRect/>
+          <a:stretch>
+            <a:fillRect/>
+          </a:stretch>
+        </p:blipFill>
+        <p:spPr bwMode="auto">
+          <a:xfrm>
+            <a:off x="5547920" y="4692491"/>
+            <a:ext cx="1129005" cy="1546502"/>
+          </a:xfrm>
+          <a:prstGeom prst="rect">
+            <a:avLst/>
+          </a:prstGeom>
+          <a:noFill/>
+          <a:extLst>
+            <a:ext uri="{909E8E84-426E-40DD-AFC4-6F175D3DCCD1}">
+              <a14:hiddenFill xmlns:a14="http://schemas.microsoft.com/office/drawing/2010/main">
+                <a:solidFill>
+                  <a:srgbClr val="FFFFFF"/>
+                </a:solidFill>
+              </a14:hiddenFill>
+            </a:ext>
+          </a:extLst>
+        </p:spPr>
+      </p:pic>
+    </p:spTree>
+    <p:extLst>
+      <p:ext uri="{BB962C8B-B14F-4D97-AF65-F5344CB8AC3E}">
+        <p14:creationId xmlns:p14="http://schemas.microsoft.com/office/powerpoint/2010/main" val="1409866069"/>
+      </p:ext>
+    </p:extLst>
+  </p:cSld>
+  <p:clrMapOvr>
+    <a:masterClrMapping/>
+  </p:clrMapOvr>
+  <p:timing>
+    <p:tnLst>
+      <p:par>
+        <p:cTn id="1" dur="indefinite" restart="never" nodeType="tmRoot">
+          <p:childTnLst>
+            <p:seq concurrent="1" nextAc="seek">
+              <p:cTn id="2" dur="indefinite" nodeType="mainSeq">
+                <p:childTnLst>
+                  <p:par>
+                    <p:cTn id="3" fill="hold">
+                      <p:stCondLst>
+                        <p:cond delay="indefinite"/>
+                        <p:cond evt="onBegin" delay="0">
+                          <p:tn val="2"/>
+                        </p:cond>
+                      </p:stCondLst>
+                      <p:childTnLst>
+                        <p:par>
+                          <p:cTn id="4" fill="hold">
+                            <p:stCondLst>
+                              <p:cond delay="0"/>
+                            </p:stCondLst>
+                            <p:childTnLst>
+                              <p:par>
+                                <p:cTn id="5" presetID="10" presetClass="entr" presetSubtype="0" fill="hold" nodeType="afterEffect">
+                                  <p:stCondLst>
+                                    <p:cond delay="0"/>
+                                  </p:stCondLst>
+                                  <p:childTnLst>
+                                    <p:set>
+                                      <p:cBhvr>
+                                        <p:cTn id="6" dur="1" fill="hold">
+                                          <p:stCondLst>
+                                            <p:cond delay="0"/>
+                                          </p:stCondLst>
+                                        </p:cTn>
+                                        <p:tgtEl>
+                                          <p:spTgt spid="11"/>
+                                        </p:tgtEl>
+                                        <p:attrNameLst>
+                                          <p:attrName>style.visibility</p:attrName>
+                                        </p:attrNameLst>
+                                      </p:cBhvr>
+                                      <p:to>
+                                        <p:strVal val="visible"/>
+                                      </p:to>
+                                    </p:set>
+                                    <p:animEffect transition="in" filter="fade">
+                                      <p:cBhvr>
+                                        <p:cTn id="7" dur="500"/>
+                                        <p:tgtEl>
+                                          <p:spTgt spid="11"/>
+                                        </p:tgtEl>
+                                      </p:cBhvr>
+                                    </p:animEffect>
+                                  </p:childTnLst>
+                                </p:cTn>
+                              </p:par>
+                            </p:childTnLst>
+                          </p:cTn>
+                        </p:par>
+                        <p:par>
+                          <p:cTn id="8" fill="hold">
+                            <p:stCondLst>
+                              <p:cond delay="500"/>
+                            </p:stCondLst>
+                            <p:childTnLst>
+                              <p:par>
+                                <p:cTn id="9" presetID="10" presetClass="entr" presetSubtype="0" fill="hold" nodeType="afterEffect">
+                                  <p:stCondLst>
+                                    <p:cond delay="0"/>
+                                  </p:stCondLst>
+                                  <p:childTnLst>
+                                    <p:set>
+                                      <p:cBhvr>
+                                        <p:cTn id="10" dur="1" fill="hold">
+                                          <p:stCondLst>
+                                            <p:cond delay="0"/>
+                                          </p:stCondLst>
+                                        </p:cTn>
+                                        <p:tgtEl>
+                                          <p:spTgt spid="20"/>
+                                        </p:tgtEl>
+                                        <p:attrNameLst>
+                                          <p:attrName>style.visibility</p:attrName>
+                                        </p:attrNameLst>
+                                      </p:cBhvr>
+                                      <p:to>
+                                        <p:strVal val="visible"/>
+                                      </p:to>
+                                    </p:set>
+                                    <p:animEffect transition="in" filter="fade">
+                                      <p:cBhvr>
+                                        <p:cTn id="11" dur="500"/>
+                                        <p:tgtEl>
+                                          <p:spTgt spid="20"/>
+                                        </p:tgtEl>
+                                      </p:cBhvr>
+                                    </p:animEffect>
+                                  </p:childTnLst>
+                                </p:cTn>
+                              </p:par>
+                            </p:childTnLst>
+                          </p:cTn>
+                        </p:par>
+                        <p:par>
+                          <p:cTn id="12" fill="hold">
+                            <p:stCondLst>
+                              <p:cond delay="1000"/>
+                            </p:stCondLst>
+                            <p:childTnLst>
+                              <p:par>
+                                <p:cTn id="13" presetID="10" presetClass="entr" presetSubtype="0" fill="hold" nodeType="afterEffect">
+                                  <p:stCondLst>
+                                    <p:cond delay="0"/>
+                                  </p:stCondLst>
+                                  <p:childTnLst>
+                                    <p:set>
+                                      <p:cBhvr>
+                                        <p:cTn id="14" dur="1" fill="hold">
+                                          <p:stCondLst>
+                                            <p:cond delay="0"/>
+                                          </p:stCondLst>
+                                        </p:cTn>
+                                        <p:tgtEl>
+                                          <p:spTgt spid="14"/>
+                                        </p:tgtEl>
+                                        <p:attrNameLst>
+                                          <p:attrName>style.visibility</p:attrName>
+                                        </p:attrNameLst>
+                                      </p:cBhvr>
+                                      <p:to>
+                                        <p:strVal val="visible"/>
+                                      </p:to>
+                                    </p:set>
+                                    <p:animEffect transition="in" filter="fade">
+                                      <p:cBhvr>
+                                        <p:cTn id="15" dur="500"/>
+                                        <p:tgtEl>
+                                          <p:spTgt spid="14"/>
+                                        </p:tgtEl>
+                                      </p:cBhvr>
+                                    </p:animEffect>
+                                  </p:childTnLst>
+                                </p:cTn>
+                              </p:par>
+                            </p:childTnLst>
+                          </p:cTn>
+                        </p:par>
+                      </p:childTnLst>
+                    </p:cTn>
+                  </p:par>
+                  <p:par>
+                    <p:cTn id="16" fill="hold">
+                      <p:stCondLst>
+                        <p:cond delay="indefinite"/>
+                      </p:stCondLst>
+                      <p:childTnLst>
+                        <p:par>
+                          <p:cTn id="17" fill="hold">
+                            <p:stCondLst>
+                              <p:cond delay="0"/>
+                            </p:stCondLst>
+                            <p:childTnLst>
+                              <p:par>
+                                <p:cTn id="18" presetID="14" presetClass="entr" presetSubtype="10" fill="hold" grpId="0" nodeType="clickEffect">
+                                  <p:stCondLst>
+                                    <p:cond delay="0"/>
+                                  </p:stCondLst>
+                                  <p:childTnLst>
+                                    <p:set>
+                                      <p:cBhvr>
+                                        <p:cTn id="19" dur="1" fill="hold">
+                                          <p:stCondLst>
+                                            <p:cond delay="0"/>
+                                          </p:stCondLst>
+                                        </p:cTn>
+                                        <p:tgtEl>
+                                          <p:spTgt spid="25"/>
+                                        </p:tgtEl>
+                                        <p:attrNameLst>
+                                          <p:attrName>style.visibility</p:attrName>
+                                        </p:attrNameLst>
+                                      </p:cBhvr>
+                                      <p:to>
+                                        <p:strVal val="visible"/>
+                                      </p:to>
+                                    </p:set>
+                                    <p:animEffect transition="in" filter="randombar(horizontal)">
+                                      <p:cBhvr>
+                                        <p:cTn id="20" dur="500"/>
+                                        <p:tgtEl>
+                                          <p:spTgt spid="25"/>
+                                        </p:tgtEl>
+                                      </p:cBhvr>
+                                    </p:animEffect>
+                                  </p:childTnLst>
+                                </p:cTn>
+                              </p:par>
+                            </p:childTnLst>
+                          </p:cTn>
+                        </p:par>
+                        <p:par>
+                          <p:cTn id="21" fill="hold">
+                            <p:stCondLst>
+                              <p:cond delay="500"/>
+                            </p:stCondLst>
+                            <p:childTnLst>
+                              <p:par>
+                                <p:cTn id="22" presetID="42" presetClass="entr" presetSubtype="0" fill="hold" nodeType="afterEffect">
+                                  <p:stCondLst>
+                                    <p:cond delay="0"/>
+                                  </p:stCondLst>
+                                  <p:childTnLst>
+                                    <p:set>
+                                      <p:cBhvr>
+                                        <p:cTn id="23" dur="1" fill="hold">
+                                          <p:stCondLst>
+                                            <p:cond delay="0"/>
+                                          </p:stCondLst>
+                                        </p:cTn>
+                                        <p:tgtEl>
+                                          <p:spTgt spid="24"/>
+                                        </p:tgtEl>
+                                        <p:attrNameLst>
+                                          <p:attrName>style.visibility</p:attrName>
+                                        </p:attrNameLst>
+                                      </p:cBhvr>
+                                      <p:to>
+                                        <p:strVal val="visible"/>
+                                      </p:to>
+                                    </p:set>
+                                    <p:animEffect transition="in" filter="fade">
+                                      <p:cBhvr>
+                                        <p:cTn id="24" dur="1000"/>
+                                        <p:tgtEl>
+                                          <p:spTgt spid="24"/>
+                                        </p:tgtEl>
+                                      </p:cBhvr>
+                                    </p:animEffect>
+                                    <p:anim calcmode="lin" valueType="num">
+                                      <p:cBhvr>
+                                        <p:cTn id="25" dur="1000" fill="hold"/>
+                                        <p:tgtEl>
+                                          <p:spTgt spid="24"/>
+                                        </p:tgtEl>
+                                        <p:attrNameLst>
+                                          <p:attrName>ppt_x</p:attrName>
+                                        </p:attrNameLst>
+                                      </p:cBhvr>
+                                      <p:tavLst>
+                                        <p:tav tm="0">
+                                          <p:val>
+                                            <p:strVal val="#ppt_x"/>
+                                          </p:val>
+                                        </p:tav>
+                                        <p:tav tm="100000">
+                                          <p:val>
+                                            <p:strVal val="#ppt_x"/>
+                                          </p:val>
+                                        </p:tav>
+                                      </p:tavLst>
+                                    </p:anim>
+                                    <p:anim calcmode="lin" valueType="num">
+                                      <p:cBhvr>
+                                        <p:cTn id="26" dur="1000" fill="hold"/>
+                                        <p:tgtEl>
+                                          <p:spTgt spid="24"/>
+                                        </p:tgtEl>
+                                        <p:attrNameLst>
+                                          <p:attrName>ppt_y</p:attrName>
+                                        </p:attrNameLst>
+                                      </p:cBhvr>
+                                      <p:tavLst>
+                                        <p:tav tm="0">
+                                          <p:val>
+                                            <p:strVal val="#ppt_y+.1"/>
+                                          </p:val>
+                                        </p:tav>
+                                        <p:tav tm="100000">
+                                          <p:val>
+                                            <p:strVal val="#ppt_y"/>
+                                          </p:val>
+                                        </p:tav>
+                                      </p:tavLst>
+                                    </p:anim>
+                                  </p:childTnLst>
+                                </p:cTn>
+                              </p:par>
+                            </p:childTnLst>
+                          </p:cTn>
+                        </p:par>
+                      </p:childTnLst>
+                    </p:cTn>
+                  </p:par>
+                </p:childTnLst>
+              </p:cTn>
+              <p:prevCondLst>
+                <p:cond evt="onPrev" delay="0">
+                  <p:tgtEl>
+                    <p:sldTgt/>
+                  </p:tgtEl>
+                </p:cond>
+              </p:prevCondLst>
+              <p:nextCondLst>
+                <p:cond evt="onNext" delay="0">
+                  <p:tgtEl>
+                    <p:sldTgt/>
+                  </p:tgtEl>
+                </p:cond>
+              </p:nextCondLst>
+            </p:seq>
+          </p:childTnLst>
+        </p:cTn>
+      </p:par>
+    </p:tnLst>
+    <p:bldLst>
+      <p:bldP spid="25" grpId="0" animBg="1"/>
+    </p:bldLst>
+  </p:timing>
+</p:sld>
+</file>
+
+<file path=ppt/slides/slide11.xml><?xml version="1.0" encoding="utf-8"?>
+<p:sld xmlns:a="http://schemas.openxmlformats.org/drawingml/2006/main" xmlns:r="http://schemas.openxmlformats.org/officeDocument/2006/relationships" xmlns:p="http://schemas.openxmlformats.org/presentationml/2006/main">
+  <p:cSld>
+    <p:spTree>
+      <p:nvGrpSpPr>
+        <p:cNvPr id="1" name=""/>
+        <p:cNvGrpSpPr/>
+        <p:nvPr/>
+      </p:nvGrpSpPr>
+      <p:grpSpPr>
+        <a:xfrm>
+          <a:off x="0" y="0"/>
+          <a:ext cx="0" cy="0"/>
+          <a:chOff x="0" y="0"/>
+          <a:chExt cx="0" cy="0"/>
+        </a:xfrm>
+      </p:grpSpPr>
+      <p:sp>
+        <p:nvSpPr>
+          <p:cNvPr id="2" name="Title 1">
+            <a:extLst>
+              <a:ext uri="{FF2B5EF4-FFF2-40B4-BE49-F238E27FC236}">
+                <a16:creationId xmlns:a16="http://schemas.microsoft.com/office/drawing/2014/main" id="{AD658922-B532-403D-B06C-C93940561F16}"/>
+              </a:ext>
+            </a:extLst>
+          </p:cNvPr>
+          <p:cNvSpPr>
+            <a:spLocks noGrp="1"/>
+          </p:cNvSpPr>
+          <p:nvPr>
+            <p:ph type="title"/>
+          </p:nvPr>
+        </p:nvSpPr>
+        <p:spPr/>
+        <p:txBody>
+          <a:bodyPr/>
+          <a:lstStyle/>
+          <a:p>
+            <a:r>
+              <a:rPr lang="en-US" dirty="0"/>
+              <a:t>R</a:t>
+            </a:r>
+            <a:r>
+              <a:rPr lang="en-CA" dirty="0" err="1"/>
+              <a:t>esult</a:t>
+            </a:r>
+            <a:r>
+              <a:rPr lang="en-CA" dirty="0"/>
+              <a:t>: Visualization</a:t>
+            </a:r>
+          </a:p>
+        </p:txBody>
+      </p:sp>
+      <p:sp>
+        <p:nvSpPr>
+          <p:cNvPr id="3" name="Content Placeholder 2">
+            <a:extLst>
+              <a:ext uri="{FF2B5EF4-FFF2-40B4-BE49-F238E27FC236}">
+                <a16:creationId xmlns:a16="http://schemas.microsoft.com/office/drawing/2014/main" id="{3D4E0D27-529A-47FB-B99B-695BAA22227F}"/>
+              </a:ext>
+            </a:extLst>
+          </p:cNvPr>
+          <p:cNvSpPr>
+            <a:spLocks noGrp="1"/>
+          </p:cNvSpPr>
+          <p:nvPr>
+            <p:ph idx="1"/>
+          </p:nvPr>
+        </p:nvSpPr>
+        <p:spPr/>
+        <p:txBody>
+          <a:bodyPr>
+            <a:normAutofit/>
+          </a:bodyPr>
+          <a:lstStyle/>
+          <a:p>
+            <a:pPr algn="ctr">
+              <a:lnSpc>
+                <a:spcPct val="250000"/>
+              </a:lnSpc>
+            </a:pPr>
+            <a:r>
+              <a:rPr lang="en-US" sz="2400" dirty="0">
+                <a:hlinkClick r:id="rId2"/>
+              </a:rPr>
+              <a:t>Click here for Tableau!</a:t>
+            </a:r>
+            <a:endParaRPr lang="en-CA" sz="2400" dirty="0"/>
+          </a:p>
+        </p:txBody>
+      </p:sp>
+    </p:spTree>
+    <p:extLst>
+      <p:ext uri="{BB962C8B-B14F-4D97-AF65-F5344CB8AC3E}">
+        <p14:creationId xmlns:p14="http://schemas.microsoft.com/office/powerpoint/2010/main" val="3905846690"/>
+      </p:ext>
+    </p:extLst>
+  </p:cSld>
+  <p:clrMapOvr>
+    <a:masterClrMapping/>
+  </p:clrMapOvr>
+</p:sld>
+</file>
+
+<file path=ppt/slides/slide12.xml><?xml version="1.0" encoding="utf-8"?>
+<p:sld xmlns:a="http://schemas.openxmlformats.org/drawingml/2006/main" xmlns:r="http://schemas.openxmlformats.org/officeDocument/2006/relationships" xmlns:p="http://schemas.openxmlformats.org/presentationml/2006/main" show="0">
+  <p:cSld>
+    <p:spTree>
+      <p:nvGrpSpPr>
+        <p:cNvPr id="1" name=""/>
+        <p:cNvGrpSpPr/>
+        <p:nvPr/>
+      </p:nvGrpSpPr>
+      <p:grpSpPr>
+        <a:xfrm>
+          <a:off x="0" y="0"/>
+          <a:ext cx="0" cy="0"/>
+          <a:chOff x="0" y="0"/>
+          <a:chExt cx="0" cy="0"/>
+        </a:xfrm>
+      </p:grpSpPr>
+      <p:sp>
+        <p:nvSpPr>
+          <p:cNvPr id="2" name="Title 1">
+            <a:extLst>
+              <a:ext uri="{FF2B5EF4-FFF2-40B4-BE49-F238E27FC236}">
+                <a16:creationId xmlns:a16="http://schemas.microsoft.com/office/drawing/2014/main" id="{8911DB4C-42F8-4978-A33F-2CCEA9D7E25B}"/>
+              </a:ext>
+            </a:extLst>
+          </p:cNvPr>
+          <p:cNvSpPr>
+            <a:spLocks noGrp="1"/>
+          </p:cNvSpPr>
+          <p:nvPr>
+            <p:ph type="title"/>
+          </p:nvPr>
+        </p:nvSpPr>
+        <p:spPr/>
+        <p:txBody>
+          <a:bodyPr/>
+          <a:lstStyle/>
+          <a:p>
+            <a:r>
+              <a:rPr lang="en-US" dirty="0"/>
+              <a:t>Visualization Result – part 1</a:t>
+            </a:r>
+            <a:endParaRPr lang="en-CA" dirty="0"/>
+          </a:p>
+        </p:txBody>
+      </p:sp>
+      <p:sp>
+        <p:nvSpPr>
+          <p:cNvPr id="3" name="Content Placeholder 2">
+            <a:extLst>
+              <a:ext uri="{FF2B5EF4-FFF2-40B4-BE49-F238E27FC236}">
+                <a16:creationId xmlns:a16="http://schemas.microsoft.com/office/drawing/2014/main" id="{1256FDAC-973A-4A0D-87CE-F7C9153D4193}"/>
+              </a:ext>
+            </a:extLst>
+          </p:cNvPr>
+          <p:cNvSpPr>
+            <a:spLocks noGrp="1"/>
+          </p:cNvSpPr>
+          <p:nvPr>
+            <p:ph idx="1"/>
+          </p:nvPr>
+        </p:nvSpPr>
+        <p:spPr/>
+        <p:txBody>
+          <a:bodyPr>
+            <a:normAutofit lnSpcReduction="10000"/>
+          </a:bodyPr>
+          <a:lstStyle/>
+          <a:p>
+            <a:r>
+              <a:rPr lang="en-US" dirty="0"/>
+              <a:t>Dashboard #1</a:t>
+            </a:r>
+          </a:p>
+          <a:p>
+            <a:r>
+              <a:rPr lang="en-US" dirty="0"/>
+              <a:t>Goal:</a:t>
+            </a:r>
+          </a:p>
+          <a:p>
+            <a:pPr>
+              <a:buFont typeface="Wingdings" panose="05000000000000000000" pitchFamily="2" charset="2"/>
+              <a:buChar char="v"/>
+            </a:pPr>
+            <a:r>
+              <a:rPr lang="en-US" dirty="0"/>
+              <a:t>Give quick understanding of our data size</a:t>
+            </a:r>
+          </a:p>
+          <a:p>
+            <a:pPr>
+              <a:buFont typeface="Wingdings" panose="05000000000000000000" pitchFamily="2" charset="2"/>
+              <a:buChar char="v"/>
+            </a:pPr>
+            <a:r>
+              <a:rPr lang="en-US"/>
+              <a:t>Show number of </a:t>
+            </a:r>
+            <a:r>
+              <a:rPr lang="en-US" dirty="0"/>
+              <a:t>the data before, and after we apply filter</a:t>
+            </a:r>
+          </a:p>
+          <a:p>
+            <a:pPr>
+              <a:buFont typeface="Wingdings" panose="05000000000000000000" pitchFamily="2" charset="2"/>
+              <a:buChar char="v"/>
+            </a:pPr>
+            <a:r>
+              <a:rPr lang="en-US" dirty="0"/>
+              <a:t>Show proportion of data (terminated, completed, </a:t>
+            </a:r>
+            <a:r>
+              <a:rPr lang="en-US" dirty="0" err="1"/>
+              <a:t>etc</a:t>
+            </a:r>
+            <a:r>
+              <a:rPr lang="en-US" dirty="0"/>
+              <a:t>)</a:t>
+            </a:r>
+          </a:p>
+          <a:p>
+            <a:pPr>
+              <a:buFont typeface="Wingdings" panose="05000000000000000000" pitchFamily="2" charset="2"/>
+              <a:buChar char="v"/>
+            </a:pPr>
+            <a:r>
+              <a:rPr lang="en-US" dirty="0"/>
+              <a:t>Emphasize:</a:t>
+            </a:r>
+          </a:p>
+          <a:p>
+            <a:pPr lvl="1">
+              <a:buFont typeface="Wingdings" panose="05000000000000000000" pitchFamily="2" charset="2"/>
+              <a:buChar char="v"/>
+            </a:pPr>
+            <a:r>
+              <a:rPr lang="en-US" dirty="0"/>
+              <a:t>Number of Trials at current filter state (Count of </a:t>
+            </a:r>
+            <a:r>
+              <a:rPr lang="en-US" dirty="0" err="1"/>
+              <a:t>FullTable</a:t>
+            </a:r>
+            <a:r>
+              <a:rPr lang="en-US" dirty="0"/>
+              <a:t>)</a:t>
+            </a:r>
+          </a:p>
+          <a:p>
+            <a:pPr lvl="1">
+              <a:buFont typeface="Wingdings" panose="05000000000000000000" pitchFamily="2" charset="2"/>
+              <a:buChar char="v"/>
+            </a:pPr>
+            <a:r>
+              <a:rPr lang="en-US" dirty="0"/>
+              <a:t>Percentage of Overall Status</a:t>
+            </a:r>
+          </a:p>
+          <a:p>
+            <a:pPr lvl="1">
+              <a:buFont typeface="Wingdings" panose="05000000000000000000" pitchFamily="2" charset="2"/>
+              <a:buChar char="v"/>
+            </a:pPr>
+            <a:r>
+              <a:rPr lang="en-US" dirty="0"/>
+              <a:t>Everything else is not necessary at this point, I think?</a:t>
+            </a:r>
+          </a:p>
+          <a:p>
+            <a:pPr lvl="1">
+              <a:buFont typeface="Wingdings" panose="05000000000000000000" pitchFamily="2" charset="2"/>
+              <a:buChar char="v"/>
+            </a:pPr>
+            <a:r>
+              <a:rPr lang="en-US" dirty="0"/>
+              <a:t>Maybe use only small part of Dashboard3, but in bigger size</a:t>
+            </a:r>
+          </a:p>
+        </p:txBody>
+      </p:sp>
+      <p:pic>
+        <p:nvPicPr>
+          <p:cNvPr id="4" name="Picture 3">
+            <a:extLst>
+              <a:ext uri="{FF2B5EF4-FFF2-40B4-BE49-F238E27FC236}">
+                <a16:creationId xmlns:a16="http://schemas.microsoft.com/office/drawing/2014/main" id="{7DB8BC43-E225-49C9-B44D-19FB2DB58AB2}"/>
+              </a:ext>
+            </a:extLst>
+          </p:cNvPr>
+          <p:cNvPicPr>
+            <a:picLocks noChangeAspect="1"/>
+          </p:cNvPicPr>
+          <p:nvPr/>
+        </p:nvPicPr>
+        <p:blipFill>
+          <a:blip r:embed="rId2"/>
+          <a:stretch>
+            <a:fillRect/>
+          </a:stretch>
+        </p:blipFill>
+        <p:spPr>
+          <a:xfrm>
+            <a:off x="8091718" y="2084832"/>
+            <a:ext cx="3809996" cy="3980495"/>
+          </a:xfrm>
+          <a:prstGeom prst="rect">
+            <a:avLst/>
+          </a:prstGeom>
+        </p:spPr>
+      </p:pic>
+    </p:spTree>
+    <p:extLst>
+      <p:ext uri="{BB962C8B-B14F-4D97-AF65-F5344CB8AC3E}">
+        <p14:creationId xmlns:p14="http://schemas.microsoft.com/office/powerpoint/2010/main" val="3757368934"/>
+      </p:ext>
+    </p:extLst>
+  </p:cSld>
+  <p:clrMapOvr>
+    <a:masterClrMapping/>
+  </p:clrMapOvr>
+</p:sld>
+</file>
+
+<file path=ppt/slides/slide13.xml><?xml version="1.0" encoding="utf-8"?>
+<p:sld xmlns:a="http://schemas.openxmlformats.org/drawingml/2006/main" xmlns:r="http://schemas.openxmlformats.org/officeDocument/2006/relationships" xmlns:p="http://schemas.openxmlformats.org/presentationml/2006/main" show="0">
+  <p:cSld>
+    <p:spTree>
+      <p:nvGrpSpPr>
+        <p:cNvPr id="1" name=""/>
+        <p:cNvGrpSpPr/>
+        <p:nvPr/>
+      </p:nvGrpSpPr>
+      <p:grpSpPr>
+        <a:xfrm>
+          <a:off x="0" y="0"/>
+          <a:ext cx="0" cy="0"/>
+          <a:chOff x="0" y="0"/>
+          <a:chExt cx="0" cy="0"/>
+        </a:xfrm>
+      </p:grpSpPr>
+      <p:sp>
+        <p:nvSpPr>
+          <p:cNvPr id="2" name="Title 1">
+            <a:extLst>
+              <a:ext uri="{FF2B5EF4-FFF2-40B4-BE49-F238E27FC236}">
+                <a16:creationId xmlns:a16="http://schemas.microsoft.com/office/drawing/2014/main" id="{8911DB4C-42F8-4978-A33F-2CCEA9D7E25B}"/>
+              </a:ext>
+            </a:extLst>
+          </p:cNvPr>
+          <p:cNvSpPr>
+            <a:spLocks noGrp="1"/>
+          </p:cNvSpPr>
+          <p:nvPr>
+            <p:ph type="title"/>
+          </p:nvPr>
+        </p:nvSpPr>
+        <p:spPr/>
+        <p:txBody>
+          <a:bodyPr/>
+          <a:lstStyle/>
+          <a:p>
+            <a:r>
+              <a:rPr lang="en-US" dirty="0"/>
+              <a:t>Visualization Result – part 2</a:t>
+            </a:r>
+            <a:endParaRPr lang="en-CA" dirty="0"/>
+          </a:p>
+        </p:txBody>
+      </p:sp>
+      <p:sp>
+        <p:nvSpPr>
+          <p:cNvPr id="3" name="Content Placeholder 2">
+            <a:extLst>
+              <a:ext uri="{FF2B5EF4-FFF2-40B4-BE49-F238E27FC236}">
+                <a16:creationId xmlns:a16="http://schemas.microsoft.com/office/drawing/2014/main" id="{1256FDAC-973A-4A0D-87CE-F7C9153D4193}"/>
+              </a:ext>
+            </a:extLst>
+          </p:cNvPr>
+          <p:cNvSpPr>
+            <a:spLocks noGrp="1"/>
+          </p:cNvSpPr>
+          <p:nvPr>
+            <p:ph idx="1"/>
+          </p:nvPr>
+        </p:nvSpPr>
+        <p:spPr/>
+        <p:txBody>
+          <a:bodyPr>
+            <a:normAutofit/>
+          </a:bodyPr>
+          <a:lstStyle/>
+          <a:p>
+            <a:r>
+              <a:rPr lang="en-US" dirty="0"/>
+              <a:t>Dashboard #2</a:t>
+            </a:r>
+          </a:p>
+          <a:p>
+            <a:r>
+              <a:rPr lang="en-US" dirty="0"/>
+              <a:t>Goal:</a:t>
+            </a:r>
+          </a:p>
+          <a:p>
+            <a:pPr>
+              <a:buFont typeface="Wingdings" panose="05000000000000000000" pitchFamily="2" charset="2"/>
+              <a:buChar char="v"/>
+            </a:pPr>
+            <a:r>
+              <a:rPr lang="en-US" dirty="0"/>
+              <a:t>Show viz result of Random Forest, highlighting 6 chosen features</a:t>
+            </a:r>
+          </a:p>
+          <a:p>
+            <a:pPr>
+              <a:buFont typeface="Wingdings" panose="05000000000000000000" pitchFamily="2" charset="2"/>
+              <a:buChar char="v"/>
+            </a:pPr>
+            <a:r>
+              <a:rPr lang="en-US" dirty="0"/>
+              <a:t>Allow user to navigate between different conditions, so they can compare </a:t>
+            </a:r>
+          </a:p>
+          <a:p>
+            <a:pPr>
+              <a:buFont typeface="Wingdings" panose="05000000000000000000" pitchFamily="2" charset="2"/>
+              <a:buChar char="v"/>
+            </a:pPr>
+            <a:r>
+              <a:rPr lang="en-US" dirty="0"/>
+              <a:t>Thought:</a:t>
+            </a:r>
+          </a:p>
+          <a:p>
+            <a:pPr lvl="1">
+              <a:buFont typeface="Wingdings" panose="05000000000000000000" pitchFamily="2" charset="2"/>
+              <a:buChar char="v"/>
+            </a:pPr>
+            <a:r>
+              <a:rPr lang="en-US" dirty="0"/>
+              <a:t>Basically Dashboard4, but we use only data from Random Forest Prediction</a:t>
+            </a:r>
+          </a:p>
+          <a:p>
+            <a:pPr lvl="1">
+              <a:buFont typeface="Wingdings" panose="05000000000000000000" pitchFamily="2" charset="2"/>
+              <a:buChar char="v"/>
+            </a:pPr>
+            <a:r>
+              <a:rPr lang="en-US" dirty="0"/>
+              <a:t>Let’s make sure the middle part is not blank</a:t>
+            </a:r>
+          </a:p>
+        </p:txBody>
+      </p:sp>
+    </p:spTree>
+    <p:extLst>
+      <p:ext uri="{BB962C8B-B14F-4D97-AF65-F5344CB8AC3E}">
+        <p14:creationId xmlns:p14="http://schemas.microsoft.com/office/powerpoint/2010/main" val="419308705"/>
       </p:ext>
     </p:extLst>
   </p:cSld>
@@ -21928,30 +23896,21 @@
                             </p:childTnLst>
                           </p:cTn>
                         </p:par>
-                      </p:childTnLst>
-                    </p:cTn>
-                  </p:par>
-                  <p:par>
-                    <p:cTn id="12" fill="hold">
-                      <p:stCondLst>
-                        <p:cond delay="indefinite"/>
-                      </p:stCondLst>
-                      <p:childTnLst>
                         <p:par>
-                          <p:cTn id="13" fill="hold">
+                          <p:cTn id="12" fill="hold">
                             <p:stCondLst>
-                              <p:cond delay="0"/>
+                              <p:cond delay="1000"/>
                             </p:stCondLst>
                             <p:childTnLst>
                               <p:par>
-                                <p:cTn id="14" presetID="42" presetClass="entr" presetSubtype="0" fill="hold" nodeType="clickEffect">
+                                <p:cTn id="13" presetID="42" presetClass="entr" presetSubtype="0" fill="hold" nodeType="afterEffect">
                                   <p:stCondLst>
                                     <p:cond delay="0"/>
                                   </p:stCondLst>
                                   <p:childTnLst>
                                     <p:set>
                                       <p:cBhvr>
-                                        <p:cTn id="15" dur="1" fill="hold">
+                                        <p:cTn id="14" dur="1" fill="hold">
                                           <p:stCondLst>
                                             <p:cond delay="0"/>
                                           </p:stCondLst>
@@ -21969,7 +23928,7 @@
                                     </p:set>
                                     <p:animEffect transition="in" filter="fade">
                                       <p:cBhvr>
-                                        <p:cTn id="16" dur="500"/>
+                                        <p:cTn id="15" dur="500"/>
                                         <p:tgtEl>
                                           <p:spTgt spid="16"/>
                                         </p:tgtEl>
@@ -21977,7 +23936,7 @@
                                     </p:animEffect>
                                     <p:anim calcmode="lin" valueType="num">
                                       <p:cBhvr>
-                                        <p:cTn id="17" dur="500" fill="hold"/>
+                                        <p:cTn id="16" dur="500" fill="hold"/>
                                         <p:tgtEl>
                                           <p:spTgt spid="16"/>
                                         </p:tgtEl>
@@ -22000,7 +23959,7 @@
                                     </p:anim>
                                     <p:anim calcmode="lin" valueType="num">
                                       <p:cBhvr>
-                                        <p:cTn id="18" dur="500" fill="hold"/>
+                                        <p:cTn id="17" dur="500" fill="hold"/>
                                         <p:tgtEl>
                                           <p:spTgt spid="16"/>
                                         </p:tgtEl>
@@ -22028,20 +23987,20 @@
                           </p:cTn>
                         </p:par>
                         <p:par>
-                          <p:cTn id="19" fill="hold">
+                          <p:cTn id="18" fill="hold">
                             <p:stCondLst>
-                              <p:cond delay="500"/>
+                              <p:cond delay="1500"/>
                             </p:stCondLst>
                             <p:childTnLst>
                               <p:par>
-                                <p:cTn id="20" presetID="42" presetClass="entr" presetSubtype="0" fill="hold" nodeType="afterEffect">
+                                <p:cTn id="19" presetID="42" presetClass="entr" presetSubtype="0" fill="hold" nodeType="afterEffect">
                                   <p:stCondLst>
                                     <p:cond delay="0"/>
                                   </p:stCondLst>
                                   <p:childTnLst>
                                     <p:set>
                                       <p:cBhvr>
-                                        <p:cTn id="21" dur="1" fill="hold">
+                                        <p:cTn id="20" dur="1" fill="hold">
                                           <p:stCondLst>
                                             <p:cond delay="0"/>
                                           </p:stCondLst>
@@ -22059,7 +24018,7 @@
                                     </p:set>
                                     <p:animEffect transition="in" filter="fade">
                                       <p:cBhvr>
-                                        <p:cTn id="22" dur="500"/>
+                                        <p:cTn id="21" dur="500"/>
                                         <p:tgtEl>
                                           <p:spTgt spid="17"/>
                                         </p:tgtEl>
@@ -22067,7 +24026,7 @@
                                     </p:animEffect>
                                     <p:anim calcmode="lin" valueType="num">
                                       <p:cBhvr>
-                                        <p:cTn id="23" dur="500" fill="hold"/>
+                                        <p:cTn id="22" dur="500" fill="hold"/>
                                         <p:tgtEl>
                                           <p:spTgt spid="17"/>
                                         </p:tgtEl>
@@ -22090,7 +24049,7 @@
                                     </p:anim>
                                     <p:anim calcmode="lin" valueType="num">
                                       <p:cBhvr>
-                                        <p:cTn id="24" dur="500" fill="hold"/>
+                                        <p:cTn id="23" dur="500" fill="hold"/>
                                         <p:tgtEl>
                                           <p:spTgt spid="17"/>
                                         </p:tgtEl>
@@ -22118,20 +24077,20 @@
                           </p:cTn>
                         </p:par>
                         <p:par>
-                          <p:cTn id="25" fill="hold">
+                          <p:cTn id="24" fill="hold">
                             <p:stCondLst>
-                              <p:cond delay="1000"/>
+                              <p:cond delay="2000"/>
                             </p:stCondLst>
                             <p:childTnLst>
                               <p:par>
-                                <p:cTn id="26" presetID="42" presetClass="entr" presetSubtype="0" fill="hold" nodeType="afterEffect">
+                                <p:cTn id="25" presetID="42" presetClass="entr" presetSubtype="0" fill="hold" nodeType="afterEffect">
                                   <p:stCondLst>
                                     <p:cond delay="0"/>
                                   </p:stCondLst>
                                   <p:childTnLst>
                                     <p:set>
                                       <p:cBhvr>
-                                        <p:cTn id="27" dur="1" fill="hold">
+                                        <p:cTn id="26" dur="1" fill="hold">
                                           <p:stCondLst>
                                             <p:cond delay="0"/>
                                           </p:stCondLst>
@@ -22149,7 +24108,7 @@
                                     </p:set>
                                     <p:animEffect transition="in" filter="fade">
                                       <p:cBhvr>
-                                        <p:cTn id="28" dur="500"/>
+                                        <p:cTn id="27" dur="500"/>
                                         <p:tgtEl>
                                           <p:spTgt spid="18"/>
                                         </p:tgtEl>
@@ -22157,7 +24116,7 @@
                                     </p:animEffect>
                                     <p:anim calcmode="lin" valueType="num">
                                       <p:cBhvr>
-                                        <p:cTn id="29" dur="500" fill="hold"/>
+                                        <p:cTn id="28" dur="500" fill="hold"/>
                                         <p:tgtEl>
                                           <p:spTgt spid="18"/>
                                         </p:tgtEl>
@@ -22180,7 +24139,7 @@
                                     </p:anim>
                                     <p:anim calcmode="lin" valueType="num">
                                       <p:cBhvr>
-                                        <p:cTn id="30" dur="500" fill="hold"/>
+                                        <p:cTn id="29" dur="500" fill="hold"/>
                                         <p:tgtEl>
                                           <p:spTgt spid="18"/>
                                         </p:tgtEl>
@@ -22208,20 +24167,20 @@
                           </p:cTn>
                         </p:par>
                         <p:par>
-                          <p:cTn id="31" fill="hold">
+                          <p:cTn id="30" fill="hold">
                             <p:stCondLst>
-                              <p:cond delay="1500"/>
+                              <p:cond delay="2500"/>
                             </p:stCondLst>
                             <p:childTnLst>
                               <p:par>
-                                <p:cTn id="32" presetID="42" presetClass="entr" presetSubtype="0" fill="hold" grpId="0" nodeType="afterEffect">
+                                <p:cTn id="31" presetID="42" presetClass="entr" presetSubtype="0" fill="hold" grpId="0" nodeType="afterEffect">
                                   <p:stCondLst>
                                     <p:cond delay="0"/>
                                   </p:stCondLst>
                                   <p:childTnLst>
                                     <p:set>
                                       <p:cBhvr>
-                                        <p:cTn id="33" dur="1" fill="hold">
+                                        <p:cTn id="32" dur="1" fill="hold">
                                           <p:stCondLst>
                                             <p:cond delay="0"/>
                                           </p:stCondLst>
@@ -22239,7 +24198,7 @@
                                     </p:set>
                                     <p:animEffect transition="in" filter="fade">
                                       <p:cBhvr>
-                                        <p:cTn id="34" dur="500"/>
+                                        <p:cTn id="33" dur="500"/>
                                         <p:tgtEl>
                                           <p:spTgt spid="13"/>
                                         </p:tgtEl>
@@ -22247,7 +24206,7 @@
                                     </p:animEffect>
                                     <p:anim calcmode="lin" valueType="num">
                                       <p:cBhvr>
-                                        <p:cTn id="35" dur="500" fill="hold"/>
+                                        <p:cTn id="34" dur="500" fill="hold"/>
                                         <p:tgtEl>
                                           <p:spTgt spid="13"/>
                                         </p:tgtEl>
@@ -22270,7 +24229,7 @@
                                     </p:anim>
                                     <p:anim calcmode="lin" valueType="num">
                                       <p:cBhvr>
-                                        <p:cTn id="36" dur="500" fill="hold"/>
+                                        <p:cTn id="35" dur="500" fill="hold"/>
                                         <p:tgtEl>
                                           <p:spTgt spid="13"/>
                                         </p:tgtEl>
@@ -22417,17 +24376,7 @@
             </a:pPr>
             <a:r>
               <a:rPr lang="en-CA" dirty="0"/>
-              <a:t>Jacks up cost of healthcare</a:t>
-            </a:r>
-          </a:p>
-          <a:p>
-            <a:pPr>
-              <a:buFont typeface="Wingdings" panose="05000000000000000000" pitchFamily="2" charset="2"/>
-              <a:buChar char="v"/>
-            </a:pPr>
-            <a:r>
-              <a:rPr lang="en-CA" dirty="0"/>
-              <a:t>It is not curative</a:t>
+              <a:t>Increases cost of healthcare</a:t>
             </a:r>
           </a:p>
           <a:p>
@@ -23927,7 +25876,7 @@
             </a:br>
             <a:r>
               <a:rPr lang="en-US" dirty="0"/>
-              <a:t>3. Data Storage and Pull</a:t>
+              <a:t>3. Data Storage</a:t>
             </a:r>
             <a:endParaRPr lang="en-CA" dirty="0"/>
           </a:p>
@@ -23951,7 +25900,7 @@
         </p:nvSpPr>
         <p:spPr>
           <a:xfrm>
-            <a:off x="1024129" y="2286000"/>
+            <a:off x="3979600" y="2286000"/>
             <a:ext cx="3809128" cy="4023360"/>
           </a:xfrm>
         </p:spPr>
@@ -23964,340 +25913,150 @@
             <a:pPr algn="ctr"/>
             <a:r>
               <a:rPr lang="en-US" sz="2800" b="1" dirty="0"/>
-              <a:t>API Extraction</a:t>
+              <a:t>AWS RDS for Database, S3 for Storage</a:t>
             </a:r>
-          </a:p>
-          <a:p>
-            <a:pPr algn="ctr"/>
-            <a:r>
-              <a:rPr lang="en-US" sz="2000" dirty="0"/>
-              <a:t>140k trials to analyze</a:t>
-            </a:r>
-            <a:endParaRPr lang="en-CA" sz="2000" dirty="0"/>
           </a:p>
         </p:txBody>
       </p:sp>
       <p:pic>
         <p:nvPicPr>
-          <p:cNvPr id="5" name="Picture 4">
+          <p:cNvPr id="1028" name="Picture 4" descr="AWS — Amazon RDS vs Amazon EC2 Relational Databases — Comparison | by  Ashish Patel | Awesome Cloud | Medium">
             <a:extLst>
               <a:ext uri="{FF2B5EF4-FFF2-40B4-BE49-F238E27FC236}">
-                <a16:creationId xmlns:a16="http://schemas.microsoft.com/office/drawing/2014/main" id="{CE3EA799-6AC5-4FF2-B76E-09180F3E81B8}"/>
+                <a16:creationId xmlns:a16="http://schemas.microsoft.com/office/drawing/2014/main" id="{A180046F-7F16-4452-9C91-7A5DC0F77F25}"/>
               </a:ext>
             </a:extLst>
           </p:cNvPr>
           <p:cNvPicPr>
-            <a:picLocks noChangeAspect="1"/>
+            <a:picLocks noChangeAspect="1" noChangeArrowheads="1"/>
           </p:cNvPicPr>
           <p:nvPr/>
         </p:nvPicPr>
         <p:blipFill>
-          <a:blip r:embed="rId2"/>
+          <a:blip r:embed="rId2">
+            <a:extLst>
+              <a:ext uri="{28A0092B-C50C-407E-A947-70E740481C1C}">
+                <a14:useLocalDpi xmlns:a14="http://schemas.microsoft.com/office/drawing/2010/main" val="0"/>
+              </a:ext>
+            </a:extLst>
+          </a:blip>
+          <a:srcRect/>
           <a:stretch>
             <a:fillRect/>
           </a:stretch>
         </p:blipFill>
-        <p:spPr>
+        <p:spPr bwMode="auto">
           <a:xfrm>
-            <a:off x="1314432" y="3429000"/>
-            <a:ext cx="3291783" cy="2673241"/>
+            <a:off x="5659845" y="3490238"/>
+            <a:ext cx="2046082" cy="1275199"/>
           </a:xfrm>
           <a:prstGeom prst="rect">
             <a:avLst/>
           </a:prstGeom>
+          <a:noFill/>
+          <a:extLst>
+            <a:ext uri="{909E8E84-426E-40DD-AFC4-6F175D3DCCD1}">
+              <a14:hiddenFill xmlns:a14="http://schemas.microsoft.com/office/drawing/2010/main">
+                <a:solidFill>
+                  <a:srgbClr val="FFFFFF"/>
+                </a:solidFill>
+              </a14:hiddenFill>
+            </a:ext>
+          </a:extLst>
         </p:spPr>
       </p:pic>
-      <p:sp>
-        <p:nvSpPr>
-          <p:cNvPr id="6" name="Content Placeholder 2">
+      <p:pic>
+        <p:nvPicPr>
+          <p:cNvPr id="1030" name="Picture 6" descr="AWS —Amazon S3 Storage Classes Overview | by Ashish Patel | Awesome Cloud |  Medium">
             <a:extLst>
               <a:ext uri="{FF2B5EF4-FFF2-40B4-BE49-F238E27FC236}">
-                <a16:creationId xmlns:a16="http://schemas.microsoft.com/office/drawing/2014/main" id="{938D8C33-AEB2-42DD-83AC-3D8ABD527E42}"/>
+                <a16:creationId xmlns:a16="http://schemas.microsoft.com/office/drawing/2014/main" id="{A16F22DF-9FAF-49B3-8245-347FC1E5C0B7}"/>
               </a:ext>
             </a:extLst>
           </p:cNvPr>
-          <p:cNvSpPr txBox="1">
-            <a:spLocks/>
-          </p:cNvSpPr>
+          <p:cNvPicPr>
+            <a:picLocks noChangeAspect="1" noChangeArrowheads="1"/>
+          </p:cNvPicPr>
           <p:nvPr/>
-        </p:nvSpPr>
-        <p:spPr>
+        </p:nvPicPr>
+        <p:blipFill>
+          <a:blip r:embed="rId3">
+            <a:extLst>
+              <a:ext uri="{28A0092B-C50C-407E-A947-70E740481C1C}">
+                <a14:useLocalDpi xmlns:a14="http://schemas.microsoft.com/office/drawing/2010/main" val="0"/>
+              </a:ext>
+            </a:extLst>
+          </a:blip>
+          <a:srcRect/>
+          <a:stretch>
+            <a:fillRect/>
+          </a:stretch>
+        </p:blipFill>
+        <p:spPr bwMode="auto">
           <a:xfrm>
-            <a:off x="6430700" y="2249424"/>
-            <a:ext cx="3809128" cy="4023360"/>
+            <a:off x="4018194" y="3429000"/>
+            <a:ext cx="1865970" cy="1397676"/>
           </a:xfrm>
           <a:prstGeom prst="rect">
             <a:avLst/>
           </a:prstGeom>
+          <a:noFill/>
+          <a:extLst>
+            <a:ext uri="{909E8E84-426E-40DD-AFC4-6F175D3DCCD1}">
+              <a14:hiddenFill xmlns:a14="http://schemas.microsoft.com/office/drawing/2010/main">
+                <a:solidFill>
+                  <a:srgbClr val="FFFFFF"/>
+                </a:solidFill>
+              </a14:hiddenFill>
+            </a:ext>
+          </a:extLst>
         </p:spPr>
-        <p:txBody>
-          <a:bodyPr vert="horz" lIns="45720" tIns="45720" rIns="45720" bIns="45720" rtlCol="0">
-            <a:normAutofit/>
-          </a:bodyPr>
-          <a:lstStyle>
-            <a:lvl1pPr marL="91440" indent="-91440" algn="l" defTabSz="914400" rtl="0" eaLnBrk="1" latinLnBrk="0" hangingPunct="1">
-              <a:lnSpc>
-                <a:spcPct val="90000"/>
-              </a:lnSpc>
-              <a:spcBef>
-                <a:spcPts val="1200"/>
-              </a:spcBef>
-              <a:spcAft>
-                <a:spcPts val="200"/>
-              </a:spcAft>
-              <a:buClr>
-                <a:schemeClr val="accent1"/>
-              </a:buClr>
-              <a:buSzPct val="100000"/>
-              <a:buFont typeface="Tw Cen MT" panose="020B0602020104020603" pitchFamily="34" charset="0"/>
-              <a:buChar char=" "/>
-              <a:defRPr sz="2200" kern="1200">
-                <a:solidFill>
-                  <a:schemeClr val="tx1"/>
-                </a:solidFill>
-                <a:latin typeface="+mn-lt"/>
-                <a:ea typeface="+mn-ea"/>
-                <a:cs typeface="+mn-cs"/>
-              </a:defRPr>
-            </a:lvl1pPr>
-            <a:lvl2pPr marL="265176" indent="-137160" algn="l" defTabSz="914400" rtl="0" eaLnBrk="1" latinLnBrk="0" hangingPunct="1">
-              <a:lnSpc>
-                <a:spcPct val="90000"/>
-              </a:lnSpc>
-              <a:spcBef>
-                <a:spcPts val="200"/>
-              </a:spcBef>
-              <a:spcAft>
-                <a:spcPts val="400"/>
-              </a:spcAft>
-              <a:buClr>
-                <a:schemeClr val="accent1"/>
-              </a:buClr>
-              <a:buFont typeface="Wingdings 3" pitchFamily="18" charset="2"/>
-              <a:buChar char=""/>
-              <a:defRPr sz="1800" kern="1200">
-                <a:solidFill>
-                  <a:schemeClr val="tx1"/>
-                </a:solidFill>
-                <a:latin typeface="+mn-lt"/>
-                <a:ea typeface="+mn-ea"/>
-                <a:cs typeface="+mn-cs"/>
-              </a:defRPr>
-            </a:lvl2pPr>
-            <a:lvl3pPr marL="448056" indent="-137160" algn="l" defTabSz="914400" rtl="0" eaLnBrk="1" latinLnBrk="0" hangingPunct="1">
-              <a:lnSpc>
-                <a:spcPct val="90000"/>
-              </a:lnSpc>
-              <a:spcBef>
-                <a:spcPts val="200"/>
-              </a:spcBef>
-              <a:spcAft>
-                <a:spcPts val="400"/>
-              </a:spcAft>
-              <a:buClr>
-                <a:schemeClr val="accent1"/>
-              </a:buClr>
-              <a:buFont typeface="Wingdings 3" pitchFamily="18" charset="2"/>
-              <a:buChar char=""/>
-              <a:defRPr sz="1400" kern="1200">
-                <a:solidFill>
-                  <a:schemeClr val="tx1"/>
-                </a:solidFill>
-                <a:latin typeface="+mn-lt"/>
-                <a:ea typeface="+mn-ea"/>
-                <a:cs typeface="+mn-cs"/>
-              </a:defRPr>
-            </a:lvl3pPr>
-            <a:lvl4pPr marL="594360" indent="-137160" algn="l" defTabSz="914400" rtl="0" eaLnBrk="1" latinLnBrk="0" hangingPunct="1">
-              <a:lnSpc>
-                <a:spcPct val="90000"/>
-              </a:lnSpc>
-              <a:spcBef>
-                <a:spcPts val="200"/>
-              </a:spcBef>
-              <a:spcAft>
-                <a:spcPts val="400"/>
-              </a:spcAft>
-              <a:buClr>
-                <a:schemeClr val="accent1"/>
-              </a:buClr>
-              <a:buFont typeface="Wingdings 3" pitchFamily="18" charset="2"/>
-              <a:buChar char=""/>
-              <a:defRPr sz="1400" kern="1200">
-                <a:solidFill>
-                  <a:schemeClr val="tx1"/>
-                </a:solidFill>
-                <a:latin typeface="+mn-lt"/>
-                <a:ea typeface="+mn-ea"/>
-                <a:cs typeface="+mn-cs"/>
-              </a:defRPr>
-            </a:lvl4pPr>
-            <a:lvl5pPr marL="777240" indent="-137160" algn="l" defTabSz="914400" rtl="0" eaLnBrk="1" latinLnBrk="0" hangingPunct="1">
-              <a:lnSpc>
-                <a:spcPct val="90000"/>
-              </a:lnSpc>
-              <a:spcBef>
-                <a:spcPts val="200"/>
-              </a:spcBef>
-              <a:spcAft>
-                <a:spcPts val="400"/>
-              </a:spcAft>
-              <a:buClr>
-                <a:schemeClr val="accent1"/>
-              </a:buClr>
-              <a:buFont typeface="Wingdings 3" pitchFamily="18" charset="2"/>
-              <a:buChar char=""/>
-              <a:defRPr sz="1400" kern="1200">
-                <a:solidFill>
-                  <a:schemeClr val="tx1"/>
-                </a:solidFill>
-                <a:latin typeface="+mn-lt"/>
-                <a:ea typeface="+mn-ea"/>
-                <a:cs typeface="+mn-cs"/>
-              </a:defRPr>
-            </a:lvl5pPr>
-            <a:lvl6pPr marL="914400" indent="-137160" algn="l" defTabSz="914400" rtl="0" eaLnBrk="1" latinLnBrk="0" hangingPunct="1">
-              <a:lnSpc>
-                <a:spcPct val="90000"/>
-              </a:lnSpc>
-              <a:spcBef>
-                <a:spcPts val="200"/>
-              </a:spcBef>
-              <a:spcAft>
-                <a:spcPts val="400"/>
-              </a:spcAft>
-              <a:buClr>
-                <a:schemeClr val="accent1"/>
-              </a:buClr>
-              <a:buFont typeface="Wingdings 3" pitchFamily="18" charset="2"/>
-              <a:buChar char=""/>
-              <a:defRPr sz="1400" kern="1200">
-                <a:solidFill>
-                  <a:schemeClr val="tx1"/>
-                </a:solidFill>
-                <a:latin typeface="+mn-lt"/>
-                <a:ea typeface="+mn-ea"/>
-                <a:cs typeface="+mn-cs"/>
-              </a:defRPr>
-            </a:lvl6pPr>
-            <a:lvl7pPr marL="1060704" indent="-137160" algn="l" defTabSz="914400" rtl="0" eaLnBrk="1" latinLnBrk="0" hangingPunct="1">
-              <a:lnSpc>
-                <a:spcPct val="90000"/>
-              </a:lnSpc>
-              <a:spcBef>
-                <a:spcPts val="200"/>
-              </a:spcBef>
-              <a:spcAft>
-                <a:spcPts val="400"/>
-              </a:spcAft>
-              <a:buClr>
-                <a:schemeClr val="accent1"/>
-              </a:buClr>
-              <a:buFont typeface="Wingdings 3" pitchFamily="18" charset="2"/>
-              <a:buChar char=""/>
-              <a:defRPr sz="1400" kern="1200">
-                <a:solidFill>
-                  <a:schemeClr val="tx1"/>
-                </a:solidFill>
-                <a:latin typeface="+mn-lt"/>
-                <a:ea typeface="+mn-ea"/>
-                <a:cs typeface="+mn-cs"/>
-              </a:defRPr>
-            </a:lvl7pPr>
-            <a:lvl8pPr marL="1216152" indent="-137160" algn="l" defTabSz="914400" rtl="0" eaLnBrk="1" latinLnBrk="0" hangingPunct="1">
-              <a:lnSpc>
-                <a:spcPct val="90000"/>
-              </a:lnSpc>
-              <a:spcBef>
-                <a:spcPts val="200"/>
-              </a:spcBef>
-              <a:spcAft>
-                <a:spcPts val="400"/>
-              </a:spcAft>
-              <a:buClr>
-                <a:schemeClr val="accent1"/>
-              </a:buClr>
-              <a:buFont typeface="Wingdings 3" pitchFamily="18" charset="2"/>
-              <a:buChar char=""/>
-              <a:defRPr sz="1400" kern="1200">
-                <a:solidFill>
-                  <a:schemeClr val="tx1"/>
-                </a:solidFill>
-                <a:latin typeface="+mn-lt"/>
-                <a:ea typeface="+mn-ea"/>
-                <a:cs typeface="+mn-cs"/>
-              </a:defRPr>
-            </a:lvl8pPr>
-            <a:lvl9pPr marL="1362456" indent="-137160" algn="l" defTabSz="914400" rtl="0" eaLnBrk="1" latinLnBrk="0" hangingPunct="1">
-              <a:lnSpc>
-                <a:spcPct val="90000"/>
-              </a:lnSpc>
-              <a:spcBef>
-                <a:spcPts val="200"/>
-              </a:spcBef>
-              <a:spcAft>
-                <a:spcPts val="400"/>
-              </a:spcAft>
-              <a:buClr>
-                <a:schemeClr val="accent1"/>
-              </a:buClr>
-              <a:buFont typeface="Wingdings 3" pitchFamily="18" charset="2"/>
-              <a:buChar char=""/>
-              <a:defRPr sz="1400" kern="1200">
-                <a:solidFill>
-                  <a:schemeClr val="tx1"/>
-                </a:solidFill>
-                <a:latin typeface="+mn-lt"/>
-                <a:ea typeface="+mn-ea"/>
-                <a:cs typeface="+mn-cs"/>
-              </a:defRPr>
-            </a:lvl9pPr>
-          </a:lstStyle>
-          <a:p>
-            <a:pPr algn="ctr"/>
-            <a:r>
-              <a:rPr lang="en-US" sz="2800" b="1" dirty="0"/>
-              <a:t>Mostly Categorical Data</a:t>
-            </a:r>
-          </a:p>
-          <a:p>
-            <a:pPr algn="ctr"/>
-            <a:r>
-              <a:rPr lang="en-US" sz="2000" dirty="0"/>
-              <a:t>Hot Encoding Needed</a:t>
-            </a:r>
-            <a:endParaRPr lang="en-CA" sz="2000" dirty="0"/>
-          </a:p>
-        </p:txBody>
-      </p:sp>
+      </p:pic>
       <p:pic>
         <p:nvPicPr>
-          <p:cNvPr id="9" name="Picture 8">
+          <p:cNvPr id="1032" name="Picture 8" descr="Amazon RDS for PostgreSQL – Amazon Web Services (AWS)">
             <a:extLst>
               <a:ext uri="{FF2B5EF4-FFF2-40B4-BE49-F238E27FC236}">
-                <a16:creationId xmlns:a16="http://schemas.microsoft.com/office/drawing/2014/main" id="{FBA3C200-ECB1-42E8-8992-581AF77CE7B6}"/>
+                <a16:creationId xmlns:a16="http://schemas.microsoft.com/office/drawing/2014/main" id="{64B79BE4-020B-4B50-AFD8-2C4309D3ABC5}"/>
               </a:ext>
             </a:extLst>
           </p:cNvPr>
           <p:cNvPicPr>
-            <a:picLocks noChangeAspect="1"/>
+            <a:picLocks noChangeAspect="1" noChangeArrowheads="1"/>
           </p:cNvPicPr>
           <p:nvPr/>
         </p:nvPicPr>
         <p:blipFill>
-          <a:blip r:embed="rId3"/>
+          <a:blip r:embed="rId4">
+            <a:extLst>
+              <a:ext uri="{28A0092B-C50C-407E-A947-70E740481C1C}">
+                <a14:useLocalDpi xmlns:a14="http://schemas.microsoft.com/office/drawing/2010/main" val="0"/>
+              </a:ext>
+            </a:extLst>
+          </a:blip>
+          <a:srcRect/>
           <a:stretch>
             <a:fillRect/>
           </a:stretch>
         </p:blipFill>
-        <p:spPr>
+        <p:spPr bwMode="auto">
           <a:xfrm>
-            <a:off x="6329102" y="3429000"/>
-            <a:ext cx="4313500" cy="2440119"/>
+            <a:off x="5049445" y="5059783"/>
+            <a:ext cx="1440903" cy="1325631"/>
           </a:xfrm>
           <a:prstGeom prst="rect">
             <a:avLst/>
           </a:prstGeom>
+          <a:noFill/>
+          <a:extLst>
+            <a:ext uri="{909E8E84-426E-40DD-AFC4-6F175D3DCCD1}">
+              <a14:hiddenFill xmlns:a14="http://schemas.microsoft.com/office/drawing/2010/main">
+                <a:solidFill>
+                  <a:srgbClr val="FFFFFF"/>
+                </a:solidFill>
+              </a14:hiddenFill>
+            </a:ext>
+          </a:extLst>
         </p:spPr>
       </p:pic>
     </p:spTree>
@@ -24310,92 +26069,6 @@
   <p:clrMapOvr>
     <a:masterClrMapping/>
   </p:clrMapOvr>
-  <p:timing>
-    <p:tnLst>
-      <p:par>
-        <p:cTn id="1" dur="indefinite" restart="never" nodeType="tmRoot">
-          <p:childTnLst>
-            <p:seq concurrent="1" nextAc="seek">
-              <p:cTn id="2" dur="indefinite" nodeType="mainSeq">
-                <p:childTnLst>
-                  <p:par>
-                    <p:cTn id="3" fill="hold">
-                      <p:stCondLst>
-                        <p:cond delay="indefinite"/>
-                        <p:cond evt="onBegin" delay="0">
-                          <p:tn val="2"/>
-                        </p:cond>
-                      </p:stCondLst>
-                      <p:childTnLst>
-                        <p:par>
-                          <p:cTn id="4" fill="hold">
-                            <p:stCondLst>
-                              <p:cond delay="0"/>
-                            </p:stCondLst>
-                            <p:childTnLst>
-                              <p:par>
-                                <p:cTn id="5" presetID="14" presetClass="entr" presetSubtype="10" fill="hold" nodeType="afterEffect">
-                                  <p:stCondLst>
-                                    <p:cond delay="0"/>
-                                  </p:stCondLst>
-                                  <p:childTnLst>
-                                    <p:set>
-                                      <p:cBhvr>
-                                        <p:cTn id="6" dur="1" fill="hold">
-                                          <p:stCondLst>
-                                            <p:cond delay="0"/>
-                                          </p:stCondLst>
-                                        </p:cTn>
-                                        <p:tgtEl>
-                                          <p:spTgt spid="5"/>
-                                        </p:tgtEl>
-                                        <p:attrNameLst>
-                                          <p:attrName>style.visibility</p:attrName>
-                                        </p:attrNameLst>
-                                      </p:cBhvr>
-                                      <p:to>
-                                        <p:strVal val="visible"/>
-                                      </p:to>
-                                    </p:set>
-                                    <p:animEffect transition="in" filter="randombar(horizontal)">
-                                      <p:cBhvr>
-                                        <p:cTn id="7" dur="1400"/>
-                                        <p:tgtEl>
-                                          <p:spTgt spid="5"/>
-                                        </p:tgtEl>
-                                      </p:cBhvr>
-                                    </p:animEffect>
-                                  </p:childTnLst>
-                                </p:cTn>
-                              </p:par>
-                            </p:childTnLst>
-                          </p:cTn>
-                        </p:par>
-                      </p:childTnLst>
-                    </p:cTn>
-                  </p:par>
-                </p:childTnLst>
-              </p:cTn>
-              <p:prevCondLst>
-                <p:cond evt="onPrev" delay="0">
-                  <p:tgtEl>
-                    <p:sldTgt/>
-                  </p:tgtEl>
-                </p:cond>
-              </p:prevCondLst>
-              <p:nextCondLst>
-                <p:cond evt="onNext" delay="0">
-                  <p:tgtEl>
-                    <p:sldTgt/>
-                  </p:tgtEl>
-                </p:cond>
-              </p:nextCondLst>
-            </p:seq>
-          </p:childTnLst>
-        </p:cTn>
-      </p:par>
-    </p:tnLst>
-  </p:timing>
 </p:sld>
 </file>
 
@@ -24421,7 +26094,7 @@
           <p:cNvPr id="2" name="Title 1">
             <a:extLst>
               <a:ext uri="{FF2B5EF4-FFF2-40B4-BE49-F238E27FC236}">
-                <a16:creationId xmlns:a16="http://schemas.microsoft.com/office/drawing/2014/main" id="{8911DB4C-42F8-4978-A33F-2CCEA9D7E25B}"/>
+                <a16:creationId xmlns:a16="http://schemas.microsoft.com/office/drawing/2014/main" id="{7E79C0C7-BCE7-4BD3-9AD5-1F3CE14078A3}"/>
               </a:ext>
             </a:extLst>
           </p:cNvPr>
@@ -24437,9 +26110,25 @@
           <a:bodyPr/>
           <a:lstStyle/>
           <a:p>
+            <a:pPr algn="ctr"/>
             <a:r>
               <a:rPr lang="en-US" dirty="0"/>
-              <a:t>Let’s see </a:t>
+              <a:t>The process:</a:t>
+            </a:r>
+            <a:br>
+              <a:rPr lang="en-US" dirty="0"/>
+            </a:br>
+            <a:r>
+              <a:rPr lang="en-US" dirty="0"/>
+              <a:t>4. </a:t>
+            </a:r>
+            <a:r>
+              <a:rPr lang="en-US" dirty="0" err="1"/>
+              <a:t>Sklearn</a:t>
+            </a:r>
+            <a:r>
+              <a:rPr lang="en-US" dirty="0"/>
+              <a:t> for Machine Learning</a:t>
             </a:r>
             <a:endParaRPr lang="en-CA" dirty="0"/>
           </a:p>
@@ -24450,7 +26139,7 @@
           <p:cNvPr id="3" name="Content Placeholder 2">
             <a:extLst>
               <a:ext uri="{FF2B5EF4-FFF2-40B4-BE49-F238E27FC236}">
-                <a16:creationId xmlns:a16="http://schemas.microsoft.com/office/drawing/2014/main" id="{1256FDAC-973A-4A0D-87CE-F7C9153D4193}"/>
+                <a16:creationId xmlns:a16="http://schemas.microsoft.com/office/drawing/2014/main" id="{27B75759-5D25-4A42-AFDB-D22809BC55AA}"/>
               </a:ext>
             </a:extLst>
           </p:cNvPr>
@@ -24461,19 +26150,83 @@
             <p:ph idx="1"/>
           </p:nvPr>
         </p:nvSpPr>
-        <p:spPr/>
+        <p:spPr>
+          <a:xfrm>
+            <a:off x="8743388" y="2249424"/>
+            <a:ext cx="2901821" cy="4023360"/>
+          </a:xfrm>
+        </p:spPr>
         <p:txBody>
-          <a:bodyPr/>
+          <a:bodyPr>
+            <a:normAutofit/>
+          </a:bodyPr>
           <a:lstStyle/>
           <a:p>
-            <a:endParaRPr lang="en-CA"/>
+            <a:pPr>
+              <a:buFont typeface="Wingdings" panose="05000000000000000000" pitchFamily="2" charset="2"/>
+              <a:buChar char="v"/>
+            </a:pPr>
+            <a:r>
+              <a:rPr lang="en-US" sz="2800" b="1" dirty="0"/>
+              <a:t>Logistic Regression</a:t>
+            </a:r>
+          </a:p>
+          <a:p>
+            <a:pPr>
+              <a:buFont typeface="Wingdings" panose="05000000000000000000" pitchFamily="2" charset="2"/>
+              <a:buChar char="v"/>
+            </a:pPr>
+            <a:r>
+              <a:rPr lang="en-US" sz="2800" b="1" dirty="0"/>
+              <a:t>K Nearest Neighbor</a:t>
+            </a:r>
+          </a:p>
+          <a:p>
+            <a:pPr>
+              <a:buFont typeface="Wingdings" panose="05000000000000000000" pitchFamily="2" charset="2"/>
+              <a:buChar char="v"/>
+            </a:pPr>
+            <a:r>
+              <a:rPr lang="en-US" sz="2800" b="1" dirty="0"/>
+              <a:t>Random Forest</a:t>
+            </a:r>
           </a:p>
         </p:txBody>
       </p:sp>
+      <p:pic>
+        <p:nvPicPr>
+          <p:cNvPr id="4" name="Picture 3">
+            <a:extLst>
+              <a:ext uri="{FF2B5EF4-FFF2-40B4-BE49-F238E27FC236}">
+                <a16:creationId xmlns:a16="http://schemas.microsoft.com/office/drawing/2014/main" id="{10D059BD-6442-420B-BF95-03DCEEF984AF}"/>
+              </a:ext>
+            </a:extLst>
+          </p:cNvPr>
+          <p:cNvPicPr>
+            <a:picLocks noChangeAspect="1"/>
+          </p:cNvPicPr>
+          <p:nvPr/>
+        </p:nvPicPr>
+        <p:blipFill>
+          <a:blip r:embed="rId2"/>
+          <a:stretch>
+            <a:fillRect/>
+          </a:stretch>
+        </p:blipFill>
+        <p:spPr>
+          <a:xfrm>
+            <a:off x="447869" y="1902658"/>
+            <a:ext cx="7987004" cy="4955342"/>
+          </a:xfrm>
+          <a:prstGeom prst="rect">
+            <a:avLst/>
+          </a:prstGeom>
+        </p:spPr>
+      </p:pic>
     </p:spTree>
     <p:extLst>
       <p:ext uri="{BB962C8B-B14F-4D97-AF65-F5344CB8AC3E}">
-        <p14:creationId xmlns:p14="http://schemas.microsoft.com/office/powerpoint/2010/main" val="419308705"/>
+        <p14:creationId xmlns:p14="http://schemas.microsoft.com/office/powerpoint/2010/main" val="1403242579"/>
       </p:ext>
     </p:extLst>
   </p:cSld>

--- a/Resources/Clinical Trial.pptx
+++ b/Resources/Clinical Trial.pptx
@@ -10,14 +10,14 @@
   <p:sldIdLst>
     <p:sldId id="256" r:id="rId2"/>
     <p:sldId id="257" r:id="rId3"/>
-    <p:sldId id="258" r:id="rId4"/>
-    <p:sldId id="259" r:id="rId5"/>
-    <p:sldId id="260" r:id="rId6"/>
-    <p:sldId id="263" r:id="rId7"/>
-    <p:sldId id="261" r:id="rId8"/>
-    <p:sldId id="264" r:id="rId9"/>
-    <p:sldId id="265" r:id="rId10"/>
-    <p:sldId id="268" r:id="rId11"/>
+    <p:sldId id="259" r:id="rId4"/>
+    <p:sldId id="260" r:id="rId5"/>
+    <p:sldId id="263" r:id="rId6"/>
+    <p:sldId id="261" r:id="rId7"/>
+    <p:sldId id="264" r:id="rId8"/>
+    <p:sldId id="265" r:id="rId9"/>
+    <p:sldId id="268" r:id="rId10"/>
+    <p:sldId id="270" r:id="rId11"/>
     <p:sldId id="269" r:id="rId12"/>
     <p:sldId id="266" r:id="rId13"/>
     <p:sldId id="262" r:id="rId14"/>
@@ -209,7 +209,7 @@
           <a:p>
             <a:fld id="{DFD89309-4116-4A62-B245-75C2DF6E5497}" type="datetimeFigureOut">
               <a:rPr lang="en-CA" smtClean="0"/>
-              <a:t>2020-11-24</a:t>
+              <a:t>2020-12-07</a:t>
             </a:fld>
             <a:endParaRPr lang="en-CA"/>
           </a:p>
@@ -9367,7 +9367,7 @@
           <a:p>
             <a:fld id="{F0067077-601E-4248-BDB9-13B57BD865BB}" type="datetimeFigureOut">
               <a:rPr lang="en-CA" smtClean="0"/>
-              <a:t>2020-11-24</a:t>
+              <a:t>2020-12-07</a:t>
             </a:fld>
             <a:endParaRPr lang="en-CA"/>
           </a:p>
@@ -9574,7 +9574,7 @@
           <a:p>
             <a:fld id="{F0067077-601E-4248-BDB9-13B57BD865BB}" type="datetimeFigureOut">
               <a:rPr lang="en-CA" smtClean="0"/>
-              <a:t>2020-11-24</a:t>
+              <a:t>2020-12-07</a:t>
             </a:fld>
             <a:endParaRPr lang="en-CA"/>
           </a:p>
@@ -9754,7 +9754,7 @@
           <a:p>
             <a:fld id="{F0067077-601E-4248-BDB9-13B57BD865BB}" type="datetimeFigureOut">
               <a:rPr lang="en-CA" smtClean="0"/>
-              <a:t>2020-11-24</a:t>
+              <a:t>2020-12-07</a:t>
             </a:fld>
             <a:endParaRPr lang="en-CA"/>
           </a:p>
@@ -9959,7 +9959,7 @@
           <a:p>
             <a:fld id="{F0067077-601E-4248-BDB9-13B57BD865BB}" type="datetimeFigureOut">
               <a:rPr lang="en-CA" smtClean="0"/>
-              <a:t>2020-11-24</a:t>
+              <a:t>2020-12-07</a:t>
             </a:fld>
             <a:endParaRPr lang="en-CA"/>
           </a:p>
@@ -18857,7 +18857,7 @@
           <a:p>
             <a:fld id="{F0067077-601E-4248-BDB9-13B57BD865BB}" type="datetimeFigureOut">
               <a:rPr lang="en-CA" smtClean="0"/>
-              <a:t>2020-11-24</a:t>
+              <a:t>2020-12-07</a:t>
             </a:fld>
             <a:endParaRPr lang="en-CA"/>
           </a:p>
@@ -19131,7 +19131,7 @@
           <a:p>
             <a:fld id="{F0067077-601E-4248-BDB9-13B57BD865BB}" type="datetimeFigureOut">
               <a:rPr lang="en-CA" smtClean="0"/>
-              <a:t>2020-11-24</a:t>
+              <a:t>2020-12-07</a:t>
             </a:fld>
             <a:endParaRPr lang="en-CA"/>
           </a:p>
@@ -19529,7 +19529,7 @@
           <a:p>
             <a:fld id="{F0067077-601E-4248-BDB9-13B57BD865BB}" type="datetimeFigureOut">
               <a:rPr lang="en-CA" smtClean="0"/>
-              <a:t>2020-11-24</a:t>
+              <a:t>2020-12-07</a:t>
             </a:fld>
             <a:endParaRPr lang="en-CA"/>
           </a:p>
@@ -19647,7 +19647,7 @@
           <a:p>
             <a:fld id="{F0067077-601E-4248-BDB9-13B57BD865BB}" type="datetimeFigureOut">
               <a:rPr lang="en-CA" smtClean="0"/>
-              <a:t>2020-11-24</a:t>
+              <a:t>2020-12-07</a:t>
             </a:fld>
             <a:endParaRPr lang="en-CA"/>
           </a:p>
@@ -19742,7 +19742,7 @@
           <a:p>
             <a:fld id="{F0067077-601E-4248-BDB9-13B57BD865BB}" type="datetimeFigureOut">
               <a:rPr lang="en-CA" smtClean="0"/>
-              <a:t>2020-11-24</a:t>
+              <a:t>2020-12-07</a:t>
             </a:fld>
             <a:endParaRPr lang="en-CA"/>
           </a:p>
@@ -20032,7 +20032,7 @@
           <a:p>
             <a:fld id="{F0067077-601E-4248-BDB9-13B57BD865BB}" type="datetimeFigureOut">
               <a:rPr lang="en-CA" smtClean="0"/>
-              <a:t>2020-11-24</a:t>
+              <a:t>2020-12-07</a:t>
             </a:fld>
             <a:endParaRPr lang="en-CA"/>
           </a:p>
@@ -20312,7 +20312,7 @@
           <a:p>
             <a:fld id="{F0067077-601E-4248-BDB9-13B57BD865BB}" type="datetimeFigureOut">
               <a:rPr lang="en-CA" smtClean="0"/>
-              <a:t>2020-11-24</a:t>
+              <a:t>2020-12-07</a:t>
             </a:fld>
             <a:endParaRPr lang="en-CA"/>
           </a:p>
@@ -20562,7 +20562,7 @@
           <a:p>
             <a:fld id="{F0067077-601E-4248-BDB9-13B57BD865BB}" type="datetimeFigureOut">
               <a:rPr lang="en-CA" smtClean="0"/>
-              <a:t>2020-11-24</a:t>
+              <a:t>2020-12-07</a:t>
             </a:fld>
             <a:endParaRPr lang="en-CA"/>
           </a:p>
@@ -21436,7 +21436,7 @@
           <p:cNvPr id="2" name="Title 1">
             <a:extLst>
               <a:ext uri="{FF2B5EF4-FFF2-40B4-BE49-F238E27FC236}">
-                <a16:creationId xmlns:a16="http://schemas.microsoft.com/office/drawing/2014/main" id="{7E79C0C7-BCE7-4BD3-9AD5-1F3CE14078A3}"/>
+                <a16:creationId xmlns:a16="http://schemas.microsoft.com/office/drawing/2014/main" id="{F3875C9A-4222-4E06-A7E3-A65D0E2FE3C7}"/>
               </a:ext>
             </a:extLst>
           </p:cNvPr>
@@ -21462,1367 +21462,54 @@
             </a:br>
             <a:r>
               <a:rPr lang="en-US" dirty="0"/>
-              <a:t>The Calculation</a:t>
+              <a:t>Predicting per Trial</a:t>
             </a:r>
             <a:endParaRPr lang="en-CA" dirty="0"/>
           </a:p>
         </p:txBody>
       </p:sp>
-      <p:grpSp>
-        <p:nvGrpSpPr>
-          <p:cNvPr id="14" name="Group 13">
+      <p:pic>
+        <p:nvPicPr>
+          <p:cNvPr id="4" name="Content Placeholder 3">
             <a:extLst>
               <a:ext uri="{FF2B5EF4-FFF2-40B4-BE49-F238E27FC236}">
-                <a16:creationId xmlns:a16="http://schemas.microsoft.com/office/drawing/2014/main" id="{1C2DBA09-C960-4AD8-86BC-08E3072ABF0F}"/>
+                <a16:creationId xmlns:a16="http://schemas.microsoft.com/office/drawing/2014/main" id="{309518DB-AB9F-4C54-B7E5-AE5D7A183ABD}"/>
               </a:ext>
             </a:extLst>
           </p:cNvPr>
-          <p:cNvGrpSpPr/>
-          <p:nvPr/>
-        </p:nvGrpSpPr>
-        <p:grpSpPr>
-          <a:xfrm>
-            <a:off x="8092690" y="2453941"/>
-            <a:ext cx="3449054" cy="2187232"/>
-            <a:chOff x="8101399" y="2507849"/>
-            <a:chExt cx="3809128" cy="2415574"/>
-          </a:xfrm>
-        </p:grpSpPr>
-        <p:sp>
-          <p:nvSpPr>
-            <p:cNvPr id="8" name="Content Placeholder 2">
-              <a:extLst>
-                <a:ext uri="{FF2B5EF4-FFF2-40B4-BE49-F238E27FC236}">
-                  <a16:creationId xmlns:a16="http://schemas.microsoft.com/office/drawing/2014/main" id="{A8E95F8B-34C8-49DF-A9D0-D8FA1750F8DB}"/>
-                </a:ext>
-              </a:extLst>
-            </p:cNvPr>
-            <p:cNvSpPr txBox="1">
-              <a:spLocks/>
-            </p:cNvSpPr>
-            <p:nvPr/>
-          </p:nvSpPr>
-          <p:spPr>
-            <a:xfrm>
-              <a:off x="8101399" y="2507849"/>
-              <a:ext cx="3809128" cy="653143"/>
-            </a:xfrm>
-            <a:prstGeom prst="rect">
-              <a:avLst/>
-            </a:prstGeom>
-          </p:spPr>
-          <p:txBody>
-            <a:bodyPr vert="horz" lIns="45720" tIns="45720" rIns="45720" bIns="45720" rtlCol="0">
-              <a:normAutofit/>
-            </a:bodyPr>
-            <a:lstStyle>
-              <a:lvl1pPr marL="91440" indent="-91440" algn="l" defTabSz="914400" rtl="0" eaLnBrk="1" latinLnBrk="0" hangingPunct="1">
-                <a:lnSpc>
-                  <a:spcPct val="90000"/>
-                </a:lnSpc>
-                <a:spcBef>
-                  <a:spcPts val="1200"/>
-                </a:spcBef>
-                <a:spcAft>
-                  <a:spcPts val="200"/>
-                </a:spcAft>
-                <a:buClr>
-                  <a:schemeClr val="accent1"/>
-                </a:buClr>
-                <a:buSzPct val="100000"/>
-                <a:buFont typeface="Tw Cen MT" panose="020B0602020104020603" pitchFamily="34" charset="0"/>
-                <a:buChar char=" "/>
-                <a:defRPr sz="2200" kern="1200">
-                  <a:solidFill>
-                    <a:schemeClr val="tx1"/>
-                  </a:solidFill>
-                  <a:latin typeface="+mn-lt"/>
-                  <a:ea typeface="+mn-ea"/>
-                  <a:cs typeface="+mn-cs"/>
-                </a:defRPr>
-              </a:lvl1pPr>
-              <a:lvl2pPr marL="265176" indent="-137160" algn="l" defTabSz="914400" rtl="0" eaLnBrk="1" latinLnBrk="0" hangingPunct="1">
-                <a:lnSpc>
-                  <a:spcPct val="90000"/>
-                </a:lnSpc>
-                <a:spcBef>
-                  <a:spcPts val="200"/>
-                </a:spcBef>
-                <a:spcAft>
-                  <a:spcPts val="400"/>
-                </a:spcAft>
-                <a:buClr>
-                  <a:schemeClr val="accent1"/>
-                </a:buClr>
-                <a:buFont typeface="Wingdings 3" pitchFamily="18" charset="2"/>
-                <a:buChar char=""/>
-                <a:defRPr sz="1800" kern="1200">
-                  <a:solidFill>
-                    <a:schemeClr val="tx1"/>
-                  </a:solidFill>
-                  <a:latin typeface="+mn-lt"/>
-                  <a:ea typeface="+mn-ea"/>
-                  <a:cs typeface="+mn-cs"/>
-                </a:defRPr>
-              </a:lvl2pPr>
-              <a:lvl3pPr marL="448056" indent="-137160" algn="l" defTabSz="914400" rtl="0" eaLnBrk="1" latinLnBrk="0" hangingPunct="1">
-                <a:lnSpc>
-                  <a:spcPct val="90000"/>
-                </a:lnSpc>
-                <a:spcBef>
-                  <a:spcPts val="200"/>
-                </a:spcBef>
-                <a:spcAft>
-                  <a:spcPts val="400"/>
-                </a:spcAft>
-                <a:buClr>
-                  <a:schemeClr val="accent1"/>
-                </a:buClr>
-                <a:buFont typeface="Wingdings 3" pitchFamily="18" charset="2"/>
-                <a:buChar char=""/>
-                <a:defRPr sz="1400" kern="1200">
-                  <a:solidFill>
-                    <a:schemeClr val="tx1"/>
-                  </a:solidFill>
-                  <a:latin typeface="+mn-lt"/>
-                  <a:ea typeface="+mn-ea"/>
-                  <a:cs typeface="+mn-cs"/>
-                </a:defRPr>
-              </a:lvl3pPr>
-              <a:lvl4pPr marL="594360" indent="-137160" algn="l" defTabSz="914400" rtl="0" eaLnBrk="1" latinLnBrk="0" hangingPunct="1">
-                <a:lnSpc>
-                  <a:spcPct val="90000"/>
-                </a:lnSpc>
-                <a:spcBef>
-                  <a:spcPts val="200"/>
-                </a:spcBef>
-                <a:spcAft>
-                  <a:spcPts val="400"/>
-                </a:spcAft>
-                <a:buClr>
-                  <a:schemeClr val="accent1"/>
-                </a:buClr>
-                <a:buFont typeface="Wingdings 3" pitchFamily="18" charset="2"/>
-                <a:buChar char=""/>
-                <a:defRPr sz="1400" kern="1200">
-                  <a:solidFill>
-                    <a:schemeClr val="tx1"/>
-                  </a:solidFill>
-                  <a:latin typeface="+mn-lt"/>
-                  <a:ea typeface="+mn-ea"/>
-                  <a:cs typeface="+mn-cs"/>
-                </a:defRPr>
-              </a:lvl4pPr>
-              <a:lvl5pPr marL="777240" indent="-137160" algn="l" defTabSz="914400" rtl="0" eaLnBrk="1" latinLnBrk="0" hangingPunct="1">
-                <a:lnSpc>
-                  <a:spcPct val="90000"/>
-                </a:lnSpc>
-                <a:spcBef>
-                  <a:spcPts val="200"/>
-                </a:spcBef>
-                <a:spcAft>
-                  <a:spcPts val="400"/>
-                </a:spcAft>
-                <a:buClr>
-                  <a:schemeClr val="accent1"/>
-                </a:buClr>
-                <a:buFont typeface="Wingdings 3" pitchFamily="18" charset="2"/>
-                <a:buChar char=""/>
-                <a:defRPr sz="1400" kern="1200">
-                  <a:solidFill>
-                    <a:schemeClr val="tx1"/>
-                  </a:solidFill>
-                  <a:latin typeface="+mn-lt"/>
-                  <a:ea typeface="+mn-ea"/>
-                  <a:cs typeface="+mn-cs"/>
-                </a:defRPr>
-              </a:lvl5pPr>
-              <a:lvl6pPr marL="914400" indent="-137160" algn="l" defTabSz="914400" rtl="0" eaLnBrk="1" latinLnBrk="0" hangingPunct="1">
-                <a:lnSpc>
-                  <a:spcPct val="90000"/>
-                </a:lnSpc>
-                <a:spcBef>
-                  <a:spcPts val="200"/>
-                </a:spcBef>
-                <a:spcAft>
-                  <a:spcPts val="400"/>
-                </a:spcAft>
-                <a:buClr>
-                  <a:schemeClr val="accent1"/>
-                </a:buClr>
-                <a:buFont typeface="Wingdings 3" pitchFamily="18" charset="2"/>
-                <a:buChar char=""/>
-                <a:defRPr sz="1400" kern="1200">
-                  <a:solidFill>
-                    <a:schemeClr val="tx1"/>
-                  </a:solidFill>
-                  <a:latin typeface="+mn-lt"/>
-                  <a:ea typeface="+mn-ea"/>
-                  <a:cs typeface="+mn-cs"/>
-                </a:defRPr>
-              </a:lvl6pPr>
-              <a:lvl7pPr marL="1060704" indent="-137160" algn="l" defTabSz="914400" rtl="0" eaLnBrk="1" latinLnBrk="0" hangingPunct="1">
-                <a:lnSpc>
-                  <a:spcPct val="90000"/>
-                </a:lnSpc>
-                <a:spcBef>
-                  <a:spcPts val="200"/>
-                </a:spcBef>
-                <a:spcAft>
-                  <a:spcPts val="400"/>
-                </a:spcAft>
-                <a:buClr>
-                  <a:schemeClr val="accent1"/>
-                </a:buClr>
-                <a:buFont typeface="Wingdings 3" pitchFamily="18" charset="2"/>
-                <a:buChar char=""/>
-                <a:defRPr sz="1400" kern="1200">
-                  <a:solidFill>
-                    <a:schemeClr val="tx1"/>
-                  </a:solidFill>
-                  <a:latin typeface="+mn-lt"/>
-                  <a:ea typeface="+mn-ea"/>
-                  <a:cs typeface="+mn-cs"/>
-                </a:defRPr>
-              </a:lvl7pPr>
-              <a:lvl8pPr marL="1216152" indent="-137160" algn="l" defTabSz="914400" rtl="0" eaLnBrk="1" latinLnBrk="0" hangingPunct="1">
-                <a:lnSpc>
-                  <a:spcPct val="90000"/>
-                </a:lnSpc>
-                <a:spcBef>
-                  <a:spcPts val="200"/>
-                </a:spcBef>
-                <a:spcAft>
-                  <a:spcPts val="400"/>
-                </a:spcAft>
-                <a:buClr>
-                  <a:schemeClr val="accent1"/>
-                </a:buClr>
-                <a:buFont typeface="Wingdings 3" pitchFamily="18" charset="2"/>
-                <a:buChar char=""/>
-                <a:defRPr sz="1400" kern="1200">
-                  <a:solidFill>
-                    <a:schemeClr val="tx1"/>
-                  </a:solidFill>
-                  <a:latin typeface="+mn-lt"/>
-                  <a:ea typeface="+mn-ea"/>
-                  <a:cs typeface="+mn-cs"/>
-                </a:defRPr>
-              </a:lvl8pPr>
-              <a:lvl9pPr marL="1362456" indent="-137160" algn="l" defTabSz="914400" rtl="0" eaLnBrk="1" latinLnBrk="0" hangingPunct="1">
-                <a:lnSpc>
-                  <a:spcPct val="90000"/>
-                </a:lnSpc>
-                <a:spcBef>
-                  <a:spcPts val="200"/>
-                </a:spcBef>
-                <a:spcAft>
-                  <a:spcPts val="400"/>
-                </a:spcAft>
-                <a:buClr>
-                  <a:schemeClr val="accent1"/>
-                </a:buClr>
-                <a:buFont typeface="Wingdings 3" pitchFamily="18" charset="2"/>
-                <a:buChar char=""/>
-                <a:defRPr sz="1400" kern="1200">
-                  <a:solidFill>
-                    <a:schemeClr val="tx1"/>
-                  </a:solidFill>
-                  <a:latin typeface="+mn-lt"/>
-                  <a:ea typeface="+mn-ea"/>
-                  <a:cs typeface="+mn-cs"/>
-                </a:defRPr>
-              </a:lvl9pPr>
-            </a:lstStyle>
-            <a:p>
-              <a:pPr algn="r"/>
-              <a:r>
-                <a:rPr lang="en-US" sz="2800" b="1" dirty="0"/>
-                <a:t>K Nearest </a:t>
-              </a:r>
-              <a:r>
-                <a:rPr lang="en-US" sz="2800" b="1" dirty="0" err="1"/>
-                <a:t>Neighbour</a:t>
-              </a:r>
-              <a:endParaRPr lang="en-US" sz="2800" b="1" dirty="0"/>
-            </a:p>
-          </p:txBody>
-        </p:sp>
-        <p:pic>
-          <p:nvPicPr>
-            <p:cNvPr id="6" name="Picture 5">
-              <a:extLst>
-                <a:ext uri="{FF2B5EF4-FFF2-40B4-BE49-F238E27FC236}">
-                  <a16:creationId xmlns:a16="http://schemas.microsoft.com/office/drawing/2014/main" id="{2F4F5D53-0C0B-4E11-95E7-462816F6BA54}"/>
-                </a:ext>
-              </a:extLst>
-            </p:cNvPr>
-            <p:cNvPicPr>
-              <a:picLocks noChangeAspect="1"/>
-            </p:cNvPicPr>
-            <p:nvPr/>
-          </p:nvPicPr>
-          <p:blipFill>
-            <a:blip r:embed="rId2"/>
-            <a:stretch>
-              <a:fillRect/>
-            </a:stretch>
-          </p:blipFill>
-          <p:spPr>
-            <a:xfrm>
-              <a:off x="8704145" y="3303037"/>
-              <a:ext cx="3090039" cy="1620386"/>
-            </a:xfrm>
-            <a:prstGeom prst="rect">
-              <a:avLst/>
-            </a:prstGeom>
-          </p:spPr>
-        </p:pic>
-      </p:grpSp>
-      <p:grpSp>
-        <p:nvGrpSpPr>
-          <p:cNvPr id="11" name="Group 10">
-            <a:extLst>
-              <a:ext uri="{FF2B5EF4-FFF2-40B4-BE49-F238E27FC236}">
-                <a16:creationId xmlns:a16="http://schemas.microsoft.com/office/drawing/2014/main" id="{2C64F804-4083-421D-8CF7-C32CF5D9CC6A}"/>
-              </a:ext>
-            </a:extLst>
-          </p:cNvPr>
-          <p:cNvGrpSpPr/>
-          <p:nvPr/>
-        </p:nvGrpSpPr>
-        <p:grpSpPr>
-          <a:xfrm>
-            <a:off x="130558" y="2481943"/>
-            <a:ext cx="3324448" cy="2130822"/>
-            <a:chOff x="857673" y="2481943"/>
-            <a:chExt cx="3809128" cy="2441480"/>
-          </a:xfrm>
-        </p:grpSpPr>
-        <p:sp>
-          <p:nvSpPr>
-            <p:cNvPr id="12" name="Content Placeholder 2">
-              <a:extLst>
-                <a:ext uri="{FF2B5EF4-FFF2-40B4-BE49-F238E27FC236}">
-                  <a16:creationId xmlns:a16="http://schemas.microsoft.com/office/drawing/2014/main" id="{881EFC97-0059-45E3-A83C-FA463C935E1B}"/>
-                </a:ext>
-              </a:extLst>
-            </p:cNvPr>
-            <p:cNvSpPr txBox="1">
-              <a:spLocks/>
-            </p:cNvSpPr>
-            <p:nvPr/>
-          </p:nvSpPr>
-          <p:spPr>
-            <a:xfrm>
-              <a:off x="857673" y="2481943"/>
-              <a:ext cx="3809128" cy="653143"/>
-            </a:xfrm>
-            <a:prstGeom prst="rect">
-              <a:avLst/>
-            </a:prstGeom>
-          </p:spPr>
-          <p:txBody>
-            <a:bodyPr vert="horz" lIns="45720" tIns="45720" rIns="45720" bIns="45720" rtlCol="0">
-              <a:normAutofit/>
-            </a:bodyPr>
-            <a:lstStyle>
-              <a:lvl1pPr marL="91440" indent="-91440" algn="l" defTabSz="914400" rtl="0" eaLnBrk="1" latinLnBrk="0" hangingPunct="1">
-                <a:lnSpc>
-                  <a:spcPct val="90000"/>
-                </a:lnSpc>
-                <a:spcBef>
-                  <a:spcPts val="1200"/>
-                </a:spcBef>
-                <a:spcAft>
-                  <a:spcPts val="200"/>
-                </a:spcAft>
-                <a:buClr>
-                  <a:schemeClr val="accent1"/>
-                </a:buClr>
-                <a:buSzPct val="100000"/>
-                <a:buFont typeface="Tw Cen MT" panose="020B0602020104020603" pitchFamily="34" charset="0"/>
-                <a:buChar char=" "/>
-                <a:defRPr sz="2200" kern="1200">
-                  <a:solidFill>
-                    <a:schemeClr val="tx1"/>
-                  </a:solidFill>
-                  <a:latin typeface="+mn-lt"/>
-                  <a:ea typeface="+mn-ea"/>
-                  <a:cs typeface="+mn-cs"/>
-                </a:defRPr>
-              </a:lvl1pPr>
-              <a:lvl2pPr marL="265176" indent="-137160" algn="l" defTabSz="914400" rtl="0" eaLnBrk="1" latinLnBrk="0" hangingPunct="1">
-                <a:lnSpc>
-                  <a:spcPct val="90000"/>
-                </a:lnSpc>
-                <a:spcBef>
-                  <a:spcPts val="200"/>
-                </a:spcBef>
-                <a:spcAft>
-                  <a:spcPts val="400"/>
-                </a:spcAft>
-                <a:buClr>
-                  <a:schemeClr val="accent1"/>
-                </a:buClr>
-                <a:buFont typeface="Wingdings 3" pitchFamily="18" charset="2"/>
-                <a:buChar char=""/>
-                <a:defRPr sz="1800" kern="1200">
-                  <a:solidFill>
-                    <a:schemeClr val="tx1"/>
-                  </a:solidFill>
-                  <a:latin typeface="+mn-lt"/>
-                  <a:ea typeface="+mn-ea"/>
-                  <a:cs typeface="+mn-cs"/>
-                </a:defRPr>
-              </a:lvl2pPr>
-              <a:lvl3pPr marL="448056" indent="-137160" algn="l" defTabSz="914400" rtl="0" eaLnBrk="1" latinLnBrk="0" hangingPunct="1">
-                <a:lnSpc>
-                  <a:spcPct val="90000"/>
-                </a:lnSpc>
-                <a:spcBef>
-                  <a:spcPts val="200"/>
-                </a:spcBef>
-                <a:spcAft>
-                  <a:spcPts val="400"/>
-                </a:spcAft>
-                <a:buClr>
-                  <a:schemeClr val="accent1"/>
-                </a:buClr>
-                <a:buFont typeface="Wingdings 3" pitchFamily="18" charset="2"/>
-                <a:buChar char=""/>
-                <a:defRPr sz="1400" kern="1200">
-                  <a:solidFill>
-                    <a:schemeClr val="tx1"/>
-                  </a:solidFill>
-                  <a:latin typeface="+mn-lt"/>
-                  <a:ea typeface="+mn-ea"/>
-                  <a:cs typeface="+mn-cs"/>
-                </a:defRPr>
-              </a:lvl3pPr>
-              <a:lvl4pPr marL="594360" indent="-137160" algn="l" defTabSz="914400" rtl="0" eaLnBrk="1" latinLnBrk="0" hangingPunct="1">
-                <a:lnSpc>
-                  <a:spcPct val="90000"/>
-                </a:lnSpc>
-                <a:spcBef>
-                  <a:spcPts val="200"/>
-                </a:spcBef>
-                <a:spcAft>
-                  <a:spcPts val="400"/>
-                </a:spcAft>
-                <a:buClr>
-                  <a:schemeClr val="accent1"/>
-                </a:buClr>
-                <a:buFont typeface="Wingdings 3" pitchFamily="18" charset="2"/>
-                <a:buChar char=""/>
-                <a:defRPr sz="1400" kern="1200">
-                  <a:solidFill>
-                    <a:schemeClr val="tx1"/>
-                  </a:solidFill>
-                  <a:latin typeface="+mn-lt"/>
-                  <a:ea typeface="+mn-ea"/>
-                  <a:cs typeface="+mn-cs"/>
-                </a:defRPr>
-              </a:lvl4pPr>
-              <a:lvl5pPr marL="777240" indent="-137160" algn="l" defTabSz="914400" rtl="0" eaLnBrk="1" latinLnBrk="0" hangingPunct="1">
-                <a:lnSpc>
-                  <a:spcPct val="90000"/>
-                </a:lnSpc>
-                <a:spcBef>
-                  <a:spcPts val="200"/>
-                </a:spcBef>
-                <a:spcAft>
-                  <a:spcPts val="400"/>
-                </a:spcAft>
-                <a:buClr>
-                  <a:schemeClr val="accent1"/>
-                </a:buClr>
-                <a:buFont typeface="Wingdings 3" pitchFamily="18" charset="2"/>
-                <a:buChar char=""/>
-                <a:defRPr sz="1400" kern="1200">
-                  <a:solidFill>
-                    <a:schemeClr val="tx1"/>
-                  </a:solidFill>
-                  <a:latin typeface="+mn-lt"/>
-                  <a:ea typeface="+mn-ea"/>
-                  <a:cs typeface="+mn-cs"/>
-                </a:defRPr>
-              </a:lvl5pPr>
-              <a:lvl6pPr marL="914400" indent="-137160" algn="l" defTabSz="914400" rtl="0" eaLnBrk="1" latinLnBrk="0" hangingPunct="1">
-                <a:lnSpc>
-                  <a:spcPct val="90000"/>
-                </a:lnSpc>
-                <a:spcBef>
-                  <a:spcPts val="200"/>
-                </a:spcBef>
-                <a:spcAft>
-                  <a:spcPts val="400"/>
-                </a:spcAft>
-                <a:buClr>
-                  <a:schemeClr val="accent1"/>
-                </a:buClr>
-                <a:buFont typeface="Wingdings 3" pitchFamily="18" charset="2"/>
-                <a:buChar char=""/>
-                <a:defRPr sz="1400" kern="1200">
-                  <a:solidFill>
-                    <a:schemeClr val="tx1"/>
-                  </a:solidFill>
-                  <a:latin typeface="+mn-lt"/>
-                  <a:ea typeface="+mn-ea"/>
-                  <a:cs typeface="+mn-cs"/>
-                </a:defRPr>
-              </a:lvl6pPr>
-              <a:lvl7pPr marL="1060704" indent="-137160" algn="l" defTabSz="914400" rtl="0" eaLnBrk="1" latinLnBrk="0" hangingPunct="1">
-                <a:lnSpc>
-                  <a:spcPct val="90000"/>
-                </a:lnSpc>
-                <a:spcBef>
-                  <a:spcPts val="200"/>
-                </a:spcBef>
-                <a:spcAft>
-                  <a:spcPts val="400"/>
-                </a:spcAft>
-                <a:buClr>
-                  <a:schemeClr val="accent1"/>
-                </a:buClr>
-                <a:buFont typeface="Wingdings 3" pitchFamily="18" charset="2"/>
-                <a:buChar char=""/>
-                <a:defRPr sz="1400" kern="1200">
-                  <a:solidFill>
-                    <a:schemeClr val="tx1"/>
-                  </a:solidFill>
-                  <a:latin typeface="+mn-lt"/>
-                  <a:ea typeface="+mn-ea"/>
-                  <a:cs typeface="+mn-cs"/>
-                </a:defRPr>
-              </a:lvl7pPr>
-              <a:lvl8pPr marL="1216152" indent="-137160" algn="l" defTabSz="914400" rtl="0" eaLnBrk="1" latinLnBrk="0" hangingPunct="1">
-                <a:lnSpc>
-                  <a:spcPct val="90000"/>
-                </a:lnSpc>
-                <a:spcBef>
-                  <a:spcPts val="200"/>
-                </a:spcBef>
-                <a:spcAft>
-                  <a:spcPts val="400"/>
-                </a:spcAft>
-                <a:buClr>
-                  <a:schemeClr val="accent1"/>
-                </a:buClr>
-                <a:buFont typeface="Wingdings 3" pitchFamily="18" charset="2"/>
-                <a:buChar char=""/>
-                <a:defRPr sz="1400" kern="1200">
-                  <a:solidFill>
-                    <a:schemeClr val="tx1"/>
-                  </a:solidFill>
-                  <a:latin typeface="+mn-lt"/>
-                  <a:ea typeface="+mn-ea"/>
-                  <a:cs typeface="+mn-cs"/>
-                </a:defRPr>
-              </a:lvl8pPr>
-              <a:lvl9pPr marL="1362456" indent="-137160" algn="l" defTabSz="914400" rtl="0" eaLnBrk="1" latinLnBrk="0" hangingPunct="1">
-                <a:lnSpc>
-                  <a:spcPct val="90000"/>
-                </a:lnSpc>
-                <a:spcBef>
-                  <a:spcPts val="200"/>
-                </a:spcBef>
-                <a:spcAft>
-                  <a:spcPts val="400"/>
-                </a:spcAft>
-                <a:buClr>
-                  <a:schemeClr val="accent1"/>
-                </a:buClr>
-                <a:buFont typeface="Wingdings 3" pitchFamily="18" charset="2"/>
-                <a:buChar char=""/>
-                <a:defRPr sz="1400" kern="1200">
-                  <a:solidFill>
-                    <a:schemeClr val="tx1"/>
-                  </a:solidFill>
-                  <a:latin typeface="+mn-lt"/>
-                  <a:ea typeface="+mn-ea"/>
-                  <a:cs typeface="+mn-cs"/>
-                </a:defRPr>
-              </a:lvl9pPr>
-            </a:lstStyle>
-            <a:p>
-              <a:pPr algn="r"/>
-              <a:r>
-                <a:rPr lang="en-US" sz="2800" b="1" dirty="0"/>
-                <a:t>Logistic Regression</a:t>
-              </a:r>
-            </a:p>
-          </p:txBody>
-        </p:sp>
-        <p:pic>
-          <p:nvPicPr>
-            <p:cNvPr id="7" name="Picture 6">
-              <a:extLst>
-                <a:ext uri="{FF2B5EF4-FFF2-40B4-BE49-F238E27FC236}">
-                  <a16:creationId xmlns:a16="http://schemas.microsoft.com/office/drawing/2014/main" id="{058DDB7C-F697-4F89-8544-7CF6D1F80BFF}"/>
-                </a:ext>
-              </a:extLst>
-            </p:cNvPr>
-            <p:cNvPicPr>
-              <a:picLocks noChangeAspect="1"/>
-            </p:cNvPicPr>
-            <p:nvPr/>
-          </p:nvPicPr>
-          <p:blipFill>
-            <a:blip r:embed="rId3"/>
-            <a:stretch>
-              <a:fillRect/>
-            </a:stretch>
-          </p:blipFill>
-          <p:spPr>
-            <a:xfrm>
-              <a:off x="1453139" y="3303037"/>
-              <a:ext cx="3123917" cy="1620386"/>
-            </a:xfrm>
-            <a:prstGeom prst="rect">
-              <a:avLst/>
-            </a:prstGeom>
-          </p:spPr>
-        </p:pic>
-      </p:grpSp>
-      <p:grpSp>
-        <p:nvGrpSpPr>
-          <p:cNvPr id="20" name="Group 19">
-            <a:extLst>
-              <a:ext uri="{FF2B5EF4-FFF2-40B4-BE49-F238E27FC236}">
-                <a16:creationId xmlns:a16="http://schemas.microsoft.com/office/drawing/2014/main" id="{5DA8E89C-BD4E-45B2-9728-D5D4394312D2}"/>
-              </a:ext>
-            </a:extLst>
-          </p:cNvPr>
-          <p:cNvGrpSpPr/>
-          <p:nvPr/>
-        </p:nvGrpSpPr>
-        <p:grpSpPr>
-          <a:xfrm>
-            <a:off x="3817535" y="2475723"/>
-            <a:ext cx="3556749" cy="2216768"/>
-            <a:chOff x="3817535" y="2475723"/>
-            <a:chExt cx="3928066" cy="2448194"/>
-          </a:xfrm>
-        </p:grpSpPr>
-        <p:pic>
-          <p:nvPicPr>
-            <p:cNvPr id="16" name="Picture 15">
-              <a:extLst>
-                <a:ext uri="{FF2B5EF4-FFF2-40B4-BE49-F238E27FC236}">
-                  <a16:creationId xmlns:a16="http://schemas.microsoft.com/office/drawing/2014/main" id="{3E029577-236D-45CA-9A97-6C294B05AEB4}"/>
-                </a:ext>
-              </a:extLst>
-            </p:cNvPr>
-            <p:cNvPicPr>
-              <a:picLocks noChangeAspect="1"/>
-            </p:cNvPicPr>
-            <p:nvPr/>
-          </p:nvPicPr>
-          <p:blipFill>
-            <a:blip r:embed="rId4"/>
-            <a:stretch>
-              <a:fillRect/>
-            </a:stretch>
-          </p:blipFill>
-          <p:spPr>
-            <a:xfrm>
-              <a:off x="4421153" y="3135087"/>
-              <a:ext cx="3324448" cy="1788830"/>
-            </a:xfrm>
-            <a:prstGeom prst="rect">
-              <a:avLst/>
-            </a:prstGeom>
-          </p:spPr>
-        </p:pic>
-        <p:sp>
-          <p:nvSpPr>
-            <p:cNvPr id="23" name="Content Placeholder 2">
-              <a:extLst>
-                <a:ext uri="{FF2B5EF4-FFF2-40B4-BE49-F238E27FC236}">
-                  <a16:creationId xmlns:a16="http://schemas.microsoft.com/office/drawing/2014/main" id="{BF7384DD-912E-4677-A102-539BEC6EAC79}"/>
-                </a:ext>
-              </a:extLst>
-            </p:cNvPr>
-            <p:cNvSpPr txBox="1">
-              <a:spLocks/>
-            </p:cNvSpPr>
-            <p:nvPr/>
-          </p:nvSpPr>
-          <p:spPr>
-            <a:xfrm>
-              <a:off x="3817535" y="2475723"/>
-              <a:ext cx="3809128" cy="653143"/>
-            </a:xfrm>
-            <a:prstGeom prst="rect">
-              <a:avLst/>
-            </a:prstGeom>
-          </p:spPr>
-          <p:txBody>
-            <a:bodyPr vert="horz" lIns="45720" tIns="45720" rIns="45720" bIns="45720" rtlCol="0">
-              <a:normAutofit/>
-            </a:bodyPr>
-            <a:lstStyle>
-              <a:lvl1pPr marL="91440" indent="-91440" algn="l" defTabSz="914400" rtl="0" eaLnBrk="1" latinLnBrk="0" hangingPunct="1">
-                <a:lnSpc>
-                  <a:spcPct val="90000"/>
-                </a:lnSpc>
-                <a:spcBef>
-                  <a:spcPts val="1200"/>
-                </a:spcBef>
-                <a:spcAft>
-                  <a:spcPts val="200"/>
-                </a:spcAft>
-                <a:buClr>
-                  <a:schemeClr val="accent1"/>
-                </a:buClr>
-                <a:buSzPct val="100000"/>
-                <a:buFont typeface="Tw Cen MT" panose="020B0602020104020603" pitchFamily="34" charset="0"/>
-                <a:buChar char=" "/>
-                <a:defRPr sz="2200" kern="1200">
-                  <a:solidFill>
-                    <a:schemeClr val="tx1"/>
-                  </a:solidFill>
-                  <a:latin typeface="+mn-lt"/>
-                  <a:ea typeface="+mn-ea"/>
-                  <a:cs typeface="+mn-cs"/>
-                </a:defRPr>
-              </a:lvl1pPr>
-              <a:lvl2pPr marL="265176" indent="-137160" algn="l" defTabSz="914400" rtl="0" eaLnBrk="1" latinLnBrk="0" hangingPunct="1">
-                <a:lnSpc>
-                  <a:spcPct val="90000"/>
-                </a:lnSpc>
-                <a:spcBef>
-                  <a:spcPts val="200"/>
-                </a:spcBef>
-                <a:spcAft>
-                  <a:spcPts val="400"/>
-                </a:spcAft>
-                <a:buClr>
-                  <a:schemeClr val="accent1"/>
-                </a:buClr>
-                <a:buFont typeface="Wingdings 3" pitchFamily="18" charset="2"/>
-                <a:buChar char=""/>
-                <a:defRPr sz="1800" kern="1200">
-                  <a:solidFill>
-                    <a:schemeClr val="tx1"/>
-                  </a:solidFill>
-                  <a:latin typeface="+mn-lt"/>
-                  <a:ea typeface="+mn-ea"/>
-                  <a:cs typeface="+mn-cs"/>
-                </a:defRPr>
-              </a:lvl2pPr>
-              <a:lvl3pPr marL="448056" indent="-137160" algn="l" defTabSz="914400" rtl="0" eaLnBrk="1" latinLnBrk="0" hangingPunct="1">
-                <a:lnSpc>
-                  <a:spcPct val="90000"/>
-                </a:lnSpc>
-                <a:spcBef>
-                  <a:spcPts val="200"/>
-                </a:spcBef>
-                <a:spcAft>
-                  <a:spcPts val="400"/>
-                </a:spcAft>
-                <a:buClr>
-                  <a:schemeClr val="accent1"/>
-                </a:buClr>
-                <a:buFont typeface="Wingdings 3" pitchFamily="18" charset="2"/>
-                <a:buChar char=""/>
-                <a:defRPr sz="1400" kern="1200">
-                  <a:solidFill>
-                    <a:schemeClr val="tx1"/>
-                  </a:solidFill>
-                  <a:latin typeface="+mn-lt"/>
-                  <a:ea typeface="+mn-ea"/>
-                  <a:cs typeface="+mn-cs"/>
-                </a:defRPr>
-              </a:lvl3pPr>
-              <a:lvl4pPr marL="594360" indent="-137160" algn="l" defTabSz="914400" rtl="0" eaLnBrk="1" latinLnBrk="0" hangingPunct="1">
-                <a:lnSpc>
-                  <a:spcPct val="90000"/>
-                </a:lnSpc>
-                <a:spcBef>
-                  <a:spcPts val="200"/>
-                </a:spcBef>
-                <a:spcAft>
-                  <a:spcPts val="400"/>
-                </a:spcAft>
-                <a:buClr>
-                  <a:schemeClr val="accent1"/>
-                </a:buClr>
-                <a:buFont typeface="Wingdings 3" pitchFamily="18" charset="2"/>
-                <a:buChar char=""/>
-                <a:defRPr sz="1400" kern="1200">
-                  <a:solidFill>
-                    <a:schemeClr val="tx1"/>
-                  </a:solidFill>
-                  <a:latin typeface="+mn-lt"/>
-                  <a:ea typeface="+mn-ea"/>
-                  <a:cs typeface="+mn-cs"/>
-                </a:defRPr>
-              </a:lvl4pPr>
-              <a:lvl5pPr marL="777240" indent="-137160" algn="l" defTabSz="914400" rtl="0" eaLnBrk="1" latinLnBrk="0" hangingPunct="1">
-                <a:lnSpc>
-                  <a:spcPct val="90000"/>
-                </a:lnSpc>
-                <a:spcBef>
-                  <a:spcPts val="200"/>
-                </a:spcBef>
-                <a:spcAft>
-                  <a:spcPts val="400"/>
-                </a:spcAft>
-                <a:buClr>
-                  <a:schemeClr val="accent1"/>
-                </a:buClr>
-                <a:buFont typeface="Wingdings 3" pitchFamily="18" charset="2"/>
-                <a:buChar char=""/>
-                <a:defRPr sz="1400" kern="1200">
-                  <a:solidFill>
-                    <a:schemeClr val="tx1"/>
-                  </a:solidFill>
-                  <a:latin typeface="+mn-lt"/>
-                  <a:ea typeface="+mn-ea"/>
-                  <a:cs typeface="+mn-cs"/>
-                </a:defRPr>
-              </a:lvl5pPr>
-              <a:lvl6pPr marL="914400" indent="-137160" algn="l" defTabSz="914400" rtl="0" eaLnBrk="1" latinLnBrk="0" hangingPunct="1">
-                <a:lnSpc>
-                  <a:spcPct val="90000"/>
-                </a:lnSpc>
-                <a:spcBef>
-                  <a:spcPts val="200"/>
-                </a:spcBef>
-                <a:spcAft>
-                  <a:spcPts val="400"/>
-                </a:spcAft>
-                <a:buClr>
-                  <a:schemeClr val="accent1"/>
-                </a:buClr>
-                <a:buFont typeface="Wingdings 3" pitchFamily="18" charset="2"/>
-                <a:buChar char=""/>
-                <a:defRPr sz="1400" kern="1200">
-                  <a:solidFill>
-                    <a:schemeClr val="tx1"/>
-                  </a:solidFill>
-                  <a:latin typeface="+mn-lt"/>
-                  <a:ea typeface="+mn-ea"/>
-                  <a:cs typeface="+mn-cs"/>
-                </a:defRPr>
-              </a:lvl6pPr>
-              <a:lvl7pPr marL="1060704" indent="-137160" algn="l" defTabSz="914400" rtl="0" eaLnBrk="1" latinLnBrk="0" hangingPunct="1">
-                <a:lnSpc>
-                  <a:spcPct val="90000"/>
-                </a:lnSpc>
-                <a:spcBef>
-                  <a:spcPts val="200"/>
-                </a:spcBef>
-                <a:spcAft>
-                  <a:spcPts val="400"/>
-                </a:spcAft>
-                <a:buClr>
-                  <a:schemeClr val="accent1"/>
-                </a:buClr>
-                <a:buFont typeface="Wingdings 3" pitchFamily="18" charset="2"/>
-                <a:buChar char=""/>
-                <a:defRPr sz="1400" kern="1200">
-                  <a:solidFill>
-                    <a:schemeClr val="tx1"/>
-                  </a:solidFill>
-                  <a:latin typeface="+mn-lt"/>
-                  <a:ea typeface="+mn-ea"/>
-                  <a:cs typeface="+mn-cs"/>
-                </a:defRPr>
-              </a:lvl7pPr>
-              <a:lvl8pPr marL="1216152" indent="-137160" algn="l" defTabSz="914400" rtl="0" eaLnBrk="1" latinLnBrk="0" hangingPunct="1">
-                <a:lnSpc>
-                  <a:spcPct val="90000"/>
-                </a:lnSpc>
-                <a:spcBef>
-                  <a:spcPts val="200"/>
-                </a:spcBef>
-                <a:spcAft>
-                  <a:spcPts val="400"/>
-                </a:spcAft>
-                <a:buClr>
-                  <a:schemeClr val="accent1"/>
-                </a:buClr>
-                <a:buFont typeface="Wingdings 3" pitchFamily="18" charset="2"/>
-                <a:buChar char=""/>
-                <a:defRPr sz="1400" kern="1200">
-                  <a:solidFill>
-                    <a:schemeClr val="tx1"/>
-                  </a:solidFill>
-                  <a:latin typeface="+mn-lt"/>
-                  <a:ea typeface="+mn-ea"/>
-                  <a:cs typeface="+mn-cs"/>
-                </a:defRPr>
-              </a:lvl8pPr>
-              <a:lvl9pPr marL="1362456" indent="-137160" algn="l" defTabSz="914400" rtl="0" eaLnBrk="1" latinLnBrk="0" hangingPunct="1">
-                <a:lnSpc>
-                  <a:spcPct val="90000"/>
-                </a:lnSpc>
-                <a:spcBef>
-                  <a:spcPts val="200"/>
-                </a:spcBef>
-                <a:spcAft>
-                  <a:spcPts val="400"/>
-                </a:spcAft>
-                <a:buClr>
-                  <a:schemeClr val="accent1"/>
-                </a:buClr>
-                <a:buFont typeface="Wingdings 3" pitchFamily="18" charset="2"/>
-                <a:buChar char=""/>
-                <a:defRPr sz="1400" kern="1200">
-                  <a:solidFill>
-                    <a:schemeClr val="tx1"/>
-                  </a:solidFill>
-                  <a:latin typeface="+mn-lt"/>
-                  <a:ea typeface="+mn-ea"/>
-                  <a:cs typeface="+mn-cs"/>
-                </a:defRPr>
-              </a:lvl9pPr>
-            </a:lstStyle>
-            <a:p>
-              <a:pPr algn="r"/>
-              <a:r>
-                <a:rPr lang="en-US" sz="2800" b="1" dirty="0"/>
-                <a:t>Random Forest</a:t>
-              </a:r>
-            </a:p>
-          </p:txBody>
-        </p:sp>
-      </p:grpSp>
-      <p:sp>
-        <p:nvSpPr>
-          <p:cNvPr id="25" name="Rectangle 24">
-            <a:extLst>
-              <a:ext uri="{FF2B5EF4-FFF2-40B4-BE49-F238E27FC236}">
-                <a16:creationId xmlns:a16="http://schemas.microsoft.com/office/drawing/2014/main" id="{C0246016-4015-4106-9BEC-42143BFFBEBF}"/>
-              </a:ext>
-            </a:extLst>
-          </p:cNvPr>
-          <p:cNvSpPr/>
-          <p:nvPr/>
-        </p:nvSpPr>
+          <p:cNvPicPr>
+            <a:picLocks noGrp="1" noChangeAspect="1"/>
+          </p:cNvPicPr>
+          <p:nvPr>
+            <p:ph idx="1"/>
+          </p:nvPr>
+        </p:nvPicPr>
+        <p:blipFill>
+          <a:blip r:embed="rId2"/>
+          <a:stretch>
+            <a:fillRect/>
+          </a:stretch>
+        </p:blipFill>
         <p:spPr>
           <a:xfrm>
-            <a:off x="4449989" y="3671888"/>
-            <a:ext cx="2924295" cy="173831"/>
+            <a:off x="4555331" y="3092450"/>
+            <a:ext cx="2657475" cy="2409825"/>
           </a:xfrm>
           <a:prstGeom prst="rect">
             <a:avLst/>
           </a:prstGeom>
-          <a:noFill/>
-          <a:ln w="28575">
-            <a:solidFill>
-              <a:schemeClr val="accent5">
-                <a:lumMod val="40000"/>
-                <a:lumOff val="60000"/>
-              </a:schemeClr>
-            </a:solidFill>
-          </a:ln>
-        </p:spPr>
-        <p:style>
-          <a:lnRef idx="2">
-            <a:schemeClr val="accent1">
-              <a:shade val="50000"/>
-            </a:schemeClr>
-          </a:lnRef>
-          <a:fillRef idx="1">
-            <a:schemeClr val="accent1"/>
-          </a:fillRef>
-          <a:effectRef idx="0">
-            <a:schemeClr val="accent1"/>
-          </a:effectRef>
-          <a:fontRef idx="minor">
-            <a:schemeClr val="lt1"/>
-          </a:fontRef>
-        </p:style>
-        <p:txBody>
-          <a:bodyPr rtlCol="0" anchor="ctr"/>
-          <a:lstStyle/>
-          <a:p>
-            <a:pPr algn="ctr"/>
-            <a:endParaRPr lang="en-CA"/>
-          </a:p>
-        </p:txBody>
-      </p:sp>
-      <p:pic>
-        <p:nvPicPr>
-          <p:cNvPr id="24" name="Picture 8" descr="Decade Awards Winner Cup Trophy - Gold Laurel Wreath Winners Cup Award - 6  Inch Tall - Engraved Plate on Request, Trophies - Amazon Canada">
-            <a:extLst>
-              <a:ext uri="{FF2B5EF4-FFF2-40B4-BE49-F238E27FC236}">
-                <a16:creationId xmlns:a16="http://schemas.microsoft.com/office/drawing/2014/main" id="{964B4FA0-BDC6-456B-9B13-2489D91960F0}"/>
-              </a:ext>
-            </a:extLst>
-          </p:cNvPr>
-          <p:cNvPicPr>
-            <a:picLocks noChangeAspect="1" noChangeArrowheads="1"/>
-          </p:cNvPicPr>
-          <p:nvPr/>
-        </p:nvPicPr>
-        <p:blipFill>
-          <a:blip r:embed="rId5">
-            <a:extLst>
-              <a:ext uri="{28A0092B-C50C-407E-A947-70E740481C1C}">
-                <a14:useLocalDpi xmlns:a14="http://schemas.microsoft.com/office/drawing/2010/main" val="0"/>
-              </a:ext>
-            </a:extLst>
-          </a:blip>
-          <a:srcRect/>
-          <a:stretch>
-            <a:fillRect/>
-          </a:stretch>
-        </p:blipFill>
-        <p:spPr bwMode="auto">
-          <a:xfrm>
-            <a:off x="5547920" y="4692491"/>
-            <a:ext cx="1129005" cy="1546502"/>
-          </a:xfrm>
-          <a:prstGeom prst="rect">
-            <a:avLst/>
-          </a:prstGeom>
-          <a:noFill/>
-          <a:extLst>
-            <a:ext uri="{909E8E84-426E-40DD-AFC4-6F175D3DCCD1}">
-              <a14:hiddenFill xmlns:a14="http://schemas.microsoft.com/office/drawing/2010/main">
-                <a:solidFill>
-                  <a:srgbClr val="FFFFFF"/>
-                </a:solidFill>
-              </a14:hiddenFill>
-            </a:ext>
-          </a:extLst>
         </p:spPr>
       </p:pic>
     </p:spTree>
     <p:extLst>
       <p:ext uri="{BB962C8B-B14F-4D97-AF65-F5344CB8AC3E}">
-        <p14:creationId xmlns:p14="http://schemas.microsoft.com/office/powerpoint/2010/main" val="1409866069"/>
+        <p14:creationId xmlns:p14="http://schemas.microsoft.com/office/powerpoint/2010/main" val="775691466"/>
       </p:ext>
     </p:extLst>
   </p:cSld>
   <p:clrMapOvr>
     <a:masterClrMapping/>
   </p:clrMapOvr>
-  <p:timing>
-    <p:tnLst>
-      <p:par>
-        <p:cTn id="1" dur="indefinite" restart="never" nodeType="tmRoot">
-          <p:childTnLst>
-            <p:seq concurrent="1" nextAc="seek">
-              <p:cTn id="2" dur="indefinite" nodeType="mainSeq">
-                <p:childTnLst>
-                  <p:par>
-                    <p:cTn id="3" fill="hold">
-                      <p:stCondLst>
-                        <p:cond delay="indefinite"/>
-                        <p:cond evt="onBegin" delay="0">
-                          <p:tn val="2"/>
-                        </p:cond>
-                      </p:stCondLst>
-                      <p:childTnLst>
-                        <p:par>
-                          <p:cTn id="4" fill="hold">
-                            <p:stCondLst>
-                              <p:cond delay="0"/>
-                            </p:stCondLst>
-                            <p:childTnLst>
-                              <p:par>
-                                <p:cTn id="5" presetID="10" presetClass="entr" presetSubtype="0" fill="hold" nodeType="afterEffect">
-                                  <p:stCondLst>
-                                    <p:cond delay="0"/>
-                                  </p:stCondLst>
-                                  <p:childTnLst>
-                                    <p:set>
-                                      <p:cBhvr>
-                                        <p:cTn id="6" dur="1" fill="hold">
-                                          <p:stCondLst>
-                                            <p:cond delay="0"/>
-                                          </p:stCondLst>
-                                        </p:cTn>
-                                        <p:tgtEl>
-                                          <p:spTgt spid="11"/>
-                                        </p:tgtEl>
-                                        <p:attrNameLst>
-                                          <p:attrName>style.visibility</p:attrName>
-                                        </p:attrNameLst>
-                                      </p:cBhvr>
-                                      <p:to>
-                                        <p:strVal val="visible"/>
-                                      </p:to>
-                                    </p:set>
-                                    <p:animEffect transition="in" filter="fade">
-                                      <p:cBhvr>
-                                        <p:cTn id="7" dur="500"/>
-                                        <p:tgtEl>
-                                          <p:spTgt spid="11"/>
-                                        </p:tgtEl>
-                                      </p:cBhvr>
-                                    </p:animEffect>
-                                  </p:childTnLst>
-                                </p:cTn>
-                              </p:par>
-                            </p:childTnLst>
-                          </p:cTn>
-                        </p:par>
-                        <p:par>
-                          <p:cTn id="8" fill="hold">
-                            <p:stCondLst>
-                              <p:cond delay="500"/>
-                            </p:stCondLst>
-                            <p:childTnLst>
-                              <p:par>
-                                <p:cTn id="9" presetID="10" presetClass="entr" presetSubtype="0" fill="hold" nodeType="afterEffect">
-                                  <p:stCondLst>
-                                    <p:cond delay="0"/>
-                                  </p:stCondLst>
-                                  <p:childTnLst>
-                                    <p:set>
-                                      <p:cBhvr>
-                                        <p:cTn id="10" dur="1" fill="hold">
-                                          <p:stCondLst>
-                                            <p:cond delay="0"/>
-                                          </p:stCondLst>
-                                        </p:cTn>
-                                        <p:tgtEl>
-                                          <p:spTgt spid="20"/>
-                                        </p:tgtEl>
-                                        <p:attrNameLst>
-                                          <p:attrName>style.visibility</p:attrName>
-                                        </p:attrNameLst>
-                                      </p:cBhvr>
-                                      <p:to>
-                                        <p:strVal val="visible"/>
-                                      </p:to>
-                                    </p:set>
-                                    <p:animEffect transition="in" filter="fade">
-                                      <p:cBhvr>
-                                        <p:cTn id="11" dur="500"/>
-                                        <p:tgtEl>
-                                          <p:spTgt spid="20"/>
-                                        </p:tgtEl>
-                                      </p:cBhvr>
-                                    </p:animEffect>
-                                  </p:childTnLst>
-                                </p:cTn>
-                              </p:par>
-                            </p:childTnLst>
-                          </p:cTn>
-                        </p:par>
-                        <p:par>
-                          <p:cTn id="12" fill="hold">
-                            <p:stCondLst>
-                              <p:cond delay="1000"/>
-                            </p:stCondLst>
-                            <p:childTnLst>
-                              <p:par>
-                                <p:cTn id="13" presetID="10" presetClass="entr" presetSubtype="0" fill="hold" nodeType="afterEffect">
-                                  <p:stCondLst>
-                                    <p:cond delay="0"/>
-                                  </p:stCondLst>
-                                  <p:childTnLst>
-                                    <p:set>
-                                      <p:cBhvr>
-                                        <p:cTn id="14" dur="1" fill="hold">
-                                          <p:stCondLst>
-                                            <p:cond delay="0"/>
-                                          </p:stCondLst>
-                                        </p:cTn>
-                                        <p:tgtEl>
-                                          <p:spTgt spid="14"/>
-                                        </p:tgtEl>
-                                        <p:attrNameLst>
-                                          <p:attrName>style.visibility</p:attrName>
-                                        </p:attrNameLst>
-                                      </p:cBhvr>
-                                      <p:to>
-                                        <p:strVal val="visible"/>
-                                      </p:to>
-                                    </p:set>
-                                    <p:animEffect transition="in" filter="fade">
-                                      <p:cBhvr>
-                                        <p:cTn id="15" dur="500"/>
-                                        <p:tgtEl>
-                                          <p:spTgt spid="14"/>
-                                        </p:tgtEl>
-                                      </p:cBhvr>
-                                    </p:animEffect>
-                                  </p:childTnLst>
-                                </p:cTn>
-                              </p:par>
-                            </p:childTnLst>
-                          </p:cTn>
-                        </p:par>
-                      </p:childTnLst>
-                    </p:cTn>
-                  </p:par>
-                  <p:par>
-                    <p:cTn id="16" fill="hold">
-                      <p:stCondLst>
-                        <p:cond delay="indefinite"/>
-                      </p:stCondLst>
-                      <p:childTnLst>
-                        <p:par>
-                          <p:cTn id="17" fill="hold">
-                            <p:stCondLst>
-                              <p:cond delay="0"/>
-                            </p:stCondLst>
-                            <p:childTnLst>
-                              <p:par>
-                                <p:cTn id="18" presetID="14" presetClass="entr" presetSubtype="10" fill="hold" grpId="0" nodeType="clickEffect">
-                                  <p:stCondLst>
-                                    <p:cond delay="0"/>
-                                  </p:stCondLst>
-                                  <p:childTnLst>
-                                    <p:set>
-                                      <p:cBhvr>
-                                        <p:cTn id="19" dur="1" fill="hold">
-                                          <p:stCondLst>
-                                            <p:cond delay="0"/>
-                                          </p:stCondLst>
-                                        </p:cTn>
-                                        <p:tgtEl>
-                                          <p:spTgt spid="25"/>
-                                        </p:tgtEl>
-                                        <p:attrNameLst>
-                                          <p:attrName>style.visibility</p:attrName>
-                                        </p:attrNameLst>
-                                      </p:cBhvr>
-                                      <p:to>
-                                        <p:strVal val="visible"/>
-                                      </p:to>
-                                    </p:set>
-                                    <p:animEffect transition="in" filter="randombar(horizontal)">
-                                      <p:cBhvr>
-                                        <p:cTn id="20" dur="500"/>
-                                        <p:tgtEl>
-                                          <p:spTgt spid="25"/>
-                                        </p:tgtEl>
-                                      </p:cBhvr>
-                                    </p:animEffect>
-                                  </p:childTnLst>
-                                </p:cTn>
-                              </p:par>
-                            </p:childTnLst>
-                          </p:cTn>
-                        </p:par>
-                        <p:par>
-                          <p:cTn id="21" fill="hold">
-                            <p:stCondLst>
-                              <p:cond delay="500"/>
-                            </p:stCondLst>
-                            <p:childTnLst>
-                              <p:par>
-                                <p:cTn id="22" presetID="42" presetClass="entr" presetSubtype="0" fill="hold" nodeType="afterEffect">
-                                  <p:stCondLst>
-                                    <p:cond delay="0"/>
-                                  </p:stCondLst>
-                                  <p:childTnLst>
-                                    <p:set>
-                                      <p:cBhvr>
-                                        <p:cTn id="23" dur="1" fill="hold">
-                                          <p:stCondLst>
-                                            <p:cond delay="0"/>
-                                          </p:stCondLst>
-                                        </p:cTn>
-                                        <p:tgtEl>
-                                          <p:spTgt spid="24"/>
-                                        </p:tgtEl>
-                                        <p:attrNameLst>
-                                          <p:attrName>style.visibility</p:attrName>
-                                        </p:attrNameLst>
-                                      </p:cBhvr>
-                                      <p:to>
-                                        <p:strVal val="visible"/>
-                                      </p:to>
-                                    </p:set>
-                                    <p:animEffect transition="in" filter="fade">
-                                      <p:cBhvr>
-                                        <p:cTn id="24" dur="1000"/>
-                                        <p:tgtEl>
-                                          <p:spTgt spid="24"/>
-                                        </p:tgtEl>
-                                      </p:cBhvr>
-                                    </p:animEffect>
-                                    <p:anim calcmode="lin" valueType="num">
-                                      <p:cBhvr>
-                                        <p:cTn id="25" dur="1000" fill="hold"/>
-                                        <p:tgtEl>
-                                          <p:spTgt spid="24"/>
-                                        </p:tgtEl>
-                                        <p:attrNameLst>
-                                          <p:attrName>ppt_x</p:attrName>
-                                        </p:attrNameLst>
-                                      </p:cBhvr>
-                                      <p:tavLst>
-                                        <p:tav tm="0">
-                                          <p:val>
-                                            <p:strVal val="#ppt_x"/>
-                                          </p:val>
-                                        </p:tav>
-                                        <p:tav tm="100000">
-                                          <p:val>
-                                            <p:strVal val="#ppt_x"/>
-                                          </p:val>
-                                        </p:tav>
-                                      </p:tavLst>
-                                    </p:anim>
-                                    <p:anim calcmode="lin" valueType="num">
-                                      <p:cBhvr>
-                                        <p:cTn id="26" dur="1000" fill="hold"/>
-                                        <p:tgtEl>
-                                          <p:spTgt spid="24"/>
-                                        </p:tgtEl>
-                                        <p:attrNameLst>
-                                          <p:attrName>ppt_y</p:attrName>
-                                        </p:attrNameLst>
-                                      </p:cBhvr>
-                                      <p:tavLst>
-                                        <p:tav tm="0">
-                                          <p:val>
-                                            <p:strVal val="#ppt_y+.1"/>
-                                          </p:val>
-                                        </p:tav>
-                                        <p:tav tm="100000">
-                                          <p:val>
-                                            <p:strVal val="#ppt_y"/>
-                                          </p:val>
-                                        </p:tav>
-                                      </p:tavLst>
-                                    </p:anim>
-                                  </p:childTnLst>
-                                </p:cTn>
-                              </p:par>
-                            </p:childTnLst>
-                          </p:cTn>
-                        </p:par>
-                      </p:childTnLst>
-                    </p:cTn>
-                  </p:par>
-                </p:childTnLst>
-              </p:cTn>
-              <p:prevCondLst>
-                <p:cond evt="onPrev" delay="0">
-                  <p:tgtEl>
-                    <p:sldTgt/>
-                  </p:tgtEl>
-                </p:cond>
-              </p:prevCondLst>
-              <p:nextCondLst>
-                <p:cond evt="onNext" delay="0">
-                  <p:tgtEl>
-                    <p:sldTgt/>
-                  </p:tgtEl>
-                </p:cond>
-              </p:nextCondLst>
-            </p:seq>
-          </p:childTnLst>
-        </p:cTn>
-      </p:par>
-    </p:tnLst>
-    <p:bldLst>
-      <p:bldP spid="25" grpId="0" animBg="1"/>
-    </p:bldLst>
-  </p:timing>
 </p:sld>
 </file>
 
@@ -24310,252 +22997,6 @@
           <p:cNvPr id="2" name="Title 1">
             <a:extLst>
               <a:ext uri="{FF2B5EF4-FFF2-40B4-BE49-F238E27FC236}">
-                <a16:creationId xmlns:a16="http://schemas.microsoft.com/office/drawing/2014/main" id="{3D1BE86C-ECA4-4CF9-8EC4-D459BFCA3316}"/>
-              </a:ext>
-            </a:extLst>
-          </p:cNvPr>
-          <p:cNvSpPr>
-            <a:spLocks noGrp="1"/>
-          </p:cNvSpPr>
-          <p:nvPr>
-            <p:ph type="title"/>
-          </p:nvPr>
-        </p:nvSpPr>
-        <p:spPr/>
-        <p:txBody>
-          <a:bodyPr/>
-          <a:lstStyle/>
-          <a:p>
-            <a:r>
-              <a:rPr lang="en-US" dirty="0"/>
-              <a:t>This causes exorbitant medicine cost</a:t>
-            </a:r>
-            <a:endParaRPr lang="en-CA" dirty="0"/>
-          </a:p>
-        </p:txBody>
-      </p:sp>
-      <p:sp>
-        <p:nvSpPr>
-          <p:cNvPr id="3" name="Content Placeholder 2">
-            <a:extLst>
-              <a:ext uri="{FF2B5EF4-FFF2-40B4-BE49-F238E27FC236}">
-                <a16:creationId xmlns:a16="http://schemas.microsoft.com/office/drawing/2014/main" id="{6CAE084B-717E-401E-9146-41822EC3A73B}"/>
-              </a:ext>
-            </a:extLst>
-          </p:cNvPr>
-          <p:cNvSpPr>
-            <a:spLocks noGrp="1"/>
-          </p:cNvSpPr>
-          <p:nvPr>
-            <p:ph idx="1"/>
-          </p:nvPr>
-        </p:nvSpPr>
-        <p:spPr>
-          <a:xfrm>
-            <a:off x="1024128" y="2286000"/>
-            <a:ext cx="6233015" cy="4023360"/>
-          </a:xfrm>
-        </p:spPr>
-        <p:txBody>
-          <a:bodyPr/>
-          <a:lstStyle/>
-          <a:p>
-            <a:pPr>
-              <a:buFont typeface="Wingdings" panose="05000000000000000000" pitchFamily="2" charset="2"/>
-              <a:buChar char="v"/>
-            </a:pPr>
-            <a:r>
-              <a:rPr lang="en-US" dirty="0"/>
-              <a:t>Annual drug prescription can be $200,000 - $500,00</a:t>
-            </a:r>
-          </a:p>
-          <a:p>
-            <a:pPr>
-              <a:buFont typeface="Wingdings" panose="05000000000000000000" pitchFamily="2" charset="2"/>
-              <a:buChar char="v"/>
-            </a:pPr>
-            <a:r>
-              <a:rPr lang="en-CA" dirty="0"/>
-              <a:t>Increases cost of healthcare</a:t>
-            </a:r>
-          </a:p>
-          <a:p>
-            <a:pPr>
-              <a:buFont typeface="Wingdings" panose="05000000000000000000" pitchFamily="2" charset="2"/>
-              <a:buChar char="v"/>
-            </a:pPr>
-            <a:endParaRPr lang="en-CA" dirty="0"/>
-          </a:p>
-        </p:txBody>
-      </p:sp>
-      <p:pic>
-        <p:nvPicPr>
-          <p:cNvPr id="1032" name="Picture 8" descr="Big pharma won't stay silent in drug pricing debate for long | Fortune">
-            <a:extLst>
-              <a:ext uri="{FF2B5EF4-FFF2-40B4-BE49-F238E27FC236}">
-                <a16:creationId xmlns:a16="http://schemas.microsoft.com/office/drawing/2014/main" id="{A934E543-7597-46C0-8D01-F5C6748661EE}"/>
-              </a:ext>
-            </a:extLst>
-          </p:cNvPr>
-          <p:cNvPicPr>
-            <a:picLocks noChangeAspect="1" noChangeArrowheads="1"/>
-          </p:cNvPicPr>
-          <p:nvPr/>
-        </p:nvPicPr>
-        <p:blipFill>
-          <a:blip r:embed="rId2">
-            <a:extLst>
-              <a:ext uri="{28A0092B-C50C-407E-A947-70E740481C1C}">
-                <a14:useLocalDpi xmlns:a14="http://schemas.microsoft.com/office/drawing/2010/main" val="0"/>
-              </a:ext>
-            </a:extLst>
-          </a:blip>
-          <a:srcRect/>
-          <a:stretch>
-            <a:fillRect/>
-          </a:stretch>
-        </p:blipFill>
-        <p:spPr bwMode="auto">
-          <a:xfrm>
-            <a:off x="6502400" y="2327512"/>
-            <a:ext cx="5306088" cy="3063659"/>
-          </a:xfrm>
-          <a:prstGeom prst="rect">
-            <a:avLst/>
-          </a:prstGeom>
-          <a:noFill/>
-          <a:extLst>
-            <a:ext uri="{909E8E84-426E-40DD-AFC4-6F175D3DCCD1}">
-              <a14:hiddenFill xmlns:a14="http://schemas.microsoft.com/office/drawing/2010/main">
-                <a:solidFill>
-                  <a:srgbClr val="FFFFFF"/>
-                </a:solidFill>
-              </a14:hiddenFill>
-            </a:ext>
-          </a:extLst>
-        </p:spPr>
-      </p:pic>
-    </p:spTree>
-    <p:extLst>
-      <p:ext uri="{BB962C8B-B14F-4D97-AF65-F5344CB8AC3E}">
-        <p14:creationId xmlns:p14="http://schemas.microsoft.com/office/powerpoint/2010/main" val="4258398857"/>
-      </p:ext>
-    </p:extLst>
-  </p:cSld>
-  <p:clrMapOvr>
-    <a:masterClrMapping/>
-  </p:clrMapOvr>
-  <p:timing>
-    <p:tnLst>
-      <p:par>
-        <p:cTn id="1" dur="indefinite" restart="never" nodeType="tmRoot">
-          <p:childTnLst>
-            <p:seq concurrent="1" nextAc="seek">
-              <p:cTn id="2" dur="indefinite" nodeType="mainSeq">
-                <p:childTnLst>
-                  <p:par>
-                    <p:cTn id="3" fill="hold">
-                      <p:stCondLst>
-                        <p:cond delay="indefinite"/>
-                        <p:cond evt="onBegin" delay="0">
-                          <p:tn val="2"/>
-                        </p:cond>
-                      </p:stCondLst>
-                      <p:childTnLst>
-                        <p:par>
-                          <p:cTn id="4" fill="hold">
-                            <p:stCondLst>
-                              <p:cond delay="0"/>
-                            </p:stCondLst>
-                            <p:childTnLst>
-                              <p:par>
-                                <p:cTn id="5" presetID="14" presetClass="entr" presetSubtype="10" fill="hold" nodeType="afterEffect">
-                                  <p:stCondLst>
-                                    <p:cond delay="0"/>
-                                  </p:stCondLst>
-                                  <p:childTnLst>
-                                    <p:set>
-                                      <p:cBhvr>
-                                        <p:cTn id="6" dur="1" fill="hold">
-                                          <p:stCondLst>
-                                            <p:cond delay="0"/>
-                                          </p:stCondLst>
-                                        </p:cTn>
-                                        <p:tgtEl>
-                                          <p:spTgt spid="1032"/>
-                                        </p:tgtEl>
-                                        <p:attrNameLst>
-                                          <p:attrName>style.visibility</p:attrName>
-                                        </p:attrNameLst>
-                                      </p:cBhvr>
-                                      <p:to>
-                                        <p:strVal val="visible"/>
-                                      </p:to>
-                                    </p:set>
-                                    <p:animEffect transition="in" filter="randombar(horizontal)">
-                                      <p:cBhvr>
-                                        <p:cTn id="7" dur="700"/>
-                                        <p:tgtEl>
-                                          <p:spTgt spid="1032"/>
-                                        </p:tgtEl>
-                                      </p:cBhvr>
-                                    </p:animEffect>
-                                  </p:childTnLst>
-                                </p:cTn>
-                              </p:par>
-                            </p:childTnLst>
-                          </p:cTn>
-                        </p:par>
-                      </p:childTnLst>
-                    </p:cTn>
-                  </p:par>
-                </p:childTnLst>
-              </p:cTn>
-              <p:prevCondLst>
-                <p:cond evt="onPrev" delay="0">
-                  <p:tgtEl>
-                    <p:sldTgt/>
-                  </p:tgtEl>
-                </p:cond>
-              </p:prevCondLst>
-              <p:nextCondLst>
-                <p:cond evt="onNext" delay="0">
-                  <p:tgtEl>
-                    <p:sldTgt/>
-                  </p:tgtEl>
-                </p:cond>
-              </p:nextCondLst>
-            </p:seq>
-          </p:childTnLst>
-        </p:cTn>
-      </p:par>
-    </p:tnLst>
-  </p:timing>
-</p:sld>
-</file>
-
-<file path=ppt/slides/slide4.xml><?xml version="1.0" encoding="utf-8"?>
-<p:sld xmlns:a="http://schemas.openxmlformats.org/drawingml/2006/main" xmlns:r="http://schemas.openxmlformats.org/officeDocument/2006/relationships" xmlns:p="http://schemas.openxmlformats.org/presentationml/2006/main">
-  <p:cSld>
-    <p:spTree>
-      <p:nvGrpSpPr>
-        <p:cNvPr id="1" name=""/>
-        <p:cNvGrpSpPr/>
-        <p:nvPr/>
-      </p:nvGrpSpPr>
-      <p:grpSpPr>
-        <a:xfrm>
-          <a:off x="0" y="0"/>
-          <a:ext cx="0" cy="0"/>
-          <a:chOff x="0" y="0"/>
-          <a:chExt cx="0" cy="0"/>
-        </a:xfrm>
-      </p:grpSpPr>
-      <p:sp>
-        <p:nvSpPr>
-          <p:cNvPr id="2" name="Title 1">
-            <a:extLst>
-              <a:ext uri="{FF2B5EF4-FFF2-40B4-BE49-F238E27FC236}">
                 <a16:creationId xmlns:a16="http://schemas.microsoft.com/office/drawing/2014/main" id="{5B757BFD-56E9-446D-9720-B1AFDD51FE27}"/>
               </a:ext>
             </a:extLst>
@@ -24618,7 +23059,7 @@
             </a:pPr>
             <a:r>
               <a:rPr lang="en-US" sz="3200" dirty="0"/>
-              <a:t>… can find factors that affect clinical trial success rate?</a:t>
+              <a:t>… can find factors affecting that clinical trial success rate?</a:t>
             </a:r>
           </a:p>
           <a:p>
@@ -24775,7 +23216,7 @@
 </p:sld>
 </file>
 
-<file path=ppt/slides/slide5.xml><?xml version="1.0" encoding="utf-8"?>
+<file path=ppt/slides/slide4.xml><?xml version="1.0" encoding="utf-8"?>
 <p:sld xmlns:a="http://schemas.openxmlformats.org/drawingml/2006/main" xmlns:r="http://schemas.openxmlformats.org/officeDocument/2006/relationships" xmlns:p="http://schemas.openxmlformats.org/presentationml/2006/main">
   <p:cSld>
     <p:spTree>
@@ -25065,7 +23506,7 @@
 </p:sld>
 </file>
 
-<file path=ppt/slides/slide6.xml><?xml version="1.0" encoding="utf-8"?>
+<file path=ppt/slides/slide5.xml><?xml version="1.0" encoding="utf-8"?>
 <p:sld xmlns:a="http://schemas.openxmlformats.org/drawingml/2006/main" xmlns:r="http://schemas.openxmlformats.org/officeDocument/2006/relationships" xmlns:p="http://schemas.openxmlformats.org/presentationml/2006/main">
   <p:cSld>
     <p:spTree>
@@ -25161,7 +23602,7 @@
             </a:r>
             <a:r>
               <a:rPr lang="en-US" sz="2800" dirty="0"/>
-              <a:t> only</a:t>
+              <a:t> only; safety only</a:t>
             </a:r>
           </a:p>
           <a:p>
@@ -25263,7 +23704,7 @@
 </p:sld>
 </file>
 
-<file path=ppt/slides/slide7.xml><?xml version="1.0" encoding="utf-8"?>
+<file path=ppt/slides/slide6.xml><?xml version="1.0" encoding="utf-8"?>
 <p:sld xmlns:a="http://schemas.openxmlformats.org/drawingml/2006/main" xmlns:r="http://schemas.openxmlformats.org/officeDocument/2006/relationships" xmlns:p="http://schemas.openxmlformats.org/presentationml/2006/main">
   <p:cSld>
     <p:spTree>
@@ -25355,7 +23796,7 @@
             <a:pPr algn="ctr"/>
             <a:r>
               <a:rPr lang="en-US" sz="2000" dirty="0"/>
-              <a:t>Split to 18 batches</a:t>
+              <a:t>Thousands of files</a:t>
             </a:r>
             <a:endParaRPr lang="en-CA" sz="2000" dirty="0"/>
           </a:p>
@@ -25620,7 +24061,7 @@
             </a:pPr>
             <a:r>
               <a:rPr lang="en-CA" sz="2000" dirty="0"/>
-              <a:t>Out of 4GB of files</a:t>
+              <a:t>Combined into one 4GB of files</a:t>
             </a:r>
           </a:p>
         </p:txBody>
@@ -25828,7 +24269,7 @@
 </p:sld>
 </file>
 
-<file path=ppt/slides/slide8.xml><?xml version="1.0" encoding="utf-8"?>
+<file path=ppt/slides/slide7.xml><?xml version="1.0" encoding="utf-8"?>
 <p:sld xmlns:a="http://schemas.openxmlformats.org/drawingml/2006/main" xmlns:r="http://schemas.openxmlformats.org/officeDocument/2006/relationships" xmlns:p="http://schemas.openxmlformats.org/presentationml/2006/main">
   <p:cSld>
     <p:spTree>
@@ -26072,7 +24513,7 @@
 </p:sld>
 </file>
 
-<file path=ppt/slides/slide9.xml><?xml version="1.0" encoding="utf-8"?>
+<file path=ppt/slides/slide8.xml><?xml version="1.0" encoding="utf-8"?>
 <p:sld xmlns:a="http://schemas.openxmlformats.org/drawingml/2006/main" xmlns:r="http://schemas.openxmlformats.org/officeDocument/2006/relationships" xmlns:p="http://schemas.openxmlformats.org/presentationml/2006/main">
   <p:cSld>
     <p:spTree>
@@ -26233,6 +24674,1418 @@
   <p:clrMapOvr>
     <a:masterClrMapping/>
   </p:clrMapOvr>
+</p:sld>
+</file>
+
+<file path=ppt/slides/slide9.xml><?xml version="1.0" encoding="utf-8"?>
+<p:sld xmlns:a="http://schemas.openxmlformats.org/drawingml/2006/main" xmlns:r="http://schemas.openxmlformats.org/officeDocument/2006/relationships" xmlns:p="http://schemas.openxmlformats.org/presentationml/2006/main">
+  <p:cSld>
+    <p:spTree>
+      <p:nvGrpSpPr>
+        <p:cNvPr id="1" name=""/>
+        <p:cNvGrpSpPr/>
+        <p:nvPr/>
+      </p:nvGrpSpPr>
+      <p:grpSpPr>
+        <a:xfrm>
+          <a:off x="0" y="0"/>
+          <a:ext cx="0" cy="0"/>
+          <a:chOff x="0" y="0"/>
+          <a:chExt cx="0" cy="0"/>
+        </a:xfrm>
+      </p:grpSpPr>
+      <p:sp>
+        <p:nvSpPr>
+          <p:cNvPr id="2" name="Title 1">
+            <a:extLst>
+              <a:ext uri="{FF2B5EF4-FFF2-40B4-BE49-F238E27FC236}">
+                <a16:creationId xmlns:a16="http://schemas.microsoft.com/office/drawing/2014/main" id="{7E79C0C7-BCE7-4BD3-9AD5-1F3CE14078A3}"/>
+              </a:ext>
+            </a:extLst>
+          </p:cNvPr>
+          <p:cNvSpPr>
+            <a:spLocks noGrp="1"/>
+          </p:cNvSpPr>
+          <p:nvPr>
+            <p:ph type="title"/>
+          </p:nvPr>
+        </p:nvSpPr>
+        <p:spPr/>
+        <p:txBody>
+          <a:bodyPr/>
+          <a:lstStyle/>
+          <a:p>
+            <a:pPr algn="ctr"/>
+            <a:r>
+              <a:rPr lang="en-US" dirty="0"/>
+              <a:t>Result:</a:t>
+            </a:r>
+            <a:br>
+              <a:rPr lang="en-US" dirty="0"/>
+            </a:br>
+            <a:r>
+              <a:rPr lang="en-US" dirty="0"/>
+              <a:t>The Calculation</a:t>
+            </a:r>
+            <a:endParaRPr lang="en-CA" dirty="0"/>
+          </a:p>
+        </p:txBody>
+      </p:sp>
+      <p:grpSp>
+        <p:nvGrpSpPr>
+          <p:cNvPr id="14" name="Group 13">
+            <a:extLst>
+              <a:ext uri="{FF2B5EF4-FFF2-40B4-BE49-F238E27FC236}">
+                <a16:creationId xmlns:a16="http://schemas.microsoft.com/office/drawing/2014/main" id="{1C2DBA09-C960-4AD8-86BC-08E3072ABF0F}"/>
+              </a:ext>
+            </a:extLst>
+          </p:cNvPr>
+          <p:cNvGrpSpPr/>
+          <p:nvPr/>
+        </p:nvGrpSpPr>
+        <p:grpSpPr>
+          <a:xfrm>
+            <a:off x="8092690" y="2453941"/>
+            <a:ext cx="3449054" cy="2187232"/>
+            <a:chOff x="8101399" y="2507849"/>
+            <a:chExt cx="3809128" cy="2415574"/>
+          </a:xfrm>
+        </p:grpSpPr>
+        <p:sp>
+          <p:nvSpPr>
+            <p:cNvPr id="8" name="Content Placeholder 2">
+              <a:extLst>
+                <a:ext uri="{FF2B5EF4-FFF2-40B4-BE49-F238E27FC236}">
+                  <a16:creationId xmlns:a16="http://schemas.microsoft.com/office/drawing/2014/main" id="{A8E95F8B-34C8-49DF-A9D0-D8FA1750F8DB}"/>
+                </a:ext>
+              </a:extLst>
+            </p:cNvPr>
+            <p:cNvSpPr txBox="1">
+              <a:spLocks/>
+            </p:cNvSpPr>
+            <p:nvPr/>
+          </p:nvSpPr>
+          <p:spPr>
+            <a:xfrm>
+              <a:off x="8101399" y="2507849"/>
+              <a:ext cx="3809128" cy="653143"/>
+            </a:xfrm>
+            <a:prstGeom prst="rect">
+              <a:avLst/>
+            </a:prstGeom>
+          </p:spPr>
+          <p:txBody>
+            <a:bodyPr vert="horz" lIns="45720" tIns="45720" rIns="45720" bIns="45720" rtlCol="0">
+              <a:normAutofit/>
+            </a:bodyPr>
+            <a:lstStyle>
+              <a:lvl1pPr marL="91440" indent="-91440" algn="l" defTabSz="914400" rtl="0" eaLnBrk="1" latinLnBrk="0" hangingPunct="1">
+                <a:lnSpc>
+                  <a:spcPct val="90000"/>
+                </a:lnSpc>
+                <a:spcBef>
+                  <a:spcPts val="1200"/>
+                </a:spcBef>
+                <a:spcAft>
+                  <a:spcPts val="200"/>
+                </a:spcAft>
+                <a:buClr>
+                  <a:schemeClr val="accent1"/>
+                </a:buClr>
+                <a:buSzPct val="100000"/>
+                <a:buFont typeface="Tw Cen MT" panose="020B0602020104020603" pitchFamily="34" charset="0"/>
+                <a:buChar char=" "/>
+                <a:defRPr sz="2200" kern="1200">
+                  <a:solidFill>
+                    <a:schemeClr val="tx1"/>
+                  </a:solidFill>
+                  <a:latin typeface="+mn-lt"/>
+                  <a:ea typeface="+mn-ea"/>
+                  <a:cs typeface="+mn-cs"/>
+                </a:defRPr>
+              </a:lvl1pPr>
+              <a:lvl2pPr marL="265176" indent="-137160" algn="l" defTabSz="914400" rtl="0" eaLnBrk="1" latinLnBrk="0" hangingPunct="1">
+                <a:lnSpc>
+                  <a:spcPct val="90000"/>
+                </a:lnSpc>
+                <a:spcBef>
+                  <a:spcPts val="200"/>
+                </a:spcBef>
+                <a:spcAft>
+                  <a:spcPts val="400"/>
+                </a:spcAft>
+                <a:buClr>
+                  <a:schemeClr val="accent1"/>
+                </a:buClr>
+                <a:buFont typeface="Wingdings 3" pitchFamily="18" charset="2"/>
+                <a:buChar char=""/>
+                <a:defRPr sz="1800" kern="1200">
+                  <a:solidFill>
+                    <a:schemeClr val="tx1"/>
+                  </a:solidFill>
+                  <a:latin typeface="+mn-lt"/>
+                  <a:ea typeface="+mn-ea"/>
+                  <a:cs typeface="+mn-cs"/>
+                </a:defRPr>
+              </a:lvl2pPr>
+              <a:lvl3pPr marL="448056" indent="-137160" algn="l" defTabSz="914400" rtl="0" eaLnBrk="1" latinLnBrk="0" hangingPunct="1">
+                <a:lnSpc>
+                  <a:spcPct val="90000"/>
+                </a:lnSpc>
+                <a:spcBef>
+                  <a:spcPts val="200"/>
+                </a:spcBef>
+                <a:spcAft>
+                  <a:spcPts val="400"/>
+                </a:spcAft>
+                <a:buClr>
+                  <a:schemeClr val="accent1"/>
+                </a:buClr>
+                <a:buFont typeface="Wingdings 3" pitchFamily="18" charset="2"/>
+                <a:buChar char=""/>
+                <a:defRPr sz="1400" kern="1200">
+                  <a:solidFill>
+                    <a:schemeClr val="tx1"/>
+                  </a:solidFill>
+                  <a:latin typeface="+mn-lt"/>
+                  <a:ea typeface="+mn-ea"/>
+                  <a:cs typeface="+mn-cs"/>
+                </a:defRPr>
+              </a:lvl3pPr>
+              <a:lvl4pPr marL="594360" indent="-137160" algn="l" defTabSz="914400" rtl="0" eaLnBrk="1" latinLnBrk="0" hangingPunct="1">
+                <a:lnSpc>
+                  <a:spcPct val="90000"/>
+                </a:lnSpc>
+                <a:spcBef>
+                  <a:spcPts val="200"/>
+                </a:spcBef>
+                <a:spcAft>
+                  <a:spcPts val="400"/>
+                </a:spcAft>
+                <a:buClr>
+                  <a:schemeClr val="accent1"/>
+                </a:buClr>
+                <a:buFont typeface="Wingdings 3" pitchFamily="18" charset="2"/>
+                <a:buChar char=""/>
+                <a:defRPr sz="1400" kern="1200">
+                  <a:solidFill>
+                    <a:schemeClr val="tx1"/>
+                  </a:solidFill>
+                  <a:latin typeface="+mn-lt"/>
+                  <a:ea typeface="+mn-ea"/>
+                  <a:cs typeface="+mn-cs"/>
+                </a:defRPr>
+              </a:lvl4pPr>
+              <a:lvl5pPr marL="777240" indent="-137160" algn="l" defTabSz="914400" rtl="0" eaLnBrk="1" latinLnBrk="0" hangingPunct="1">
+                <a:lnSpc>
+                  <a:spcPct val="90000"/>
+                </a:lnSpc>
+                <a:spcBef>
+                  <a:spcPts val="200"/>
+                </a:spcBef>
+                <a:spcAft>
+                  <a:spcPts val="400"/>
+                </a:spcAft>
+                <a:buClr>
+                  <a:schemeClr val="accent1"/>
+                </a:buClr>
+                <a:buFont typeface="Wingdings 3" pitchFamily="18" charset="2"/>
+                <a:buChar char=""/>
+                <a:defRPr sz="1400" kern="1200">
+                  <a:solidFill>
+                    <a:schemeClr val="tx1"/>
+                  </a:solidFill>
+                  <a:latin typeface="+mn-lt"/>
+                  <a:ea typeface="+mn-ea"/>
+                  <a:cs typeface="+mn-cs"/>
+                </a:defRPr>
+              </a:lvl5pPr>
+              <a:lvl6pPr marL="914400" indent="-137160" algn="l" defTabSz="914400" rtl="0" eaLnBrk="1" latinLnBrk="0" hangingPunct="1">
+                <a:lnSpc>
+                  <a:spcPct val="90000"/>
+                </a:lnSpc>
+                <a:spcBef>
+                  <a:spcPts val="200"/>
+                </a:spcBef>
+                <a:spcAft>
+                  <a:spcPts val="400"/>
+                </a:spcAft>
+                <a:buClr>
+                  <a:schemeClr val="accent1"/>
+                </a:buClr>
+                <a:buFont typeface="Wingdings 3" pitchFamily="18" charset="2"/>
+                <a:buChar char=""/>
+                <a:defRPr sz="1400" kern="1200">
+                  <a:solidFill>
+                    <a:schemeClr val="tx1"/>
+                  </a:solidFill>
+                  <a:latin typeface="+mn-lt"/>
+                  <a:ea typeface="+mn-ea"/>
+                  <a:cs typeface="+mn-cs"/>
+                </a:defRPr>
+              </a:lvl6pPr>
+              <a:lvl7pPr marL="1060704" indent="-137160" algn="l" defTabSz="914400" rtl="0" eaLnBrk="1" latinLnBrk="0" hangingPunct="1">
+                <a:lnSpc>
+                  <a:spcPct val="90000"/>
+                </a:lnSpc>
+                <a:spcBef>
+                  <a:spcPts val="200"/>
+                </a:spcBef>
+                <a:spcAft>
+                  <a:spcPts val="400"/>
+                </a:spcAft>
+                <a:buClr>
+                  <a:schemeClr val="accent1"/>
+                </a:buClr>
+                <a:buFont typeface="Wingdings 3" pitchFamily="18" charset="2"/>
+                <a:buChar char=""/>
+                <a:defRPr sz="1400" kern="1200">
+                  <a:solidFill>
+                    <a:schemeClr val="tx1"/>
+                  </a:solidFill>
+                  <a:latin typeface="+mn-lt"/>
+                  <a:ea typeface="+mn-ea"/>
+                  <a:cs typeface="+mn-cs"/>
+                </a:defRPr>
+              </a:lvl7pPr>
+              <a:lvl8pPr marL="1216152" indent="-137160" algn="l" defTabSz="914400" rtl="0" eaLnBrk="1" latinLnBrk="0" hangingPunct="1">
+                <a:lnSpc>
+                  <a:spcPct val="90000"/>
+                </a:lnSpc>
+                <a:spcBef>
+                  <a:spcPts val="200"/>
+                </a:spcBef>
+                <a:spcAft>
+                  <a:spcPts val="400"/>
+                </a:spcAft>
+                <a:buClr>
+                  <a:schemeClr val="accent1"/>
+                </a:buClr>
+                <a:buFont typeface="Wingdings 3" pitchFamily="18" charset="2"/>
+                <a:buChar char=""/>
+                <a:defRPr sz="1400" kern="1200">
+                  <a:solidFill>
+                    <a:schemeClr val="tx1"/>
+                  </a:solidFill>
+                  <a:latin typeface="+mn-lt"/>
+                  <a:ea typeface="+mn-ea"/>
+                  <a:cs typeface="+mn-cs"/>
+                </a:defRPr>
+              </a:lvl8pPr>
+              <a:lvl9pPr marL="1362456" indent="-137160" algn="l" defTabSz="914400" rtl="0" eaLnBrk="1" latinLnBrk="0" hangingPunct="1">
+                <a:lnSpc>
+                  <a:spcPct val="90000"/>
+                </a:lnSpc>
+                <a:spcBef>
+                  <a:spcPts val="200"/>
+                </a:spcBef>
+                <a:spcAft>
+                  <a:spcPts val="400"/>
+                </a:spcAft>
+                <a:buClr>
+                  <a:schemeClr val="accent1"/>
+                </a:buClr>
+                <a:buFont typeface="Wingdings 3" pitchFamily="18" charset="2"/>
+                <a:buChar char=""/>
+                <a:defRPr sz="1400" kern="1200">
+                  <a:solidFill>
+                    <a:schemeClr val="tx1"/>
+                  </a:solidFill>
+                  <a:latin typeface="+mn-lt"/>
+                  <a:ea typeface="+mn-ea"/>
+                  <a:cs typeface="+mn-cs"/>
+                </a:defRPr>
+              </a:lvl9pPr>
+            </a:lstStyle>
+            <a:p>
+              <a:pPr algn="r"/>
+              <a:r>
+                <a:rPr lang="en-US" sz="2800" b="1" dirty="0"/>
+                <a:t>K Nearest </a:t>
+              </a:r>
+              <a:r>
+                <a:rPr lang="en-US" sz="2800" b="1" dirty="0" err="1"/>
+                <a:t>Neighbour</a:t>
+              </a:r>
+              <a:endParaRPr lang="en-US" sz="2800" b="1" dirty="0"/>
+            </a:p>
+          </p:txBody>
+        </p:sp>
+        <p:pic>
+          <p:nvPicPr>
+            <p:cNvPr id="6" name="Picture 5">
+              <a:extLst>
+                <a:ext uri="{FF2B5EF4-FFF2-40B4-BE49-F238E27FC236}">
+                  <a16:creationId xmlns:a16="http://schemas.microsoft.com/office/drawing/2014/main" id="{2F4F5D53-0C0B-4E11-95E7-462816F6BA54}"/>
+                </a:ext>
+              </a:extLst>
+            </p:cNvPr>
+            <p:cNvPicPr>
+              <a:picLocks noChangeAspect="1"/>
+            </p:cNvPicPr>
+            <p:nvPr/>
+          </p:nvPicPr>
+          <p:blipFill>
+            <a:blip r:embed="rId2"/>
+            <a:stretch>
+              <a:fillRect/>
+            </a:stretch>
+          </p:blipFill>
+          <p:spPr>
+            <a:xfrm>
+              <a:off x="8704145" y="3303037"/>
+              <a:ext cx="3090039" cy="1620386"/>
+            </a:xfrm>
+            <a:prstGeom prst="rect">
+              <a:avLst/>
+            </a:prstGeom>
+          </p:spPr>
+        </p:pic>
+      </p:grpSp>
+      <p:grpSp>
+        <p:nvGrpSpPr>
+          <p:cNvPr id="11" name="Group 10">
+            <a:extLst>
+              <a:ext uri="{FF2B5EF4-FFF2-40B4-BE49-F238E27FC236}">
+                <a16:creationId xmlns:a16="http://schemas.microsoft.com/office/drawing/2014/main" id="{2C64F804-4083-421D-8CF7-C32CF5D9CC6A}"/>
+              </a:ext>
+            </a:extLst>
+          </p:cNvPr>
+          <p:cNvGrpSpPr/>
+          <p:nvPr/>
+        </p:nvGrpSpPr>
+        <p:grpSpPr>
+          <a:xfrm>
+            <a:off x="130558" y="2481943"/>
+            <a:ext cx="3324448" cy="2130822"/>
+            <a:chOff x="857673" y="2481943"/>
+            <a:chExt cx="3809128" cy="2441480"/>
+          </a:xfrm>
+        </p:grpSpPr>
+        <p:sp>
+          <p:nvSpPr>
+            <p:cNvPr id="12" name="Content Placeholder 2">
+              <a:extLst>
+                <a:ext uri="{FF2B5EF4-FFF2-40B4-BE49-F238E27FC236}">
+                  <a16:creationId xmlns:a16="http://schemas.microsoft.com/office/drawing/2014/main" id="{881EFC97-0059-45E3-A83C-FA463C935E1B}"/>
+                </a:ext>
+              </a:extLst>
+            </p:cNvPr>
+            <p:cNvSpPr txBox="1">
+              <a:spLocks/>
+            </p:cNvSpPr>
+            <p:nvPr/>
+          </p:nvSpPr>
+          <p:spPr>
+            <a:xfrm>
+              <a:off x="857673" y="2481943"/>
+              <a:ext cx="3809128" cy="653143"/>
+            </a:xfrm>
+            <a:prstGeom prst="rect">
+              <a:avLst/>
+            </a:prstGeom>
+          </p:spPr>
+          <p:txBody>
+            <a:bodyPr vert="horz" lIns="45720" tIns="45720" rIns="45720" bIns="45720" rtlCol="0">
+              <a:normAutofit/>
+            </a:bodyPr>
+            <a:lstStyle>
+              <a:lvl1pPr marL="91440" indent="-91440" algn="l" defTabSz="914400" rtl="0" eaLnBrk="1" latinLnBrk="0" hangingPunct="1">
+                <a:lnSpc>
+                  <a:spcPct val="90000"/>
+                </a:lnSpc>
+                <a:spcBef>
+                  <a:spcPts val="1200"/>
+                </a:spcBef>
+                <a:spcAft>
+                  <a:spcPts val="200"/>
+                </a:spcAft>
+                <a:buClr>
+                  <a:schemeClr val="accent1"/>
+                </a:buClr>
+                <a:buSzPct val="100000"/>
+                <a:buFont typeface="Tw Cen MT" panose="020B0602020104020603" pitchFamily="34" charset="0"/>
+                <a:buChar char=" "/>
+                <a:defRPr sz="2200" kern="1200">
+                  <a:solidFill>
+                    <a:schemeClr val="tx1"/>
+                  </a:solidFill>
+                  <a:latin typeface="+mn-lt"/>
+                  <a:ea typeface="+mn-ea"/>
+                  <a:cs typeface="+mn-cs"/>
+                </a:defRPr>
+              </a:lvl1pPr>
+              <a:lvl2pPr marL="265176" indent="-137160" algn="l" defTabSz="914400" rtl="0" eaLnBrk="1" latinLnBrk="0" hangingPunct="1">
+                <a:lnSpc>
+                  <a:spcPct val="90000"/>
+                </a:lnSpc>
+                <a:spcBef>
+                  <a:spcPts val="200"/>
+                </a:spcBef>
+                <a:spcAft>
+                  <a:spcPts val="400"/>
+                </a:spcAft>
+                <a:buClr>
+                  <a:schemeClr val="accent1"/>
+                </a:buClr>
+                <a:buFont typeface="Wingdings 3" pitchFamily="18" charset="2"/>
+                <a:buChar char=""/>
+                <a:defRPr sz="1800" kern="1200">
+                  <a:solidFill>
+                    <a:schemeClr val="tx1"/>
+                  </a:solidFill>
+                  <a:latin typeface="+mn-lt"/>
+                  <a:ea typeface="+mn-ea"/>
+                  <a:cs typeface="+mn-cs"/>
+                </a:defRPr>
+              </a:lvl2pPr>
+              <a:lvl3pPr marL="448056" indent="-137160" algn="l" defTabSz="914400" rtl="0" eaLnBrk="1" latinLnBrk="0" hangingPunct="1">
+                <a:lnSpc>
+                  <a:spcPct val="90000"/>
+                </a:lnSpc>
+                <a:spcBef>
+                  <a:spcPts val="200"/>
+                </a:spcBef>
+                <a:spcAft>
+                  <a:spcPts val="400"/>
+                </a:spcAft>
+                <a:buClr>
+                  <a:schemeClr val="accent1"/>
+                </a:buClr>
+                <a:buFont typeface="Wingdings 3" pitchFamily="18" charset="2"/>
+                <a:buChar char=""/>
+                <a:defRPr sz="1400" kern="1200">
+                  <a:solidFill>
+                    <a:schemeClr val="tx1"/>
+                  </a:solidFill>
+                  <a:latin typeface="+mn-lt"/>
+                  <a:ea typeface="+mn-ea"/>
+                  <a:cs typeface="+mn-cs"/>
+                </a:defRPr>
+              </a:lvl3pPr>
+              <a:lvl4pPr marL="594360" indent="-137160" algn="l" defTabSz="914400" rtl="0" eaLnBrk="1" latinLnBrk="0" hangingPunct="1">
+                <a:lnSpc>
+                  <a:spcPct val="90000"/>
+                </a:lnSpc>
+                <a:spcBef>
+                  <a:spcPts val="200"/>
+                </a:spcBef>
+                <a:spcAft>
+                  <a:spcPts val="400"/>
+                </a:spcAft>
+                <a:buClr>
+                  <a:schemeClr val="accent1"/>
+                </a:buClr>
+                <a:buFont typeface="Wingdings 3" pitchFamily="18" charset="2"/>
+                <a:buChar char=""/>
+                <a:defRPr sz="1400" kern="1200">
+                  <a:solidFill>
+                    <a:schemeClr val="tx1"/>
+                  </a:solidFill>
+                  <a:latin typeface="+mn-lt"/>
+                  <a:ea typeface="+mn-ea"/>
+                  <a:cs typeface="+mn-cs"/>
+                </a:defRPr>
+              </a:lvl4pPr>
+              <a:lvl5pPr marL="777240" indent="-137160" algn="l" defTabSz="914400" rtl="0" eaLnBrk="1" latinLnBrk="0" hangingPunct="1">
+                <a:lnSpc>
+                  <a:spcPct val="90000"/>
+                </a:lnSpc>
+                <a:spcBef>
+                  <a:spcPts val="200"/>
+                </a:spcBef>
+                <a:spcAft>
+                  <a:spcPts val="400"/>
+                </a:spcAft>
+                <a:buClr>
+                  <a:schemeClr val="accent1"/>
+                </a:buClr>
+                <a:buFont typeface="Wingdings 3" pitchFamily="18" charset="2"/>
+                <a:buChar char=""/>
+                <a:defRPr sz="1400" kern="1200">
+                  <a:solidFill>
+                    <a:schemeClr val="tx1"/>
+                  </a:solidFill>
+                  <a:latin typeface="+mn-lt"/>
+                  <a:ea typeface="+mn-ea"/>
+                  <a:cs typeface="+mn-cs"/>
+                </a:defRPr>
+              </a:lvl5pPr>
+              <a:lvl6pPr marL="914400" indent="-137160" algn="l" defTabSz="914400" rtl="0" eaLnBrk="1" latinLnBrk="0" hangingPunct="1">
+                <a:lnSpc>
+                  <a:spcPct val="90000"/>
+                </a:lnSpc>
+                <a:spcBef>
+                  <a:spcPts val="200"/>
+                </a:spcBef>
+                <a:spcAft>
+                  <a:spcPts val="400"/>
+                </a:spcAft>
+                <a:buClr>
+                  <a:schemeClr val="accent1"/>
+                </a:buClr>
+                <a:buFont typeface="Wingdings 3" pitchFamily="18" charset="2"/>
+                <a:buChar char=""/>
+                <a:defRPr sz="1400" kern="1200">
+                  <a:solidFill>
+                    <a:schemeClr val="tx1"/>
+                  </a:solidFill>
+                  <a:latin typeface="+mn-lt"/>
+                  <a:ea typeface="+mn-ea"/>
+                  <a:cs typeface="+mn-cs"/>
+                </a:defRPr>
+              </a:lvl6pPr>
+              <a:lvl7pPr marL="1060704" indent="-137160" algn="l" defTabSz="914400" rtl="0" eaLnBrk="1" latinLnBrk="0" hangingPunct="1">
+                <a:lnSpc>
+                  <a:spcPct val="90000"/>
+                </a:lnSpc>
+                <a:spcBef>
+                  <a:spcPts val="200"/>
+                </a:spcBef>
+                <a:spcAft>
+                  <a:spcPts val="400"/>
+                </a:spcAft>
+                <a:buClr>
+                  <a:schemeClr val="accent1"/>
+                </a:buClr>
+                <a:buFont typeface="Wingdings 3" pitchFamily="18" charset="2"/>
+                <a:buChar char=""/>
+                <a:defRPr sz="1400" kern="1200">
+                  <a:solidFill>
+                    <a:schemeClr val="tx1"/>
+                  </a:solidFill>
+                  <a:latin typeface="+mn-lt"/>
+                  <a:ea typeface="+mn-ea"/>
+                  <a:cs typeface="+mn-cs"/>
+                </a:defRPr>
+              </a:lvl7pPr>
+              <a:lvl8pPr marL="1216152" indent="-137160" algn="l" defTabSz="914400" rtl="0" eaLnBrk="1" latinLnBrk="0" hangingPunct="1">
+                <a:lnSpc>
+                  <a:spcPct val="90000"/>
+                </a:lnSpc>
+                <a:spcBef>
+                  <a:spcPts val="200"/>
+                </a:spcBef>
+                <a:spcAft>
+                  <a:spcPts val="400"/>
+                </a:spcAft>
+                <a:buClr>
+                  <a:schemeClr val="accent1"/>
+                </a:buClr>
+                <a:buFont typeface="Wingdings 3" pitchFamily="18" charset="2"/>
+                <a:buChar char=""/>
+                <a:defRPr sz="1400" kern="1200">
+                  <a:solidFill>
+                    <a:schemeClr val="tx1"/>
+                  </a:solidFill>
+                  <a:latin typeface="+mn-lt"/>
+                  <a:ea typeface="+mn-ea"/>
+                  <a:cs typeface="+mn-cs"/>
+                </a:defRPr>
+              </a:lvl8pPr>
+              <a:lvl9pPr marL="1362456" indent="-137160" algn="l" defTabSz="914400" rtl="0" eaLnBrk="1" latinLnBrk="0" hangingPunct="1">
+                <a:lnSpc>
+                  <a:spcPct val="90000"/>
+                </a:lnSpc>
+                <a:spcBef>
+                  <a:spcPts val="200"/>
+                </a:spcBef>
+                <a:spcAft>
+                  <a:spcPts val="400"/>
+                </a:spcAft>
+                <a:buClr>
+                  <a:schemeClr val="accent1"/>
+                </a:buClr>
+                <a:buFont typeface="Wingdings 3" pitchFamily="18" charset="2"/>
+                <a:buChar char=""/>
+                <a:defRPr sz="1400" kern="1200">
+                  <a:solidFill>
+                    <a:schemeClr val="tx1"/>
+                  </a:solidFill>
+                  <a:latin typeface="+mn-lt"/>
+                  <a:ea typeface="+mn-ea"/>
+                  <a:cs typeface="+mn-cs"/>
+                </a:defRPr>
+              </a:lvl9pPr>
+            </a:lstStyle>
+            <a:p>
+              <a:pPr algn="r"/>
+              <a:r>
+                <a:rPr lang="en-US" sz="2800" b="1" dirty="0"/>
+                <a:t>Logistic Regression</a:t>
+              </a:r>
+            </a:p>
+          </p:txBody>
+        </p:sp>
+        <p:pic>
+          <p:nvPicPr>
+            <p:cNvPr id="7" name="Picture 6">
+              <a:extLst>
+                <a:ext uri="{FF2B5EF4-FFF2-40B4-BE49-F238E27FC236}">
+                  <a16:creationId xmlns:a16="http://schemas.microsoft.com/office/drawing/2014/main" id="{058DDB7C-F697-4F89-8544-7CF6D1F80BFF}"/>
+                </a:ext>
+              </a:extLst>
+            </p:cNvPr>
+            <p:cNvPicPr>
+              <a:picLocks noChangeAspect="1"/>
+            </p:cNvPicPr>
+            <p:nvPr/>
+          </p:nvPicPr>
+          <p:blipFill>
+            <a:blip r:embed="rId3"/>
+            <a:stretch>
+              <a:fillRect/>
+            </a:stretch>
+          </p:blipFill>
+          <p:spPr>
+            <a:xfrm>
+              <a:off x="1453139" y="3303037"/>
+              <a:ext cx="3123917" cy="1620386"/>
+            </a:xfrm>
+            <a:prstGeom prst="rect">
+              <a:avLst/>
+            </a:prstGeom>
+          </p:spPr>
+        </p:pic>
+      </p:grpSp>
+      <p:grpSp>
+        <p:nvGrpSpPr>
+          <p:cNvPr id="20" name="Group 19">
+            <a:extLst>
+              <a:ext uri="{FF2B5EF4-FFF2-40B4-BE49-F238E27FC236}">
+                <a16:creationId xmlns:a16="http://schemas.microsoft.com/office/drawing/2014/main" id="{5DA8E89C-BD4E-45B2-9728-D5D4394312D2}"/>
+              </a:ext>
+            </a:extLst>
+          </p:cNvPr>
+          <p:cNvGrpSpPr/>
+          <p:nvPr/>
+        </p:nvGrpSpPr>
+        <p:grpSpPr>
+          <a:xfrm>
+            <a:off x="3817535" y="2475723"/>
+            <a:ext cx="3556749" cy="2216768"/>
+            <a:chOff x="3817535" y="2475723"/>
+            <a:chExt cx="3928066" cy="2448194"/>
+          </a:xfrm>
+        </p:grpSpPr>
+        <p:pic>
+          <p:nvPicPr>
+            <p:cNvPr id="16" name="Picture 15">
+              <a:extLst>
+                <a:ext uri="{FF2B5EF4-FFF2-40B4-BE49-F238E27FC236}">
+                  <a16:creationId xmlns:a16="http://schemas.microsoft.com/office/drawing/2014/main" id="{3E029577-236D-45CA-9A97-6C294B05AEB4}"/>
+                </a:ext>
+              </a:extLst>
+            </p:cNvPr>
+            <p:cNvPicPr>
+              <a:picLocks noChangeAspect="1"/>
+            </p:cNvPicPr>
+            <p:nvPr/>
+          </p:nvPicPr>
+          <p:blipFill>
+            <a:blip r:embed="rId4"/>
+            <a:stretch>
+              <a:fillRect/>
+            </a:stretch>
+          </p:blipFill>
+          <p:spPr>
+            <a:xfrm>
+              <a:off x="4421153" y="3135087"/>
+              <a:ext cx="3324448" cy="1788830"/>
+            </a:xfrm>
+            <a:prstGeom prst="rect">
+              <a:avLst/>
+            </a:prstGeom>
+          </p:spPr>
+        </p:pic>
+        <p:sp>
+          <p:nvSpPr>
+            <p:cNvPr id="23" name="Content Placeholder 2">
+              <a:extLst>
+                <a:ext uri="{FF2B5EF4-FFF2-40B4-BE49-F238E27FC236}">
+                  <a16:creationId xmlns:a16="http://schemas.microsoft.com/office/drawing/2014/main" id="{BF7384DD-912E-4677-A102-539BEC6EAC79}"/>
+                </a:ext>
+              </a:extLst>
+            </p:cNvPr>
+            <p:cNvSpPr txBox="1">
+              <a:spLocks/>
+            </p:cNvSpPr>
+            <p:nvPr/>
+          </p:nvSpPr>
+          <p:spPr>
+            <a:xfrm>
+              <a:off x="3817535" y="2475723"/>
+              <a:ext cx="3809128" cy="653143"/>
+            </a:xfrm>
+            <a:prstGeom prst="rect">
+              <a:avLst/>
+            </a:prstGeom>
+          </p:spPr>
+          <p:txBody>
+            <a:bodyPr vert="horz" lIns="45720" tIns="45720" rIns="45720" bIns="45720" rtlCol="0">
+              <a:normAutofit/>
+            </a:bodyPr>
+            <a:lstStyle>
+              <a:lvl1pPr marL="91440" indent="-91440" algn="l" defTabSz="914400" rtl="0" eaLnBrk="1" latinLnBrk="0" hangingPunct="1">
+                <a:lnSpc>
+                  <a:spcPct val="90000"/>
+                </a:lnSpc>
+                <a:spcBef>
+                  <a:spcPts val="1200"/>
+                </a:spcBef>
+                <a:spcAft>
+                  <a:spcPts val="200"/>
+                </a:spcAft>
+                <a:buClr>
+                  <a:schemeClr val="accent1"/>
+                </a:buClr>
+                <a:buSzPct val="100000"/>
+                <a:buFont typeface="Tw Cen MT" panose="020B0602020104020603" pitchFamily="34" charset="0"/>
+                <a:buChar char=" "/>
+                <a:defRPr sz="2200" kern="1200">
+                  <a:solidFill>
+                    <a:schemeClr val="tx1"/>
+                  </a:solidFill>
+                  <a:latin typeface="+mn-lt"/>
+                  <a:ea typeface="+mn-ea"/>
+                  <a:cs typeface="+mn-cs"/>
+                </a:defRPr>
+              </a:lvl1pPr>
+              <a:lvl2pPr marL="265176" indent="-137160" algn="l" defTabSz="914400" rtl="0" eaLnBrk="1" latinLnBrk="0" hangingPunct="1">
+                <a:lnSpc>
+                  <a:spcPct val="90000"/>
+                </a:lnSpc>
+                <a:spcBef>
+                  <a:spcPts val="200"/>
+                </a:spcBef>
+                <a:spcAft>
+                  <a:spcPts val="400"/>
+                </a:spcAft>
+                <a:buClr>
+                  <a:schemeClr val="accent1"/>
+                </a:buClr>
+                <a:buFont typeface="Wingdings 3" pitchFamily="18" charset="2"/>
+                <a:buChar char=""/>
+                <a:defRPr sz="1800" kern="1200">
+                  <a:solidFill>
+                    <a:schemeClr val="tx1"/>
+                  </a:solidFill>
+                  <a:latin typeface="+mn-lt"/>
+                  <a:ea typeface="+mn-ea"/>
+                  <a:cs typeface="+mn-cs"/>
+                </a:defRPr>
+              </a:lvl2pPr>
+              <a:lvl3pPr marL="448056" indent="-137160" algn="l" defTabSz="914400" rtl="0" eaLnBrk="1" latinLnBrk="0" hangingPunct="1">
+                <a:lnSpc>
+                  <a:spcPct val="90000"/>
+                </a:lnSpc>
+                <a:spcBef>
+                  <a:spcPts val="200"/>
+                </a:spcBef>
+                <a:spcAft>
+                  <a:spcPts val="400"/>
+                </a:spcAft>
+                <a:buClr>
+                  <a:schemeClr val="accent1"/>
+                </a:buClr>
+                <a:buFont typeface="Wingdings 3" pitchFamily="18" charset="2"/>
+                <a:buChar char=""/>
+                <a:defRPr sz="1400" kern="1200">
+                  <a:solidFill>
+                    <a:schemeClr val="tx1"/>
+                  </a:solidFill>
+                  <a:latin typeface="+mn-lt"/>
+                  <a:ea typeface="+mn-ea"/>
+                  <a:cs typeface="+mn-cs"/>
+                </a:defRPr>
+              </a:lvl3pPr>
+              <a:lvl4pPr marL="594360" indent="-137160" algn="l" defTabSz="914400" rtl="0" eaLnBrk="1" latinLnBrk="0" hangingPunct="1">
+                <a:lnSpc>
+                  <a:spcPct val="90000"/>
+                </a:lnSpc>
+                <a:spcBef>
+                  <a:spcPts val="200"/>
+                </a:spcBef>
+                <a:spcAft>
+                  <a:spcPts val="400"/>
+                </a:spcAft>
+                <a:buClr>
+                  <a:schemeClr val="accent1"/>
+                </a:buClr>
+                <a:buFont typeface="Wingdings 3" pitchFamily="18" charset="2"/>
+                <a:buChar char=""/>
+                <a:defRPr sz="1400" kern="1200">
+                  <a:solidFill>
+                    <a:schemeClr val="tx1"/>
+                  </a:solidFill>
+                  <a:latin typeface="+mn-lt"/>
+                  <a:ea typeface="+mn-ea"/>
+                  <a:cs typeface="+mn-cs"/>
+                </a:defRPr>
+              </a:lvl4pPr>
+              <a:lvl5pPr marL="777240" indent="-137160" algn="l" defTabSz="914400" rtl="0" eaLnBrk="1" latinLnBrk="0" hangingPunct="1">
+                <a:lnSpc>
+                  <a:spcPct val="90000"/>
+                </a:lnSpc>
+                <a:spcBef>
+                  <a:spcPts val="200"/>
+                </a:spcBef>
+                <a:spcAft>
+                  <a:spcPts val="400"/>
+                </a:spcAft>
+                <a:buClr>
+                  <a:schemeClr val="accent1"/>
+                </a:buClr>
+                <a:buFont typeface="Wingdings 3" pitchFamily="18" charset="2"/>
+                <a:buChar char=""/>
+                <a:defRPr sz="1400" kern="1200">
+                  <a:solidFill>
+                    <a:schemeClr val="tx1"/>
+                  </a:solidFill>
+                  <a:latin typeface="+mn-lt"/>
+                  <a:ea typeface="+mn-ea"/>
+                  <a:cs typeface="+mn-cs"/>
+                </a:defRPr>
+              </a:lvl5pPr>
+              <a:lvl6pPr marL="914400" indent="-137160" algn="l" defTabSz="914400" rtl="0" eaLnBrk="1" latinLnBrk="0" hangingPunct="1">
+                <a:lnSpc>
+                  <a:spcPct val="90000"/>
+                </a:lnSpc>
+                <a:spcBef>
+                  <a:spcPts val="200"/>
+                </a:spcBef>
+                <a:spcAft>
+                  <a:spcPts val="400"/>
+                </a:spcAft>
+                <a:buClr>
+                  <a:schemeClr val="accent1"/>
+                </a:buClr>
+                <a:buFont typeface="Wingdings 3" pitchFamily="18" charset="2"/>
+                <a:buChar char=""/>
+                <a:defRPr sz="1400" kern="1200">
+                  <a:solidFill>
+                    <a:schemeClr val="tx1"/>
+                  </a:solidFill>
+                  <a:latin typeface="+mn-lt"/>
+                  <a:ea typeface="+mn-ea"/>
+                  <a:cs typeface="+mn-cs"/>
+                </a:defRPr>
+              </a:lvl6pPr>
+              <a:lvl7pPr marL="1060704" indent="-137160" algn="l" defTabSz="914400" rtl="0" eaLnBrk="1" latinLnBrk="0" hangingPunct="1">
+                <a:lnSpc>
+                  <a:spcPct val="90000"/>
+                </a:lnSpc>
+                <a:spcBef>
+                  <a:spcPts val="200"/>
+                </a:spcBef>
+                <a:spcAft>
+                  <a:spcPts val="400"/>
+                </a:spcAft>
+                <a:buClr>
+                  <a:schemeClr val="accent1"/>
+                </a:buClr>
+                <a:buFont typeface="Wingdings 3" pitchFamily="18" charset="2"/>
+                <a:buChar char=""/>
+                <a:defRPr sz="1400" kern="1200">
+                  <a:solidFill>
+                    <a:schemeClr val="tx1"/>
+                  </a:solidFill>
+                  <a:latin typeface="+mn-lt"/>
+                  <a:ea typeface="+mn-ea"/>
+                  <a:cs typeface="+mn-cs"/>
+                </a:defRPr>
+              </a:lvl7pPr>
+              <a:lvl8pPr marL="1216152" indent="-137160" algn="l" defTabSz="914400" rtl="0" eaLnBrk="1" latinLnBrk="0" hangingPunct="1">
+                <a:lnSpc>
+                  <a:spcPct val="90000"/>
+                </a:lnSpc>
+                <a:spcBef>
+                  <a:spcPts val="200"/>
+                </a:spcBef>
+                <a:spcAft>
+                  <a:spcPts val="400"/>
+                </a:spcAft>
+                <a:buClr>
+                  <a:schemeClr val="accent1"/>
+                </a:buClr>
+                <a:buFont typeface="Wingdings 3" pitchFamily="18" charset="2"/>
+                <a:buChar char=""/>
+                <a:defRPr sz="1400" kern="1200">
+                  <a:solidFill>
+                    <a:schemeClr val="tx1"/>
+                  </a:solidFill>
+                  <a:latin typeface="+mn-lt"/>
+                  <a:ea typeface="+mn-ea"/>
+                  <a:cs typeface="+mn-cs"/>
+                </a:defRPr>
+              </a:lvl8pPr>
+              <a:lvl9pPr marL="1362456" indent="-137160" algn="l" defTabSz="914400" rtl="0" eaLnBrk="1" latinLnBrk="0" hangingPunct="1">
+                <a:lnSpc>
+                  <a:spcPct val="90000"/>
+                </a:lnSpc>
+                <a:spcBef>
+                  <a:spcPts val="200"/>
+                </a:spcBef>
+                <a:spcAft>
+                  <a:spcPts val="400"/>
+                </a:spcAft>
+                <a:buClr>
+                  <a:schemeClr val="accent1"/>
+                </a:buClr>
+                <a:buFont typeface="Wingdings 3" pitchFamily="18" charset="2"/>
+                <a:buChar char=""/>
+                <a:defRPr sz="1400" kern="1200">
+                  <a:solidFill>
+                    <a:schemeClr val="tx1"/>
+                  </a:solidFill>
+                  <a:latin typeface="+mn-lt"/>
+                  <a:ea typeface="+mn-ea"/>
+                  <a:cs typeface="+mn-cs"/>
+                </a:defRPr>
+              </a:lvl9pPr>
+            </a:lstStyle>
+            <a:p>
+              <a:pPr algn="r"/>
+              <a:r>
+                <a:rPr lang="en-US" sz="2800" b="1" dirty="0"/>
+                <a:t>Random Forest</a:t>
+              </a:r>
+            </a:p>
+          </p:txBody>
+        </p:sp>
+      </p:grpSp>
+      <p:sp>
+        <p:nvSpPr>
+          <p:cNvPr id="25" name="Rectangle 24">
+            <a:extLst>
+              <a:ext uri="{FF2B5EF4-FFF2-40B4-BE49-F238E27FC236}">
+                <a16:creationId xmlns:a16="http://schemas.microsoft.com/office/drawing/2014/main" id="{C0246016-4015-4106-9BEC-42143BFFBEBF}"/>
+              </a:ext>
+            </a:extLst>
+          </p:cNvPr>
+          <p:cNvSpPr/>
+          <p:nvPr/>
+        </p:nvSpPr>
+        <p:spPr>
+          <a:xfrm>
+            <a:off x="4449989" y="3671888"/>
+            <a:ext cx="2924295" cy="173831"/>
+          </a:xfrm>
+          <a:prstGeom prst="rect">
+            <a:avLst/>
+          </a:prstGeom>
+          <a:noFill/>
+          <a:ln w="28575">
+            <a:solidFill>
+              <a:schemeClr val="accent5">
+                <a:lumMod val="40000"/>
+                <a:lumOff val="60000"/>
+              </a:schemeClr>
+            </a:solidFill>
+          </a:ln>
+        </p:spPr>
+        <p:style>
+          <a:lnRef idx="2">
+            <a:schemeClr val="accent1">
+              <a:shade val="50000"/>
+            </a:schemeClr>
+          </a:lnRef>
+          <a:fillRef idx="1">
+            <a:schemeClr val="accent1"/>
+          </a:fillRef>
+          <a:effectRef idx="0">
+            <a:schemeClr val="accent1"/>
+          </a:effectRef>
+          <a:fontRef idx="minor">
+            <a:schemeClr val="lt1"/>
+          </a:fontRef>
+        </p:style>
+        <p:txBody>
+          <a:bodyPr rtlCol="0" anchor="ctr"/>
+          <a:lstStyle/>
+          <a:p>
+            <a:pPr algn="ctr"/>
+            <a:endParaRPr lang="en-CA"/>
+          </a:p>
+        </p:txBody>
+      </p:sp>
+      <p:pic>
+        <p:nvPicPr>
+          <p:cNvPr id="24" name="Picture 8" descr="Decade Awards Winner Cup Trophy - Gold Laurel Wreath Winners Cup Award - 6  Inch Tall - Engraved Plate on Request, Trophies - Amazon Canada">
+            <a:extLst>
+              <a:ext uri="{FF2B5EF4-FFF2-40B4-BE49-F238E27FC236}">
+                <a16:creationId xmlns:a16="http://schemas.microsoft.com/office/drawing/2014/main" id="{964B4FA0-BDC6-456B-9B13-2489D91960F0}"/>
+              </a:ext>
+            </a:extLst>
+          </p:cNvPr>
+          <p:cNvPicPr>
+            <a:picLocks noChangeAspect="1" noChangeArrowheads="1"/>
+          </p:cNvPicPr>
+          <p:nvPr/>
+        </p:nvPicPr>
+        <p:blipFill>
+          <a:blip r:embed="rId5">
+            <a:extLst>
+              <a:ext uri="{28A0092B-C50C-407E-A947-70E740481C1C}">
+                <a14:useLocalDpi xmlns:a14="http://schemas.microsoft.com/office/drawing/2010/main" val="0"/>
+              </a:ext>
+            </a:extLst>
+          </a:blip>
+          <a:srcRect/>
+          <a:stretch>
+            <a:fillRect/>
+          </a:stretch>
+        </p:blipFill>
+        <p:spPr bwMode="auto">
+          <a:xfrm>
+            <a:off x="5547920" y="4692491"/>
+            <a:ext cx="1129005" cy="1546502"/>
+          </a:xfrm>
+          <a:prstGeom prst="rect">
+            <a:avLst/>
+          </a:prstGeom>
+          <a:noFill/>
+          <a:extLst>
+            <a:ext uri="{909E8E84-426E-40DD-AFC4-6F175D3DCCD1}">
+              <a14:hiddenFill xmlns:a14="http://schemas.microsoft.com/office/drawing/2010/main">
+                <a:solidFill>
+                  <a:srgbClr val="FFFFFF"/>
+                </a:solidFill>
+              </a14:hiddenFill>
+            </a:ext>
+          </a:extLst>
+        </p:spPr>
+      </p:pic>
+    </p:spTree>
+    <p:extLst>
+      <p:ext uri="{BB962C8B-B14F-4D97-AF65-F5344CB8AC3E}">
+        <p14:creationId xmlns:p14="http://schemas.microsoft.com/office/powerpoint/2010/main" val="1409866069"/>
+      </p:ext>
+    </p:extLst>
+  </p:cSld>
+  <p:clrMapOvr>
+    <a:masterClrMapping/>
+  </p:clrMapOvr>
+  <p:timing>
+    <p:tnLst>
+      <p:par>
+        <p:cTn id="1" dur="indefinite" restart="never" nodeType="tmRoot">
+          <p:childTnLst>
+            <p:seq concurrent="1" nextAc="seek">
+              <p:cTn id="2" dur="indefinite" nodeType="mainSeq">
+                <p:childTnLst>
+                  <p:par>
+                    <p:cTn id="3" fill="hold">
+                      <p:stCondLst>
+                        <p:cond delay="indefinite"/>
+                        <p:cond evt="onBegin" delay="0">
+                          <p:tn val="2"/>
+                        </p:cond>
+                      </p:stCondLst>
+                      <p:childTnLst>
+                        <p:par>
+                          <p:cTn id="4" fill="hold">
+                            <p:stCondLst>
+                              <p:cond delay="0"/>
+                            </p:stCondLst>
+                            <p:childTnLst>
+                              <p:par>
+                                <p:cTn id="5" presetID="10" presetClass="entr" presetSubtype="0" fill="hold" nodeType="afterEffect">
+                                  <p:stCondLst>
+                                    <p:cond delay="0"/>
+                                  </p:stCondLst>
+                                  <p:childTnLst>
+                                    <p:set>
+                                      <p:cBhvr>
+                                        <p:cTn id="6" dur="1" fill="hold">
+                                          <p:stCondLst>
+                                            <p:cond delay="0"/>
+                                          </p:stCondLst>
+                                        </p:cTn>
+                                        <p:tgtEl>
+                                          <p:spTgt spid="11"/>
+                                        </p:tgtEl>
+                                        <p:attrNameLst>
+                                          <p:attrName>style.visibility</p:attrName>
+                                        </p:attrNameLst>
+                                      </p:cBhvr>
+                                      <p:to>
+                                        <p:strVal val="visible"/>
+                                      </p:to>
+                                    </p:set>
+                                    <p:animEffect transition="in" filter="fade">
+                                      <p:cBhvr>
+                                        <p:cTn id="7" dur="500"/>
+                                        <p:tgtEl>
+                                          <p:spTgt spid="11"/>
+                                        </p:tgtEl>
+                                      </p:cBhvr>
+                                    </p:animEffect>
+                                  </p:childTnLst>
+                                </p:cTn>
+                              </p:par>
+                            </p:childTnLst>
+                          </p:cTn>
+                        </p:par>
+                        <p:par>
+                          <p:cTn id="8" fill="hold">
+                            <p:stCondLst>
+                              <p:cond delay="500"/>
+                            </p:stCondLst>
+                            <p:childTnLst>
+                              <p:par>
+                                <p:cTn id="9" presetID="10" presetClass="entr" presetSubtype="0" fill="hold" nodeType="afterEffect">
+                                  <p:stCondLst>
+                                    <p:cond delay="0"/>
+                                  </p:stCondLst>
+                                  <p:childTnLst>
+                                    <p:set>
+                                      <p:cBhvr>
+                                        <p:cTn id="10" dur="1" fill="hold">
+                                          <p:stCondLst>
+                                            <p:cond delay="0"/>
+                                          </p:stCondLst>
+                                        </p:cTn>
+                                        <p:tgtEl>
+                                          <p:spTgt spid="20"/>
+                                        </p:tgtEl>
+                                        <p:attrNameLst>
+                                          <p:attrName>style.visibility</p:attrName>
+                                        </p:attrNameLst>
+                                      </p:cBhvr>
+                                      <p:to>
+                                        <p:strVal val="visible"/>
+                                      </p:to>
+                                    </p:set>
+                                    <p:animEffect transition="in" filter="fade">
+                                      <p:cBhvr>
+                                        <p:cTn id="11" dur="500"/>
+                                        <p:tgtEl>
+                                          <p:spTgt spid="20"/>
+                                        </p:tgtEl>
+                                      </p:cBhvr>
+                                    </p:animEffect>
+                                  </p:childTnLst>
+                                </p:cTn>
+                              </p:par>
+                            </p:childTnLst>
+                          </p:cTn>
+                        </p:par>
+                        <p:par>
+                          <p:cTn id="12" fill="hold">
+                            <p:stCondLst>
+                              <p:cond delay="1000"/>
+                            </p:stCondLst>
+                            <p:childTnLst>
+                              <p:par>
+                                <p:cTn id="13" presetID="10" presetClass="entr" presetSubtype="0" fill="hold" nodeType="afterEffect">
+                                  <p:stCondLst>
+                                    <p:cond delay="0"/>
+                                  </p:stCondLst>
+                                  <p:childTnLst>
+                                    <p:set>
+                                      <p:cBhvr>
+                                        <p:cTn id="14" dur="1" fill="hold">
+                                          <p:stCondLst>
+                                            <p:cond delay="0"/>
+                                          </p:stCondLst>
+                                        </p:cTn>
+                                        <p:tgtEl>
+                                          <p:spTgt spid="14"/>
+                                        </p:tgtEl>
+                                        <p:attrNameLst>
+                                          <p:attrName>style.visibility</p:attrName>
+                                        </p:attrNameLst>
+                                      </p:cBhvr>
+                                      <p:to>
+                                        <p:strVal val="visible"/>
+                                      </p:to>
+                                    </p:set>
+                                    <p:animEffect transition="in" filter="fade">
+                                      <p:cBhvr>
+                                        <p:cTn id="15" dur="500"/>
+                                        <p:tgtEl>
+                                          <p:spTgt spid="14"/>
+                                        </p:tgtEl>
+                                      </p:cBhvr>
+                                    </p:animEffect>
+                                  </p:childTnLst>
+                                </p:cTn>
+                              </p:par>
+                            </p:childTnLst>
+                          </p:cTn>
+                        </p:par>
+                      </p:childTnLst>
+                    </p:cTn>
+                  </p:par>
+                  <p:par>
+                    <p:cTn id="16" fill="hold">
+                      <p:stCondLst>
+                        <p:cond delay="indefinite"/>
+                      </p:stCondLst>
+                      <p:childTnLst>
+                        <p:par>
+                          <p:cTn id="17" fill="hold">
+                            <p:stCondLst>
+                              <p:cond delay="0"/>
+                            </p:stCondLst>
+                            <p:childTnLst>
+                              <p:par>
+                                <p:cTn id="18" presetID="14" presetClass="entr" presetSubtype="10" fill="hold" grpId="0" nodeType="clickEffect">
+                                  <p:stCondLst>
+                                    <p:cond delay="0"/>
+                                  </p:stCondLst>
+                                  <p:childTnLst>
+                                    <p:set>
+                                      <p:cBhvr>
+                                        <p:cTn id="19" dur="1" fill="hold">
+                                          <p:stCondLst>
+                                            <p:cond delay="0"/>
+                                          </p:stCondLst>
+                                        </p:cTn>
+                                        <p:tgtEl>
+                                          <p:spTgt spid="25"/>
+                                        </p:tgtEl>
+                                        <p:attrNameLst>
+                                          <p:attrName>style.visibility</p:attrName>
+                                        </p:attrNameLst>
+                                      </p:cBhvr>
+                                      <p:to>
+                                        <p:strVal val="visible"/>
+                                      </p:to>
+                                    </p:set>
+                                    <p:animEffect transition="in" filter="randombar(horizontal)">
+                                      <p:cBhvr>
+                                        <p:cTn id="20" dur="500"/>
+                                        <p:tgtEl>
+                                          <p:spTgt spid="25"/>
+                                        </p:tgtEl>
+                                      </p:cBhvr>
+                                    </p:animEffect>
+                                  </p:childTnLst>
+                                </p:cTn>
+                              </p:par>
+                            </p:childTnLst>
+                          </p:cTn>
+                        </p:par>
+                        <p:par>
+                          <p:cTn id="21" fill="hold">
+                            <p:stCondLst>
+                              <p:cond delay="500"/>
+                            </p:stCondLst>
+                            <p:childTnLst>
+                              <p:par>
+                                <p:cTn id="22" presetID="42" presetClass="entr" presetSubtype="0" fill="hold" nodeType="afterEffect">
+                                  <p:stCondLst>
+                                    <p:cond delay="0"/>
+                                  </p:stCondLst>
+                                  <p:childTnLst>
+                                    <p:set>
+                                      <p:cBhvr>
+                                        <p:cTn id="23" dur="1" fill="hold">
+                                          <p:stCondLst>
+                                            <p:cond delay="0"/>
+                                          </p:stCondLst>
+                                        </p:cTn>
+                                        <p:tgtEl>
+                                          <p:spTgt spid="24"/>
+                                        </p:tgtEl>
+                                        <p:attrNameLst>
+                                          <p:attrName>style.visibility</p:attrName>
+                                        </p:attrNameLst>
+                                      </p:cBhvr>
+                                      <p:to>
+                                        <p:strVal val="visible"/>
+                                      </p:to>
+                                    </p:set>
+                                    <p:animEffect transition="in" filter="fade">
+                                      <p:cBhvr>
+                                        <p:cTn id="24" dur="1000"/>
+                                        <p:tgtEl>
+                                          <p:spTgt spid="24"/>
+                                        </p:tgtEl>
+                                      </p:cBhvr>
+                                    </p:animEffect>
+                                    <p:anim calcmode="lin" valueType="num">
+                                      <p:cBhvr>
+                                        <p:cTn id="25" dur="1000" fill="hold"/>
+                                        <p:tgtEl>
+                                          <p:spTgt spid="24"/>
+                                        </p:tgtEl>
+                                        <p:attrNameLst>
+                                          <p:attrName>ppt_x</p:attrName>
+                                        </p:attrNameLst>
+                                      </p:cBhvr>
+                                      <p:tavLst>
+                                        <p:tav tm="0">
+                                          <p:val>
+                                            <p:strVal val="#ppt_x"/>
+                                          </p:val>
+                                        </p:tav>
+                                        <p:tav tm="100000">
+                                          <p:val>
+                                            <p:strVal val="#ppt_x"/>
+                                          </p:val>
+                                        </p:tav>
+                                      </p:tavLst>
+                                    </p:anim>
+                                    <p:anim calcmode="lin" valueType="num">
+                                      <p:cBhvr>
+                                        <p:cTn id="26" dur="1000" fill="hold"/>
+                                        <p:tgtEl>
+                                          <p:spTgt spid="24"/>
+                                        </p:tgtEl>
+                                        <p:attrNameLst>
+                                          <p:attrName>ppt_y</p:attrName>
+                                        </p:attrNameLst>
+                                      </p:cBhvr>
+                                      <p:tavLst>
+                                        <p:tav tm="0">
+                                          <p:val>
+                                            <p:strVal val="#ppt_y+.1"/>
+                                          </p:val>
+                                        </p:tav>
+                                        <p:tav tm="100000">
+                                          <p:val>
+                                            <p:strVal val="#ppt_y"/>
+                                          </p:val>
+                                        </p:tav>
+                                      </p:tavLst>
+                                    </p:anim>
+                                  </p:childTnLst>
+                                </p:cTn>
+                              </p:par>
+                            </p:childTnLst>
+                          </p:cTn>
+                        </p:par>
+                      </p:childTnLst>
+                    </p:cTn>
+                  </p:par>
+                </p:childTnLst>
+              </p:cTn>
+              <p:prevCondLst>
+                <p:cond evt="onPrev" delay="0">
+                  <p:tgtEl>
+                    <p:sldTgt/>
+                  </p:tgtEl>
+                </p:cond>
+              </p:prevCondLst>
+              <p:nextCondLst>
+                <p:cond evt="onNext" delay="0">
+                  <p:tgtEl>
+                    <p:sldTgt/>
+                  </p:tgtEl>
+                </p:cond>
+              </p:nextCondLst>
+            </p:seq>
+          </p:childTnLst>
+        </p:cTn>
+      </p:par>
+    </p:tnLst>
+    <p:bldLst>
+      <p:bldP spid="25" grpId="0" animBg="1"/>
+    </p:bldLst>
+  </p:timing>
 </p:sld>
 </file>
 

--- a/Resources/Clinical Trial.pptx
+++ b/Resources/Clinical Trial.pptx
@@ -5,22 +5,23 @@
     <p:sldMasterId id="2147483660" r:id="rId1"/>
   </p:sldMasterIdLst>
   <p:notesMasterIdLst>
-    <p:notesMasterId r:id="rId15"/>
+    <p:notesMasterId r:id="rId16"/>
   </p:notesMasterIdLst>
   <p:sldIdLst>
     <p:sldId id="256" r:id="rId2"/>
     <p:sldId id="257" r:id="rId3"/>
     <p:sldId id="259" r:id="rId4"/>
-    <p:sldId id="260" r:id="rId5"/>
+    <p:sldId id="271" r:id="rId5"/>
     <p:sldId id="263" r:id="rId6"/>
     <p:sldId id="261" r:id="rId7"/>
-    <p:sldId id="264" r:id="rId8"/>
-    <p:sldId id="265" r:id="rId9"/>
-    <p:sldId id="268" r:id="rId10"/>
-    <p:sldId id="270" r:id="rId11"/>
-    <p:sldId id="269" r:id="rId12"/>
-    <p:sldId id="266" r:id="rId13"/>
-    <p:sldId id="262" r:id="rId14"/>
+    <p:sldId id="273" r:id="rId8"/>
+    <p:sldId id="272" r:id="rId9"/>
+    <p:sldId id="264" r:id="rId10"/>
+    <p:sldId id="268" r:id="rId11"/>
+    <p:sldId id="270" r:id="rId12"/>
+    <p:sldId id="269" r:id="rId13"/>
+    <p:sldId id="266" r:id="rId14"/>
+    <p:sldId id="262" r:id="rId15"/>
   </p:sldIdLst>
   <p:sldSz cx="12192000" cy="6858000"/>
   <p:notesSz cx="6858000" cy="9144000"/>
@@ -127,6 +128,909 @@
 </p:presentation>
 </file>
 
+<file path=ppt/charts/chart1.xml><?xml version="1.0" encoding="utf-8"?>
+<c:chartSpace xmlns:c="http://schemas.openxmlformats.org/drawingml/2006/chart" xmlns:a="http://schemas.openxmlformats.org/drawingml/2006/main" xmlns:r="http://schemas.openxmlformats.org/officeDocument/2006/relationships" xmlns:c16r2="http://schemas.microsoft.com/office/drawing/2015/06/chart">
+  <c:date1904 val="0"/>
+  <c:lang val="en-US"/>
+  <c:roundedCorners val="0"/>
+  <mc:AlternateContent xmlns:mc="http://schemas.openxmlformats.org/markup-compatibility/2006">
+    <mc:Choice xmlns:c14="http://schemas.microsoft.com/office/drawing/2007/8/2/chart" Requires="c14">
+      <c14:style val="102"/>
+    </mc:Choice>
+    <mc:Fallback>
+      <c:style val="2"/>
+    </mc:Fallback>
+  </mc:AlternateContent>
+  <c:chart>
+    <c:title>
+      <c:overlay val="0"/>
+      <c:spPr>
+        <a:noFill/>
+        <a:ln>
+          <a:noFill/>
+        </a:ln>
+        <a:effectLst/>
+      </c:spPr>
+      <c:txPr>
+        <a:bodyPr rot="0" spcFirstLastPara="1" vertOverflow="ellipsis" vert="horz" wrap="square" anchor="ctr" anchorCtr="1"/>
+        <a:lstStyle/>
+        <a:p>
+          <a:pPr>
+            <a:defRPr sz="2128" b="1" i="0" u="none" strike="noStrike" kern="1200" cap="none" spc="0" normalizeH="0" baseline="0">
+              <a:solidFill>
+                <a:schemeClr val="dk1">
+                  <a:lumMod val="50000"/>
+                  <a:lumOff val="50000"/>
+                </a:schemeClr>
+              </a:solidFill>
+              <a:latin typeface="+mj-lt"/>
+              <a:ea typeface="+mj-ea"/>
+              <a:cs typeface="+mj-cs"/>
+            </a:defRPr>
+          </a:pPr>
+          <a:endParaRPr lang="en-US"/>
+        </a:p>
+      </c:txPr>
+    </c:title>
+    <c:autoTitleDeleted val="0"/>
+    <c:plotArea>
+      <c:layout/>
+      <c:barChart>
+        <c:barDir val="col"/>
+        <c:grouping val="clustered"/>
+        <c:varyColors val="0"/>
+        <c:ser>
+          <c:idx val="0"/>
+          <c:order val="0"/>
+          <c:tx>
+            <c:strRef>
+              <c:f>Sheet1!$B$1</c:f>
+              <c:strCache>
+                <c:ptCount val="1"/>
+                <c:pt idx="0">
+                  <c:v>Number of Clinical Trials in USA</c:v>
+                </c:pt>
+              </c:strCache>
+            </c:strRef>
+          </c:tx>
+          <c:spPr>
+            <a:solidFill>
+              <a:schemeClr val="accent1"/>
+            </a:solidFill>
+            <a:ln>
+              <a:noFill/>
+            </a:ln>
+            <a:effectLst/>
+          </c:spPr>
+          <c:invertIfNegative val="0"/>
+          <c:cat>
+            <c:strRef>
+              <c:f>Sheet1!$A$2:$A$5</c:f>
+              <c:strCache>
+                <c:ptCount val="4"/>
+                <c:pt idx="0">
+                  <c:v>Phase 1</c:v>
+                </c:pt>
+                <c:pt idx="1">
+                  <c:v>Phase 2</c:v>
+                </c:pt>
+                <c:pt idx="2">
+                  <c:v>Phase 3</c:v>
+                </c:pt>
+                <c:pt idx="3">
+                  <c:v>Phase 4</c:v>
+                </c:pt>
+              </c:strCache>
+            </c:strRef>
+          </c:cat>
+          <c:val>
+            <c:numRef>
+              <c:f>Sheet1!$B$2:$B$5</c:f>
+              <c:numCache>
+                <c:formatCode>General</c:formatCode>
+                <c:ptCount val="4"/>
+                <c:pt idx="0">
+                  <c:v>20000</c:v>
+                </c:pt>
+                <c:pt idx="1">
+                  <c:v>32000</c:v>
+                </c:pt>
+                <c:pt idx="2">
+                  <c:v>13000</c:v>
+                </c:pt>
+                <c:pt idx="3">
+                  <c:v>8400</c:v>
+                </c:pt>
+              </c:numCache>
+            </c:numRef>
+          </c:val>
+          <c:extLst>
+            <c:ext xmlns:c16="http://schemas.microsoft.com/office/drawing/2014/chart" uri="{C3380CC4-5D6E-409C-BE32-E72D297353CC}">
+              <c16:uniqueId val="{00000000-D3F2-4F6A-AF0A-5BE3F1D43C7E}"/>
+            </c:ext>
+          </c:extLst>
+        </c:ser>
+        <c:dLbls>
+          <c:showLegendKey val="0"/>
+          <c:showVal val="0"/>
+          <c:showCatName val="0"/>
+          <c:showSerName val="0"/>
+          <c:showPercent val="0"/>
+          <c:showBubbleSize val="0"/>
+        </c:dLbls>
+        <c:gapWidth val="267"/>
+        <c:overlap val="-43"/>
+        <c:axId val="545647664"/>
+        <c:axId val="545648080"/>
+      </c:barChart>
+      <c:catAx>
+        <c:axId val="545647664"/>
+        <c:scaling>
+          <c:orientation val="minMax"/>
+        </c:scaling>
+        <c:delete val="0"/>
+        <c:axPos val="b"/>
+        <c:majorGridlines>
+          <c:spPr>
+            <a:ln w="9525" cap="flat" cmpd="sng" algn="ctr">
+              <a:solidFill>
+                <a:schemeClr val="dk1">
+                  <a:lumMod val="15000"/>
+                  <a:lumOff val="85000"/>
+                </a:schemeClr>
+              </a:solidFill>
+              <a:round/>
+            </a:ln>
+            <a:effectLst/>
+          </c:spPr>
+        </c:majorGridlines>
+        <c:numFmt formatCode="General" sourceLinked="1"/>
+        <c:majorTickMark val="none"/>
+        <c:minorTickMark val="none"/>
+        <c:tickLblPos val="nextTo"/>
+        <c:spPr>
+          <a:noFill/>
+          <a:ln w="9525" cap="flat" cmpd="sng" algn="ctr">
+            <a:solidFill>
+              <a:schemeClr val="dk1">
+                <a:lumMod val="15000"/>
+                <a:lumOff val="85000"/>
+              </a:schemeClr>
+            </a:solidFill>
+            <a:round/>
+          </a:ln>
+          <a:effectLst/>
+        </c:spPr>
+        <c:txPr>
+          <a:bodyPr rot="-60000000" spcFirstLastPara="1" vertOverflow="ellipsis" vert="horz" wrap="square" anchor="ctr" anchorCtr="1"/>
+          <a:lstStyle/>
+          <a:p>
+            <a:pPr>
+              <a:defRPr sz="1197" b="0" i="0" u="none" strike="noStrike" kern="1200" cap="none" spc="0" normalizeH="0" baseline="0">
+                <a:solidFill>
+                  <a:schemeClr val="dk1">
+                    <a:lumMod val="65000"/>
+                    <a:lumOff val="35000"/>
+                  </a:schemeClr>
+                </a:solidFill>
+                <a:latin typeface="+mn-lt"/>
+                <a:ea typeface="+mn-ea"/>
+                <a:cs typeface="+mn-cs"/>
+              </a:defRPr>
+            </a:pPr>
+            <a:endParaRPr lang="en-US"/>
+          </a:p>
+        </c:txPr>
+        <c:crossAx val="545648080"/>
+        <c:auto val="1"/>
+        <c:lblAlgn val="ctr"/>
+        <c:lblOffset val="100"/>
+        <c:noMultiLvlLbl val="0"/>
+      </c:catAx>
+      <c:valAx>
+        <c:axId val="545648080"/>
+        <c:scaling>
+          <c:orientation val="minMax"/>
+        </c:scaling>
+        <c:delete val="0"/>
+        <c:axPos val="l"/>
+        <c:majorGridlines>
+          <c:spPr>
+            <a:ln w="9525" cap="flat" cmpd="sng" algn="ctr">
+              <a:solidFill>
+                <a:schemeClr val="dk1">
+                  <a:lumMod val="15000"/>
+                  <a:lumOff val="85000"/>
+                </a:schemeClr>
+              </a:solidFill>
+              <a:round/>
+            </a:ln>
+            <a:effectLst/>
+          </c:spPr>
+        </c:majorGridlines>
+        <c:numFmt formatCode="General" sourceLinked="1"/>
+        <c:majorTickMark val="none"/>
+        <c:minorTickMark val="none"/>
+        <c:tickLblPos val="nextTo"/>
+        <c:spPr>
+          <a:noFill/>
+          <a:ln>
+            <a:noFill/>
+          </a:ln>
+          <a:effectLst/>
+        </c:spPr>
+        <c:txPr>
+          <a:bodyPr rot="-60000000" spcFirstLastPara="1" vertOverflow="ellipsis" vert="horz" wrap="square" anchor="ctr" anchorCtr="1"/>
+          <a:lstStyle/>
+          <a:p>
+            <a:pPr>
+              <a:defRPr sz="1197" b="0" i="0" u="none" strike="noStrike" kern="1200" baseline="0">
+                <a:solidFill>
+                  <a:schemeClr val="dk1">
+                    <a:lumMod val="65000"/>
+                    <a:lumOff val="35000"/>
+                  </a:schemeClr>
+                </a:solidFill>
+                <a:latin typeface="+mn-lt"/>
+                <a:ea typeface="+mn-ea"/>
+                <a:cs typeface="+mn-cs"/>
+              </a:defRPr>
+            </a:pPr>
+            <a:endParaRPr lang="en-US"/>
+          </a:p>
+        </c:txPr>
+        <c:crossAx val="545647664"/>
+        <c:crossBetween val="between"/>
+      </c:valAx>
+      <c:spPr>
+        <a:pattFill prst="ltDnDiag">
+          <a:fgClr>
+            <a:schemeClr val="dk1">
+              <a:lumMod val="15000"/>
+              <a:lumOff val="85000"/>
+            </a:schemeClr>
+          </a:fgClr>
+          <a:bgClr>
+            <a:schemeClr val="lt1"/>
+          </a:bgClr>
+        </a:pattFill>
+        <a:ln>
+          <a:noFill/>
+        </a:ln>
+        <a:effectLst/>
+      </c:spPr>
+    </c:plotArea>
+    <c:plotVisOnly val="1"/>
+    <c:dispBlanksAs val="gap"/>
+    <c:extLst>
+      <c:ext xmlns:c16r3="http://schemas.microsoft.com/office/drawing/2017/03/chart" uri="{56B9EC1D-385E-4148-901F-78D8002777C0}">
+        <c16r3:dataDisplayOptions16>
+          <c16r3:dispNaAsBlank val="1"/>
+        </c16r3:dataDisplayOptions16>
+      </c:ext>
+    </c:extLst>
+    <c:showDLblsOverMax val="0"/>
+  </c:chart>
+  <c:spPr>
+    <a:solidFill>
+      <a:schemeClr val="lt1"/>
+    </a:solidFill>
+    <a:ln w="9525" cap="flat" cmpd="sng" algn="ctr">
+      <a:solidFill>
+        <a:schemeClr val="dk1">
+          <a:lumMod val="15000"/>
+          <a:lumOff val="85000"/>
+        </a:schemeClr>
+      </a:solidFill>
+      <a:round/>
+    </a:ln>
+    <a:effectLst/>
+  </c:spPr>
+  <c:txPr>
+    <a:bodyPr/>
+    <a:lstStyle/>
+    <a:p>
+      <a:pPr>
+        <a:defRPr/>
+      </a:pPr>
+      <a:endParaRPr lang="en-US"/>
+    </a:p>
+  </c:txPr>
+  <c:externalData r:id="rId3">
+    <c:autoUpdate val="0"/>
+  </c:externalData>
+</c:chartSpace>
+</file>
+
+<file path=ppt/charts/colors1.xml><?xml version="1.0" encoding="utf-8"?>
+<cs:colorStyle xmlns:cs="http://schemas.microsoft.com/office/drawing/2012/chartStyle" xmlns:a="http://schemas.openxmlformats.org/drawingml/2006/main" meth="cycle" id="10">
+  <a:schemeClr val="accent1"/>
+  <a:schemeClr val="accent2"/>
+  <a:schemeClr val="accent3"/>
+  <a:schemeClr val="accent4"/>
+  <a:schemeClr val="accent5"/>
+  <a:schemeClr val="accent6"/>
+  <cs:variation/>
+  <cs:variation>
+    <a:lumMod val="60000"/>
+  </cs:variation>
+  <cs:variation>
+    <a:lumMod val="80000"/>
+    <a:lumOff val="20000"/>
+  </cs:variation>
+  <cs:variation>
+    <a:lumMod val="80000"/>
+  </cs:variation>
+  <cs:variation>
+    <a:lumMod val="60000"/>
+    <a:lumOff val="40000"/>
+  </cs:variation>
+  <cs:variation>
+    <a:lumMod val="50000"/>
+  </cs:variation>
+  <cs:variation>
+    <a:lumMod val="70000"/>
+    <a:lumOff val="30000"/>
+  </cs:variation>
+  <cs:variation>
+    <a:lumMod val="70000"/>
+  </cs:variation>
+  <cs:variation>
+    <a:lumMod val="50000"/>
+    <a:lumOff val="50000"/>
+  </cs:variation>
+</cs:colorStyle>
+</file>
+
+<file path=ppt/charts/style1.xml><?xml version="1.0" encoding="utf-8"?>
+<cs:chartStyle xmlns:cs="http://schemas.microsoft.com/office/drawing/2012/chartStyle" xmlns:a="http://schemas.openxmlformats.org/drawingml/2006/main" id="208">
+  <cs:axisTitle>
+    <cs:lnRef idx="0"/>
+    <cs:fillRef idx="0"/>
+    <cs:effectRef idx="0"/>
+    <cs:fontRef idx="minor">
+      <a:schemeClr val="dk1">
+        <a:lumMod val="65000"/>
+        <a:lumOff val="35000"/>
+      </a:schemeClr>
+    </cs:fontRef>
+    <cs:defRPr sz="1197" b="1" kern="1200"/>
+  </cs:axisTitle>
+  <cs:categoryAxis>
+    <cs:lnRef idx="0"/>
+    <cs:fillRef idx="0"/>
+    <cs:effectRef idx="0"/>
+    <cs:fontRef idx="minor">
+      <a:schemeClr val="dk1">
+        <a:lumMod val="65000"/>
+        <a:lumOff val="35000"/>
+      </a:schemeClr>
+    </cs:fontRef>
+    <cs:spPr>
+      <a:ln w="9525" cap="flat" cmpd="sng" algn="ctr">
+        <a:solidFill>
+          <a:schemeClr val="dk1">
+            <a:lumMod val="15000"/>
+            <a:lumOff val="85000"/>
+          </a:schemeClr>
+        </a:solidFill>
+        <a:round/>
+      </a:ln>
+    </cs:spPr>
+    <cs:defRPr sz="1197" kern="1200" cap="none" spc="0" normalizeH="0" baseline="0"/>
+  </cs:categoryAxis>
+  <cs:chartArea>
+    <cs:lnRef idx="0"/>
+    <cs:fillRef idx="0"/>
+    <cs:effectRef idx="0"/>
+    <cs:fontRef idx="minor">
+      <a:schemeClr val="dk1"/>
+    </cs:fontRef>
+    <cs:spPr>
+      <a:solidFill>
+        <a:schemeClr val="lt1"/>
+      </a:solidFill>
+      <a:ln w="9525" cap="flat" cmpd="sng" algn="ctr">
+        <a:solidFill>
+          <a:schemeClr val="dk1">
+            <a:lumMod val="15000"/>
+            <a:lumOff val="85000"/>
+          </a:schemeClr>
+        </a:solidFill>
+        <a:round/>
+      </a:ln>
+    </cs:spPr>
+    <cs:defRPr sz="1197" kern="1200"/>
+  </cs:chartArea>
+  <cs:dataLabel>
+    <cs:lnRef idx="0"/>
+    <cs:fillRef idx="0"/>
+    <cs:effectRef idx="0"/>
+    <cs:fontRef idx="minor">
+      <a:schemeClr val="dk1">
+        <a:lumMod val="75000"/>
+        <a:lumOff val="25000"/>
+      </a:schemeClr>
+    </cs:fontRef>
+    <cs:defRPr sz="1197" kern="1200"/>
+  </cs:dataLabel>
+  <cs:dataLabelCallout>
+    <cs:lnRef idx="0"/>
+    <cs:fillRef idx="0"/>
+    <cs:effectRef idx="0"/>
+    <cs:fontRef idx="minor">
+      <a:schemeClr val="dk1">
+        <a:lumMod val="65000"/>
+        <a:lumOff val="35000"/>
+      </a:schemeClr>
+    </cs:fontRef>
+    <cs:spPr>
+      <a:solidFill>
+        <a:schemeClr val="lt1"/>
+      </a:solidFill>
+      <a:ln>
+        <a:solidFill>
+          <a:schemeClr val="dk1">
+            <a:lumMod val="25000"/>
+            <a:lumOff val="75000"/>
+          </a:schemeClr>
+        </a:solidFill>
+      </a:ln>
+    </cs:spPr>
+    <cs:defRPr sz="1197" kern="1200"/>
+    <cs:bodyPr rot="0" spcFirstLastPara="1" vertOverflow="clip" horzOverflow="clip" vert="horz" wrap="square" lIns="36576" tIns="18288" rIns="36576" bIns="18288" anchor="ctr" anchorCtr="1">
+      <a:spAutoFit/>
+    </cs:bodyPr>
+  </cs:dataLabelCallout>
+  <cs:dataPoint>
+    <cs:lnRef idx="0"/>
+    <cs:fillRef idx="0">
+      <cs:styleClr val="auto"/>
+    </cs:fillRef>
+    <cs:effectRef idx="0"/>
+    <cs:fontRef idx="minor">
+      <a:schemeClr val="dk1"/>
+    </cs:fontRef>
+    <cs:spPr>
+      <a:solidFill>
+        <a:schemeClr val="phClr"/>
+      </a:solidFill>
+    </cs:spPr>
+  </cs:dataPoint>
+  <cs:dataPoint3D>
+    <cs:lnRef idx="0"/>
+    <cs:fillRef idx="0">
+      <cs:styleClr val="auto"/>
+    </cs:fillRef>
+    <cs:effectRef idx="0"/>
+    <cs:fontRef idx="minor">
+      <a:schemeClr val="dk1"/>
+    </cs:fontRef>
+    <cs:spPr>
+      <a:solidFill>
+        <a:schemeClr val="phClr"/>
+      </a:solidFill>
+    </cs:spPr>
+  </cs:dataPoint3D>
+  <cs:dataPointLine>
+    <cs:lnRef idx="0">
+      <cs:styleClr val="auto"/>
+    </cs:lnRef>
+    <cs:fillRef idx="0"/>
+    <cs:effectRef idx="0"/>
+    <cs:fontRef idx="minor">
+      <a:schemeClr val="dk1"/>
+    </cs:fontRef>
+    <cs:spPr>
+      <a:ln w="22225" cap="rnd">
+        <a:solidFill>
+          <a:schemeClr val="phClr"/>
+        </a:solidFill>
+        <a:round/>
+      </a:ln>
+    </cs:spPr>
+  </cs:dataPointLine>
+  <cs:dataPointMarker>
+    <cs:lnRef idx="0">
+      <cs:styleClr val="auto"/>
+    </cs:lnRef>
+    <cs:fillRef idx="0">
+      <cs:styleClr val="auto"/>
+    </cs:fillRef>
+    <cs:effectRef idx="0"/>
+    <cs:fontRef idx="minor">
+      <a:schemeClr val="dk1"/>
+    </cs:fontRef>
+    <cs:spPr>
+      <a:solidFill>
+        <a:schemeClr val="lt1"/>
+      </a:solidFill>
+      <a:ln w="15875">
+        <a:solidFill>
+          <a:schemeClr val="phClr"/>
+        </a:solidFill>
+        <a:round/>
+      </a:ln>
+    </cs:spPr>
+  </cs:dataPointMarker>
+  <cs:dataPointMarkerLayout symbol="circle" size="6"/>
+  <cs:dataPointWireframe>
+    <cs:lnRef idx="0">
+      <cs:styleClr val="auto"/>
+    </cs:lnRef>
+    <cs:fillRef idx="0"/>
+    <cs:effectRef idx="0"/>
+    <cs:fontRef idx="minor">
+      <a:schemeClr val="dk1"/>
+    </cs:fontRef>
+    <cs:spPr>
+      <a:ln w="9525" cap="rnd">
+        <a:solidFill>
+          <a:schemeClr val="phClr"/>
+        </a:solidFill>
+        <a:round/>
+      </a:ln>
+    </cs:spPr>
+  </cs:dataPointWireframe>
+  <cs:dataTable>
+    <cs:lnRef idx="0"/>
+    <cs:fillRef idx="0"/>
+    <cs:effectRef idx="0"/>
+    <cs:fontRef idx="minor">
+      <a:schemeClr val="dk1">
+        <a:lumMod val="65000"/>
+        <a:lumOff val="35000"/>
+      </a:schemeClr>
+    </cs:fontRef>
+    <cs:spPr>
+      <a:ln w="9525" cap="flat" cmpd="sng" algn="ctr">
+        <a:solidFill>
+          <a:schemeClr val="dk1">
+            <a:lumMod val="15000"/>
+            <a:lumOff val="85000"/>
+          </a:schemeClr>
+        </a:solidFill>
+        <a:round/>
+      </a:ln>
+    </cs:spPr>
+    <cs:defRPr sz="1064" kern="1200"/>
+  </cs:dataTable>
+  <cs:downBar>
+    <cs:lnRef idx="0"/>
+    <cs:fillRef idx="0"/>
+    <cs:effectRef idx="0"/>
+    <cs:fontRef idx="minor">
+      <a:schemeClr val="dk1"/>
+    </cs:fontRef>
+    <cs:spPr>
+      <a:solidFill>
+        <a:schemeClr val="dk1">
+          <a:lumMod val="75000"/>
+          <a:lumOff val="25000"/>
+        </a:schemeClr>
+      </a:solidFill>
+      <a:ln w="9525" cap="flat" cmpd="sng" algn="ctr">
+        <a:solidFill>
+          <a:schemeClr val="dk1">
+            <a:lumMod val="50000"/>
+            <a:lumOff val="50000"/>
+          </a:schemeClr>
+        </a:solidFill>
+        <a:round/>
+      </a:ln>
+    </cs:spPr>
+  </cs:downBar>
+  <cs:dropLine>
+    <cs:lnRef idx="0"/>
+    <cs:fillRef idx="0"/>
+    <cs:effectRef idx="0"/>
+    <cs:fontRef idx="minor">
+      <a:schemeClr val="dk1"/>
+    </cs:fontRef>
+    <cs:spPr>
+      <a:ln w="9525" cap="flat" cmpd="sng" algn="ctr">
+        <a:solidFill>
+          <a:schemeClr val="dk1">
+            <a:lumMod val="35000"/>
+            <a:lumOff val="65000"/>
+          </a:schemeClr>
+        </a:solidFill>
+        <a:round/>
+      </a:ln>
+    </cs:spPr>
+  </cs:dropLine>
+  <cs:errorBar>
+    <cs:lnRef idx="0"/>
+    <cs:fillRef idx="0"/>
+    <cs:effectRef idx="0"/>
+    <cs:fontRef idx="minor">
+      <a:schemeClr val="dk1"/>
+    </cs:fontRef>
+    <cs:spPr>
+      <a:ln w="9525" cap="flat" cmpd="sng" algn="ctr">
+        <a:solidFill>
+          <a:schemeClr val="dk1">
+            <a:lumMod val="50000"/>
+            <a:lumOff val="50000"/>
+          </a:schemeClr>
+        </a:solidFill>
+        <a:round/>
+      </a:ln>
+    </cs:spPr>
+  </cs:errorBar>
+  <cs:floor>
+    <cs:lnRef idx="0"/>
+    <cs:fillRef idx="0"/>
+    <cs:effectRef idx="0"/>
+    <cs:fontRef idx="minor">
+      <a:schemeClr val="dk1"/>
+    </cs:fontRef>
+    <cs:spPr>
+      <a:pattFill prst="ltDnDiag">
+        <a:fgClr>
+          <a:schemeClr val="dk1">
+            <a:lumMod val="15000"/>
+            <a:lumOff val="85000"/>
+          </a:schemeClr>
+        </a:fgClr>
+        <a:bgClr>
+          <a:schemeClr val="lt1"/>
+        </a:bgClr>
+      </a:pattFill>
+    </cs:spPr>
+  </cs:floor>
+  <cs:gridlineMajor>
+    <cs:lnRef idx="0"/>
+    <cs:fillRef idx="0"/>
+    <cs:effectRef idx="0"/>
+    <cs:fontRef idx="minor">
+      <a:schemeClr val="dk1"/>
+    </cs:fontRef>
+    <cs:spPr>
+      <a:ln w="9525" cap="flat" cmpd="sng" algn="ctr">
+        <a:solidFill>
+          <a:schemeClr val="dk1">
+            <a:lumMod val="15000"/>
+            <a:lumOff val="85000"/>
+          </a:schemeClr>
+        </a:solidFill>
+        <a:round/>
+      </a:ln>
+    </cs:spPr>
+  </cs:gridlineMajor>
+  <cs:gridlineMinor>
+    <cs:lnRef idx="0"/>
+    <cs:fillRef idx="0"/>
+    <cs:effectRef idx="0"/>
+    <cs:fontRef idx="minor">
+      <a:schemeClr val="dk1"/>
+    </cs:fontRef>
+    <cs:spPr>
+      <a:ln w="9525" cap="flat" cmpd="sng" algn="ctr">
+        <a:solidFill>
+          <a:schemeClr val="dk1">
+            <a:lumMod val="5000"/>
+            <a:lumOff val="95000"/>
+          </a:schemeClr>
+        </a:solidFill>
+        <a:round/>
+      </a:ln>
+    </cs:spPr>
+  </cs:gridlineMinor>
+  <cs:hiLoLine>
+    <cs:lnRef idx="0"/>
+    <cs:fillRef idx="0"/>
+    <cs:effectRef idx="0"/>
+    <cs:fontRef idx="minor">
+      <a:schemeClr val="dk1"/>
+    </cs:fontRef>
+    <cs:spPr>
+      <a:ln w="9525" cap="flat" cmpd="sng" algn="ctr">
+        <a:solidFill>
+          <a:schemeClr val="dk1">
+            <a:lumMod val="35000"/>
+            <a:lumOff val="65000"/>
+          </a:schemeClr>
+        </a:solidFill>
+        <a:round/>
+      </a:ln>
+    </cs:spPr>
+  </cs:hiLoLine>
+  <cs:leaderLine>
+    <cs:lnRef idx="0"/>
+    <cs:fillRef idx="0"/>
+    <cs:effectRef idx="0"/>
+    <cs:fontRef idx="minor">
+      <a:schemeClr val="dk1"/>
+    </cs:fontRef>
+    <cs:spPr>
+      <a:ln w="9525" cap="flat" cmpd="sng" algn="ctr">
+        <a:solidFill>
+          <a:schemeClr val="dk1">
+            <a:lumMod val="35000"/>
+            <a:lumOff val="65000"/>
+          </a:schemeClr>
+        </a:solidFill>
+        <a:round/>
+      </a:ln>
+    </cs:spPr>
+  </cs:leaderLine>
+  <cs:legend>
+    <cs:lnRef idx="0"/>
+    <cs:fillRef idx="0"/>
+    <cs:effectRef idx="0"/>
+    <cs:fontRef idx="minor">
+      <a:schemeClr val="dk1">
+        <a:lumMod val="65000"/>
+        <a:lumOff val="35000"/>
+      </a:schemeClr>
+    </cs:fontRef>
+    <cs:defRPr sz="1197" kern="1200"/>
+  </cs:legend>
+  <cs:plotArea>
+    <cs:lnRef idx="0"/>
+    <cs:fillRef idx="0"/>
+    <cs:effectRef idx="0"/>
+    <cs:fontRef idx="minor">
+      <a:schemeClr val="dk1"/>
+    </cs:fontRef>
+    <cs:spPr>
+      <a:pattFill prst="ltDnDiag">
+        <a:fgClr>
+          <a:schemeClr val="dk1">
+            <a:lumMod val="15000"/>
+            <a:lumOff val="85000"/>
+          </a:schemeClr>
+        </a:fgClr>
+        <a:bgClr>
+          <a:schemeClr val="lt1"/>
+        </a:bgClr>
+      </a:pattFill>
+    </cs:spPr>
+  </cs:plotArea>
+  <cs:plotArea3D>
+    <cs:lnRef idx="0"/>
+    <cs:fillRef idx="0"/>
+    <cs:effectRef idx="0"/>
+    <cs:fontRef idx="minor">
+      <a:schemeClr val="dk1"/>
+    </cs:fontRef>
+    <cs:spPr>
+      <a:solidFill>
+        <a:schemeClr val="lt1"/>
+      </a:solidFill>
+    </cs:spPr>
+  </cs:plotArea3D>
+  <cs:seriesAxis>
+    <cs:lnRef idx="0"/>
+    <cs:fillRef idx="0"/>
+    <cs:effectRef idx="0"/>
+    <cs:fontRef idx="minor">
+      <a:schemeClr val="dk1">
+        <a:lumMod val="65000"/>
+        <a:lumOff val="35000"/>
+      </a:schemeClr>
+    </cs:fontRef>
+    <cs:defRPr sz="1197" kern="1200"/>
+  </cs:seriesAxis>
+  <cs:seriesLine>
+    <cs:lnRef idx="0"/>
+    <cs:fillRef idx="0"/>
+    <cs:effectRef idx="0"/>
+    <cs:fontRef idx="minor">
+      <a:schemeClr val="dk1"/>
+    </cs:fontRef>
+    <cs:spPr>
+      <a:ln w="9525" cap="flat" cmpd="sng" algn="ctr">
+        <a:solidFill>
+          <a:schemeClr val="dk1">
+            <a:lumMod val="35000"/>
+            <a:lumOff val="65000"/>
+          </a:schemeClr>
+        </a:solidFill>
+        <a:round/>
+      </a:ln>
+    </cs:spPr>
+  </cs:seriesLine>
+  <cs:title>
+    <cs:lnRef idx="0"/>
+    <cs:fillRef idx="0"/>
+    <cs:effectRef idx="0"/>
+    <cs:fontRef idx="major">
+      <a:schemeClr val="dk1">
+        <a:lumMod val="50000"/>
+        <a:lumOff val="50000"/>
+      </a:schemeClr>
+    </cs:fontRef>
+    <cs:defRPr sz="2128" b="1" kern="1200" cap="none" spc="0" normalizeH="0" baseline="0"/>
+  </cs:title>
+  <cs:trendline>
+    <cs:lnRef idx="0">
+      <cs:styleClr val="auto"/>
+    </cs:lnRef>
+    <cs:fillRef idx="0"/>
+    <cs:effectRef idx="0"/>
+    <cs:fontRef idx="minor">
+      <a:schemeClr val="dk1"/>
+    </cs:fontRef>
+    <cs:spPr>
+      <a:ln w="19050" cap="rnd">
+        <a:solidFill>
+          <a:schemeClr val="phClr"/>
+        </a:solidFill>
+      </a:ln>
+    </cs:spPr>
+  </cs:trendline>
+  <cs:trendlineLabel>
+    <cs:lnRef idx="0"/>
+    <cs:fillRef idx="0"/>
+    <cs:effectRef idx="0"/>
+    <cs:fontRef idx="minor">
+      <a:schemeClr val="dk1">
+        <a:lumMod val="65000"/>
+        <a:lumOff val="35000"/>
+      </a:schemeClr>
+    </cs:fontRef>
+    <cs:defRPr sz="1197" kern="1200"/>
+  </cs:trendlineLabel>
+  <cs:upBar>
+    <cs:lnRef idx="0"/>
+    <cs:fillRef idx="0"/>
+    <cs:effectRef idx="0"/>
+    <cs:fontRef idx="minor">
+      <a:schemeClr val="dk1"/>
+    </cs:fontRef>
+    <cs:spPr>
+      <a:solidFill>
+        <a:schemeClr val="lt1"/>
+      </a:solidFill>
+      <a:ln w="9525" cap="flat" cmpd="sng" algn="ctr">
+        <a:solidFill>
+          <a:schemeClr val="dk1">
+            <a:lumMod val="50000"/>
+            <a:lumOff val="50000"/>
+          </a:schemeClr>
+        </a:solidFill>
+        <a:round/>
+      </a:ln>
+    </cs:spPr>
+  </cs:upBar>
+  <cs:valueAxis>
+    <cs:lnRef idx="0"/>
+    <cs:fillRef idx="0"/>
+    <cs:effectRef idx="0"/>
+    <cs:fontRef idx="minor">
+      <a:schemeClr val="dk1">
+        <a:lumMod val="65000"/>
+        <a:lumOff val="35000"/>
+      </a:schemeClr>
+    </cs:fontRef>
+    <cs:defRPr sz="1197" kern="1200"/>
+  </cs:valueAxis>
+  <cs:wall>
+    <cs:lnRef idx="0"/>
+    <cs:fillRef idx="0"/>
+    <cs:effectRef idx="0"/>
+    <cs:fontRef idx="minor">
+      <a:schemeClr val="dk1"/>
+    </cs:fontRef>
+    <cs:spPr>
+      <a:pattFill prst="ltDnDiag">
+        <a:fgClr>
+          <a:schemeClr val="dk1">
+            <a:lumMod val="15000"/>
+            <a:lumOff val="85000"/>
+          </a:schemeClr>
+        </a:fgClr>
+        <a:bgClr>
+          <a:schemeClr val="lt1"/>
+        </a:bgClr>
+      </a:pattFill>
+    </cs:spPr>
+  </cs:wall>
+</cs:chartStyle>
+</file>
+
 <file path=ppt/notesMasters/notesMaster1.xml><?xml version="1.0" encoding="utf-8"?>
 <p:notesMaster xmlns:a="http://schemas.openxmlformats.org/drawingml/2006/main" xmlns:r="http://schemas.openxmlformats.org/officeDocument/2006/relationships" xmlns:p="http://schemas.openxmlformats.org/presentationml/2006/main">
   <p:cSld>
@@ -209,7 +1113,7 @@
           <a:p>
             <a:fld id="{DFD89309-4116-4A62-B245-75C2DF6E5497}" type="datetimeFigureOut">
               <a:rPr lang="en-CA" smtClean="0"/>
-              <a:t>2020-12-07</a:t>
+              <a:t>2020-12-08</a:t>
             </a:fld>
             <a:endParaRPr lang="en-CA"/>
           </a:p>
@@ -523,7 +1427,7 @@
           <a:p>
             <a:r>
               <a:rPr lang="en-US" dirty="0"/>
-              <a:t>Cost source: https://www.sofpromed.com/how-much-does-a-clinical-trial-cost/#:~:text=The%20average%20cost%20of%20phase,median%20of%20%2441%2C117%20per%20patient.</a:t>
+              <a:t>Cost source: https://www.sofpromed.com/how-much-does-a-clinical-trial-cost/#:~:text=The%20average%20cost%20of%20phase,median%20of%20%2441%2C117%20per%20patient</a:t>
             </a:r>
           </a:p>
           <a:p>
@@ -565,6 +1469,103 @@
     <p:extLst>
       <p:ext uri="{BB962C8B-B14F-4D97-AF65-F5344CB8AC3E}">
         <p14:creationId xmlns:p14="http://schemas.microsoft.com/office/powerpoint/2010/main" val="2488782312"/>
+      </p:ext>
+    </p:extLst>
+  </p:cSld>
+  <p:clrMapOvr>
+    <a:masterClrMapping/>
+  </p:clrMapOvr>
+</p:notes>
+</file>
+
+<file path=ppt/notesSlides/notesSlide2.xml><?xml version="1.0" encoding="utf-8"?>
+<p:notes xmlns:a="http://schemas.openxmlformats.org/drawingml/2006/main" xmlns:r="http://schemas.openxmlformats.org/officeDocument/2006/relationships" xmlns:p="http://schemas.openxmlformats.org/presentationml/2006/main">
+  <p:cSld>
+    <p:spTree>
+      <p:nvGrpSpPr>
+        <p:cNvPr id="1" name=""/>
+        <p:cNvGrpSpPr/>
+        <p:nvPr/>
+      </p:nvGrpSpPr>
+      <p:grpSpPr>
+        <a:xfrm>
+          <a:off x="0" y="0"/>
+          <a:ext cx="0" cy="0"/>
+          <a:chOff x="0" y="0"/>
+          <a:chExt cx="0" cy="0"/>
+        </a:xfrm>
+      </p:grpSpPr>
+      <p:sp>
+        <p:nvSpPr>
+          <p:cNvPr id="2" name="Slide Image Placeholder 1"/>
+          <p:cNvSpPr>
+            <a:spLocks noGrp="1" noRot="1" noChangeAspect="1"/>
+          </p:cNvSpPr>
+          <p:nvPr>
+            <p:ph type="sldImg"/>
+          </p:nvPr>
+        </p:nvSpPr>
+        <p:spPr/>
+      </p:sp>
+      <p:sp>
+        <p:nvSpPr>
+          <p:cNvPr id="3" name="Notes Placeholder 2"/>
+          <p:cNvSpPr>
+            <a:spLocks noGrp="1"/>
+          </p:cNvSpPr>
+          <p:nvPr>
+            <p:ph type="body" idx="1"/>
+          </p:nvPr>
+        </p:nvSpPr>
+        <p:spPr/>
+        <p:txBody>
+          <a:bodyPr/>
+          <a:lstStyle/>
+          <a:p>
+            <a:r>
+              <a:rPr lang="en-US" dirty="0"/>
+              <a:t>Cost source: https://www.sofpromed.com/how-much-does-a-clinical-trial-cost/#:~:text=The%20average%20cost%20of%20phase,median%20of%20%2441%2C117%20per%20patient</a:t>
+            </a:r>
+          </a:p>
+          <a:p>
+            <a:endParaRPr lang="en-US" dirty="0"/>
+          </a:p>
+          <a:p>
+            <a:r>
+              <a:rPr lang="en-US" dirty="0"/>
+              <a:t>Failure rate: https://www.acsh.org/news/2020/06/11/clinical-trial-success-rates-phase-and-therapeutic-area-14845</a:t>
+            </a:r>
+            <a:endParaRPr lang="en-CA" dirty="0"/>
+          </a:p>
+        </p:txBody>
+      </p:sp>
+      <p:sp>
+        <p:nvSpPr>
+          <p:cNvPr id="4" name="Slide Number Placeholder 3"/>
+          <p:cNvSpPr>
+            <a:spLocks noGrp="1"/>
+          </p:cNvSpPr>
+          <p:nvPr>
+            <p:ph type="sldNum" sz="quarter" idx="5"/>
+          </p:nvPr>
+        </p:nvSpPr>
+        <p:spPr/>
+        <p:txBody>
+          <a:bodyPr/>
+          <a:lstStyle/>
+          <a:p>
+            <a:fld id="{6C39EA12-D37C-4B64-8150-E3409D9AA688}" type="slidenum">
+              <a:rPr lang="en-CA" smtClean="0"/>
+              <a:t>4</a:t>
+            </a:fld>
+            <a:endParaRPr lang="en-CA"/>
+          </a:p>
+        </p:txBody>
+      </p:sp>
+    </p:spTree>
+    <p:extLst>
+      <p:ext uri="{BB962C8B-B14F-4D97-AF65-F5344CB8AC3E}">
+        <p14:creationId xmlns:p14="http://schemas.microsoft.com/office/powerpoint/2010/main" val="4063111712"/>
       </p:ext>
     </p:extLst>
   </p:cSld>
@@ -9367,7 +10368,7 @@
           <a:p>
             <a:fld id="{F0067077-601E-4248-BDB9-13B57BD865BB}" type="datetimeFigureOut">
               <a:rPr lang="en-CA" smtClean="0"/>
-              <a:t>2020-12-07</a:t>
+              <a:t>2020-12-08</a:t>
             </a:fld>
             <a:endParaRPr lang="en-CA"/>
           </a:p>
@@ -9574,7 +10575,7 @@
           <a:p>
             <a:fld id="{F0067077-601E-4248-BDB9-13B57BD865BB}" type="datetimeFigureOut">
               <a:rPr lang="en-CA" smtClean="0"/>
-              <a:t>2020-12-07</a:t>
+              <a:t>2020-12-08</a:t>
             </a:fld>
             <a:endParaRPr lang="en-CA"/>
           </a:p>
@@ -9754,7 +10755,7 @@
           <a:p>
             <a:fld id="{F0067077-601E-4248-BDB9-13B57BD865BB}" type="datetimeFigureOut">
               <a:rPr lang="en-CA" smtClean="0"/>
-              <a:t>2020-12-07</a:t>
+              <a:t>2020-12-08</a:t>
             </a:fld>
             <a:endParaRPr lang="en-CA"/>
           </a:p>
@@ -9959,7 +10960,7 @@
           <a:p>
             <a:fld id="{F0067077-601E-4248-BDB9-13B57BD865BB}" type="datetimeFigureOut">
               <a:rPr lang="en-CA" smtClean="0"/>
-              <a:t>2020-12-07</a:t>
+              <a:t>2020-12-08</a:t>
             </a:fld>
             <a:endParaRPr lang="en-CA"/>
           </a:p>
@@ -18857,7 +19858,7 @@
           <a:p>
             <a:fld id="{F0067077-601E-4248-BDB9-13B57BD865BB}" type="datetimeFigureOut">
               <a:rPr lang="en-CA" smtClean="0"/>
-              <a:t>2020-12-07</a:t>
+              <a:t>2020-12-08</a:t>
             </a:fld>
             <a:endParaRPr lang="en-CA"/>
           </a:p>
@@ -19131,7 +20132,7 @@
           <a:p>
             <a:fld id="{F0067077-601E-4248-BDB9-13B57BD865BB}" type="datetimeFigureOut">
               <a:rPr lang="en-CA" smtClean="0"/>
-              <a:t>2020-12-07</a:t>
+              <a:t>2020-12-08</a:t>
             </a:fld>
             <a:endParaRPr lang="en-CA"/>
           </a:p>
@@ -19529,7 +20530,7 @@
           <a:p>
             <a:fld id="{F0067077-601E-4248-BDB9-13B57BD865BB}" type="datetimeFigureOut">
               <a:rPr lang="en-CA" smtClean="0"/>
-              <a:t>2020-12-07</a:t>
+              <a:t>2020-12-08</a:t>
             </a:fld>
             <a:endParaRPr lang="en-CA"/>
           </a:p>
@@ -19647,7 +20648,7 @@
           <a:p>
             <a:fld id="{F0067077-601E-4248-BDB9-13B57BD865BB}" type="datetimeFigureOut">
               <a:rPr lang="en-CA" smtClean="0"/>
-              <a:t>2020-12-07</a:t>
+              <a:t>2020-12-08</a:t>
             </a:fld>
             <a:endParaRPr lang="en-CA"/>
           </a:p>
@@ -19742,7 +20743,7 @@
           <a:p>
             <a:fld id="{F0067077-601E-4248-BDB9-13B57BD865BB}" type="datetimeFigureOut">
               <a:rPr lang="en-CA" smtClean="0"/>
-              <a:t>2020-12-07</a:t>
+              <a:t>2020-12-08</a:t>
             </a:fld>
             <a:endParaRPr lang="en-CA"/>
           </a:p>
@@ -20032,7 +21033,7 @@
           <a:p>
             <a:fld id="{F0067077-601E-4248-BDB9-13B57BD865BB}" type="datetimeFigureOut">
               <a:rPr lang="en-CA" smtClean="0"/>
-              <a:t>2020-12-07</a:t>
+              <a:t>2020-12-08</a:t>
             </a:fld>
             <a:endParaRPr lang="en-CA"/>
           </a:p>
@@ -20312,7 +21313,7 @@
           <a:p>
             <a:fld id="{F0067077-601E-4248-BDB9-13B57BD865BB}" type="datetimeFigureOut">
               <a:rPr lang="en-CA" smtClean="0"/>
-              <a:t>2020-12-07</a:t>
+              <a:t>2020-12-08</a:t>
             </a:fld>
             <a:endParaRPr lang="en-CA"/>
           </a:p>
@@ -20562,7 +21563,7 @@
           <a:p>
             <a:fld id="{F0067077-601E-4248-BDB9-13B57BD865BB}" type="datetimeFigureOut">
               <a:rPr lang="en-CA" smtClean="0"/>
-              <a:t>2020-12-07</a:t>
+              <a:t>2020-12-08</a:t>
             </a:fld>
             <a:endParaRPr lang="en-CA"/>
           </a:p>
@@ -21415,3269 +22416,6 @@
 </file>
 
 <file path=ppt/slides/slide10.xml><?xml version="1.0" encoding="utf-8"?>
-<p:sld xmlns:a="http://schemas.openxmlformats.org/drawingml/2006/main" xmlns:r="http://schemas.openxmlformats.org/officeDocument/2006/relationships" xmlns:p="http://schemas.openxmlformats.org/presentationml/2006/main">
-  <p:cSld>
-    <p:spTree>
-      <p:nvGrpSpPr>
-        <p:cNvPr id="1" name=""/>
-        <p:cNvGrpSpPr/>
-        <p:nvPr/>
-      </p:nvGrpSpPr>
-      <p:grpSpPr>
-        <a:xfrm>
-          <a:off x="0" y="0"/>
-          <a:ext cx="0" cy="0"/>
-          <a:chOff x="0" y="0"/>
-          <a:chExt cx="0" cy="0"/>
-        </a:xfrm>
-      </p:grpSpPr>
-      <p:sp>
-        <p:nvSpPr>
-          <p:cNvPr id="2" name="Title 1">
-            <a:extLst>
-              <a:ext uri="{FF2B5EF4-FFF2-40B4-BE49-F238E27FC236}">
-                <a16:creationId xmlns:a16="http://schemas.microsoft.com/office/drawing/2014/main" id="{F3875C9A-4222-4E06-A7E3-A65D0E2FE3C7}"/>
-              </a:ext>
-            </a:extLst>
-          </p:cNvPr>
-          <p:cNvSpPr>
-            <a:spLocks noGrp="1"/>
-          </p:cNvSpPr>
-          <p:nvPr>
-            <p:ph type="title"/>
-          </p:nvPr>
-        </p:nvSpPr>
-        <p:spPr/>
-        <p:txBody>
-          <a:bodyPr/>
-          <a:lstStyle/>
-          <a:p>
-            <a:pPr algn="ctr"/>
-            <a:r>
-              <a:rPr lang="en-US" dirty="0"/>
-              <a:t>Result:</a:t>
-            </a:r>
-            <a:br>
-              <a:rPr lang="en-US" dirty="0"/>
-            </a:br>
-            <a:r>
-              <a:rPr lang="en-US" dirty="0"/>
-              <a:t>Predicting per Trial</a:t>
-            </a:r>
-            <a:endParaRPr lang="en-CA" dirty="0"/>
-          </a:p>
-        </p:txBody>
-      </p:sp>
-      <p:pic>
-        <p:nvPicPr>
-          <p:cNvPr id="4" name="Content Placeholder 3">
-            <a:extLst>
-              <a:ext uri="{FF2B5EF4-FFF2-40B4-BE49-F238E27FC236}">
-                <a16:creationId xmlns:a16="http://schemas.microsoft.com/office/drawing/2014/main" id="{309518DB-AB9F-4C54-B7E5-AE5D7A183ABD}"/>
-              </a:ext>
-            </a:extLst>
-          </p:cNvPr>
-          <p:cNvPicPr>
-            <a:picLocks noGrp="1" noChangeAspect="1"/>
-          </p:cNvPicPr>
-          <p:nvPr>
-            <p:ph idx="1"/>
-          </p:nvPr>
-        </p:nvPicPr>
-        <p:blipFill>
-          <a:blip r:embed="rId2"/>
-          <a:stretch>
-            <a:fillRect/>
-          </a:stretch>
-        </p:blipFill>
-        <p:spPr>
-          <a:xfrm>
-            <a:off x="4555331" y="3092450"/>
-            <a:ext cx="2657475" cy="2409825"/>
-          </a:xfrm>
-          <a:prstGeom prst="rect">
-            <a:avLst/>
-          </a:prstGeom>
-        </p:spPr>
-      </p:pic>
-    </p:spTree>
-    <p:extLst>
-      <p:ext uri="{BB962C8B-B14F-4D97-AF65-F5344CB8AC3E}">
-        <p14:creationId xmlns:p14="http://schemas.microsoft.com/office/powerpoint/2010/main" val="775691466"/>
-      </p:ext>
-    </p:extLst>
-  </p:cSld>
-  <p:clrMapOvr>
-    <a:masterClrMapping/>
-  </p:clrMapOvr>
-</p:sld>
-</file>
-
-<file path=ppt/slides/slide11.xml><?xml version="1.0" encoding="utf-8"?>
-<p:sld xmlns:a="http://schemas.openxmlformats.org/drawingml/2006/main" xmlns:r="http://schemas.openxmlformats.org/officeDocument/2006/relationships" xmlns:p="http://schemas.openxmlformats.org/presentationml/2006/main">
-  <p:cSld>
-    <p:spTree>
-      <p:nvGrpSpPr>
-        <p:cNvPr id="1" name=""/>
-        <p:cNvGrpSpPr/>
-        <p:nvPr/>
-      </p:nvGrpSpPr>
-      <p:grpSpPr>
-        <a:xfrm>
-          <a:off x="0" y="0"/>
-          <a:ext cx="0" cy="0"/>
-          <a:chOff x="0" y="0"/>
-          <a:chExt cx="0" cy="0"/>
-        </a:xfrm>
-      </p:grpSpPr>
-      <p:sp>
-        <p:nvSpPr>
-          <p:cNvPr id="2" name="Title 1">
-            <a:extLst>
-              <a:ext uri="{FF2B5EF4-FFF2-40B4-BE49-F238E27FC236}">
-                <a16:creationId xmlns:a16="http://schemas.microsoft.com/office/drawing/2014/main" id="{AD658922-B532-403D-B06C-C93940561F16}"/>
-              </a:ext>
-            </a:extLst>
-          </p:cNvPr>
-          <p:cNvSpPr>
-            <a:spLocks noGrp="1"/>
-          </p:cNvSpPr>
-          <p:nvPr>
-            <p:ph type="title"/>
-          </p:nvPr>
-        </p:nvSpPr>
-        <p:spPr/>
-        <p:txBody>
-          <a:bodyPr/>
-          <a:lstStyle/>
-          <a:p>
-            <a:r>
-              <a:rPr lang="en-US" dirty="0"/>
-              <a:t>R</a:t>
-            </a:r>
-            <a:r>
-              <a:rPr lang="en-CA" dirty="0" err="1"/>
-              <a:t>esult</a:t>
-            </a:r>
-            <a:r>
-              <a:rPr lang="en-CA" dirty="0"/>
-              <a:t>: Visualization</a:t>
-            </a:r>
-          </a:p>
-        </p:txBody>
-      </p:sp>
-      <p:sp>
-        <p:nvSpPr>
-          <p:cNvPr id="3" name="Content Placeholder 2">
-            <a:extLst>
-              <a:ext uri="{FF2B5EF4-FFF2-40B4-BE49-F238E27FC236}">
-                <a16:creationId xmlns:a16="http://schemas.microsoft.com/office/drawing/2014/main" id="{3D4E0D27-529A-47FB-B99B-695BAA22227F}"/>
-              </a:ext>
-            </a:extLst>
-          </p:cNvPr>
-          <p:cNvSpPr>
-            <a:spLocks noGrp="1"/>
-          </p:cNvSpPr>
-          <p:nvPr>
-            <p:ph idx="1"/>
-          </p:nvPr>
-        </p:nvSpPr>
-        <p:spPr/>
-        <p:txBody>
-          <a:bodyPr>
-            <a:normAutofit/>
-          </a:bodyPr>
-          <a:lstStyle/>
-          <a:p>
-            <a:pPr algn="ctr">
-              <a:lnSpc>
-                <a:spcPct val="250000"/>
-              </a:lnSpc>
-            </a:pPr>
-            <a:r>
-              <a:rPr lang="en-US" sz="2400" dirty="0">
-                <a:hlinkClick r:id="rId2"/>
-              </a:rPr>
-              <a:t>Click here for Tableau!</a:t>
-            </a:r>
-            <a:endParaRPr lang="en-CA" sz="2400" dirty="0"/>
-          </a:p>
-        </p:txBody>
-      </p:sp>
-    </p:spTree>
-    <p:extLst>
-      <p:ext uri="{BB962C8B-B14F-4D97-AF65-F5344CB8AC3E}">
-        <p14:creationId xmlns:p14="http://schemas.microsoft.com/office/powerpoint/2010/main" val="3905846690"/>
-      </p:ext>
-    </p:extLst>
-  </p:cSld>
-  <p:clrMapOvr>
-    <a:masterClrMapping/>
-  </p:clrMapOvr>
-</p:sld>
-</file>
-
-<file path=ppt/slides/slide12.xml><?xml version="1.0" encoding="utf-8"?>
-<p:sld xmlns:a="http://schemas.openxmlformats.org/drawingml/2006/main" xmlns:r="http://schemas.openxmlformats.org/officeDocument/2006/relationships" xmlns:p="http://schemas.openxmlformats.org/presentationml/2006/main" show="0">
-  <p:cSld>
-    <p:spTree>
-      <p:nvGrpSpPr>
-        <p:cNvPr id="1" name=""/>
-        <p:cNvGrpSpPr/>
-        <p:nvPr/>
-      </p:nvGrpSpPr>
-      <p:grpSpPr>
-        <a:xfrm>
-          <a:off x="0" y="0"/>
-          <a:ext cx="0" cy="0"/>
-          <a:chOff x="0" y="0"/>
-          <a:chExt cx="0" cy="0"/>
-        </a:xfrm>
-      </p:grpSpPr>
-      <p:sp>
-        <p:nvSpPr>
-          <p:cNvPr id="2" name="Title 1">
-            <a:extLst>
-              <a:ext uri="{FF2B5EF4-FFF2-40B4-BE49-F238E27FC236}">
-                <a16:creationId xmlns:a16="http://schemas.microsoft.com/office/drawing/2014/main" id="{8911DB4C-42F8-4978-A33F-2CCEA9D7E25B}"/>
-              </a:ext>
-            </a:extLst>
-          </p:cNvPr>
-          <p:cNvSpPr>
-            <a:spLocks noGrp="1"/>
-          </p:cNvSpPr>
-          <p:nvPr>
-            <p:ph type="title"/>
-          </p:nvPr>
-        </p:nvSpPr>
-        <p:spPr/>
-        <p:txBody>
-          <a:bodyPr/>
-          <a:lstStyle/>
-          <a:p>
-            <a:r>
-              <a:rPr lang="en-US" dirty="0"/>
-              <a:t>Visualization Result – part 1</a:t>
-            </a:r>
-            <a:endParaRPr lang="en-CA" dirty="0"/>
-          </a:p>
-        </p:txBody>
-      </p:sp>
-      <p:sp>
-        <p:nvSpPr>
-          <p:cNvPr id="3" name="Content Placeholder 2">
-            <a:extLst>
-              <a:ext uri="{FF2B5EF4-FFF2-40B4-BE49-F238E27FC236}">
-                <a16:creationId xmlns:a16="http://schemas.microsoft.com/office/drawing/2014/main" id="{1256FDAC-973A-4A0D-87CE-F7C9153D4193}"/>
-              </a:ext>
-            </a:extLst>
-          </p:cNvPr>
-          <p:cNvSpPr>
-            <a:spLocks noGrp="1"/>
-          </p:cNvSpPr>
-          <p:nvPr>
-            <p:ph idx="1"/>
-          </p:nvPr>
-        </p:nvSpPr>
-        <p:spPr/>
-        <p:txBody>
-          <a:bodyPr>
-            <a:normAutofit lnSpcReduction="10000"/>
-          </a:bodyPr>
-          <a:lstStyle/>
-          <a:p>
-            <a:r>
-              <a:rPr lang="en-US" dirty="0"/>
-              <a:t>Dashboard #1</a:t>
-            </a:r>
-          </a:p>
-          <a:p>
-            <a:r>
-              <a:rPr lang="en-US" dirty="0"/>
-              <a:t>Goal:</a:t>
-            </a:r>
-          </a:p>
-          <a:p>
-            <a:pPr>
-              <a:buFont typeface="Wingdings" panose="05000000000000000000" pitchFamily="2" charset="2"/>
-              <a:buChar char="v"/>
-            </a:pPr>
-            <a:r>
-              <a:rPr lang="en-US" dirty="0"/>
-              <a:t>Give quick understanding of our data size</a:t>
-            </a:r>
-          </a:p>
-          <a:p>
-            <a:pPr>
-              <a:buFont typeface="Wingdings" panose="05000000000000000000" pitchFamily="2" charset="2"/>
-              <a:buChar char="v"/>
-            </a:pPr>
-            <a:r>
-              <a:rPr lang="en-US"/>
-              <a:t>Show number of </a:t>
-            </a:r>
-            <a:r>
-              <a:rPr lang="en-US" dirty="0"/>
-              <a:t>the data before, and after we apply filter</a:t>
-            </a:r>
-          </a:p>
-          <a:p>
-            <a:pPr>
-              <a:buFont typeface="Wingdings" panose="05000000000000000000" pitchFamily="2" charset="2"/>
-              <a:buChar char="v"/>
-            </a:pPr>
-            <a:r>
-              <a:rPr lang="en-US" dirty="0"/>
-              <a:t>Show proportion of data (terminated, completed, </a:t>
-            </a:r>
-            <a:r>
-              <a:rPr lang="en-US" dirty="0" err="1"/>
-              <a:t>etc</a:t>
-            </a:r>
-            <a:r>
-              <a:rPr lang="en-US" dirty="0"/>
-              <a:t>)</a:t>
-            </a:r>
-          </a:p>
-          <a:p>
-            <a:pPr>
-              <a:buFont typeface="Wingdings" panose="05000000000000000000" pitchFamily="2" charset="2"/>
-              <a:buChar char="v"/>
-            </a:pPr>
-            <a:r>
-              <a:rPr lang="en-US" dirty="0"/>
-              <a:t>Emphasize:</a:t>
-            </a:r>
-          </a:p>
-          <a:p>
-            <a:pPr lvl="1">
-              <a:buFont typeface="Wingdings" panose="05000000000000000000" pitchFamily="2" charset="2"/>
-              <a:buChar char="v"/>
-            </a:pPr>
-            <a:r>
-              <a:rPr lang="en-US" dirty="0"/>
-              <a:t>Number of Trials at current filter state (Count of </a:t>
-            </a:r>
-            <a:r>
-              <a:rPr lang="en-US" dirty="0" err="1"/>
-              <a:t>FullTable</a:t>
-            </a:r>
-            <a:r>
-              <a:rPr lang="en-US" dirty="0"/>
-              <a:t>)</a:t>
-            </a:r>
-          </a:p>
-          <a:p>
-            <a:pPr lvl="1">
-              <a:buFont typeface="Wingdings" panose="05000000000000000000" pitchFamily="2" charset="2"/>
-              <a:buChar char="v"/>
-            </a:pPr>
-            <a:r>
-              <a:rPr lang="en-US" dirty="0"/>
-              <a:t>Percentage of Overall Status</a:t>
-            </a:r>
-          </a:p>
-          <a:p>
-            <a:pPr lvl="1">
-              <a:buFont typeface="Wingdings" panose="05000000000000000000" pitchFamily="2" charset="2"/>
-              <a:buChar char="v"/>
-            </a:pPr>
-            <a:r>
-              <a:rPr lang="en-US" dirty="0"/>
-              <a:t>Everything else is not necessary at this point, I think?</a:t>
-            </a:r>
-          </a:p>
-          <a:p>
-            <a:pPr lvl="1">
-              <a:buFont typeface="Wingdings" panose="05000000000000000000" pitchFamily="2" charset="2"/>
-              <a:buChar char="v"/>
-            </a:pPr>
-            <a:r>
-              <a:rPr lang="en-US" dirty="0"/>
-              <a:t>Maybe use only small part of Dashboard3, but in bigger size</a:t>
-            </a:r>
-          </a:p>
-        </p:txBody>
-      </p:sp>
-      <p:pic>
-        <p:nvPicPr>
-          <p:cNvPr id="4" name="Picture 3">
-            <a:extLst>
-              <a:ext uri="{FF2B5EF4-FFF2-40B4-BE49-F238E27FC236}">
-                <a16:creationId xmlns:a16="http://schemas.microsoft.com/office/drawing/2014/main" id="{7DB8BC43-E225-49C9-B44D-19FB2DB58AB2}"/>
-              </a:ext>
-            </a:extLst>
-          </p:cNvPr>
-          <p:cNvPicPr>
-            <a:picLocks noChangeAspect="1"/>
-          </p:cNvPicPr>
-          <p:nvPr/>
-        </p:nvPicPr>
-        <p:blipFill>
-          <a:blip r:embed="rId2"/>
-          <a:stretch>
-            <a:fillRect/>
-          </a:stretch>
-        </p:blipFill>
-        <p:spPr>
-          <a:xfrm>
-            <a:off x="8091718" y="2084832"/>
-            <a:ext cx="3809996" cy="3980495"/>
-          </a:xfrm>
-          <a:prstGeom prst="rect">
-            <a:avLst/>
-          </a:prstGeom>
-        </p:spPr>
-      </p:pic>
-    </p:spTree>
-    <p:extLst>
-      <p:ext uri="{BB962C8B-B14F-4D97-AF65-F5344CB8AC3E}">
-        <p14:creationId xmlns:p14="http://schemas.microsoft.com/office/powerpoint/2010/main" val="3757368934"/>
-      </p:ext>
-    </p:extLst>
-  </p:cSld>
-  <p:clrMapOvr>
-    <a:masterClrMapping/>
-  </p:clrMapOvr>
-</p:sld>
-</file>
-
-<file path=ppt/slides/slide13.xml><?xml version="1.0" encoding="utf-8"?>
-<p:sld xmlns:a="http://schemas.openxmlformats.org/drawingml/2006/main" xmlns:r="http://schemas.openxmlformats.org/officeDocument/2006/relationships" xmlns:p="http://schemas.openxmlformats.org/presentationml/2006/main" show="0">
-  <p:cSld>
-    <p:spTree>
-      <p:nvGrpSpPr>
-        <p:cNvPr id="1" name=""/>
-        <p:cNvGrpSpPr/>
-        <p:nvPr/>
-      </p:nvGrpSpPr>
-      <p:grpSpPr>
-        <a:xfrm>
-          <a:off x="0" y="0"/>
-          <a:ext cx="0" cy="0"/>
-          <a:chOff x="0" y="0"/>
-          <a:chExt cx="0" cy="0"/>
-        </a:xfrm>
-      </p:grpSpPr>
-      <p:sp>
-        <p:nvSpPr>
-          <p:cNvPr id="2" name="Title 1">
-            <a:extLst>
-              <a:ext uri="{FF2B5EF4-FFF2-40B4-BE49-F238E27FC236}">
-                <a16:creationId xmlns:a16="http://schemas.microsoft.com/office/drawing/2014/main" id="{8911DB4C-42F8-4978-A33F-2CCEA9D7E25B}"/>
-              </a:ext>
-            </a:extLst>
-          </p:cNvPr>
-          <p:cNvSpPr>
-            <a:spLocks noGrp="1"/>
-          </p:cNvSpPr>
-          <p:nvPr>
-            <p:ph type="title"/>
-          </p:nvPr>
-        </p:nvSpPr>
-        <p:spPr/>
-        <p:txBody>
-          <a:bodyPr/>
-          <a:lstStyle/>
-          <a:p>
-            <a:r>
-              <a:rPr lang="en-US" dirty="0"/>
-              <a:t>Visualization Result – part 2</a:t>
-            </a:r>
-            <a:endParaRPr lang="en-CA" dirty="0"/>
-          </a:p>
-        </p:txBody>
-      </p:sp>
-      <p:sp>
-        <p:nvSpPr>
-          <p:cNvPr id="3" name="Content Placeholder 2">
-            <a:extLst>
-              <a:ext uri="{FF2B5EF4-FFF2-40B4-BE49-F238E27FC236}">
-                <a16:creationId xmlns:a16="http://schemas.microsoft.com/office/drawing/2014/main" id="{1256FDAC-973A-4A0D-87CE-F7C9153D4193}"/>
-              </a:ext>
-            </a:extLst>
-          </p:cNvPr>
-          <p:cNvSpPr>
-            <a:spLocks noGrp="1"/>
-          </p:cNvSpPr>
-          <p:nvPr>
-            <p:ph idx="1"/>
-          </p:nvPr>
-        </p:nvSpPr>
-        <p:spPr/>
-        <p:txBody>
-          <a:bodyPr>
-            <a:normAutofit/>
-          </a:bodyPr>
-          <a:lstStyle/>
-          <a:p>
-            <a:r>
-              <a:rPr lang="en-US" dirty="0"/>
-              <a:t>Dashboard #2</a:t>
-            </a:r>
-          </a:p>
-          <a:p>
-            <a:r>
-              <a:rPr lang="en-US" dirty="0"/>
-              <a:t>Goal:</a:t>
-            </a:r>
-          </a:p>
-          <a:p>
-            <a:pPr>
-              <a:buFont typeface="Wingdings" panose="05000000000000000000" pitchFamily="2" charset="2"/>
-              <a:buChar char="v"/>
-            </a:pPr>
-            <a:r>
-              <a:rPr lang="en-US" dirty="0"/>
-              <a:t>Show viz result of Random Forest, highlighting 6 chosen features</a:t>
-            </a:r>
-          </a:p>
-          <a:p>
-            <a:pPr>
-              <a:buFont typeface="Wingdings" panose="05000000000000000000" pitchFamily="2" charset="2"/>
-              <a:buChar char="v"/>
-            </a:pPr>
-            <a:r>
-              <a:rPr lang="en-US" dirty="0"/>
-              <a:t>Allow user to navigate between different conditions, so they can compare </a:t>
-            </a:r>
-          </a:p>
-          <a:p>
-            <a:pPr>
-              <a:buFont typeface="Wingdings" panose="05000000000000000000" pitchFamily="2" charset="2"/>
-              <a:buChar char="v"/>
-            </a:pPr>
-            <a:r>
-              <a:rPr lang="en-US" dirty="0"/>
-              <a:t>Thought:</a:t>
-            </a:r>
-          </a:p>
-          <a:p>
-            <a:pPr lvl="1">
-              <a:buFont typeface="Wingdings" panose="05000000000000000000" pitchFamily="2" charset="2"/>
-              <a:buChar char="v"/>
-            </a:pPr>
-            <a:r>
-              <a:rPr lang="en-US" dirty="0"/>
-              <a:t>Basically Dashboard4, but we use only data from Random Forest Prediction</a:t>
-            </a:r>
-          </a:p>
-          <a:p>
-            <a:pPr lvl="1">
-              <a:buFont typeface="Wingdings" panose="05000000000000000000" pitchFamily="2" charset="2"/>
-              <a:buChar char="v"/>
-            </a:pPr>
-            <a:r>
-              <a:rPr lang="en-US" dirty="0"/>
-              <a:t>Let’s make sure the middle part is not blank</a:t>
-            </a:r>
-          </a:p>
-        </p:txBody>
-      </p:sp>
-    </p:spTree>
-    <p:extLst>
-      <p:ext uri="{BB962C8B-B14F-4D97-AF65-F5344CB8AC3E}">
-        <p14:creationId xmlns:p14="http://schemas.microsoft.com/office/powerpoint/2010/main" val="419308705"/>
-      </p:ext>
-    </p:extLst>
-  </p:cSld>
-  <p:clrMapOvr>
-    <a:masterClrMapping/>
-  </p:clrMapOvr>
-</p:sld>
-</file>
-
-<file path=ppt/slides/slide2.xml><?xml version="1.0" encoding="utf-8"?>
-<p:sld xmlns:a="http://schemas.openxmlformats.org/drawingml/2006/main" xmlns:r="http://schemas.openxmlformats.org/officeDocument/2006/relationships" xmlns:p="http://schemas.openxmlformats.org/presentationml/2006/main">
-  <p:cSld>
-    <p:spTree>
-      <p:nvGrpSpPr>
-        <p:cNvPr id="1" name=""/>
-        <p:cNvGrpSpPr/>
-        <p:nvPr/>
-      </p:nvGrpSpPr>
-      <p:grpSpPr>
-        <a:xfrm>
-          <a:off x="0" y="0"/>
-          <a:ext cx="0" cy="0"/>
-          <a:chOff x="0" y="0"/>
-          <a:chExt cx="0" cy="0"/>
-        </a:xfrm>
-      </p:grpSpPr>
-      <p:sp>
-        <p:nvSpPr>
-          <p:cNvPr id="2" name="Title 1">
-            <a:extLst>
-              <a:ext uri="{FF2B5EF4-FFF2-40B4-BE49-F238E27FC236}">
-                <a16:creationId xmlns:a16="http://schemas.microsoft.com/office/drawing/2014/main" id="{C77DEFA1-2DB8-452F-8F3B-7FD81B92382B}"/>
-              </a:ext>
-            </a:extLst>
-          </p:cNvPr>
-          <p:cNvSpPr>
-            <a:spLocks noGrp="1"/>
-          </p:cNvSpPr>
-          <p:nvPr>
-            <p:ph type="title"/>
-          </p:nvPr>
-        </p:nvSpPr>
-        <p:spPr/>
-        <p:txBody>
-          <a:bodyPr/>
-          <a:lstStyle/>
-          <a:p>
-            <a:pPr algn="ctr"/>
-            <a:r>
-              <a:rPr lang="en-US" dirty="0"/>
-              <a:t>Clinical Trials are risky and expensive investment</a:t>
-            </a:r>
-            <a:endParaRPr lang="en-CA" dirty="0"/>
-          </a:p>
-        </p:txBody>
-      </p:sp>
-      <p:sp>
-        <p:nvSpPr>
-          <p:cNvPr id="3" name="Content Placeholder 2">
-            <a:extLst>
-              <a:ext uri="{FF2B5EF4-FFF2-40B4-BE49-F238E27FC236}">
-                <a16:creationId xmlns:a16="http://schemas.microsoft.com/office/drawing/2014/main" id="{285DF01F-14CC-4401-A976-126CA6534762}"/>
-              </a:ext>
-            </a:extLst>
-          </p:cNvPr>
-          <p:cNvSpPr>
-            <a:spLocks noGrp="1"/>
-          </p:cNvSpPr>
-          <p:nvPr>
-            <p:ph idx="1"/>
-          </p:nvPr>
-        </p:nvSpPr>
-        <p:spPr>
-          <a:xfrm>
-            <a:off x="753145" y="2741168"/>
-            <a:ext cx="4342965" cy="2032000"/>
-          </a:xfrm>
-        </p:spPr>
-        <p:txBody>
-          <a:bodyPr>
-            <a:normAutofit lnSpcReduction="10000"/>
-          </a:bodyPr>
-          <a:lstStyle/>
-          <a:p>
-            <a:pPr marL="0" indent="0" algn="ctr">
-              <a:buNone/>
-            </a:pPr>
-            <a:r>
-              <a:rPr lang="en-US" sz="9600" dirty="0"/>
-              <a:t>86 %</a:t>
-            </a:r>
-          </a:p>
-          <a:p>
-            <a:pPr algn="ctr"/>
-            <a:r>
-              <a:rPr lang="en-US" sz="2000" b="1" dirty="0"/>
-              <a:t>Overall Failure Rate</a:t>
-            </a:r>
-            <a:r>
-              <a:rPr lang="en-US" sz="2000" dirty="0"/>
-              <a:t> of drugs and vaccine trial</a:t>
-            </a:r>
-            <a:endParaRPr lang="en-CA" sz="2000" dirty="0"/>
-          </a:p>
-        </p:txBody>
-      </p:sp>
-      <p:grpSp>
-        <p:nvGrpSpPr>
-          <p:cNvPr id="16" name="Group 15">
-            <a:extLst>
-              <a:ext uri="{FF2B5EF4-FFF2-40B4-BE49-F238E27FC236}">
-                <a16:creationId xmlns:a16="http://schemas.microsoft.com/office/drawing/2014/main" id="{C124355B-287C-418C-A53C-D2F4C1CD9EF4}"/>
-              </a:ext>
-            </a:extLst>
-          </p:cNvPr>
-          <p:cNvGrpSpPr/>
-          <p:nvPr/>
-        </p:nvGrpSpPr>
-        <p:grpSpPr>
-          <a:xfrm>
-            <a:off x="7695098" y="3405030"/>
-            <a:ext cx="910827" cy="1348840"/>
-            <a:chOff x="7695098" y="3405030"/>
-            <a:chExt cx="910827" cy="1348840"/>
-          </a:xfrm>
-        </p:grpSpPr>
-        <p:sp>
-          <p:nvSpPr>
-            <p:cNvPr id="5" name="Rectangle 4">
-              <a:extLst>
-                <a:ext uri="{FF2B5EF4-FFF2-40B4-BE49-F238E27FC236}">
-                  <a16:creationId xmlns:a16="http://schemas.microsoft.com/office/drawing/2014/main" id="{03357180-A9DB-4F0F-92F9-0FF256DB7C9E}"/>
-                </a:ext>
-              </a:extLst>
-            </p:cNvPr>
-            <p:cNvSpPr/>
-            <p:nvPr/>
-          </p:nvSpPr>
-          <p:spPr>
-            <a:xfrm>
-              <a:off x="7879226" y="4024527"/>
-              <a:ext cx="478972" cy="729343"/>
-            </a:xfrm>
-            <a:prstGeom prst="rect">
-              <a:avLst/>
-            </a:prstGeom>
-          </p:spPr>
-          <p:style>
-            <a:lnRef idx="2">
-              <a:schemeClr val="accent1">
-                <a:shade val="50000"/>
-              </a:schemeClr>
-            </a:lnRef>
-            <a:fillRef idx="1">
-              <a:schemeClr val="accent1"/>
-            </a:fillRef>
-            <a:effectRef idx="0">
-              <a:schemeClr val="accent1"/>
-            </a:effectRef>
-            <a:fontRef idx="minor">
-              <a:schemeClr val="lt1"/>
-            </a:fontRef>
-          </p:style>
-          <p:txBody>
-            <a:bodyPr rtlCol="0" anchor="ctr"/>
-            <a:lstStyle/>
-            <a:p>
-              <a:pPr algn="ctr"/>
-              <a:endParaRPr lang="en-CA"/>
-            </a:p>
-          </p:txBody>
-        </p:sp>
-        <p:sp>
-          <p:nvSpPr>
-            <p:cNvPr id="8" name="TextBox 7">
-              <a:extLst>
-                <a:ext uri="{FF2B5EF4-FFF2-40B4-BE49-F238E27FC236}">
-                  <a16:creationId xmlns:a16="http://schemas.microsoft.com/office/drawing/2014/main" id="{3E21EC54-7DE5-4BED-9CAD-FC3C68B12805}"/>
-                </a:ext>
-              </a:extLst>
-            </p:cNvPr>
-            <p:cNvSpPr txBox="1"/>
-            <p:nvPr/>
-          </p:nvSpPr>
-          <p:spPr>
-            <a:xfrm>
-              <a:off x="7695098" y="3405030"/>
-              <a:ext cx="910827" cy="646331"/>
-            </a:xfrm>
-            <a:prstGeom prst="rect">
-              <a:avLst/>
-            </a:prstGeom>
-            <a:noFill/>
-          </p:spPr>
-          <p:txBody>
-            <a:bodyPr wrap="none" rtlCol="0">
-              <a:spAutoFit/>
-            </a:bodyPr>
-            <a:lstStyle/>
-            <a:p>
-              <a:r>
-                <a:rPr lang="en-US" dirty="0"/>
-                <a:t>Phase 1</a:t>
-              </a:r>
-            </a:p>
-            <a:p>
-              <a:r>
-                <a:rPr lang="en-US" dirty="0"/>
-                <a:t>$4M</a:t>
-              </a:r>
-              <a:endParaRPr lang="en-CA" dirty="0"/>
-            </a:p>
-          </p:txBody>
-        </p:sp>
-      </p:grpSp>
-      <p:grpSp>
-        <p:nvGrpSpPr>
-          <p:cNvPr id="17" name="Group 16">
-            <a:extLst>
-              <a:ext uri="{FF2B5EF4-FFF2-40B4-BE49-F238E27FC236}">
-                <a16:creationId xmlns:a16="http://schemas.microsoft.com/office/drawing/2014/main" id="{C56BE360-0A08-4F88-BAC6-7E326AAA61EC}"/>
-              </a:ext>
-            </a:extLst>
-          </p:cNvPr>
-          <p:cNvGrpSpPr/>
-          <p:nvPr/>
-        </p:nvGrpSpPr>
-        <p:grpSpPr>
-          <a:xfrm>
-            <a:off x="8716569" y="2542464"/>
-            <a:ext cx="910827" cy="2211407"/>
-            <a:chOff x="8716569" y="2542464"/>
-            <a:chExt cx="910827" cy="2211407"/>
-          </a:xfrm>
-        </p:grpSpPr>
-        <p:sp>
-          <p:nvSpPr>
-            <p:cNvPr id="6" name="Rectangle 5">
-              <a:extLst>
-                <a:ext uri="{FF2B5EF4-FFF2-40B4-BE49-F238E27FC236}">
-                  <a16:creationId xmlns:a16="http://schemas.microsoft.com/office/drawing/2014/main" id="{779D7E1F-0DC9-475E-B221-6371E87F79D7}"/>
-                </a:ext>
-              </a:extLst>
-            </p:cNvPr>
-            <p:cNvSpPr/>
-            <p:nvPr/>
-          </p:nvSpPr>
-          <p:spPr>
-            <a:xfrm>
-              <a:off x="8786369" y="3254255"/>
-              <a:ext cx="478972" cy="1499616"/>
-            </a:xfrm>
-            <a:prstGeom prst="rect">
-              <a:avLst/>
-            </a:prstGeom>
-          </p:spPr>
-          <p:style>
-            <a:lnRef idx="2">
-              <a:schemeClr val="accent1">
-                <a:shade val="50000"/>
-              </a:schemeClr>
-            </a:lnRef>
-            <a:fillRef idx="1">
-              <a:schemeClr val="accent1"/>
-            </a:fillRef>
-            <a:effectRef idx="0">
-              <a:schemeClr val="accent1"/>
-            </a:effectRef>
-            <a:fontRef idx="minor">
-              <a:schemeClr val="lt1"/>
-            </a:fontRef>
-          </p:style>
-          <p:txBody>
-            <a:bodyPr rtlCol="0" anchor="ctr"/>
-            <a:lstStyle/>
-            <a:p>
-              <a:pPr algn="ctr"/>
-              <a:endParaRPr lang="en-CA"/>
-            </a:p>
-          </p:txBody>
-        </p:sp>
-        <p:sp>
-          <p:nvSpPr>
-            <p:cNvPr id="10" name="TextBox 9">
-              <a:extLst>
-                <a:ext uri="{FF2B5EF4-FFF2-40B4-BE49-F238E27FC236}">
-                  <a16:creationId xmlns:a16="http://schemas.microsoft.com/office/drawing/2014/main" id="{6DC78A58-88EA-4724-ADC2-284468E2AB29}"/>
-                </a:ext>
-              </a:extLst>
-            </p:cNvPr>
-            <p:cNvSpPr txBox="1"/>
-            <p:nvPr/>
-          </p:nvSpPr>
-          <p:spPr>
-            <a:xfrm>
-              <a:off x="8716569" y="2542464"/>
-              <a:ext cx="910827" cy="646331"/>
-            </a:xfrm>
-            <a:prstGeom prst="rect">
-              <a:avLst/>
-            </a:prstGeom>
-            <a:noFill/>
-          </p:spPr>
-          <p:txBody>
-            <a:bodyPr wrap="none" rtlCol="0">
-              <a:spAutoFit/>
-            </a:bodyPr>
-            <a:lstStyle/>
-            <a:p>
-              <a:r>
-                <a:rPr lang="en-US" dirty="0"/>
-                <a:t>Phase 2</a:t>
-              </a:r>
-            </a:p>
-            <a:p>
-              <a:r>
-                <a:rPr lang="en-US" dirty="0"/>
-                <a:t>$4M</a:t>
-              </a:r>
-              <a:endParaRPr lang="en-CA" dirty="0"/>
-            </a:p>
-          </p:txBody>
-        </p:sp>
-      </p:grpSp>
-      <p:grpSp>
-        <p:nvGrpSpPr>
-          <p:cNvPr id="18" name="Group 17">
-            <a:extLst>
-              <a:ext uri="{FF2B5EF4-FFF2-40B4-BE49-F238E27FC236}">
-                <a16:creationId xmlns:a16="http://schemas.microsoft.com/office/drawing/2014/main" id="{2C27AE77-E823-44C1-ADA4-40AA50F28AB1}"/>
-              </a:ext>
-            </a:extLst>
-          </p:cNvPr>
-          <p:cNvGrpSpPr/>
-          <p:nvPr/>
-        </p:nvGrpSpPr>
-        <p:grpSpPr>
-          <a:xfrm>
-            <a:off x="9726169" y="1980834"/>
-            <a:ext cx="1439672" cy="2752572"/>
-            <a:chOff x="9726169" y="1980834"/>
-            <a:chExt cx="1439672" cy="2752572"/>
-          </a:xfrm>
-        </p:grpSpPr>
-        <p:sp>
-          <p:nvSpPr>
-            <p:cNvPr id="7" name="Rectangle 6">
-              <a:extLst>
-                <a:ext uri="{FF2B5EF4-FFF2-40B4-BE49-F238E27FC236}">
-                  <a16:creationId xmlns:a16="http://schemas.microsoft.com/office/drawing/2014/main" id="{3F5AFBE1-D7F7-44D4-9B24-23F8C973F3B7}"/>
-                </a:ext>
-              </a:extLst>
-            </p:cNvPr>
-            <p:cNvSpPr/>
-            <p:nvPr/>
-          </p:nvSpPr>
-          <p:spPr>
-            <a:xfrm>
-              <a:off x="9726169" y="2065534"/>
-              <a:ext cx="478972" cy="2667872"/>
-            </a:xfrm>
-            <a:prstGeom prst="rect">
-              <a:avLst/>
-            </a:prstGeom>
-          </p:spPr>
-          <p:style>
-            <a:lnRef idx="2">
-              <a:schemeClr val="accent1">
-                <a:shade val="50000"/>
-              </a:schemeClr>
-            </a:lnRef>
-            <a:fillRef idx="1">
-              <a:schemeClr val="accent1"/>
-            </a:fillRef>
-            <a:effectRef idx="0">
-              <a:schemeClr val="accent1"/>
-            </a:effectRef>
-            <a:fontRef idx="minor">
-              <a:schemeClr val="lt1"/>
-            </a:fontRef>
-          </p:style>
-          <p:txBody>
-            <a:bodyPr rtlCol="0" anchor="ctr"/>
-            <a:lstStyle/>
-            <a:p>
-              <a:pPr algn="ctr"/>
-              <a:endParaRPr lang="en-CA"/>
-            </a:p>
-          </p:txBody>
-        </p:sp>
-        <p:sp>
-          <p:nvSpPr>
-            <p:cNvPr id="11" name="TextBox 10">
-              <a:extLst>
-                <a:ext uri="{FF2B5EF4-FFF2-40B4-BE49-F238E27FC236}">
-                  <a16:creationId xmlns:a16="http://schemas.microsoft.com/office/drawing/2014/main" id="{9E285ED7-CD31-4B31-92A2-AA2928F52D16}"/>
-                </a:ext>
-              </a:extLst>
-            </p:cNvPr>
-            <p:cNvSpPr txBox="1"/>
-            <p:nvPr/>
-          </p:nvSpPr>
-          <p:spPr>
-            <a:xfrm>
-              <a:off x="10255014" y="1980834"/>
-              <a:ext cx="910827" cy="646331"/>
-            </a:xfrm>
-            <a:prstGeom prst="rect">
-              <a:avLst/>
-            </a:prstGeom>
-            <a:noFill/>
-          </p:spPr>
-          <p:txBody>
-            <a:bodyPr wrap="none" rtlCol="0">
-              <a:spAutoFit/>
-            </a:bodyPr>
-            <a:lstStyle/>
-            <a:p>
-              <a:r>
-                <a:rPr lang="en-US" dirty="0"/>
-                <a:t>Phase 3</a:t>
-              </a:r>
-            </a:p>
-            <a:p>
-              <a:r>
-                <a:rPr lang="en-US" dirty="0"/>
-                <a:t>$20M</a:t>
-              </a:r>
-              <a:endParaRPr lang="en-CA" dirty="0"/>
-            </a:p>
-          </p:txBody>
-        </p:sp>
-      </p:grpSp>
-      <p:sp>
-        <p:nvSpPr>
-          <p:cNvPr id="13" name="TextBox 12">
-            <a:extLst>
-              <a:ext uri="{FF2B5EF4-FFF2-40B4-BE49-F238E27FC236}">
-                <a16:creationId xmlns:a16="http://schemas.microsoft.com/office/drawing/2014/main" id="{92480AF6-0ED8-49A1-A46C-5589E7C59274}"/>
-              </a:ext>
-            </a:extLst>
-          </p:cNvPr>
-          <p:cNvSpPr txBox="1"/>
-          <p:nvPr/>
-        </p:nvSpPr>
-        <p:spPr>
-          <a:xfrm>
-            <a:off x="7357696" y="4887170"/>
-            <a:ext cx="4081159" cy="646331"/>
-          </a:xfrm>
-          <a:prstGeom prst="rect">
-            <a:avLst/>
-          </a:prstGeom>
-          <a:noFill/>
-        </p:spPr>
-        <p:txBody>
-          <a:bodyPr wrap="square">
-            <a:spAutoFit/>
-          </a:bodyPr>
-          <a:lstStyle/>
-          <a:p>
-            <a:pPr algn="ctr"/>
-            <a:r>
-              <a:rPr lang="en-US" sz="1800" b="1" dirty="0"/>
-              <a:t>Clinical Trial Cost </a:t>
-            </a:r>
-            <a:r>
-              <a:rPr lang="en-US" sz="1800" dirty="0"/>
-              <a:t>of drugs and vaccine trial</a:t>
-            </a:r>
-            <a:endParaRPr lang="en-CA" sz="1800" dirty="0"/>
-          </a:p>
-        </p:txBody>
-      </p:sp>
-    </p:spTree>
-    <p:extLst>
-      <p:ext uri="{BB962C8B-B14F-4D97-AF65-F5344CB8AC3E}">
-        <p14:creationId xmlns:p14="http://schemas.microsoft.com/office/powerpoint/2010/main" val="3354031210"/>
-      </p:ext>
-    </p:extLst>
-  </p:cSld>
-  <p:clrMapOvr>
-    <a:masterClrMapping/>
-  </p:clrMapOvr>
-  <p:timing>
-    <p:tnLst>
-      <p:par>
-        <p:cTn id="1" dur="indefinite" restart="never" nodeType="tmRoot">
-          <p:childTnLst>
-            <p:seq concurrent="1" nextAc="seek">
-              <p:cTn id="2" dur="indefinite" nodeType="mainSeq">
-                <p:childTnLst>
-                  <p:par>
-                    <p:cTn id="3" fill="hold">
-                      <p:stCondLst>
-                        <p:cond delay="indefinite"/>
-                        <p:cond evt="onBegin" delay="0">
-                          <p:tn val="2"/>
-                        </p:cond>
-                      </p:stCondLst>
-                      <p:childTnLst>
-                        <p:par>
-                          <p:cTn id="4" fill="hold">
-                            <p:stCondLst>
-                              <p:cond delay="0"/>
-                            </p:stCondLst>
-                            <p:childTnLst>
-                              <p:par>
-                                <p:cTn id="5" presetID="10" presetClass="entr" presetSubtype="0" fill="hold" grpId="0" nodeType="afterEffect">
-                                  <p:stCondLst>
-                                    <p:cond delay="0"/>
-                                  </p:stCondLst>
-                                  <p:childTnLst>
-                                    <p:set>
-                                      <p:cBhvr>
-                                        <p:cTn id="6" dur="1" fill="hold">
-                                          <p:stCondLst>
-                                            <p:cond delay="0"/>
-                                          </p:stCondLst>
-                                        </p:cTn>
-                                        <p:tgtEl>
-                                          <p:spTgt spid="3">
-                                            <p:txEl>
-                                              <p:pRg st="0" end="0"/>
-                                            </p:txEl>
-                                          </p:spTgt>
-                                        </p:tgtEl>
-                                        <p:attrNameLst>
-                                          <p:attrName>style.visibility</p:attrName>
-                                        </p:attrNameLst>
-                                      </p:cBhvr>
-                                      <p:to>
-                                        <p:strVal val="visible"/>
-                                      </p:to>
-                                    </p:set>
-                                    <p:animEffect transition="in" filter="fade">
-                                      <p:cBhvr>
-                                        <p:cTn id="7" dur="500"/>
-                                        <p:tgtEl>
-                                          <p:spTgt spid="3">
-                                            <p:txEl>
-                                              <p:pRg st="0" end="0"/>
-                                            </p:txEl>
-                                          </p:spTgt>
-                                        </p:tgtEl>
-                                      </p:cBhvr>
-                                    </p:animEffect>
-                                  </p:childTnLst>
-                                </p:cTn>
-                              </p:par>
-                            </p:childTnLst>
-                          </p:cTn>
-                        </p:par>
-                        <p:par>
-                          <p:cTn id="8" fill="hold">
-                            <p:stCondLst>
-                              <p:cond delay="500"/>
-                            </p:stCondLst>
-                            <p:childTnLst>
-                              <p:par>
-                                <p:cTn id="9" presetID="10" presetClass="entr" presetSubtype="0" fill="hold" grpId="0" nodeType="afterEffect">
-                                  <p:stCondLst>
-                                    <p:cond delay="0"/>
-                                  </p:stCondLst>
-                                  <p:childTnLst>
-                                    <p:set>
-                                      <p:cBhvr>
-                                        <p:cTn id="10" dur="1" fill="hold">
-                                          <p:stCondLst>
-                                            <p:cond delay="0"/>
-                                          </p:stCondLst>
-                                        </p:cTn>
-                                        <p:tgtEl>
-                                          <p:spTgt spid="3">
-                                            <p:txEl>
-                                              <p:pRg st="1" end="1"/>
-                                            </p:txEl>
-                                          </p:spTgt>
-                                        </p:tgtEl>
-                                        <p:attrNameLst>
-                                          <p:attrName>style.visibility</p:attrName>
-                                        </p:attrNameLst>
-                                      </p:cBhvr>
-                                      <p:to>
-                                        <p:strVal val="visible"/>
-                                      </p:to>
-                                    </p:set>
-                                    <p:animEffect transition="in" filter="fade">
-                                      <p:cBhvr>
-                                        <p:cTn id="11" dur="500"/>
-                                        <p:tgtEl>
-                                          <p:spTgt spid="3">
-                                            <p:txEl>
-                                              <p:pRg st="1" end="1"/>
-                                            </p:txEl>
-                                          </p:spTgt>
-                                        </p:tgtEl>
-                                      </p:cBhvr>
-                                    </p:animEffect>
-                                  </p:childTnLst>
-                                </p:cTn>
-                              </p:par>
-                            </p:childTnLst>
-                          </p:cTn>
-                        </p:par>
-                        <p:par>
-                          <p:cTn id="12" fill="hold">
-                            <p:stCondLst>
-                              <p:cond delay="1000"/>
-                            </p:stCondLst>
-                            <p:childTnLst>
-                              <p:par>
-                                <p:cTn id="13" presetID="42" presetClass="entr" presetSubtype="0" fill="hold" nodeType="afterEffect">
-                                  <p:stCondLst>
-                                    <p:cond delay="0"/>
-                                  </p:stCondLst>
-                                  <p:childTnLst>
-                                    <p:set>
-                                      <p:cBhvr>
-                                        <p:cTn id="14" dur="1" fill="hold">
-                                          <p:stCondLst>
-                                            <p:cond delay="0"/>
-                                          </p:stCondLst>
-                                        </p:cTn>
-                                        <p:tgtEl>
-                                          <p:spTgt spid="16"/>
-                                        </p:tgtEl>
-                                        <p:attrNameLst>
-                                          <p:attrName>style.visibility</p:attrName>
-                                        </p:attrNameLst>
-                                      </p:cBhvr>
-                                      <p:to>
-                                        <p:strVal val="visible"/>
-                                      </p:to>
-                                    </p:set>
-                                    <p:animEffect transition="in" filter="fade">
-                                      <p:cBhvr>
-                                        <p:cTn id="15" dur="500"/>
-                                        <p:tgtEl>
-                                          <p:spTgt spid="16"/>
-                                        </p:tgtEl>
-                                      </p:cBhvr>
-                                    </p:animEffect>
-                                    <p:anim calcmode="lin" valueType="num">
-                                      <p:cBhvr>
-                                        <p:cTn id="16" dur="500" fill="hold"/>
-                                        <p:tgtEl>
-                                          <p:spTgt spid="16"/>
-                                        </p:tgtEl>
-                                        <p:attrNameLst>
-                                          <p:attrName>ppt_x</p:attrName>
-                                        </p:attrNameLst>
-                                      </p:cBhvr>
-                                      <p:tavLst>
-                                        <p:tav tm="0">
-                                          <p:val>
-                                            <p:strVal val="#ppt_x"/>
-                                          </p:val>
-                                        </p:tav>
-                                        <p:tav tm="100000">
-                                          <p:val>
-                                            <p:strVal val="#ppt_x"/>
-                                          </p:val>
-                                        </p:tav>
-                                      </p:tavLst>
-                                    </p:anim>
-                                    <p:anim calcmode="lin" valueType="num">
-                                      <p:cBhvr>
-                                        <p:cTn id="17" dur="500" fill="hold"/>
-                                        <p:tgtEl>
-                                          <p:spTgt spid="16"/>
-                                        </p:tgtEl>
-                                        <p:attrNameLst>
-                                          <p:attrName>ppt_y</p:attrName>
-                                        </p:attrNameLst>
-                                      </p:cBhvr>
-                                      <p:tavLst>
-                                        <p:tav tm="0">
-                                          <p:val>
-                                            <p:strVal val="#ppt_y+.1"/>
-                                          </p:val>
-                                        </p:tav>
-                                        <p:tav tm="100000">
-                                          <p:val>
-                                            <p:strVal val="#ppt_y"/>
-                                          </p:val>
-                                        </p:tav>
-                                      </p:tavLst>
-                                    </p:anim>
-                                  </p:childTnLst>
-                                </p:cTn>
-                              </p:par>
-                            </p:childTnLst>
-                          </p:cTn>
-                        </p:par>
-                        <p:par>
-                          <p:cTn id="18" fill="hold">
-                            <p:stCondLst>
-                              <p:cond delay="1500"/>
-                            </p:stCondLst>
-                            <p:childTnLst>
-                              <p:par>
-                                <p:cTn id="19" presetID="42" presetClass="entr" presetSubtype="0" fill="hold" nodeType="afterEffect">
-                                  <p:stCondLst>
-                                    <p:cond delay="0"/>
-                                  </p:stCondLst>
-                                  <p:childTnLst>
-                                    <p:set>
-                                      <p:cBhvr>
-                                        <p:cTn id="20" dur="1" fill="hold">
-                                          <p:stCondLst>
-                                            <p:cond delay="0"/>
-                                          </p:stCondLst>
-                                        </p:cTn>
-                                        <p:tgtEl>
-                                          <p:spTgt spid="17"/>
-                                        </p:tgtEl>
-                                        <p:attrNameLst>
-                                          <p:attrName>style.visibility</p:attrName>
-                                        </p:attrNameLst>
-                                      </p:cBhvr>
-                                      <p:to>
-                                        <p:strVal val="visible"/>
-                                      </p:to>
-                                    </p:set>
-                                    <p:animEffect transition="in" filter="fade">
-                                      <p:cBhvr>
-                                        <p:cTn id="21" dur="500"/>
-                                        <p:tgtEl>
-                                          <p:spTgt spid="17"/>
-                                        </p:tgtEl>
-                                      </p:cBhvr>
-                                    </p:animEffect>
-                                    <p:anim calcmode="lin" valueType="num">
-                                      <p:cBhvr>
-                                        <p:cTn id="22" dur="500" fill="hold"/>
-                                        <p:tgtEl>
-                                          <p:spTgt spid="17"/>
-                                        </p:tgtEl>
-                                        <p:attrNameLst>
-                                          <p:attrName>ppt_x</p:attrName>
-                                        </p:attrNameLst>
-                                      </p:cBhvr>
-                                      <p:tavLst>
-                                        <p:tav tm="0">
-                                          <p:val>
-                                            <p:strVal val="#ppt_x"/>
-                                          </p:val>
-                                        </p:tav>
-                                        <p:tav tm="100000">
-                                          <p:val>
-                                            <p:strVal val="#ppt_x"/>
-                                          </p:val>
-                                        </p:tav>
-                                      </p:tavLst>
-                                    </p:anim>
-                                    <p:anim calcmode="lin" valueType="num">
-                                      <p:cBhvr>
-                                        <p:cTn id="23" dur="500" fill="hold"/>
-                                        <p:tgtEl>
-                                          <p:spTgt spid="17"/>
-                                        </p:tgtEl>
-                                        <p:attrNameLst>
-                                          <p:attrName>ppt_y</p:attrName>
-                                        </p:attrNameLst>
-                                      </p:cBhvr>
-                                      <p:tavLst>
-                                        <p:tav tm="0">
-                                          <p:val>
-                                            <p:strVal val="#ppt_y+.1"/>
-                                          </p:val>
-                                        </p:tav>
-                                        <p:tav tm="100000">
-                                          <p:val>
-                                            <p:strVal val="#ppt_y"/>
-                                          </p:val>
-                                        </p:tav>
-                                      </p:tavLst>
-                                    </p:anim>
-                                  </p:childTnLst>
-                                </p:cTn>
-                              </p:par>
-                            </p:childTnLst>
-                          </p:cTn>
-                        </p:par>
-                        <p:par>
-                          <p:cTn id="24" fill="hold">
-                            <p:stCondLst>
-                              <p:cond delay="2000"/>
-                            </p:stCondLst>
-                            <p:childTnLst>
-                              <p:par>
-                                <p:cTn id="25" presetID="42" presetClass="entr" presetSubtype="0" fill="hold" nodeType="afterEffect">
-                                  <p:stCondLst>
-                                    <p:cond delay="0"/>
-                                  </p:stCondLst>
-                                  <p:childTnLst>
-                                    <p:set>
-                                      <p:cBhvr>
-                                        <p:cTn id="26" dur="1" fill="hold">
-                                          <p:stCondLst>
-                                            <p:cond delay="0"/>
-                                          </p:stCondLst>
-                                        </p:cTn>
-                                        <p:tgtEl>
-                                          <p:spTgt spid="18"/>
-                                        </p:tgtEl>
-                                        <p:attrNameLst>
-                                          <p:attrName>style.visibility</p:attrName>
-                                        </p:attrNameLst>
-                                      </p:cBhvr>
-                                      <p:to>
-                                        <p:strVal val="visible"/>
-                                      </p:to>
-                                    </p:set>
-                                    <p:animEffect transition="in" filter="fade">
-                                      <p:cBhvr>
-                                        <p:cTn id="27" dur="500"/>
-                                        <p:tgtEl>
-                                          <p:spTgt spid="18"/>
-                                        </p:tgtEl>
-                                      </p:cBhvr>
-                                    </p:animEffect>
-                                    <p:anim calcmode="lin" valueType="num">
-                                      <p:cBhvr>
-                                        <p:cTn id="28" dur="500" fill="hold"/>
-                                        <p:tgtEl>
-                                          <p:spTgt spid="18"/>
-                                        </p:tgtEl>
-                                        <p:attrNameLst>
-                                          <p:attrName>ppt_x</p:attrName>
-                                        </p:attrNameLst>
-                                      </p:cBhvr>
-                                      <p:tavLst>
-                                        <p:tav tm="0">
-                                          <p:val>
-                                            <p:strVal val="#ppt_x"/>
-                                          </p:val>
-                                        </p:tav>
-                                        <p:tav tm="100000">
-                                          <p:val>
-                                            <p:strVal val="#ppt_x"/>
-                                          </p:val>
-                                        </p:tav>
-                                      </p:tavLst>
-                                    </p:anim>
-                                    <p:anim calcmode="lin" valueType="num">
-                                      <p:cBhvr>
-                                        <p:cTn id="29" dur="500" fill="hold"/>
-                                        <p:tgtEl>
-                                          <p:spTgt spid="18"/>
-                                        </p:tgtEl>
-                                        <p:attrNameLst>
-                                          <p:attrName>ppt_y</p:attrName>
-                                        </p:attrNameLst>
-                                      </p:cBhvr>
-                                      <p:tavLst>
-                                        <p:tav tm="0">
-                                          <p:val>
-                                            <p:strVal val="#ppt_y+.1"/>
-                                          </p:val>
-                                        </p:tav>
-                                        <p:tav tm="100000">
-                                          <p:val>
-                                            <p:strVal val="#ppt_y"/>
-                                          </p:val>
-                                        </p:tav>
-                                      </p:tavLst>
-                                    </p:anim>
-                                  </p:childTnLst>
-                                </p:cTn>
-                              </p:par>
-                            </p:childTnLst>
-                          </p:cTn>
-                        </p:par>
-                        <p:par>
-                          <p:cTn id="30" fill="hold">
-                            <p:stCondLst>
-                              <p:cond delay="2500"/>
-                            </p:stCondLst>
-                            <p:childTnLst>
-                              <p:par>
-                                <p:cTn id="31" presetID="42" presetClass="entr" presetSubtype="0" fill="hold" grpId="0" nodeType="afterEffect">
-                                  <p:stCondLst>
-                                    <p:cond delay="0"/>
-                                  </p:stCondLst>
-                                  <p:childTnLst>
-                                    <p:set>
-                                      <p:cBhvr>
-                                        <p:cTn id="32" dur="1" fill="hold">
-                                          <p:stCondLst>
-                                            <p:cond delay="0"/>
-                                          </p:stCondLst>
-                                        </p:cTn>
-                                        <p:tgtEl>
-                                          <p:spTgt spid="13"/>
-                                        </p:tgtEl>
-                                        <p:attrNameLst>
-                                          <p:attrName>style.visibility</p:attrName>
-                                        </p:attrNameLst>
-                                      </p:cBhvr>
-                                      <p:to>
-                                        <p:strVal val="visible"/>
-                                      </p:to>
-                                    </p:set>
-                                    <p:animEffect transition="in" filter="fade">
-                                      <p:cBhvr>
-                                        <p:cTn id="33" dur="500"/>
-                                        <p:tgtEl>
-                                          <p:spTgt spid="13"/>
-                                        </p:tgtEl>
-                                      </p:cBhvr>
-                                    </p:animEffect>
-                                    <p:anim calcmode="lin" valueType="num">
-                                      <p:cBhvr>
-                                        <p:cTn id="34" dur="500" fill="hold"/>
-                                        <p:tgtEl>
-                                          <p:spTgt spid="13"/>
-                                        </p:tgtEl>
-                                        <p:attrNameLst>
-                                          <p:attrName>ppt_x</p:attrName>
-                                        </p:attrNameLst>
-                                      </p:cBhvr>
-                                      <p:tavLst>
-                                        <p:tav tm="0">
-                                          <p:val>
-                                            <p:strVal val="#ppt_x"/>
-                                          </p:val>
-                                        </p:tav>
-                                        <p:tav tm="100000">
-                                          <p:val>
-                                            <p:strVal val="#ppt_x"/>
-                                          </p:val>
-                                        </p:tav>
-                                      </p:tavLst>
-                                    </p:anim>
-                                    <p:anim calcmode="lin" valueType="num">
-                                      <p:cBhvr>
-                                        <p:cTn id="35" dur="500" fill="hold"/>
-                                        <p:tgtEl>
-                                          <p:spTgt spid="13"/>
-                                        </p:tgtEl>
-                                        <p:attrNameLst>
-                                          <p:attrName>ppt_y</p:attrName>
-                                        </p:attrNameLst>
-                                      </p:cBhvr>
-                                      <p:tavLst>
-                                        <p:tav tm="0">
-                                          <p:val>
-                                            <p:strVal val="#ppt_y+.1"/>
-                                          </p:val>
-                                        </p:tav>
-                                        <p:tav tm="100000">
-                                          <p:val>
-                                            <p:strVal val="#ppt_y"/>
-                                          </p:val>
-                                        </p:tav>
-                                      </p:tavLst>
-                                    </p:anim>
-                                  </p:childTnLst>
-                                </p:cTn>
-                              </p:par>
-                            </p:childTnLst>
-                          </p:cTn>
-                        </p:par>
-                      </p:childTnLst>
-                    </p:cTn>
-                  </p:par>
-                </p:childTnLst>
-              </p:cTn>
-              <p:prevCondLst>
-                <p:cond evt="onPrev" delay="0">
-                  <p:tgtEl>
-                    <p:sldTgt/>
-                  </p:tgtEl>
-                </p:cond>
-              </p:prevCondLst>
-              <p:nextCondLst>
-                <p:cond evt="onNext" delay="0">
-                  <p:tgtEl>
-                    <p:sldTgt/>
-                  </p:tgtEl>
-                </p:cond>
-              </p:nextCondLst>
-            </p:seq>
-          </p:childTnLst>
-        </p:cTn>
-      </p:par>
-    </p:tnLst>
-    <p:bldLst>
-      <p:bldP spid="3" grpId="0" build="p"/>
-      <p:bldP spid="13" grpId="0"/>
-    </p:bldLst>
-  </p:timing>
-</p:sld>
-</file>
-
-<file path=ppt/slides/slide3.xml><?xml version="1.0" encoding="utf-8"?>
-<p:sld xmlns:a="http://schemas.openxmlformats.org/drawingml/2006/main" xmlns:r="http://schemas.openxmlformats.org/officeDocument/2006/relationships" xmlns:p="http://schemas.openxmlformats.org/presentationml/2006/main">
-  <p:cSld>
-    <p:spTree>
-      <p:nvGrpSpPr>
-        <p:cNvPr id="1" name=""/>
-        <p:cNvGrpSpPr/>
-        <p:nvPr/>
-      </p:nvGrpSpPr>
-      <p:grpSpPr>
-        <a:xfrm>
-          <a:off x="0" y="0"/>
-          <a:ext cx="0" cy="0"/>
-          <a:chOff x="0" y="0"/>
-          <a:chExt cx="0" cy="0"/>
-        </a:xfrm>
-      </p:grpSpPr>
-      <p:sp>
-        <p:nvSpPr>
-          <p:cNvPr id="2" name="Title 1">
-            <a:extLst>
-              <a:ext uri="{FF2B5EF4-FFF2-40B4-BE49-F238E27FC236}">
-                <a16:creationId xmlns:a16="http://schemas.microsoft.com/office/drawing/2014/main" id="{5B757BFD-56E9-446D-9720-B1AFDD51FE27}"/>
-              </a:ext>
-            </a:extLst>
-          </p:cNvPr>
-          <p:cNvSpPr>
-            <a:spLocks noGrp="1"/>
-          </p:cNvSpPr>
-          <p:nvPr>
-            <p:ph type="title"/>
-          </p:nvPr>
-        </p:nvSpPr>
-        <p:spPr/>
-        <p:txBody>
-          <a:bodyPr/>
-          <a:lstStyle/>
-          <a:p>
-            <a:pPr algn="ctr"/>
-            <a:r>
-              <a:rPr lang="en-US" dirty="0"/>
-              <a:t>But what if we…</a:t>
-            </a:r>
-            <a:endParaRPr lang="en-CA" dirty="0"/>
-          </a:p>
-        </p:txBody>
-      </p:sp>
-      <p:sp>
-        <p:nvSpPr>
-          <p:cNvPr id="3" name="Content Placeholder 2">
-            <a:extLst>
-              <a:ext uri="{FF2B5EF4-FFF2-40B4-BE49-F238E27FC236}">
-                <a16:creationId xmlns:a16="http://schemas.microsoft.com/office/drawing/2014/main" id="{22AF6E02-7F66-4738-A834-F677331657B8}"/>
-              </a:ext>
-            </a:extLst>
-          </p:cNvPr>
-          <p:cNvSpPr>
-            <a:spLocks noGrp="1"/>
-          </p:cNvSpPr>
-          <p:nvPr>
-            <p:ph idx="1"/>
-          </p:nvPr>
-        </p:nvSpPr>
-        <p:spPr/>
-        <p:txBody>
-          <a:bodyPr>
-            <a:normAutofit/>
-          </a:bodyPr>
-          <a:lstStyle/>
-          <a:p>
-            <a:pPr marL="0" indent="0" algn="ctr">
-              <a:buNone/>
-            </a:pPr>
-            <a:r>
-              <a:rPr lang="en-US" sz="3200" dirty="0"/>
-              <a:t>…can predict which trial more likely to succeed?</a:t>
-            </a:r>
-          </a:p>
-          <a:p>
-            <a:pPr marL="0" indent="0" algn="ctr">
-              <a:buNone/>
-            </a:pPr>
-            <a:r>
-              <a:rPr lang="en-US" sz="3200" dirty="0"/>
-              <a:t>… can find factors affecting that clinical trial success rate?</a:t>
-            </a:r>
-          </a:p>
-          <a:p>
-            <a:pPr marL="0" indent="0" algn="ctr">
-              <a:buNone/>
-            </a:pPr>
-            <a:endParaRPr lang="en-CA" sz="3200" dirty="0"/>
-          </a:p>
-        </p:txBody>
-      </p:sp>
-      <p:pic>
-        <p:nvPicPr>
-          <p:cNvPr id="2054" name="Picture 6" descr="Amazon.com: Amlong Crystal 3 inch (80mm) Clear Crystal Ball with Redwood  Lion Resin Stand and Gift Box for Decorative Ball, Lensball Photography,  Gazing Divination or Feng Shui, and Fortune Telling Ball: Home">
-            <a:extLst>
-              <a:ext uri="{FF2B5EF4-FFF2-40B4-BE49-F238E27FC236}">
-                <a16:creationId xmlns:a16="http://schemas.microsoft.com/office/drawing/2014/main" id="{BE1A7FEA-BFF4-495D-B076-5726F2FEACC2}"/>
-              </a:ext>
-            </a:extLst>
-          </p:cNvPr>
-          <p:cNvPicPr>
-            <a:picLocks noChangeAspect="1" noChangeArrowheads="1"/>
-          </p:cNvPicPr>
-          <p:nvPr/>
-        </p:nvPicPr>
-        <p:blipFill>
-          <a:blip r:embed="rId2">
-            <a:extLst>
-              <a:ext uri="{28A0092B-C50C-407E-A947-70E740481C1C}">
-                <a14:useLocalDpi xmlns:a14="http://schemas.microsoft.com/office/drawing/2010/main" val="0"/>
-              </a:ext>
-            </a:extLst>
-          </a:blip>
-          <a:srcRect/>
-          <a:stretch>
-            <a:fillRect/>
-          </a:stretch>
-        </p:blipFill>
-        <p:spPr bwMode="auto">
-          <a:xfrm>
-            <a:off x="5077564" y="3794470"/>
-            <a:ext cx="1613199" cy="2478314"/>
-          </a:xfrm>
-          <a:prstGeom prst="rect">
-            <a:avLst/>
-          </a:prstGeom>
-          <a:noFill/>
-          <a:extLst>
-            <a:ext uri="{909E8E84-426E-40DD-AFC4-6F175D3DCCD1}">
-              <a14:hiddenFill xmlns:a14="http://schemas.microsoft.com/office/drawing/2010/main">
-                <a:solidFill>
-                  <a:srgbClr val="FFFFFF"/>
-                </a:solidFill>
-              </a14:hiddenFill>
-            </a:ext>
-          </a:extLst>
-        </p:spPr>
-      </p:pic>
-    </p:spTree>
-    <p:extLst>
-      <p:ext uri="{BB962C8B-B14F-4D97-AF65-F5344CB8AC3E}">
-        <p14:creationId xmlns:p14="http://schemas.microsoft.com/office/powerpoint/2010/main" val="2856408810"/>
-      </p:ext>
-    </p:extLst>
-  </p:cSld>
-  <p:clrMapOvr>
-    <a:masterClrMapping/>
-  </p:clrMapOvr>
-  <p:timing>
-    <p:tnLst>
-      <p:par>
-        <p:cTn id="1" dur="indefinite" restart="never" nodeType="tmRoot">
-          <p:childTnLst>
-            <p:seq concurrent="1" nextAc="seek">
-              <p:cTn id="2" dur="indefinite" nodeType="mainSeq">
-                <p:childTnLst>
-                  <p:par>
-                    <p:cTn id="3" fill="hold">
-                      <p:stCondLst>
-                        <p:cond delay="indefinite"/>
-                        <p:cond evt="onBegin" delay="0">
-                          <p:tn val="2"/>
-                        </p:cond>
-                      </p:stCondLst>
-                      <p:childTnLst>
-                        <p:par>
-                          <p:cTn id="4" fill="hold">
-                            <p:stCondLst>
-                              <p:cond delay="0"/>
-                            </p:stCondLst>
-                            <p:childTnLst>
-                              <p:par>
-                                <p:cTn id="5" presetID="16" presetClass="entr" presetSubtype="21" fill="hold" nodeType="afterEffect">
-                                  <p:stCondLst>
-                                    <p:cond delay="0"/>
-                                  </p:stCondLst>
-                                  <p:childTnLst>
-                                    <p:set>
-                                      <p:cBhvr>
-                                        <p:cTn id="6" dur="1" fill="hold">
-                                          <p:stCondLst>
-                                            <p:cond delay="0"/>
-                                          </p:stCondLst>
-                                        </p:cTn>
-                                        <p:tgtEl>
-                                          <p:spTgt spid="2054"/>
-                                        </p:tgtEl>
-                                        <p:attrNameLst>
-                                          <p:attrName>style.visibility</p:attrName>
-                                        </p:attrNameLst>
-                                      </p:cBhvr>
-                                      <p:to>
-                                        <p:strVal val="visible"/>
-                                      </p:to>
-                                    </p:set>
-                                    <p:animEffect transition="in" filter="barn(inVertical)">
-                                      <p:cBhvr>
-                                        <p:cTn id="7" dur="500"/>
-                                        <p:tgtEl>
-                                          <p:spTgt spid="2054"/>
-                                        </p:tgtEl>
-                                      </p:cBhvr>
-                                    </p:animEffect>
-                                  </p:childTnLst>
-                                </p:cTn>
-                              </p:par>
-                            </p:childTnLst>
-                          </p:cTn>
-                        </p:par>
-                      </p:childTnLst>
-                    </p:cTn>
-                  </p:par>
-                </p:childTnLst>
-              </p:cTn>
-              <p:prevCondLst>
-                <p:cond evt="onPrev" delay="0">
-                  <p:tgtEl>
-                    <p:sldTgt/>
-                  </p:tgtEl>
-                </p:cond>
-              </p:prevCondLst>
-              <p:nextCondLst>
-                <p:cond evt="onNext" delay="0">
-                  <p:tgtEl>
-                    <p:sldTgt/>
-                  </p:tgtEl>
-                </p:cond>
-              </p:nextCondLst>
-            </p:seq>
-          </p:childTnLst>
-        </p:cTn>
-      </p:par>
-    </p:tnLst>
-  </p:timing>
-</p:sld>
-</file>
-
-<file path=ppt/slides/slide4.xml><?xml version="1.0" encoding="utf-8"?>
-<p:sld xmlns:a="http://schemas.openxmlformats.org/drawingml/2006/main" xmlns:r="http://schemas.openxmlformats.org/officeDocument/2006/relationships" xmlns:p="http://schemas.openxmlformats.org/presentationml/2006/main">
-  <p:cSld>
-    <p:spTree>
-      <p:nvGrpSpPr>
-        <p:cNvPr id="1" name=""/>
-        <p:cNvGrpSpPr/>
-        <p:nvPr/>
-      </p:nvGrpSpPr>
-      <p:grpSpPr>
-        <a:xfrm>
-          <a:off x="0" y="0"/>
-          <a:ext cx="0" cy="0"/>
-          <a:chOff x="0" y="0"/>
-          <a:chExt cx="0" cy="0"/>
-        </a:xfrm>
-      </p:grpSpPr>
-      <p:sp>
-        <p:nvSpPr>
-          <p:cNvPr id="2" name="Title 1">
-            <a:extLst>
-              <a:ext uri="{FF2B5EF4-FFF2-40B4-BE49-F238E27FC236}">
-                <a16:creationId xmlns:a16="http://schemas.microsoft.com/office/drawing/2014/main" id="{BD40C1B9-8357-41C3-B356-6F422D855C1E}"/>
-              </a:ext>
-            </a:extLst>
-          </p:cNvPr>
-          <p:cNvSpPr>
-            <a:spLocks noGrp="1"/>
-          </p:cNvSpPr>
-          <p:nvPr>
-            <p:ph type="title"/>
-          </p:nvPr>
-        </p:nvSpPr>
-        <p:spPr/>
-        <p:txBody>
-          <a:bodyPr/>
-          <a:lstStyle/>
-          <a:p>
-            <a:pPr algn="ctr"/>
-            <a:r>
-              <a:rPr lang="en-US" dirty="0"/>
-              <a:t>Enter Machine Learning!</a:t>
-            </a:r>
-            <a:endParaRPr lang="en-CA" dirty="0"/>
-          </a:p>
-        </p:txBody>
-      </p:sp>
-      <p:sp>
-        <p:nvSpPr>
-          <p:cNvPr id="3" name="Content Placeholder 2">
-            <a:extLst>
-              <a:ext uri="{FF2B5EF4-FFF2-40B4-BE49-F238E27FC236}">
-                <a16:creationId xmlns:a16="http://schemas.microsoft.com/office/drawing/2014/main" id="{38D67F55-4801-4446-9AA5-5328CD41DDDA}"/>
-              </a:ext>
-            </a:extLst>
-          </p:cNvPr>
-          <p:cNvSpPr>
-            <a:spLocks noGrp="1"/>
-          </p:cNvSpPr>
-          <p:nvPr>
-            <p:ph idx="1"/>
-          </p:nvPr>
-        </p:nvSpPr>
-        <p:spPr/>
-        <p:txBody>
-          <a:bodyPr/>
-          <a:lstStyle/>
-          <a:p>
-            <a:pPr marL="0" indent="0">
-              <a:buNone/>
-            </a:pPr>
-            <a:endParaRPr lang="en-US" dirty="0"/>
-          </a:p>
-        </p:txBody>
-      </p:sp>
-      <p:pic>
-        <p:nvPicPr>
-          <p:cNvPr id="3076" name="Picture 4" descr="scikit-learn - Wikipedia">
-            <a:extLst>
-              <a:ext uri="{FF2B5EF4-FFF2-40B4-BE49-F238E27FC236}">
-                <a16:creationId xmlns:a16="http://schemas.microsoft.com/office/drawing/2014/main" id="{A86CF8D3-DA86-479C-BD9A-1A5DD18E8EB4}"/>
-              </a:ext>
-            </a:extLst>
-          </p:cNvPr>
-          <p:cNvPicPr>
-            <a:picLocks noChangeAspect="1" noChangeArrowheads="1"/>
-          </p:cNvPicPr>
-          <p:nvPr/>
-        </p:nvPicPr>
-        <p:blipFill>
-          <a:blip r:embed="rId2">
-            <a:extLst>
-              <a:ext uri="{28A0092B-C50C-407E-A947-70E740481C1C}">
-                <a14:useLocalDpi xmlns:a14="http://schemas.microsoft.com/office/drawing/2010/main" val="0"/>
-              </a:ext>
-            </a:extLst>
-          </a:blip>
-          <a:srcRect/>
-          <a:stretch>
-            <a:fillRect/>
-          </a:stretch>
-        </p:blipFill>
-        <p:spPr bwMode="auto">
-          <a:xfrm>
-            <a:off x="4426839" y="2401516"/>
-            <a:ext cx="2914650" cy="1571625"/>
-          </a:xfrm>
-          <a:prstGeom prst="rect">
-            <a:avLst/>
-          </a:prstGeom>
-          <a:noFill/>
-          <a:extLst>
-            <a:ext uri="{909E8E84-426E-40DD-AFC4-6F175D3DCCD1}">
-              <a14:hiddenFill xmlns:a14="http://schemas.microsoft.com/office/drawing/2010/main">
-                <a:solidFill>
-                  <a:srgbClr val="FFFFFF"/>
-                </a:solidFill>
-              </a14:hiddenFill>
-            </a:ext>
-          </a:extLst>
-        </p:spPr>
-      </p:pic>
-    </p:spTree>
-    <p:extLst>
-      <p:ext uri="{BB962C8B-B14F-4D97-AF65-F5344CB8AC3E}">
-        <p14:creationId xmlns:p14="http://schemas.microsoft.com/office/powerpoint/2010/main" val="1305270144"/>
-      </p:ext>
-    </p:extLst>
-  </p:cSld>
-  <p:clrMapOvr>
-    <a:masterClrMapping/>
-  </p:clrMapOvr>
-  <p:timing>
-    <p:tnLst>
-      <p:par>
-        <p:cTn id="1" dur="indefinite" restart="never" nodeType="tmRoot">
-          <p:childTnLst>
-            <p:seq concurrent="1" nextAc="seek">
-              <p:cTn id="2" dur="indefinite" nodeType="mainSeq">
-                <p:childTnLst>
-                  <p:par>
-                    <p:cTn id="3" fill="hold">
-                      <p:stCondLst>
-                        <p:cond delay="indefinite"/>
-                        <p:cond evt="onBegin" delay="0">
-                          <p:tn val="2"/>
-                        </p:cond>
-                      </p:stCondLst>
-                      <p:childTnLst>
-                        <p:par>
-                          <p:cTn id="4" fill="hold">
-                            <p:stCondLst>
-                              <p:cond delay="0"/>
-                            </p:stCondLst>
-                            <p:childTnLst>
-                              <p:par>
-                                <p:cTn id="5" presetID="31" presetClass="entr" presetSubtype="0" fill="hold" nodeType="afterEffect">
-                                  <p:stCondLst>
-                                    <p:cond delay="0"/>
-                                  </p:stCondLst>
-                                  <p:childTnLst>
-                                    <p:set>
-                                      <p:cBhvr>
-                                        <p:cTn id="6" dur="1" fill="hold">
-                                          <p:stCondLst>
-                                            <p:cond delay="0"/>
-                                          </p:stCondLst>
-                                        </p:cTn>
-                                        <p:tgtEl>
-                                          <p:spTgt spid="3076"/>
-                                        </p:tgtEl>
-                                        <p:attrNameLst>
-                                          <p:attrName>style.visibility</p:attrName>
-                                        </p:attrNameLst>
-                                      </p:cBhvr>
-                                      <p:to>
-                                        <p:strVal val="visible"/>
-                                      </p:to>
-                                    </p:set>
-                                    <p:anim calcmode="lin" valueType="num">
-                                      <p:cBhvr>
-                                        <p:cTn id="7" dur="1000" fill="hold"/>
-                                        <p:tgtEl>
-                                          <p:spTgt spid="3076"/>
-                                        </p:tgtEl>
-                                        <p:attrNameLst>
-                                          <p:attrName>ppt_w</p:attrName>
-                                        </p:attrNameLst>
-                                      </p:cBhvr>
-                                      <p:tavLst>
-                                        <p:tav tm="0">
-                                          <p:val>
-                                            <p:fltVal val="0"/>
-                                          </p:val>
-                                        </p:tav>
-                                        <p:tav tm="100000">
-                                          <p:val>
-                                            <p:strVal val="#ppt_w"/>
-                                          </p:val>
-                                        </p:tav>
-                                      </p:tavLst>
-                                    </p:anim>
-                                    <p:anim calcmode="lin" valueType="num">
-                                      <p:cBhvr>
-                                        <p:cTn id="8" dur="1000" fill="hold"/>
-                                        <p:tgtEl>
-                                          <p:spTgt spid="3076"/>
-                                        </p:tgtEl>
-                                        <p:attrNameLst>
-                                          <p:attrName>ppt_h</p:attrName>
-                                        </p:attrNameLst>
-                                      </p:cBhvr>
-                                      <p:tavLst>
-                                        <p:tav tm="0">
-                                          <p:val>
-                                            <p:fltVal val="0"/>
-                                          </p:val>
-                                        </p:tav>
-                                        <p:tav tm="100000">
-                                          <p:val>
-                                            <p:strVal val="#ppt_h"/>
-                                          </p:val>
-                                        </p:tav>
-                                      </p:tavLst>
-                                    </p:anim>
-                                    <p:anim calcmode="lin" valueType="num">
-                                      <p:cBhvr>
-                                        <p:cTn id="9" dur="1000" fill="hold"/>
-                                        <p:tgtEl>
-                                          <p:spTgt spid="3076"/>
-                                        </p:tgtEl>
-                                        <p:attrNameLst>
-                                          <p:attrName>style.rotation</p:attrName>
-                                        </p:attrNameLst>
-                                      </p:cBhvr>
-                                      <p:tavLst>
-                                        <p:tav tm="0">
-                                          <p:val>
-                                            <p:fltVal val="90"/>
-                                          </p:val>
-                                        </p:tav>
-                                        <p:tav tm="100000">
-                                          <p:val>
-                                            <p:fltVal val="0"/>
-                                          </p:val>
-                                        </p:tav>
-                                      </p:tavLst>
-                                    </p:anim>
-                                    <p:animEffect transition="in" filter="fade">
-                                      <p:cBhvr>
-                                        <p:cTn id="10" dur="1000"/>
-                                        <p:tgtEl>
-                                          <p:spTgt spid="3076"/>
-                                        </p:tgtEl>
-                                      </p:cBhvr>
-                                    </p:animEffect>
-                                  </p:childTnLst>
-                                </p:cTn>
-                              </p:par>
-                            </p:childTnLst>
-                          </p:cTn>
-                        </p:par>
-                      </p:childTnLst>
-                    </p:cTn>
-                  </p:par>
-                </p:childTnLst>
-              </p:cTn>
-              <p:prevCondLst>
-                <p:cond evt="onPrev" delay="0">
-                  <p:tgtEl>
-                    <p:sldTgt/>
-                  </p:tgtEl>
-                </p:cond>
-              </p:prevCondLst>
-              <p:nextCondLst>
-                <p:cond evt="onNext" delay="0">
-                  <p:tgtEl>
-                    <p:sldTgt/>
-                  </p:tgtEl>
-                </p:cond>
-              </p:nextCondLst>
-            </p:seq>
-          </p:childTnLst>
-        </p:cTn>
-      </p:par>
-    </p:tnLst>
-  </p:timing>
-</p:sld>
-</file>
-
-<file path=ppt/slides/slide5.xml><?xml version="1.0" encoding="utf-8"?>
-<p:sld xmlns:a="http://schemas.openxmlformats.org/drawingml/2006/main" xmlns:r="http://schemas.openxmlformats.org/officeDocument/2006/relationships" xmlns:p="http://schemas.openxmlformats.org/presentationml/2006/main">
-  <p:cSld>
-    <p:spTree>
-      <p:nvGrpSpPr>
-        <p:cNvPr id="1" name=""/>
-        <p:cNvGrpSpPr/>
-        <p:nvPr/>
-      </p:nvGrpSpPr>
-      <p:grpSpPr>
-        <a:xfrm>
-          <a:off x="0" y="0"/>
-          <a:ext cx="0" cy="0"/>
-          <a:chOff x="0" y="0"/>
-          <a:chExt cx="0" cy="0"/>
-        </a:xfrm>
-      </p:grpSpPr>
-      <p:sp>
-        <p:nvSpPr>
-          <p:cNvPr id="2" name="Title 1">
-            <a:extLst>
-              <a:ext uri="{FF2B5EF4-FFF2-40B4-BE49-F238E27FC236}">
-                <a16:creationId xmlns:a16="http://schemas.microsoft.com/office/drawing/2014/main" id="{7E79C0C7-BCE7-4BD3-9AD5-1F3CE14078A3}"/>
-              </a:ext>
-            </a:extLst>
-          </p:cNvPr>
-          <p:cNvSpPr>
-            <a:spLocks noGrp="1"/>
-          </p:cNvSpPr>
-          <p:nvPr>
-            <p:ph type="title"/>
-          </p:nvPr>
-        </p:nvSpPr>
-        <p:spPr/>
-        <p:txBody>
-          <a:bodyPr/>
-          <a:lstStyle/>
-          <a:p>
-            <a:pPr algn="ctr"/>
-            <a:r>
-              <a:rPr lang="en-US" dirty="0"/>
-              <a:t>The process:</a:t>
-            </a:r>
-            <a:br>
-              <a:rPr lang="en-US" dirty="0"/>
-            </a:br>
-            <a:r>
-              <a:rPr lang="en-US" dirty="0"/>
-              <a:t>1. Scoping</a:t>
-            </a:r>
-            <a:endParaRPr lang="en-CA" dirty="0"/>
-          </a:p>
-        </p:txBody>
-      </p:sp>
-      <p:sp>
-        <p:nvSpPr>
-          <p:cNvPr id="3" name="Content Placeholder 2">
-            <a:extLst>
-              <a:ext uri="{FF2B5EF4-FFF2-40B4-BE49-F238E27FC236}">
-                <a16:creationId xmlns:a16="http://schemas.microsoft.com/office/drawing/2014/main" id="{27B75759-5D25-4A42-AFDB-D22809BC55AA}"/>
-              </a:ext>
-            </a:extLst>
-          </p:cNvPr>
-          <p:cNvSpPr>
-            <a:spLocks noGrp="1"/>
-          </p:cNvSpPr>
-          <p:nvPr>
-            <p:ph idx="1"/>
-          </p:nvPr>
-        </p:nvSpPr>
-        <p:spPr>
-          <a:xfrm>
-            <a:off x="1024129" y="2286000"/>
-            <a:ext cx="9513242" cy="4023360"/>
-          </a:xfrm>
-        </p:spPr>
-        <p:txBody>
-          <a:bodyPr>
-            <a:normAutofit/>
-          </a:bodyPr>
-          <a:lstStyle/>
-          <a:p>
-            <a:pPr>
-              <a:buFont typeface="Wingdings" panose="05000000000000000000" pitchFamily="2" charset="2"/>
-              <a:buChar char="v"/>
-            </a:pPr>
-            <a:r>
-              <a:rPr lang="en-US" sz="2800" dirty="0"/>
-              <a:t>Predicting success rate in </a:t>
-            </a:r>
-            <a:r>
-              <a:rPr lang="en-US" sz="2800" b="1" dirty="0"/>
-              <a:t>Phase 2</a:t>
-            </a:r>
-            <a:r>
-              <a:rPr lang="en-US" sz="2800" dirty="0"/>
-              <a:t> only; safety only</a:t>
-            </a:r>
-          </a:p>
-          <a:p>
-            <a:pPr>
-              <a:buFont typeface="Wingdings" panose="05000000000000000000" pitchFamily="2" charset="2"/>
-              <a:buChar char="v"/>
-            </a:pPr>
-            <a:r>
-              <a:rPr lang="en-US" sz="2800" dirty="0"/>
-              <a:t>Trials in United States only</a:t>
-            </a:r>
-          </a:p>
-          <a:p>
-            <a:pPr>
-              <a:buFont typeface="Wingdings" panose="05000000000000000000" pitchFamily="2" charset="2"/>
-              <a:buChar char="v"/>
-            </a:pPr>
-            <a:r>
-              <a:rPr lang="en-US" sz="2800" dirty="0"/>
-              <a:t>Only features approved by Domain Knowledge Expert</a:t>
-            </a:r>
-          </a:p>
-          <a:p>
-            <a:pPr>
-              <a:buFont typeface="Wingdings" panose="05000000000000000000" pitchFamily="2" charset="2"/>
-              <a:buChar char="v"/>
-            </a:pPr>
-            <a:r>
-              <a:rPr lang="en-US" sz="2800" dirty="0"/>
-              <a:t>Limited Text Parsing</a:t>
-            </a:r>
-          </a:p>
-          <a:p>
-            <a:pPr>
-              <a:buFont typeface="Wingdings" panose="05000000000000000000" pitchFamily="2" charset="2"/>
-              <a:buChar char="v"/>
-            </a:pPr>
-            <a:endParaRPr lang="en-US" sz="2800" dirty="0"/>
-          </a:p>
-        </p:txBody>
-      </p:sp>
-      <p:pic>
-        <p:nvPicPr>
-          <p:cNvPr id="4098" name="Picture 2" descr="Hawke | Hawke Riflescope">
-            <a:extLst>
-              <a:ext uri="{FF2B5EF4-FFF2-40B4-BE49-F238E27FC236}">
-                <a16:creationId xmlns:a16="http://schemas.microsoft.com/office/drawing/2014/main" id="{553B3E42-E3C8-44AF-A5FA-197F7932D1BC}"/>
-              </a:ext>
-            </a:extLst>
-          </p:cNvPr>
-          <p:cNvPicPr>
-            <a:picLocks noChangeAspect="1" noChangeArrowheads="1"/>
-          </p:cNvPicPr>
-          <p:nvPr/>
-        </p:nvPicPr>
-        <p:blipFill>
-          <a:blip r:embed="rId2">
-            <a:extLst>
-              <a:ext uri="{28A0092B-C50C-407E-A947-70E740481C1C}">
-                <a14:useLocalDpi xmlns:a14="http://schemas.microsoft.com/office/drawing/2010/main" val="0"/>
-              </a:ext>
-            </a:extLst>
-          </a:blip>
-          <a:srcRect/>
-          <a:stretch>
-            <a:fillRect/>
-          </a:stretch>
-        </p:blipFill>
-        <p:spPr bwMode="auto">
-          <a:xfrm>
-            <a:off x="5579156" y="3947886"/>
-            <a:ext cx="4668319" cy="2143760"/>
-          </a:xfrm>
-          <a:prstGeom prst="rect">
-            <a:avLst/>
-          </a:prstGeom>
-          <a:noFill/>
-          <a:extLst>
-            <a:ext uri="{909E8E84-426E-40DD-AFC4-6F175D3DCCD1}">
-              <a14:hiddenFill xmlns:a14="http://schemas.microsoft.com/office/drawing/2010/main">
-                <a:solidFill>
-                  <a:srgbClr val="FFFFFF"/>
-                </a:solidFill>
-              </a14:hiddenFill>
-            </a:ext>
-          </a:extLst>
-        </p:spPr>
-      </p:pic>
-    </p:spTree>
-    <p:extLst>
-      <p:ext uri="{BB962C8B-B14F-4D97-AF65-F5344CB8AC3E}">
-        <p14:creationId xmlns:p14="http://schemas.microsoft.com/office/powerpoint/2010/main" val="664398864"/>
-      </p:ext>
-    </p:extLst>
-  </p:cSld>
-  <p:clrMapOvr>
-    <a:masterClrMapping/>
-  </p:clrMapOvr>
-</p:sld>
-</file>
-
-<file path=ppt/slides/slide6.xml><?xml version="1.0" encoding="utf-8"?>
-<p:sld xmlns:a="http://schemas.openxmlformats.org/drawingml/2006/main" xmlns:r="http://schemas.openxmlformats.org/officeDocument/2006/relationships" xmlns:p="http://schemas.openxmlformats.org/presentationml/2006/main">
-  <p:cSld>
-    <p:spTree>
-      <p:nvGrpSpPr>
-        <p:cNvPr id="1" name=""/>
-        <p:cNvGrpSpPr/>
-        <p:nvPr/>
-      </p:nvGrpSpPr>
-      <p:grpSpPr>
-        <a:xfrm>
-          <a:off x="0" y="0"/>
-          <a:ext cx="0" cy="0"/>
-          <a:chOff x="0" y="0"/>
-          <a:chExt cx="0" cy="0"/>
-        </a:xfrm>
-      </p:grpSpPr>
-      <p:sp>
-        <p:nvSpPr>
-          <p:cNvPr id="2" name="Title 1">
-            <a:extLst>
-              <a:ext uri="{FF2B5EF4-FFF2-40B4-BE49-F238E27FC236}">
-                <a16:creationId xmlns:a16="http://schemas.microsoft.com/office/drawing/2014/main" id="{7E79C0C7-BCE7-4BD3-9AD5-1F3CE14078A3}"/>
-              </a:ext>
-            </a:extLst>
-          </p:cNvPr>
-          <p:cNvSpPr>
-            <a:spLocks noGrp="1"/>
-          </p:cNvSpPr>
-          <p:nvPr>
-            <p:ph type="title"/>
-          </p:nvPr>
-        </p:nvSpPr>
-        <p:spPr/>
-        <p:txBody>
-          <a:bodyPr/>
-          <a:lstStyle/>
-          <a:p>
-            <a:pPr algn="ctr"/>
-            <a:r>
-              <a:rPr lang="en-US" dirty="0"/>
-              <a:t>The process:</a:t>
-            </a:r>
-            <a:br>
-              <a:rPr lang="en-US" dirty="0"/>
-            </a:br>
-            <a:r>
-              <a:rPr lang="en-US" dirty="0"/>
-              <a:t>2. Data Extraction &amp; Cleaning</a:t>
-            </a:r>
-            <a:endParaRPr lang="en-CA" dirty="0"/>
-          </a:p>
-        </p:txBody>
-      </p:sp>
-      <p:sp>
-        <p:nvSpPr>
-          <p:cNvPr id="3" name="Content Placeholder 2">
-            <a:extLst>
-              <a:ext uri="{FF2B5EF4-FFF2-40B4-BE49-F238E27FC236}">
-                <a16:creationId xmlns:a16="http://schemas.microsoft.com/office/drawing/2014/main" id="{27B75759-5D25-4A42-AFDB-D22809BC55AA}"/>
-              </a:ext>
-            </a:extLst>
-          </p:cNvPr>
-          <p:cNvSpPr>
-            <a:spLocks noGrp="1"/>
-          </p:cNvSpPr>
-          <p:nvPr>
-            <p:ph idx="1"/>
-          </p:nvPr>
-        </p:nvSpPr>
-        <p:spPr>
-          <a:xfrm>
-            <a:off x="1024129" y="2286000"/>
-            <a:ext cx="3809128" cy="4023360"/>
-          </a:xfrm>
-        </p:spPr>
-        <p:txBody>
-          <a:bodyPr>
-            <a:normAutofit/>
-          </a:bodyPr>
-          <a:lstStyle/>
-          <a:p>
-            <a:pPr algn="ctr"/>
-            <a:r>
-              <a:rPr lang="en-US" sz="2800" b="1" dirty="0"/>
-              <a:t>API Extraction</a:t>
-            </a:r>
-          </a:p>
-          <a:p>
-            <a:pPr algn="ctr"/>
-            <a:r>
-              <a:rPr lang="en-US" sz="2000" dirty="0"/>
-              <a:t>Thousands of files</a:t>
-            </a:r>
-            <a:endParaRPr lang="en-CA" sz="2000" dirty="0"/>
-          </a:p>
-        </p:txBody>
-      </p:sp>
-      <p:sp>
-        <p:nvSpPr>
-          <p:cNvPr id="6" name="Content Placeholder 2">
-            <a:extLst>
-              <a:ext uri="{FF2B5EF4-FFF2-40B4-BE49-F238E27FC236}">
-                <a16:creationId xmlns:a16="http://schemas.microsoft.com/office/drawing/2014/main" id="{938D8C33-AEB2-42DD-83AC-3D8ABD527E42}"/>
-              </a:ext>
-            </a:extLst>
-          </p:cNvPr>
-          <p:cNvSpPr txBox="1">
-            <a:spLocks/>
-          </p:cNvSpPr>
-          <p:nvPr/>
-        </p:nvSpPr>
-        <p:spPr>
-          <a:xfrm>
-            <a:off x="6430700" y="2249424"/>
-            <a:ext cx="3809128" cy="4023360"/>
-          </a:xfrm>
-          <a:prstGeom prst="rect">
-            <a:avLst/>
-          </a:prstGeom>
-        </p:spPr>
-        <p:txBody>
-          <a:bodyPr vert="horz" lIns="45720" tIns="45720" rIns="45720" bIns="45720" rtlCol="0">
-            <a:normAutofit/>
-          </a:bodyPr>
-          <a:lstStyle>
-            <a:lvl1pPr marL="91440" indent="-91440" algn="l" defTabSz="914400" rtl="0" eaLnBrk="1" latinLnBrk="0" hangingPunct="1">
-              <a:lnSpc>
-                <a:spcPct val="90000"/>
-              </a:lnSpc>
-              <a:spcBef>
-                <a:spcPts val="1200"/>
-              </a:spcBef>
-              <a:spcAft>
-                <a:spcPts val="200"/>
-              </a:spcAft>
-              <a:buClr>
-                <a:schemeClr val="accent1"/>
-              </a:buClr>
-              <a:buSzPct val="100000"/>
-              <a:buFont typeface="Tw Cen MT" panose="020B0602020104020603" pitchFamily="34" charset="0"/>
-              <a:buChar char=" "/>
-              <a:defRPr sz="2200" kern="1200">
-                <a:solidFill>
-                  <a:schemeClr val="tx1"/>
-                </a:solidFill>
-                <a:latin typeface="+mn-lt"/>
-                <a:ea typeface="+mn-ea"/>
-                <a:cs typeface="+mn-cs"/>
-              </a:defRPr>
-            </a:lvl1pPr>
-            <a:lvl2pPr marL="265176" indent="-137160" algn="l" defTabSz="914400" rtl="0" eaLnBrk="1" latinLnBrk="0" hangingPunct="1">
-              <a:lnSpc>
-                <a:spcPct val="90000"/>
-              </a:lnSpc>
-              <a:spcBef>
-                <a:spcPts val="200"/>
-              </a:spcBef>
-              <a:spcAft>
-                <a:spcPts val="400"/>
-              </a:spcAft>
-              <a:buClr>
-                <a:schemeClr val="accent1"/>
-              </a:buClr>
-              <a:buFont typeface="Wingdings 3" pitchFamily="18" charset="2"/>
-              <a:buChar char=""/>
-              <a:defRPr sz="1800" kern="1200">
-                <a:solidFill>
-                  <a:schemeClr val="tx1"/>
-                </a:solidFill>
-                <a:latin typeface="+mn-lt"/>
-                <a:ea typeface="+mn-ea"/>
-                <a:cs typeface="+mn-cs"/>
-              </a:defRPr>
-            </a:lvl2pPr>
-            <a:lvl3pPr marL="448056" indent="-137160" algn="l" defTabSz="914400" rtl="0" eaLnBrk="1" latinLnBrk="0" hangingPunct="1">
-              <a:lnSpc>
-                <a:spcPct val="90000"/>
-              </a:lnSpc>
-              <a:spcBef>
-                <a:spcPts val="200"/>
-              </a:spcBef>
-              <a:spcAft>
-                <a:spcPts val="400"/>
-              </a:spcAft>
-              <a:buClr>
-                <a:schemeClr val="accent1"/>
-              </a:buClr>
-              <a:buFont typeface="Wingdings 3" pitchFamily="18" charset="2"/>
-              <a:buChar char=""/>
-              <a:defRPr sz="1400" kern="1200">
-                <a:solidFill>
-                  <a:schemeClr val="tx1"/>
-                </a:solidFill>
-                <a:latin typeface="+mn-lt"/>
-                <a:ea typeface="+mn-ea"/>
-                <a:cs typeface="+mn-cs"/>
-              </a:defRPr>
-            </a:lvl3pPr>
-            <a:lvl4pPr marL="594360" indent="-137160" algn="l" defTabSz="914400" rtl="0" eaLnBrk="1" latinLnBrk="0" hangingPunct="1">
-              <a:lnSpc>
-                <a:spcPct val="90000"/>
-              </a:lnSpc>
-              <a:spcBef>
-                <a:spcPts val="200"/>
-              </a:spcBef>
-              <a:spcAft>
-                <a:spcPts val="400"/>
-              </a:spcAft>
-              <a:buClr>
-                <a:schemeClr val="accent1"/>
-              </a:buClr>
-              <a:buFont typeface="Wingdings 3" pitchFamily="18" charset="2"/>
-              <a:buChar char=""/>
-              <a:defRPr sz="1400" kern="1200">
-                <a:solidFill>
-                  <a:schemeClr val="tx1"/>
-                </a:solidFill>
-                <a:latin typeface="+mn-lt"/>
-                <a:ea typeface="+mn-ea"/>
-                <a:cs typeface="+mn-cs"/>
-              </a:defRPr>
-            </a:lvl4pPr>
-            <a:lvl5pPr marL="777240" indent="-137160" algn="l" defTabSz="914400" rtl="0" eaLnBrk="1" latinLnBrk="0" hangingPunct="1">
-              <a:lnSpc>
-                <a:spcPct val="90000"/>
-              </a:lnSpc>
-              <a:spcBef>
-                <a:spcPts val="200"/>
-              </a:spcBef>
-              <a:spcAft>
-                <a:spcPts val="400"/>
-              </a:spcAft>
-              <a:buClr>
-                <a:schemeClr val="accent1"/>
-              </a:buClr>
-              <a:buFont typeface="Wingdings 3" pitchFamily="18" charset="2"/>
-              <a:buChar char=""/>
-              <a:defRPr sz="1400" kern="1200">
-                <a:solidFill>
-                  <a:schemeClr val="tx1"/>
-                </a:solidFill>
-                <a:latin typeface="+mn-lt"/>
-                <a:ea typeface="+mn-ea"/>
-                <a:cs typeface="+mn-cs"/>
-              </a:defRPr>
-            </a:lvl5pPr>
-            <a:lvl6pPr marL="914400" indent="-137160" algn="l" defTabSz="914400" rtl="0" eaLnBrk="1" latinLnBrk="0" hangingPunct="1">
-              <a:lnSpc>
-                <a:spcPct val="90000"/>
-              </a:lnSpc>
-              <a:spcBef>
-                <a:spcPts val="200"/>
-              </a:spcBef>
-              <a:spcAft>
-                <a:spcPts val="400"/>
-              </a:spcAft>
-              <a:buClr>
-                <a:schemeClr val="accent1"/>
-              </a:buClr>
-              <a:buFont typeface="Wingdings 3" pitchFamily="18" charset="2"/>
-              <a:buChar char=""/>
-              <a:defRPr sz="1400" kern="1200">
-                <a:solidFill>
-                  <a:schemeClr val="tx1"/>
-                </a:solidFill>
-                <a:latin typeface="+mn-lt"/>
-                <a:ea typeface="+mn-ea"/>
-                <a:cs typeface="+mn-cs"/>
-              </a:defRPr>
-            </a:lvl6pPr>
-            <a:lvl7pPr marL="1060704" indent="-137160" algn="l" defTabSz="914400" rtl="0" eaLnBrk="1" latinLnBrk="0" hangingPunct="1">
-              <a:lnSpc>
-                <a:spcPct val="90000"/>
-              </a:lnSpc>
-              <a:spcBef>
-                <a:spcPts val="200"/>
-              </a:spcBef>
-              <a:spcAft>
-                <a:spcPts val="400"/>
-              </a:spcAft>
-              <a:buClr>
-                <a:schemeClr val="accent1"/>
-              </a:buClr>
-              <a:buFont typeface="Wingdings 3" pitchFamily="18" charset="2"/>
-              <a:buChar char=""/>
-              <a:defRPr sz="1400" kern="1200">
-                <a:solidFill>
-                  <a:schemeClr val="tx1"/>
-                </a:solidFill>
-                <a:latin typeface="+mn-lt"/>
-                <a:ea typeface="+mn-ea"/>
-                <a:cs typeface="+mn-cs"/>
-              </a:defRPr>
-            </a:lvl7pPr>
-            <a:lvl8pPr marL="1216152" indent="-137160" algn="l" defTabSz="914400" rtl="0" eaLnBrk="1" latinLnBrk="0" hangingPunct="1">
-              <a:lnSpc>
-                <a:spcPct val="90000"/>
-              </a:lnSpc>
-              <a:spcBef>
-                <a:spcPts val="200"/>
-              </a:spcBef>
-              <a:spcAft>
-                <a:spcPts val="400"/>
-              </a:spcAft>
-              <a:buClr>
-                <a:schemeClr val="accent1"/>
-              </a:buClr>
-              <a:buFont typeface="Wingdings 3" pitchFamily="18" charset="2"/>
-              <a:buChar char=""/>
-              <a:defRPr sz="1400" kern="1200">
-                <a:solidFill>
-                  <a:schemeClr val="tx1"/>
-                </a:solidFill>
-                <a:latin typeface="+mn-lt"/>
-                <a:ea typeface="+mn-ea"/>
-                <a:cs typeface="+mn-cs"/>
-              </a:defRPr>
-            </a:lvl8pPr>
-            <a:lvl9pPr marL="1362456" indent="-137160" algn="l" defTabSz="914400" rtl="0" eaLnBrk="1" latinLnBrk="0" hangingPunct="1">
-              <a:lnSpc>
-                <a:spcPct val="90000"/>
-              </a:lnSpc>
-              <a:spcBef>
-                <a:spcPts val="200"/>
-              </a:spcBef>
-              <a:spcAft>
-                <a:spcPts val="400"/>
-              </a:spcAft>
-              <a:buClr>
-                <a:schemeClr val="accent1"/>
-              </a:buClr>
-              <a:buFont typeface="Wingdings 3" pitchFamily="18" charset="2"/>
-              <a:buChar char=""/>
-              <a:defRPr sz="1400" kern="1200">
-                <a:solidFill>
-                  <a:schemeClr val="tx1"/>
-                </a:solidFill>
-                <a:latin typeface="+mn-lt"/>
-                <a:ea typeface="+mn-ea"/>
-                <a:cs typeface="+mn-cs"/>
-              </a:defRPr>
-            </a:lvl9pPr>
-          </a:lstStyle>
-          <a:p>
-            <a:pPr algn="ctr"/>
-            <a:r>
-              <a:rPr lang="en-US" sz="2800" b="1" dirty="0"/>
-              <a:t>Auto Merging JSON</a:t>
-            </a:r>
-          </a:p>
-          <a:p>
-            <a:pPr marL="0" indent="0" algn="ctr">
-              <a:buNone/>
-            </a:pPr>
-            <a:r>
-              <a:rPr lang="en-CA" sz="2000" dirty="0"/>
-              <a:t>Combined into one 4GB of files</a:t>
-            </a:r>
-          </a:p>
-        </p:txBody>
-      </p:sp>
-      <p:pic>
-        <p:nvPicPr>
-          <p:cNvPr id="10" name="Picture 9">
-            <a:extLst>
-              <a:ext uri="{FF2B5EF4-FFF2-40B4-BE49-F238E27FC236}">
-                <a16:creationId xmlns:a16="http://schemas.microsoft.com/office/drawing/2014/main" id="{91F7673C-8E9A-44E7-A4DE-B60E86FF9F13}"/>
-              </a:ext>
-            </a:extLst>
-          </p:cNvPr>
-          <p:cNvPicPr>
-            <a:picLocks noChangeAspect="1"/>
-          </p:cNvPicPr>
-          <p:nvPr/>
-        </p:nvPicPr>
-        <p:blipFill>
-          <a:blip r:embed="rId2"/>
-          <a:stretch>
-            <a:fillRect/>
-          </a:stretch>
-        </p:blipFill>
-        <p:spPr>
-          <a:xfrm>
-            <a:off x="1952172" y="3290887"/>
-            <a:ext cx="2228850" cy="2714625"/>
-          </a:xfrm>
-          <a:prstGeom prst="rect">
-            <a:avLst/>
-          </a:prstGeom>
-        </p:spPr>
-      </p:pic>
-      <p:pic>
-        <p:nvPicPr>
-          <p:cNvPr id="12" name="Picture 11">
-            <a:extLst>
-              <a:ext uri="{FF2B5EF4-FFF2-40B4-BE49-F238E27FC236}">
-                <a16:creationId xmlns:a16="http://schemas.microsoft.com/office/drawing/2014/main" id="{19877F83-F06C-4C18-865B-72FD485C638F}"/>
-              </a:ext>
-            </a:extLst>
-          </p:cNvPr>
-          <p:cNvPicPr>
-            <a:picLocks noChangeAspect="1"/>
-          </p:cNvPicPr>
-          <p:nvPr/>
-        </p:nvPicPr>
-        <p:blipFill>
-          <a:blip r:embed="rId3"/>
-          <a:stretch>
-            <a:fillRect/>
-          </a:stretch>
-        </p:blipFill>
-        <p:spPr>
-          <a:xfrm>
-            <a:off x="6288314" y="3357561"/>
-            <a:ext cx="4724400" cy="2581275"/>
-          </a:xfrm>
-          <a:prstGeom prst="rect">
-            <a:avLst/>
-          </a:prstGeom>
-        </p:spPr>
-      </p:pic>
-    </p:spTree>
-    <p:extLst>
-      <p:ext uri="{BB962C8B-B14F-4D97-AF65-F5344CB8AC3E}">
-        <p14:creationId xmlns:p14="http://schemas.microsoft.com/office/powerpoint/2010/main" val="3050591222"/>
-      </p:ext>
-    </p:extLst>
-  </p:cSld>
-  <p:clrMapOvr>
-    <a:masterClrMapping/>
-  </p:clrMapOvr>
-  <p:timing>
-    <p:tnLst>
-      <p:par>
-        <p:cTn id="1" dur="indefinite" restart="never" nodeType="tmRoot">
-          <p:childTnLst>
-            <p:seq concurrent="1" nextAc="seek">
-              <p:cTn id="2" dur="indefinite" nodeType="mainSeq">
-                <p:childTnLst>
-                  <p:par>
-                    <p:cTn id="3" fill="hold">
-                      <p:stCondLst>
-                        <p:cond delay="indefinite"/>
-                        <p:cond evt="onBegin" delay="0">
-                          <p:tn val="2"/>
-                        </p:cond>
-                      </p:stCondLst>
-                      <p:childTnLst>
-                        <p:par>
-                          <p:cTn id="4" fill="hold">
-                            <p:stCondLst>
-                              <p:cond delay="0"/>
-                            </p:stCondLst>
-                            <p:childTnLst>
-                              <p:par>
-                                <p:cTn id="5" presetID="22" presetClass="entr" presetSubtype="1" fill="hold" nodeType="afterEffect">
-                                  <p:stCondLst>
-                                    <p:cond delay="0"/>
-                                  </p:stCondLst>
-                                  <p:childTnLst>
-                                    <p:set>
-                                      <p:cBhvr>
-                                        <p:cTn id="6" dur="1" fill="hold">
-                                          <p:stCondLst>
-                                            <p:cond delay="0"/>
-                                          </p:stCondLst>
-                                        </p:cTn>
-                                        <p:tgtEl>
-                                          <p:spTgt spid="10"/>
-                                        </p:tgtEl>
-                                        <p:attrNameLst>
-                                          <p:attrName>style.visibility</p:attrName>
-                                        </p:attrNameLst>
-                                      </p:cBhvr>
-                                      <p:to>
-                                        <p:strVal val="visible"/>
-                                      </p:to>
-                                    </p:set>
-                                    <p:animEffect transition="in" filter="wipe(up)">
-                                      <p:cBhvr>
-                                        <p:cTn id="7" dur="500"/>
-                                        <p:tgtEl>
-                                          <p:spTgt spid="10"/>
-                                        </p:tgtEl>
-                                      </p:cBhvr>
-                                    </p:animEffect>
-                                  </p:childTnLst>
-                                </p:cTn>
-                              </p:par>
-                            </p:childTnLst>
-                          </p:cTn>
-                        </p:par>
-                        <p:par>
-                          <p:cTn id="8" fill="hold">
-                            <p:stCondLst>
-                              <p:cond delay="500"/>
-                            </p:stCondLst>
-                            <p:childTnLst>
-                              <p:par>
-                                <p:cTn id="9" presetID="16" presetClass="entr" presetSubtype="37" fill="hold" nodeType="afterEffect">
-                                  <p:stCondLst>
-                                    <p:cond delay="0"/>
-                                  </p:stCondLst>
-                                  <p:childTnLst>
-                                    <p:set>
-                                      <p:cBhvr>
-                                        <p:cTn id="10" dur="1" fill="hold">
-                                          <p:stCondLst>
-                                            <p:cond delay="0"/>
-                                          </p:stCondLst>
-                                        </p:cTn>
-                                        <p:tgtEl>
-                                          <p:spTgt spid="12"/>
-                                        </p:tgtEl>
-                                        <p:attrNameLst>
-                                          <p:attrName>style.visibility</p:attrName>
-                                        </p:attrNameLst>
-                                      </p:cBhvr>
-                                      <p:to>
-                                        <p:strVal val="visible"/>
-                                      </p:to>
-                                    </p:set>
-                                    <p:animEffect transition="in" filter="barn(outVertical)">
-                                      <p:cBhvr>
-                                        <p:cTn id="11" dur="500"/>
-                                        <p:tgtEl>
-                                          <p:spTgt spid="12"/>
-                                        </p:tgtEl>
-                                      </p:cBhvr>
-                                    </p:animEffect>
-                                  </p:childTnLst>
-                                </p:cTn>
-                              </p:par>
-                            </p:childTnLst>
-                          </p:cTn>
-                        </p:par>
-                      </p:childTnLst>
-                    </p:cTn>
-                  </p:par>
-                </p:childTnLst>
-              </p:cTn>
-              <p:prevCondLst>
-                <p:cond evt="onPrev" delay="0">
-                  <p:tgtEl>
-                    <p:sldTgt/>
-                  </p:tgtEl>
-                </p:cond>
-              </p:prevCondLst>
-              <p:nextCondLst>
-                <p:cond evt="onNext" delay="0">
-                  <p:tgtEl>
-                    <p:sldTgt/>
-                  </p:tgtEl>
-                </p:cond>
-              </p:nextCondLst>
-            </p:seq>
-          </p:childTnLst>
-        </p:cTn>
-      </p:par>
-    </p:tnLst>
-  </p:timing>
-</p:sld>
-</file>
-
-<file path=ppt/slides/slide7.xml><?xml version="1.0" encoding="utf-8"?>
-<p:sld xmlns:a="http://schemas.openxmlformats.org/drawingml/2006/main" xmlns:r="http://schemas.openxmlformats.org/officeDocument/2006/relationships" xmlns:p="http://schemas.openxmlformats.org/presentationml/2006/main">
-  <p:cSld>
-    <p:spTree>
-      <p:nvGrpSpPr>
-        <p:cNvPr id="1" name=""/>
-        <p:cNvGrpSpPr/>
-        <p:nvPr/>
-      </p:nvGrpSpPr>
-      <p:grpSpPr>
-        <a:xfrm>
-          <a:off x="0" y="0"/>
-          <a:ext cx="0" cy="0"/>
-          <a:chOff x="0" y="0"/>
-          <a:chExt cx="0" cy="0"/>
-        </a:xfrm>
-      </p:grpSpPr>
-      <p:sp>
-        <p:nvSpPr>
-          <p:cNvPr id="2" name="Title 1">
-            <a:extLst>
-              <a:ext uri="{FF2B5EF4-FFF2-40B4-BE49-F238E27FC236}">
-                <a16:creationId xmlns:a16="http://schemas.microsoft.com/office/drawing/2014/main" id="{7E79C0C7-BCE7-4BD3-9AD5-1F3CE14078A3}"/>
-              </a:ext>
-            </a:extLst>
-          </p:cNvPr>
-          <p:cNvSpPr>
-            <a:spLocks noGrp="1"/>
-          </p:cNvSpPr>
-          <p:nvPr>
-            <p:ph type="title"/>
-          </p:nvPr>
-        </p:nvSpPr>
-        <p:spPr/>
-        <p:txBody>
-          <a:bodyPr/>
-          <a:lstStyle/>
-          <a:p>
-            <a:pPr algn="ctr"/>
-            <a:r>
-              <a:rPr lang="en-US" dirty="0"/>
-              <a:t>The process:</a:t>
-            </a:r>
-            <a:br>
-              <a:rPr lang="en-US" dirty="0"/>
-            </a:br>
-            <a:r>
-              <a:rPr lang="en-US" dirty="0"/>
-              <a:t>3. Data Storage</a:t>
-            </a:r>
-            <a:endParaRPr lang="en-CA" dirty="0"/>
-          </a:p>
-        </p:txBody>
-      </p:sp>
-      <p:sp>
-        <p:nvSpPr>
-          <p:cNvPr id="3" name="Content Placeholder 2">
-            <a:extLst>
-              <a:ext uri="{FF2B5EF4-FFF2-40B4-BE49-F238E27FC236}">
-                <a16:creationId xmlns:a16="http://schemas.microsoft.com/office/drawing/2014/main" id="{27B75759-5D25-4A42-AFDB-D22809BC55AA}"/>
-              </a:ext>
-            </a:extLst>
-          </p:cNvPr>
-          <p:cNvSpPr>
-            <a:spLocks noGrp="1"/>
-          </p:cNvSpPr>
-          <p:nvPr>
-            <p:ph idx="1"/>
-          </p:nvPr>
-        </p:nvSpPr>
-        <p:spPr>
-          <a:xfrm>
-            <a:off x="3979600" y="2286000"/>
-            <a:ext cx="3809128" cy="4023360"/>
-          </a:xfrm>
-        </p:spPr>
-        <p:txBody>
-          <a:bodyPr>
-            <a:normAutofit/>
-          </a:bodyPr>
-          <a:lstStyle/>
-          <a:p>
-            <a:pPr algn="ctr"/>
-            <a:r>
-              <a:rPr lang="en-US" sz="2800" b="1" dirty="0"/>
-              <a:t>AWS RDS for Database, S3 for Storage</a:t>
-            </a:r>
-          </a:p>
-        </p:txBody>
-      </p:sp>
-      <p:pic>
-        <p:nvPicPr>
-          <p:cNvPr id="1028" name="Picture 4" descr="AWS — Amazon RDS vs Amazon EC2 Relational Databases — Comparison | by  Ashish Patel | Awesome Cloud | Medium">
-            <a:extLst>
-              <a:ext uri="{FF2B5EF4-FFF2-40B4-BE49-F238E27FC236}">
-                <a16:creationId xmlns:a16="http://schemas.microsoft.com/office/drawing/2014/main" id="{A180046F-7F16-4452-9C91-7A5DC0F77F25}"/>
-              </a:ext>
-            </a:extLst>
-          </p:cNvPr>
-          <p:cNvPicPr>
-            <a:picLocks noChangeAspect="1" noChangeArrowheads="1"/>
-          </p:cNvPicPr>
-          <p:nvPr/>
-        </p:nvPicPr>
-        <p:blipFill>
-          <a:blip r:embed="rId2">
-            <a:extLst>
-              <a:ext uri="{28A0092B-C50C-407E-A947-70E740481C1C}">
-                <a14:useLocalDpi xmlns:a14="http://schemas.microsoft.com/office/drawing/2010/main" val="0"/>
-              </a:ext>
-            </a:extLst>
-          </a:blip>
-          <a:srcRect/>
-          <a:stretch>
-            <a:fillRect/>
-          </a:stretch>
-        </p:blipFill>
-        <p:spPr bwMode="auto">
-          <a:xfrm>
-            <a:off x="5659845" y="3490238"/>
-            <a:ext cx="2046082" cy="1275199"/>
-          </a:xfrm>
-          <a:prstGeom prst="rect">
-            <a:avLst/>
-          </a:prstGeom>
-          <a:noFill/>
-          <a:extLst>
-            <a:ext uri="{909E8E84-426E-40DD-AFC4-6F175D3DCCD1}">
-              <a14:hiddenFill xmlns:a14="http://schemas.microsoft.com/office/drawing/2010/main">
-                <a:solidFill>
-                  <a:srgbClr val="FFFFFF"/>
-                </a:solidFill>
-              </a14:hiddenFill>
-            </a:ext>
-          </a:extLst>
-        </p:spPr>
-      </p:pic>
-      <p:pic>
-        <p:nvPicPr>
-          <p:cNvPr id="1030" name="Picture 6" descr="AWS —Amazon S3 Storage Classes Overview | by Ashish Patel | Awesome Cloud |  Medium">
-            <a:extLst>
-              <a:ext uri="{FF2B5EF4-FFF2-40B4-BE49-F238E27FC236}">
-                <a16:creationId xmlns:a16="http://schemas.microsoft.com/office/drawing/2014/main" id="{A16F22DF-9FAF-49B3-8245-347FC1E5C0B7}"/>
-              </a:ext>
-            </a:extLst>
-          </p:cNvPr>
-          <p:cNvPicPr>
-            <a:picLocks noChangeAspect="1" noChangeArrowheads="1"/>
-          </p:cNvPicPr>
-          <p:nvPr/>
-        </p:nvPicPr>
-        <p:blipFill>
-          <a:blip r:embed="rId3">
-            <a:extLst>
-              <a:ext uri="{28A0092B-C50C-407E-A947-70E740481C1C}">
-                <a14:useLocalDpi xmlns:a14="http://schemas.microsoft.com/office/drawing/2010/main" val="0"/>
-              </a:ext>
-            </a:extLst>
-          </a:blip>
-          <a:srcRect/>
-          <a:stretch>
-            <a:fillRect/>
-          </a:stretch>
-        </p:blipFill>
-        <p:spPr bwMode="auto">
-          <a:xfrm>
-            <a:off x="4018194" y="3429000"/>
-            <a:ext cx="1865970" cy="1397676"/>
-          </a:xfrm>
-          <a:prstGeom prst="rect">
-            <a:avLst/>
-          </a:prstGeom>
-          <a:noFill/>
-          <a:extLst>
-            <a:ext uri="{909E8E84-426E-40DD-AFC4-6F175D3DCCD1}">
-              <a14:hiddenFill xmlns:a14="http://schemas.microsoft.com/office/drawing/2010/main">
-                <a:solidFill>
-                  <a:srgbClr val="FFFFFF"/>
-                </a:solidFill>
-              </a14:hiddenFill>
-            </a:ext>
-          </a:extLst>
-        </p:spPr>
-      </p:pic>
-      <p:pic>
-        <p:nvPicPr>
-          <p:cNvPr id="1032" name="Picture 8" descr="Amazon RDS for PostgreSQL – Amazon Web Services (AWS)">
-            <a:extLst>
-              <a:ext uri="{FF2B5EF4-FFF2-40B4-BE49-F238E27FC236}">
-                <a16:creationId xmlns:a16="http://schemas.microsoft.com/office/drawing/2014/main" id="{64B79BE4-020B-4B50-AFD8-2C4309D3ABC5}"/>
-              </a:ext>
-            </a:extLst>
-          </p:cNvPr>
-          <p:cNvPicPr>
-            <a:picLocks noChangeAspect="1" noChangeArrowheads="1"/>
-          </p:cNvPicPr>
-          <p:nvPr/>
-        </p:nvPicPr>
-        <p:blipFill>
-          <a:blip r:embed="rId4">
-            <a:extLst>
-              <a:ext uri="{28A0092B-C50C-407E-A947-70E740481C1C}">
-                <a14:useLocalDpi xmlns:a14="http://schemas.microsoft.com/office/drawing/2010/main" val="0"/>
-              </a:ext>
-            </a:extLst>
-          </a:blip>
-          <a:srcRect/>
-          <a:stretch>
-            <a:fillRect/>
-          </a:stretch>
-        </p:blipFill>
-        <p:spPr bwMode="auto">
-          <a:xfrm>
-            <a:off x="5049445" y="5059783"/>
-            <a:ext cx="1440903" cy="1325631"/>
-          </a:xfrm>
-          <a:prstGeom prst="rect">
-            <a:avLst/>
-          </a:prstGeom>
-          <a:noFill/>
-          <a:extLst>
-            <a:ext uri="{909E8E84-426E-40DD-AFC4-6F175D3DCCD1}">
-              <a14:hiddenFill xmlns:a14="http://schemas.microsoft.com/office/drawing/2010/main">
-                <a:solidFill>
-                  <a:srgbClr val="FFFFFF"/>
-                </a:solidFill>
-              </a14:hiddenFill>
-            </a:ext>
-          </a:extLst>
-        </p:spPr>
-      </p:pic>
-    </p:spTree>
-    <p:extLst>
-      <p:ext uri="{BB962C8B-B14F-4D97-AF65-F5344CB8AC3E}">
-        <p14:creationId xmlns:p14="http://schemas.microsoft.com/office/powerpoint/2010/main" val="2082921617"/>
-      </p:ext>
-    </p:extLst>
-  </p:cSld>
-  <p:clrMapOvr>
-    <a:masterClrMapping/>
-  </p:clrMapOvr>
-</p:sld>
-</file>
-
-<file path=ppt/slides/slide8.xml><?xml version="1.0" encoding="utf-8"?>
-<p:sld xmlns:a="http://schemas.openxmlformats.org/drawingml/2006/main" xmlns:r="http://schemas.openxmlformats.org/officeDocument/2006/relationships" xmlns:p="http://schemas.openxmlformats.org/presentationml/2006/main">
-  <p:cSld>
-    <p:spTree>
-      <p:nvGrpSpPr>
-        <p:cNvPr id="1" name=""/>
-        <p:cNvGrpSpPr/>
-        <p:nvPr/>
-      </p:nvGrpSpPr>
-      <p:grpSpPr>
-        <a:xfrm>
-          <a:off x="0" y="0"/>
-          <a:ext cx="0" cy="0"/>
-          <a:chOff x="0" y="0"/>
-          <a:chExt cx="0" cy="0"/>
-        </a:xfrm>
-      </p:grpSpPr>
-      <p:sp>
-        <p:nvSpPr>
-          <p:cNvPr id="2" name="Title 1">
-            <a:extLst>
-              <a:ext uri="{FF2B5EF4-FFF2-40B4-BE49-F238E27FC236}">
-                <a16:creationId xmlns:a16="http://schemas.microsoft.com/office/drawing/2014/main" id="{7E79C0C7-BCE7-4BD3-9AD5-1F3CE14078A3}"/>
-              </a:ext>
-            </a:extLst>
-          </p:cNvPr>
-          <p:cNvSpPr>
-            <a:spLocks noGrp="1"/>
-          </p:cNvSpPr>
-          <p:nvPr>
-            <p:ph type="title"/>
-          </p:nvPr>
-        </p:nvSpPr>
-        <p:spPr/>
-        <p:txBody>
-          <a:bodyPr/>
-          <a:lstStyle/>
-          <a:p>
-            <a:pPr algn="ctr"/>
-            <a:r>
-              <a:rPr lang="en-US" dirty="0"/>
-              <a:t>The process:</a:t>
-            </a:r>
-            <a:br>
-              <a:rPr lang="en-US" dirty="0"/>
-            </a:br>
-            <a:r>
-              <a:rPr lang="en-US" dirty="0"/>
-              <a:t>4. </a:t>
-            </a:r>
-            <a:r>
-              <a:rPr lang="en-US" dirty="0" err="1"/>
-              <a:t>Sklearn</a:t>
-            </a:r>
-            <a:r>
-              <a:rPr lang="en-US" dirty="0"/>
-              <a:t> for Machine Learning</a:t>
-            </a:r>
-            <a:endParaRPr lang="en-CA" dirty="0"/>
-          </a:p>
-        </p:txBody>
-      </p:sp>
-      <p:sp>
-        <p:nvSpPr>
-          <p:cNvPr id="3" name="Content Placeholder 2">
-            <a:extLst>
-              <a:ext uri="{FF2B5EF4-FFF2-40B4-BE49-F238E27FC236}">
-                <a16:creationId xmlns:a16="http://schemas.microsoft.com/office/drawing/2014/main" id="{27B75759-5D25-4A42-AFDB-D22809BC55AA}"/>
-              </a:ext>
-            </a:extLst>
-          </p:cNvPr>
-          <p:cNvSpPr>
-            <a:spLocks noGrp="1"/>
-          </p:cNvSpPr>
-          <p:nvPr>
-            <p:ph idx="1"/>
-          </p:nvPr>
-        </p:nvSpPr>
-        <p:spPr>
-          <a:xfrm>
-            <a:off x="8743388" y="2249424"/>
-            <a:ext cx="2901821" cy="4023360"/>
-          </a:xfrm>
-        </p:spPr>
-        <p:txBody>
-          <a:bodyPr>
-            <a:normAutofit/>
-          </a:bodyPr>
-          <a:lstStyle/>
-          <a:p>
-            <a:pPr>
-              <a:buFont typeface="Wingdings" panose="05000000000000000000" pitchFamily="2" charset="2"/>
-              <a:buChar char="v"/>
-            </a:pPr>
-            <a:r>
-              <a:rPr lang="en-US" sz="2800" b="1" dirty="0"/>
-              <a:t>Logistic Regression</a:t>
-            </a:r>
-          </a:p>
-          <a:p>
-            <a:pPr>
-              <a:buFont typeface="Wingdings" panose="05000000000000000000" pitchFamily="2" charset="2"/>
-              <a:buChar char="v"/>
-            </a:pPr>
-            <a:r>
-              <a:rPr lang="en-US" sz="2800" b="1" dirty="0"/>
-              <a:t>K Nearest Neighbor</a:t>
-            </a:r>
-          </a:p>
-          <a:p>
-            <a:pPr>
-              <a:buFont typeface="Wingdings" panose="05000000000000000000" pitchFamily="2" charset="2"/>
-              <a:buChar char="v"/>
-            </a:pPr>
-            <a:r>
-              <a:rPr lang="en-US" sz="2800" b="1" dirty="0"/>
-              <a:t>Random Forest</a:t>
-            </a:r>
-          </a:p>
-        </p:txBody>
-      </p:sp>
-      <p:pic>
-        <p:nvPicPr>
-          <p:cNvPr id="4" name="Picture 3">
-            <a:extLst>
-              <a:ext uri="{FF2B5EF4-FFF2-40B4-BE49-F238E27FC236}">
-                <a16:creationId xmlns:a16="http://schemas.microsoft.com/office/drawing/2014/main" id="{10D059BD-6442-420B-BF95-03DCEEF984AF}"/>
-              </a:ext>
-            </a:extLst>
-          </p:cNvPr>
-          <p:cNvPicPr>
-            <a:picLocks noChangeAspect="1"/>
-          </p:cNvPicPr>
-          <p:nvPr/>
-        </p:nvPicPr>
-        <p:blipFill>
-          <a:blip r:embed="rId2"/>
-          <a:stretch>
-            <a:fillRect/>
-          </a:stretch>
-        </p:blipFill>
-        <p:spPr>
-          <a:xfrm>
-            <a:off x="447869" y="1902658"/>
-            <a:ext cx="7987004" cy="4955342"/>
-          </a:xfrm>
-          <a:prstGeom prst="rect">
-            <a:avLst/>
-          </a:prstGeom>
-        </p:spPr>
-      </p:pic>
-    </p:spTree>
-    <p:extLst>
-      <p:ext uri="{BB962C8B-B14F-4D97-AF65-F5344CB8AC3E}">
-        <p14:creationId xmlns:p14="http://schemas.microsoft.com/office/powerpoint/2010/main" val="1403242579"/>
-      </p:ext>
-    </p:extLst>
-  </p:cSld>
-  <p:clrMapOvr>
-    <a:masterClrMapping/>
-  </p:clrMapOvr>
-</p:sld>
-</file>
-
-<file path=ppt/slides/slide9.xml><?xml version="1.0" encoding="utf-8"?>
 <p:sld xmlns:a="http://schemas.openxmlformats.org/drawingml/2006/main" xmlns:r="http://schemas.openxmlformats.org/officeDocument/2006/relationships" xmlns:p="http://schemas.openxmlformats.org/presentationml/2006/main">
   <p:cSld>
     <p:spTree>
@@ -26089,6 +23827,3670 @@
 </p:sld>
 </file>
 
+<file path=ppt/slides/slide11.xml><?xml version="1.0" encoding="utf-8"?>
+<p:sld xmlns:a="http://schemas.openxmlformats.org/drawingml/2006/main" xmlns:r="http://schemas.openxmlformats.org/officeDocument/2006/relationships" xmlns:p="http://schemas.openxmlformats.org/presentationml/2006/main">
+  <p:cSld>
+    <p:spTree>
+      <p:nvGrpSpPr>
+        <p:cNvPr id="1" name=""/>
+        <p:cNvGrpSpPr/>
+        <p:nvPr/>
+      </p:nvGrpSpPr>
+      <p:grpSpPr>
+        <a:xfrm>
+          <a:off x="0" y="0"/>
+          <a:ext cx="0" cy="0"/>
+          <a:chOff x="0" y="0"/>
+          <a:chExt cx="0" cy="0"/>
+        </a:xfrm>
+      </p:grpSpPr>
+      <p:sp>
+        <p:nvSpPr>
+          <p:cNvPr id="2" name="Title 1">
+            <a:extLst>
+              <a:ext uri="{FF2B5EF4-FFF2-40B4-BE49-F238E27FC236}">
+                <a16:creationId xmlns:a16="http://schemas.microsoft.com/office/drawing/2014/main" id="{F3875C9A-4222-4E06-A7E3-A65D0E2FE3C7}"/>
+              </a:ext>
+            </a:extLst>
+          </p:cNvPr>
+          <p:cNvSpPr>
+            <a:spLocks noGrp="1"/>
+          </p:cNvSpPr>
+          <p:nvPr>
+            <p:ph type="title"/>
+          </p:nvPr>
+        </p:nvSpPr>
+        <p:spPr>
+          <a:xfrm>
+            <a:off x="1024032" y="809150"/>
+            <a:ext cx="9720072" cy="1499616"/>
+          </a:xfrm>
+        </p:spPr>
+        <p:txBody>
+          <a:bodyPr>
+            <a:normAutofit fontScale="90000"/>
+          </a:bodyPr>
+          <a:lstStyle/>
+          <a:p>
+            <a:pPr algn="ctr"/>
+            <a:r>
+              <a:rPr lang="en-US" dirty="0"/>
+              <a:t>Result:</a:t>
+            </a:r>
+            <a:br>
+              <a:rPr lang="en-US" dirty="0"/>
+            </a:br>
+            <a:r>
+              <a:rPr lang="en-US" dirty="0"/>
+              <a:t>Machine learning prediction</a:t>
+            </a:r>
+            <a:br>
+              <a:rPr lang="en-US" dirty="0"/>
+            </a:br>
+            <a:r>
+              <a:rPr lang="en-US" dirty="0"/>
+              <a:t>of</a:t>
+            </a:r>
+            <a:br>
+              <a:rPr lang="en-US" dirty="0"/>
+            </a:br>
+            <a:r>
+              <a:rPr lang="en-US" dirty="0"/>
+              <a:t>Ongoing trials</a:t>
+            </a:r>
+            <a:endParaRPr lang="en-CA" dirty="0"/>
+          </a:p>
+        </p:txBody>
+      </p:sp>
+      <p:pic>
+        <p:nvPicPr>
+          <p:cNvPr id="4" name="Content Placeholder 3">
+            <a:extLst>
+              <a:ext uri="{FF2B5EF4-FFF2-40B4-BE49-F238E27FC236}">
+                <a16:creationId xmlns:a16="http://schemas.microsoft.com/office/drawing/2014/main" id="{309518DB-AB9F-4C54-B7E5-AE5D7A183ABD}"/>
+              </a:ext>
+            </a:extLst>
+          </p:cNvPr>
+          <p:cNvPicPr>
+            <a:picLocks noGrp="1" noChangeAspect="1"/>
+          </p:cNvPicPr>
+          <p:nvPr>
+            <p:ph idx="1"/>
+          </p:nvPr>
+        </p:nvPicPr>
+        <p:blipFill>
+          <a:blip r:embed="rId2"/>
+          <a:stretch>
+            <a:fillRect/>
+          </a:stretch>
+        </p:blipFill>
+        <p:spPr>
+          <a:xfrm>
+            <a:off x="4555331" y="3092450"/>
+            <a:ext cx="2657475" cy="2409825"/>
+          </a:xfrm>
+          <a:prstGeom prst="rect">
+            <a:avLst/>
+          </a:prstGeom>
+        </p:spPr>
+      </p:pic>
+    </p:spTree>
+    <p:extLst>
+      <p:ext uri="{BB962C8B-B14F-4D97-AF65-F5344CB8AC3E}">
+        <p14:creationId xmlns:p14="http://schemas.microsoft.com/office/powerpoint/2010/main" val="775691466"/>
+      </p:ext>
+    </p:extLst>
+  </p:cSld>
+  <p:clrMapOvr>
+    <a:masterClrMapping/>
+  </p:clrMapOvr>
+</p:sld>
+</file>
+
+<file path=ppt/slides/slide12.xml><?xml version="1.0" encoding="utf-8"?>
+<p:sld xmlns:a="http://schemas.openxmlformats.org/drawingml/2006/main" xmlns:r="http://schemas.openxmlformats.org/officeDocument/2006/relationships" xmlns:p="http://schemas.openxmlformats.org/presentationml/2006/main">
+  <p:cSld>
+    <p:spTree>
+      <p:nvGrpSpPr>
+        <p:cNvPr id="1" name=""/>
+        <p:cNvGrpSpPr/>
+        <p:nvPr/>
+      </p:nvGrpSpPr>
+      <p:grpSpPr>
+        <a:xfrm>
+          <a:off x="0" y="0"/>
+          <a:ext cx="0" cy="0"/>
+          <a:chOff x="0" y="0"/>
+          <a:chExt cx="0" cy="0"/>
+        </a:xfrm>
+      </p:grpSpPr>
+      <p:sp>
+        <p:nvSpPr>
+          <p:cNvPr id="2" name="Title 1">
+            <a:extLst>
+              <a:ext uri="{FF2B5EF4-FFF2-40B4-BE49-F238E27FC236}">
+                <a16:creationId xmlns:a16="http://schemas.microsoft.com/office/drawing/2014/main" id="{AD658922-B532-403D-B06C-C93940561F16}"/>
+              </a:ext>
+            </a:extLst>
+          </p:cNvPr>
+          <p:cNvSpPr>
+            <a:spLocks noGrp="1"/>
+          </p:cNvSpPr>
+          <p:nvPr>
+            <p:ph type="title"/>
+          </p:nvPr>
+        </p:nvSpPr>
+        <p:spPr/>
+        <p:txBody>
+          <a:bodyPr/>
+          <a:lstStyle/>
+          <a:p>
+            <a:r>
+              <a:rPr lang="en-US" dirty="0"/>
+              <a:t>R</a:t>
+            </a:r>
+            <a:r>
+              <a:rPr lang="en-CA" dirty="0" err="1"/>
+              <a:t>esult</a:t>
+            </a:r>
+            <a:r>
+              <a:rPr lang="en-CA" dirty="0"/>
+              <a:t>: Visualization</a:t>
+            </a:r>
+          </a:p>
+        </p:txBody>
+      </p:sp>
+      <p:sp>
+        <p:nvSpPr>
+          <p:cNvPr id="3" name="Content Placeholder 2">
+            <a:extLst>
+              <a:ext uri="{FF2B5EF4-FFF2-40B4-BE49-F238E27FC236}">
+                <a16:creationId xmlns:a16="http://schemas.microsoft.com/office/drawing/2014/main" id="{3D4E0D27-529A-47FB-B99B-695BAA22227F}"/>
+              </a:ext>
+            </a:extLst>
+          </p:cNvPr>
+          <p:cNvSpPr>
+            <a:spLocks noGrp="1"/>
+          </p:cNvSpPr>
+          <p:nvPr>
+            <p:ph idx="1"/>
+          </p:nvPr>
+        </p:nvSpPr>
+        <p:spPr/>
+        <p:txBody>
+          <a:bodyPr>
+            <a:normAutofit/>
+          </a:bodyPr>
+          <a:lstStyle/>
+          <a:p>
+            <a:pPr algn="ctr">
+              <a:lnSpc>
+                <a:spcPct val="250000"/>
+              </a:lnSpc>
+            </a:pPr>
+            <a:r>
+              <a:rPr lang="en-US" sz="2400" dirty="0">
+                <a:hlinkClick r:id="rId2"/>
+              </a:rPr>
+              <a:t>Click here for Tableau!</a:t>
+            </a:r>
+            <a:endParaRPr lang="en-CA" sz="2400" dirty="0"/>
+          </a:p>
+        </p:txBody>
+      </p:sp>
+    </p:spTree>
+    <p:extLst>
+      <p:ext uri="{BB962C8B-B14F-4D97-AF65-F5344CB8AC3E}">
+        <p14:creationId xmlns:p14="http://schemas.microsoft.com/office/powerpoint/2010/main" val="3905846690"/>
+      </p:ext>
+    </p:extLst>
+  </p:cSld>
+  <p:clrMapOvr>
+    <a:masterClrMapping/>
+  </p:clrMapOvr>
+</p:sld>
+</file>
+
+<file path=ppt/slides/slide13.xml><?xml version="1.0" encoding="utf-8"?>
+<p:sld xmlns:a="http://schemas.openxmlformats.org/drawingml/2006/main" xmlns:r="http://schemas.openxmlformats.org/officeDocument/2006/relationships" xmlns:p="http://schemas.openxmlformats.org/presentationml/2006/main" show="0">
+  <p:cSld>
+    <p:spTree>
+      <p:nvGrpSpPr>
+        <p:cNvPr id="1" name=""/>
+        <p:cNvGrpSpPr/>
+        <p:nvPr/>
+      </p:nvGrpSpPr>
+      <p:grpSpPr>
+        <a:xfrm>
+          <a:off x="0" y="0"/>
+          <a:ext cx="0" cy="0"/>
+          <a:chOff x="0" y="0"/>
+          <a:chExt cx="0" cy="0"/>
+        </a:xfrm>
+      </p:grpSpPr>
+      <p:sp>
+        <p:nvSpPr>
+          <p:cNvPr id="2" name="Title 1">
+            <a:extLst>
+              <a:ext uri="{FF2B5EF4-FFF2-40B4-BE49-F238E27FC236}">
+                <a16:creationId xmlns:a16="http://schemas.microsoft.com/office/drawing/2014/main" id="{8911DB4C-42F8-4978-A33F-2CCEA9D7E25B}"/>
+              </a:ext>
+            </a:extLst>
+          </p:cNvPr>
+          <p:cNvSpPr>
+            <a:spLocks noGrp="1"/>
+          </p:cNvSpPr>
+          <p:nvPr>
+            <p:ph type="title"/>
+          </p:nvPr>
+        </p:nvSpPr>
+        <p:spPr/>
+        <p:txBody>
+          <a:bodyPr/>
+          <a:lstStyle/>
+          <a:p>
+            <a:r>
+              <a:rPr lang="en-US" dirty="0"/>
+              <a:t>Visualization Result – part 1</a:t>
+            </a:r>
+            <a:endParaRPr lang="en-CA" dirty="0"/>
+          </a:p>
+        </p:txBody>
+      </p:sp>
+      <p:sp>
+        <p:nvSpPr>
+          <p:cNvPr id="3" name="Content Placeholder 2">
+            <a:extLst>
+              <a:ext uri="{FF2B5EF4-FFF2-40B4-BE49-F238E27FC236}">
+                <a16:creationId xmlns:a16="http://schemas.microsoft.com/office/drawing/2014/main" id="{1256FDAC-973A-4A0D-87CE-F7C9153D4193}"/>
+              </a:ext>
+            </a:extLst>
+          </p:cNvPr>
+          <p:cNvSpPr>
+            <a:spLocks noGrp="1"/>
+          </p:cNvSpPr>
+          <p:nvPr>
+            <p:ph idx="1"/>
+          </p:nvPr>
+        </p:nvSpPr>
+        <p:spPr/>
+        <p:txBody>
+          <a:bodyPr>
+            <a:normAutofit lnSpcReduction="10000"/>
+          </a:bodyPr>
+          <a:lstStyle/>
+          <a:p>
+            <a:r>
+              <a:rPr lang="en-US" dirty="0"/>
+              <a:t>Dashboard #1</a:t>
+            </a:r>
+          </a:p>
+          <a:p>
+            <a:r>
+              <a:rPr lang="en-US" dirty="0"/>
+              <a:t>Goal:</a:t>
+            </a:r>
+          </a:p>
+          <a:p>
+            <a:pPr>
+              <a:buFont typeface="Wingdings" panose="05000000000000000000" pitchFamily="2" charset="2"/>
+              <a:buChar char="v"/>
+            </a:pPr>
+            <a:r>
+              <a:rPr lang="en-US" dirty="0"/>
+              <a:t>Give quick understanding of our data size</a:t>
+            </a:r>
+          </a:p>
+          <a:p>
+            <a:pPr>
+              <a:buFont typeface="Wingdings" panose="05000000000000000000" pitchFamily="2" charset="2"/>
+              <a:buChar char="v"/>
+            </a:pPr>
+            <a:r>
+              <a:rPr lang="en-US"/>
+              <a:t>Show number of </a:t>
+            </a:r>
+            <a:r>
+              <a:rPr lang="en-US" dirty="0"/>
+              <a:t>the data before, and after we apply filter</a:t>
+            </a:r>
+          </a:p>
+          <a:p>
+            <a:pPr>
+              <a:buFont typeface="Wingdings" panose="05000000000000000000" pitchFamily="2" charset="2"/>
+              <a:buChar char="v"/>
+            </a:pPr>
+            <a:r>
+              <a:rPr lang="en-US" dirty="0"/>
+              <a:t>Show proportion of data (terminated, completed, </a:t>
+            </a:r>
+            <a:r>
+              <a:rPr lang="en-US" dirty="0" err="1"/>
+              <a:t>etc</a:t>
+            </a:r>
+            <a:r>
+              <a:rPr lang="en-US" dirty="0"/>
+              <a:t>)</a:t>
+            </a:r>
+          </a:p>
+          <a:p>
+            <a:pPr>
+              <a:buFont typeface="Wingdings" panose="05000000000000000000" pitchFamily="2" charset="2"/>
+              <a:buChar char="v"/>
+            </a:pPr>
+            <a:r>
+              <a:rPr lang="en-US" dirty="0"/>
+              <a:t>Emphasize:</a:t>
+            </a:r>
+          </a:p>
+          <a:p>
+            <a:pPr lvl="1">
+              <a:buFont typeface="Wingdings" panose="05000000000000000000" pitchFamily="2" charset="2"/>
+              <a:buChar char="v"/>
+            </a:pPr>
+            <a:r>
+              <a:rPr lang="en-US" dirty="0"/>
+              <a:t>Number of Trials at current filter state (Count of </a:t>
+            </a:r>
+            <a:r>
+              <a:rPr lang="en-US" dirty="0" err="1"/>
+              <a:t>FullTable</a:t>
+            </a:r>
+            <a:r>
+              <a:rPr lang="en-US" dirty="0"/>
+              <a:t>)</a:t>
+            </a:r>
+          </a:p>
+          <a:p>
+            <a:pPr lvl="1">
+              <a:buFont typeface="Wingdings" panose="05000000000000000000" pitchFamily="2" charset="2"/>
+              <a:buChar char="v"/>
+            </a:pPr>
+            <a:r>
+              <a:rPr lang="en-US" dirty="0"/>
+              <a:t>Percentage of Overall Status</a:t>
+            </a:r>
+          </a:p>
+          <a:p>
+            <a:pPr lvl="1">
+              <a:buFont typeface="Wingdings" panose="05000000000000000000" pitchFamily="2" charset="2"/>
+              <a:buChar char="v"/>
+            </a:pPr>
+            <a:r>
+              <a:rPr lang="en-US" dirty="0"/>
+              <a:t>Everything else is not necessary at this point, I think?</a:t>
+            </a:r>
+          </a:p>
+          <a:p>
+            <a:pPr lvl="1">
+              <a:buFont typeface="Wingdings" panose="05000000000000000000" pitchFamily="2" charset="2"/>
+              <a:buChar char="v"/>
+            </a:pPr>
+            <a:r>
+              <a:rPr lang="en-US" dirty="0"/>
+              <a:t>Maybe use only small part of Dashboard3, but in bigger size</a:t>
+            </a:r>
+          </a:p>
+        </p:txBody>
+      </p:sp>
+      <p:pic>
+        <p:nvPicPr>
+          <p:cNvPr id="4" name="Picture 3">
+            <a:extLst>
+              <a:ext uri="{FF2B5EF4-FFF2-40B4-BE49-F238E27FC236}">
+                <a16:creationId xmlns:a16="http://schemas.microsoft.com/office/drawing/2014/main" id="{7DB8BC43-E225-49C9-B44D-19FB2DB58AB2}"/>
+              </a:ext>
+            </a:extLst>
+          </p:cNvPr>
+          <p:cNvPicPr>
+            <a:picLocks noChangeAspect="1"/>
+          </p:cNvPicPr>
+          <p:nvPr/>
+        </p:nvPicPr>
+        <p:blipFill>
+          <a:blip r:embed="rId2"/>
+          <a:stretch>
+            <a:fillRect/>
+          </a:stretch>
+        </p:blipFill>
+        <p:spPr>
+          <a:xfrm>
+            <a:off x="8091718" y="2084832"/>
+            <a:ext cx="3809996" cy="3980495"/>
+          </a:xfrm>
+          <a:prstGeom prst="rect">
+            <a:avLst/>
+          </a:prstGeom>
+        </p:spPr>
+      </p:pic>
+    </p:spTree>
+    <p:extLst>
+      <p:ext uri="{BB962C8B-B14F-4D97-AF65-F5344CB8AC3E}">
+        <p14:creationId xmlns:p14="http://schemas.microsoft.com/office/powerpoint/2010/main" val="3757368934"/>
+      </p:ext>
+    </p:extLst>
+  </p:cSld>
+  <p:clrMapOvr>
+    <a:masterClrMapping/>
+  </p:clrMapOvr>
+</p:sld>
+</file>
+
+<file path=ppt/slides/slide14.xml><?xml version="1.0" encoding="utf-8"?>
+<p:sld xmlns:a="http://schemas.openxmlformats.org/drawingml/2006/main" xmlns:r="http://schemas.openxmlformats.org/officeDocument/2006/relationships" xmlns:p="http://schemas.openxmlformats.org/presentationml/2006/main" show="0">
+  <p:cSld>
+    <p:spTree>
+      <p:nvGrpSpPr>
+        <p:cNvPr id="1" name=""/>
+        <p:cNvGrpSpPr/>
+        <p:nvPr/>
+      </p:nvGrpSpPr>
+      <p:grpSpPr>
+        <a:xfrm>
+          <a:off x="0" y="0"/>
+          <a:ext cx="0" cy="0"/>
+          <a:chOff x="0" y="0"/>
+          <a:chExt cx="0" cy="0"/>
+        </a:xfrm>
+      </p:grpSpPr>
+      <p:sp>
+        <p:nvSpPr>
+          <p:cNvPr id="2" name="Title 1">
+            <a:extLst>
+              <a:ext uri="{FF2B5EF4-FFF2-40B4-BE49-F238E27FC236}">
+                <a16:creationId xmlns:a16="http://schemas.microsoft.com/office/drawing/2014/main" id="{8911DB4C-42F8-4978-A33F-2CCEA9D7E25B}"/>
+              </a:ext>
+            </a:extLst>
+          </p:cNvPr>
+          <p:cNvSpPr>
+            <a:spLocks noGrp="1"/>
+          </p:cNvSpPr>
+          <p:nvPr>
+            <p:ph type="title"/>
+          </p:nvPr>
+        </p:nvSpPr>
+        <p:spPr/>
+        <p:txBody>
+          <a:bodyPr/>
+          <a:lstStyle/>
+          <a:p>
+            <a:r>
+              <a:rPr lang="en-US" dirty="0"/>
+              <a:t>Visualization Result – part 2</a:t>
+            </a:r>
+            <a:endParaRPr lang="en-CA" dirty="0"/>
+          </a:p>
+        </p:txBody>
+      </p:sp>
+      <p:sp>
+        <p:nvSpPr>
+          <p:cNvPr id="3" name="Content Placeholder 2">
+            <a:extLst>
+              <a:ext uri="{FF2B5EF4-FFF2-40B4-BE49-F238E27FC236}">
+                <a16:creationId xmlns:a16="http://schemas.microsoft.com/office/drawing/2014/main" id="{1256FDAC-973A-4A0D-87CE-F7C9153D4193}"/>
+              </a:ext>
+            </a:extLst>
+          </p:cNvPr>
+          <p:cNvSpPr>
+            <a:spLocks noGrp="1"/>
+          </p:cNvSpPr>
+          <p:nvPr>
+            <p:ph idx="1"/>
+          </p:nvPr>
+        </p:nvSpPr>
+        <p:spPr/>
+        <p:txBody>
+          <a:bodyPr>
+            <a:normAutofit/>
+          </a:bodyPr>
+          <a:lstStyle/>
+          <a:p>
+            <a:r>
+              <a:rPr lang="en-US" dirty="0"/>
+              <a:t>Dashboard #2</a:t>
+            </a:r>
+          </a:p>
+          <a:p>
+            <a:r>
+              <a:rPr lang="en-US" dirty="0"/>
+              <a:t>Goal:</a:t>
+            </a:r>
+          </a:p>
+          <a:p>
+            <a:pPr>
+              <a:buFont typeface="Wingdings" panose="05000000000000000000" pitchFamily="2" charset="2"/>
+              <a:buChar char="v"/>
+            </a:pPr>
+            <a:r>
+              <a:rPr lang="en-US" dirty="0"/>
+              <a:t>Show viz result of Random Forest, highlighting 6 chosen features</a:t>
+            </a:r>
+          </a:p>
+          <a:p>
+            <a:pPr>
+              <a:buFont typeface="Wingdings" panose="05000000000000000000" pitchFamily="2" charset="2"/>
+              <a:buChar char="v"/>
+            </a:pPr>
+            <a:r>
+              <a:rPr lang="en-US" dirty="0"/>
+              <a:t>Allow user to navigate between different conditions, so they can compare </a:t>
+            </a:r>
+          </a:p>
+          <a:p>
+            <a:pPr>
+              <a:buFont typeface="Wingdings" panose="05000000000000000000" pitchFamily="2" charset="2"/>
+              <a:buChar char="v"/>
+            </a:pPr>
+            <a:r>
+              <a:rPr lang="en-US" dirty="0"/>
+              <a:t>Thought:</a:t>
+            </a:r>
+          </a:p>
+          <a:p>
+            <a:pPr lvl="1">
+              <a:buFont typeface="Wingdings" panose="05000000000000000000" pitchFamily="2" charset="2"/>
+              <a:buChar char="v"/>
+            </a:pPr>
+            <a:r>
+              <a:rPr lang="en-US" dirty="0"/>
+              <a:t>Basically Dashboard4, but we use only data from Random Forest Prediction</a:t>
+            </a:r>
+          </a:p>
+          <a:p>
+            <a:pPr lvl="1">
+              <a:buFont typeface="Wingdings" panose="05000000000000000000" pitchFamily="2" charset="2"/>
+              <a:buChar char="v"/>
+            </a:pPr>
+            <a:r>
+              <a:rPr lang="en-US" dirty="0"/>
+              <a:t>Let’s make sure the middle part is not blank</a:t>
+            </a:r>
+          </a:p>
+        </p:txBody>
+      </p:sp>
+    </p:spTree>
+    <p:extLst>
+      <p:ext uri="{BB962C8B-B14F-4D97-AF65-F5344CB8AC3E}">
+        <p14:creationId xmlns:p14="http://schemas.microsoft.com/office/powerpoint/2010/main" val="419308705"/>
+      </p:ext>
+    </p:extLst>
+  </p:cSld>
+  <p:clrMapOvr>
+    <a:masterClrMapping/>
+  </p:clrMapOvr>
+</p:sld>
+</file>
+
+<file path=ppt/slides/slide2.xml><?xml version="1.0" encoding="utf-8"?>
+<p:sld xmlns:a="http://schemas.openxmlformats.org/drawingml/2006/main" xmlns:r="http://schemas.openxmlformats.org/officeDocument/2006/relationships" xmlns:p="http://schemas.openxmlformats.org/presentationml/2006/main">
+  <p:cSld>
+    <p:spTree>
+      <p:nvGrpSpPr>
+        <p:cNvPr id="1" name=""/>
+        <p:cNvGrpSpPr/>
+        <p:nvPr/>
+      </p:nvGrpSpPr>
+      <p:grpSpPr>
+        <a:xfrm>
+          <a:off x="0" y="0"/>
+          <a:ext cx="0" cy="0"/>
+          <a:chOff x="0" y="0"/>
+          <a:chExt cx="0" cy="0"/>
+        </a:xfrm>
+      </p:grpSpPr>
+      <p:sp>
+        <p:nvSpPr>
+          <p:cNvPr id="2" name="Title 1">
+            <a:extLst>
+              <a:ext uri="{FF2B5EF4-FFF2-40B4-BE49-F238E27FC236}">
+                <a16:creationId xmlns:a16="http://schemas.microsoft.com/office/drawing/2014/main" id="{C77DEFA1-2DB8-452F-8F3B-7FD81B92382B}"/>
+              </a:ext>
+            </a:extLst>
+          </p:cNvPr>
+          <p:cNvSpPr>
+            <a:spLocks noGrp="1"/>
+          </p:cNvSpPr>
+          <p:nvPr>
+            <p:ph type="title"/>
+          </p:nvPr>
+        </p:nvSpPr>
+        <p:spPr/>
+        <p:txBody>
+          <a:bodyPr/>
+          <a:lstStyle/>
+          <a:p>
+            <a:pPr algn="ctr"/>
+            <a:r>
+              <a:rPr lang="en-US" dirty="0"/>
+              <a:t>Clinical Trials are risky and expensive investment</a:t>
+            </a:r>
+            <a:endParaRPr lang="en-CA" dirty="0"/>
+          </a:p>
+        </p:txBody>
+      </p:sp>
+      <p:sp>
+        <p:nvSpPr>
+          <p:cNvPr id="3" name="Content Placeholder 2">
+            <a:extLst>
+              <a:ext uri="{FF2B5EF4-FFF2-40B4-BE49-F238E27FC236}">
+                <a16:creationId xmlns:a16="http://schemas.microsoft.com/office/drawing/2014/main" id="{285DF01F-14CC-4401-A976-126CA6534762}"/>
+              </a:ext>
+            </a:extLst>
+          </p:cNvPr>
+          <p:cNvSpPr>
+            <a:spLocks noGrp="1"/>
+          </p:cNvSpPr>
+          <p:nvPr>
+            <p:ph idx="1"/>
+          </p:nvPr>
+        </p:nvSpPr>
+        <p:spPr>
+          <a:xfrm>
+            <a:off x="753145" y="2741168"/>
+            <a:ext cx="4342965" cy="2032000"/>
+          </a:xfrm>
+        </p:spPr>
+        <p:txBody>
+          <a:bodyPr>
+            <a:normAutofit lnSpcReduction="10000"/>
+          </a:bodyPr>
+          <a:lstStyle/>
+          <a:p>
+            <a:pPr marL="0" indent="0" algn="ctr">
+              <a:buNone/>
+            </a:pPr>
+            <a:r>
+              <a:rPr lang="en-US" sz="9600" dirty="0"/>
+              <a:t>86 %</a:t>
+            </a:r>
+          </a:p>
+          <a:p>
+            <a:pPr algn="ctr"/>
+            <a:r>
+              <a:rPr lang="en-US" sz="2000" b="1" dirty="0"/>
+              <a:t>Overall Failure Rate</a:t>
+            </a:r>
+            <a:r>
+              <a:rPr lang="en-US" sz="2000" dirty="0"/>
+              <a:t> of drugs and vaccine trial</a:t>
+            </a:r>
+            <a:endParaRPr lang="en-CA" sz="2000" dirty="0"/>
+          </a:p>
+        </p:txBody>
+      </p:sp>
+      <p:grpSp>
+        <p:nvGrpSpPr>
+          <p:cNvPr id="16" name="Group 15">
+            <a:extLst>
+              <a:ext uri="{FF2B5EF4-FFF2-40B4-BE49-F238E27FC236}">
+                <a16:creationId xmlns:a16="http://schemas.microsoft.com/office/drawing/2014/main" id="{C124355B-287C-418C-A53C-D2F4C1CD9EF4}"/>
+              </a:ext>
+            </a:extLst>
+          </p:cNvPr>
+          <p:cNvGrpSpPr/>
+          <p:nvPr/>
+        </p:nvGrpSpPr>
+        <p:grpSpPr>
+          <a:xfrm>
+            <a:off x="7695098" y="3405030"/>
+            <a:ext cx="910827" cy="1348840"/>
+            <a:chOff x="7695098" y="3405030"/>
+            <a:chExt cx="910827" cy="1348840"/>
+          </a:xfrm>
+        </p:grpSpPr>
+        <p:sp>
+          <p:nvSpPr>
+            <p:cNvPr id="5" name="Rectangle 4">
+              <a:extLst>
+                <a:ext uri="{FF2B5EF4-FFF2-40B4-BE49-F238E27FC236}">
+                  <a16:creationId xmlns:a16="http://schemas.microsoft.com/office/drawing/2014/main" id="{03357180-A9DB-4F0F-92F9-0FF256DB7C9E}"/>
+                </a:ext>
+              </a:extLst>
+            </p:cNvPr>
+            <p:cNvSpPr/>
+            <p:nvPr/>
+          </p:nvSpPr>
+          <p:spPr>
+            <a:xfrm>
+              <a:off x="7879226" y="4024527"/>
+              <a:ext cx="478972" cy="729343"/>
+            </a:xfrm>
+            <a:prstGeom prst="rect">
+              <a:avLst/>
+            </a:prstGeom>
+          </p:spPr>
+          <p:style>
+            <a:lnRef idx="2">
+              <a:schemeClr val="accent1">
+                <a:shade val="50000"/>
+              </a:schemeClr>
+            </a:lnRef>
+            <a:fillRef idx="1">
+              <a:schemeClr val="accent1"/>
+            </a:fillRef>
+            <a:effectRef idx="0">
+              <a:schemeClr val="accent1"/>
+            </a:effectRef>
+            <a:fontRef idx="minor">
+              <a:schemeClr val="lt1"/>
+            </a:fontRef>
+          </p:style>
+          <p:txBody>
+            <a:bodyPr rtlCol="0" anchor="ctr"/>
+            <a:lstStyle/>
+            <a:p>
+              <a:pPr algn="ctr"/>
+              <a:endParaRPr lang="en-CA"/>
+            </a:p>
+          </p:txBody>
+        </p:sp>
+        <p:sp>
+          <p:nvSpPr>
+            <p:cNvPr id="8" name="TextBox 7">
+              <a:extLst>
+                <a:ext uri="{FF2B5EF4-FFF2-40B4-BE49-F238E27FC236}">
+                  <a16:creationId xmlns:a16="http://schemas.microsoft.com/office/drawing/2014/main" id="{3E21EC54-7DE5-4BED-9CAD-FC3C68B12805}"/>
+                </a:ext>
+              </a:extLst>
+            </p:cNvPr>
+            <p:cNvSpPr txBox="1"/>
+            <p:nvPr/>
+          </p:nvSpPr>
+          <p:spPr>
+            <a:xfrm>
+              <a:off x="7695098" y="3405030"/>
+              <a:ext cx="910827" cy="646331"/>
+            </a:xfrm>
+            <a:prstGeom prst="rect">
+              <a:avLst/>
+            </a:prstGeom>
+            <a:noFill/>
+          </p:spPr>
+          <p:txBody>
+            <a:bodyPr wrap="none" rtlCol="0">
+              <a:spAutoFit/>
+            </a:bodyPr>
+            <a:lstStyle/>
+            <a:p>
+              <a:r>
+                <a:rPr lang="en-US" dirty="0"/>
+                <a:t>Phase 1</a:t>
+              </a:r>
+            </a:p>
+            <a:p>
+              <a:r>
+                <a:rPr lang="en-US" dirty="0"/>
+                <a:t>$4M</a:t>
+              </a:r>
+              <a:endParaRPr lang="en-CA" dirty="0"/>
+            </a:p>
+          </p:txBody>
+        </p:sp>
+      </p:grpSp>
+      <p:grpSp>
+        <p:nvGrpSpPr>
+          <p:cNvPr id="17" name="Group 16">
+            <a:extLst>
+              <a:ext uri="{FF2B5EF4-FFF2-40B4-BE49-F238E27FC236}">
+                <a16:creationId xmlns:a16="http://schemas.microsoft.com/office/drawing/2014/main" id="{C56BE360-0A08-4F88-BAC6-7E326AAA61EC}"/>
+              </a:ext>
+            </a:extLst>
+          </p:cNvPr>
+          <p:cNvGrpSpPr/>
+          <p:nvPr/>
+        </p:nvGrpSpPr>
+        <p:grpSpPr>
+          <a:xfrm>
+            <a:off x="8716569" y="2542464"/>
+            <a:ext cx="910827" cy="2211407"/>
+            <a:chOff x="8716569" y="2542464"/>
+            <a:chExt cx="910827" cy="2211407"/>
+          </a:xfrm>
+        </p:grpSpPr>
+        <p:sp>
+          <p:nvSpPr>
+            <p:cNvPr id="6" name="Rectangle 5">
+              <a:extLst>
+                <a:ext uri="{FF2B5EF4-FFF2-40B4-BE49-F238E27FC236}">
+                  <a16:creationId xmlns:a16="http://schemas.microsoft.com/office/drawing/2014/main" id="{779D7E1F-0DC9-475E-B221-6371E87F79D7}"/>
+                </a:ext>
+              </a:extLst>
+            </p:cNvPr>
+            <p:cNvSpPr/>
+            <p:nvPr/>
+          </p:nvSpPr>
+          <p:spPr>
+            <a:xfrm>
+              <a:off x="8786369" y="3254255"/>
+              <a:ext cx="478972" cy="1499616"/>
+            </a:xfrm>
+            <a:prstGeom prst="rect">
+              <a:avLst/>
+            </a:prstGeom>
+          </p:spPr>
+          <p:style>
+            <a:lnRef idx="2">
+              <a:schemeClr val="accent1">
+                <a:shade val="50000"/>
+              </a:schemeClr>
+            </a:lnRef>
+            <a:fillRef idx="1">
+              <a:schemeClr val="accent1"/>
+            </a:fillRef>
+            <a:effectRef idx="0">
+              <a:schemeClr val="accent1"/>
+            </a:effectRef>
+            <a:fontRef idx="minor">
+              <a:schemeClr val="lt1"/>
+            </a:fontRef>
+          </p:style>
+          <p:txBody>
+            <a:bodyPr rtlCol="0" anchor="ctr"/>
+            <a:lstStyle/>
+            <a:p>
+              <a:pPr algn="ctr"/>
+              <a:endParaRPr lang="en-CA"/>
+            </a:p>
+          </p:txBody>
+        </p:sp>
+        <p:sp>
+          <p:nvSpPr>
+            <p:cNvPr id="10" name="TextBox 9">
+              <a:extLst>
+                <a:ext uri="{FF2B5EF4-FFF2-40B4-BE49-F238E27FC236}">
+                  <a16:creationId xmlns:a16="http://schemas.microsoft.com/office/drawing/2014/main" id="{6DC78A58-88EA-4724-ADC2-284468E2AB29}"/>
+                </a:ext>
+              </a:extLst>
+            </p:cNvPr>
+            <p:cNvSpPr txBox="1"/>
+            <p:nvPr/>
+          </p:nvSpPr>
+          <p:spPr>
+            <a:xfrm>
+              <a:off x="8716569" y="2542464"/>
+              <a:ext cx="910827" cy="646331"/>
+            </a:xfrm>
+            <a:prstGeom prst="rect">
+              <a:avLst/>
+            </a:prstGeom>
+            <a:noFill/>
+          </p:spPr>
+          <p:txBody>
+            <a:bodyPr wrap="none" rtlCol="0">
+              <a:spAutoFit/>
+            </a:bodyPr>
+            <a:lstStyle/>
+            <a:p>
+              <a:r>
+                <a:rPr lang="en-US" dirty="0"/>
+                <a:t>Phase 2</a:t>
+              </a:r>
+            </a:p>
+            <a:p>
+              <a:r>
+                <a:rPr lang="en-US" dirty="0"/>
+                <a:t>$13M</a:t>
+              </a:r>
+              <a:endParaRPr lang="en-CA" dirty="0"/>
+            </a:p>
+          </p:txBody>
+        </p:sp>
+      </p:grpSp>
+      <p:grpSp>
+        <p:nvGrpSpPr>
+          <p:cNvPr id="18" name="Group 17">
+            <a:extLst>
+              <a:ext uri="{FF2B5EF4-FFF2-40B4-BE49-F238E27FC236}">
+                <a16:creationId xmlns:a16="http://schemas.microsoft.com/office/drawing/2014/main" id="{2C27AE77-E823-44C1-ADA4-40AA50F28AB1}"/>
+              </a:ext>
+            </a:extLst>
+          </p:cNvPr>
+          <p:cNvGrpSpPr/>
+          <p:nvPr/>
+        </p:nvGrpSpPr>
+        <p:grpSpPr>
+          <a:xfrm>
+            <a:off x="9726169" y="1980834"/>
+            <a:ext cx="1439672" cy="2752572"/>
+            <a:chOff x="9726169" y="1980834"/>
+            <a:chExt cx="1439672" cy="2752572"/>
+          </a:xfrm>
+        </p:grpSpPr>
+        <p:sp>
+          <p:nvSpPr>
+            <p:cNvPr id="7" name="Rectangle 6">
+              <a:extLst>
+                <a:ext uri="{FF2B5EF4-FFF2-40B4-BE49-F238E27FC236}">
+                  <a16:creationId xmlns:a16="http://schemas.microsoft.com/office/drawing/2014/main" id="{3F5AFBE1-D7F7-44D4-9B24-23F8C973F3B7}"/>
+                </a:ext>
+              </a:extLst>
+            </p:cNvPr>
+            <p:cNvSpPr/>
+            <p:nvPr/>
+          </p:nvSpPr>
+          <p:spPr>
+            <a:xfrm>
+              <a:off x="9726169" y="2065534"/>
+              <a:ext cx="478972" cy="2667872"/>
+            </a:xfrm>
+            <a:prstGeom prst="rect">
+              <a:avLst/>
+            </a:prstGeom>
+          </p:spPr>
+          <p:style>
+            <a:lnRef idx="2">
+              <a:schemeClr val="accent1">
+                <a:shade val="50000"/>
+              </a:schemeClr>
+            </a:lnRef>
+            <a:fillRef idx="1">
+              <a:schemeClr val="accent1"/>
+            </a:fillRef>
+            <a:effectRef idx="0">
+              <a:schemeClr val="accent1"/>
+            </a:effectRef>
+            <a:fontRef idx="minor">
+              <a:schemeClr val="lt1"/>
+            </a:fontRef>
+          </p:style>
+          <p:txBody>
+            <a:bodyPr rtlCol="0" anchor="ctr"/>
+            <a:lstStyle/>
+            <a:p>
+              <a:pPr algn="ctr"/>
+              <a:endParaRPr lang="en-CA"/>
+            </a:p>
+          </p:txBody>
+        </p:sp>
+        <p:sp>
+          <p:nvSpPr>
+            <p:cNvPr id="11" name="TextBox 10">
+              <a:extLst>
+                <a:ext uri="{FF2B5EF4-FFF2-40B4-BE49-F238E27FC236}">
+                  <a16:creationId xmlns:a16="http://schemas.microsoft.com/office/drawing/2014/main" id="{9E285ED7-CD31-4B31-92A2-AA2928F52D16}"/>
+                </a:ext>
+              </a:extLst>
+            </p:cNvPr>
+            <p:cNvSpPr txBox="1"/>
+            <p:nvPr/>
+          </p:nvSpPr>
+          <p:spPr>
+            <a:xfrm>
+              <a:off x="10255014" y="1980834"/>
+              <a:ext cx="910827" cy="646331"/>
+            </a:xfrm>
+            <a:prstGeom prst="rect">
+              <a:avLst/>
+            </a:prstGeom>
+            <a:noFill/>
+          </p:spPr>
+          <p:txBody>
+            <a:bodyPr wrap="none" rtlCol="0">
+              <a:spAutoFit/>
+            </a:bodyPr>
+            <a:lstStyle/>
+            <a:p>
+              <a:r>
+                <a:rPr lang="en-US" dirty="0"/>
+                <a:t>Phase 3</a:t>
+              </a:r>
+            </a:p>
+            <a:p>
+              <a:r>
+                <a:rPr lang="en-US" dirty="0"/>
+                <a:t>$20M</a:t>
+              </a:r>
+              <a:endParaRPr lang="en-CA" dirty="0"/>
+            </a:p>
+          </p:txBody>
+        </p:sp>
+      </p:grpSp>
+      <p:sp>
+        <p:nvSpPr>
+          <p:cNvPr id="13" name="TextBox 12">
+            <a:extLst>
+              <a:ext uri="{FF2B5EF4-FFF2-40B4-BE49-F238E27FC236}">
+                <a16:creationId xmlns:a16="http://schemas.microsoft.com/office/drawing/2014/main" id="{92480AF6-0ED8-49A1-A46C-5589E7C59274}"/>
+              </a:ext>
+            </a:extLst>
+          </p:cNvPr>
+          <p:cNvSpPr txBox="1"/>
+          <p:nvPr/>
+        </p:nvSpPr>
+        <p:spPr>
+          <a:xfrm>
+            <a:off x="7357696" y="4887170"/>
+            <a:ext cx="4081159" cy="646331"/>
+          </a:xfrm>
+          <a:prstGeom prst="rect">
+            <a:avLst/>
+          </a:prstGeom>
+          <a:noFill/>
+        </p:spPr>
+        <p:txBody>
+          <a:bodyPr wrap="square">
+            <a:spAutoFit/>
+          </a:bodyPr>
+          <a:lstStyle/>
+          <a:p>
+            <a:pPr algn="ctr"/>
+            <a:r>
+              <a:rPr lang="en-US" sz="1800" b="1" dirty="0"/>
+              <a:t>Clinical Trial Cost </a:t>
+            </a:r>
+            <a:r>
+              <a:rPr lang="en-US" sz="1800" dirty="0"/>
+              <a:t>of drugs and vaccine trial</a:t>
+            </a:r>
+            <a:endParaRPr lang="en-CA" sz="1800" dirty="0"/>
+          </a:p>
+        </p:txBody>
+      </p:sp>
+    </p:spTree>
+    <p:extLst>
+      <p:ext uri="{BB962C8B-B14F-4D97-AF65-F5344CB8AC3E}">
+        <p14:creationId xmlns:p14="http://schemas.microsoft.com/office/powerpoint/2010/main" val="3354031210"/>
+      </p:ext>
+    </p:extLst>
+  </p:cSld>
+  <p:clrMapOvr>
+    <a:masterClrMapping/>
+  </p:clrMapOvr>
+  <p:timing>
+    <p:tnLst>
+      <p:par>
+        <p:cTn id="1" dur="indefinite" restart="never" nodeType="tmRoot">
+          <p:childTnLst>
+            <p:seq concurrent="1" nextAc="seek">
+              <p:cTn id="2" dur="indefinite" nodeType="mainSeq">
+                <p:childTnLst>
+                  <p:par>
+                    <p:cTn id="3" fill="hold">
+                      <p:stCondLst>
+                        <p:cond delay="indefinite"/>
+                        <p:cond evt="onBegin" delay="0">
+                          <p:tn val="2"/>
+                        </p:cond>
+                      </p:stCondLst>
+                      <p:childTnLst>
+                        <p:par>
+                          <p:cTn id="4" fill="hold">
+                            <p:stCondLst>
+                              <p:cond delay="0"/>
+                            </p:stCondLst>
+                            <p:childTnLst>
+                              <p:par>
+                                <p:cTn id="5" presetID="10" presetClass="entr" presetSubtype="0" fill="hold" grpId="0" nodeType="afterEffect">
+                                  <p:stCondLst>
+                                    <p:cond delay="0"/>
+                                  </p:stCondLst>
+                                  <p:childTnLst>
+                                    <p:set>
+                                      <p:cBhvr>
+                                        <p:cTn id="6" dur="1" fill="hold">
+                                          <p:stCondLst>
+                                            <p:cond delay="0"/>
+                                          </p:stCondLst>
+                                        </p:cTn>
+                                        <p:tgtEl>
+                                          <p:spTgt spid="3">
+                                            <p:txEl>
+                                              <p:pRg st="0" end="0"/>
+                                            </p:txEl>
+                                          </p:spTgt>
+                                        </p:tgtEl>
+                                        <p:attrNameLst>
+                                          <p:attrName>style.visibility</p:attrName>
+                                        </p:attrNameLst>
+                                      </p:cBhvr>
+                                      <p:to>
+                                        <p:strVal val="visible"/>
+                                      </p:to>
+                                    </p:set>
+                                    <p:animEffect transition="in" filter="fade">
+                                      <p:cBhvr>
+                                        <p:cTn id="7" dur="500"/>
+                                        <p:tgtEl>
+                                          <p:spTgt spid="3">
+                                            <p:txEl>
+                                              <p:pRg st="0" end="0"/>
+                                            </p:txEl>
+                                          </p:spTgt>
+                                        </p:tgtEl>
+                                      </p:cBhvr>
+                                    </p:animEffect>
+                                  </p:childTnLst>
+                                </p:cTn>
+                              </p:par>
+                            </p:childTnLst>
+                          </p:cTn>
+                        </p:par>
+                        <p:par>
+                          <p:cTn id="8" fill="hold">
+                            <p:stCondLst>
+                              <p:cond delay="500"/>
+                            </p:stCondLst>
+                            <p:childTnLst>
+                              <p:par>
+                                <p:cTn id="9" presetID="10" presetClass="entr" presetSubtype="0" fill="hold" grpId="0" nodeType="afterEffect">
+                                  <p:stCondLst>
+                                    <p:cond delay="0"/>
+                                  </p:stCondLst>
+                                  <p:childTnLst>
+                                    <p:set>
+                                      <p:cBhvr>
+                                        <p:cTn id="10" dur="1" fill="hold">
+                                          <p:stCondLst>
+                                            <p:cond delay="0"/>
+                                          </p:stCondLst>
+                                        </p:cTn>
+                                        <p:tgtEl>
+                                          <p:spTgt spid="3">
+                                            <p:txEl>
+                                              <p:pRg st="1" end="1"/>
+                                            </p:txEl>
+                                          </p:spTgt>
+                                        </p:tgtEl>
+                                        <p:attrNameLst>
+                                          <p:attrName>style.visibility</p:attrName>
+                                        </p:attrNameLst>
+                                      </p:cBhvr>
+                                      <p:to>
+                                        <p:strVal val="visible"/>
+                                      </p:to>
+                                    </p:set>
+                                    <p:animEffect transition="in" filter="fade">
+                                      <p:cBhvr>
+                                        <p:cTn id="11" dur="500"/>
+                                        <p:tgtEl>
+                                          <p:spTgt spid="3">
+                                            <p:txEl>
+                                              <p:pRg st="1" end="1"/>
+                                            </p:txEl>
+                                          </p:spTgt>
+                                        </p:tgtEl>
+                                      </p:cBhvr>
+                                    </p:animEffect>
+                                  </p:childTnLst>
+                                </p:cTn>
+                              </p:par>
+                            </p:childTnLst>
+                          </p:cTn>
+                        </p:par>
+                        <p:par>
+                          <p:cTn id="12" fill="hold">
+                            <p:stCondLst>
+                              <p:cond delay="1000"/>
+                            </p:stCondLst>
+                            <p:childTnLst>
+                              <p:par>
+                                <p:cTn id="13" presetID="42" presetClass="entr" presetSubtype="0" fill="hold" nodeType="afterEffect">
+                                  <p:stCondLst>
+                                    <p:cond delay="0"/>
+                                  </p:stCondLst>
+                                  <p:childTnLst>
+                                    <p:set>
+                                      <p:cBhvr>
+                                        <p:cTn id="14" dur="1" fill="hold">
+                                          <p:stCondLst>
+                                            <p:cond delay="0"/>
+                                          </p:stCondLst>
+                                        </p:cTn>
+                                        <p:tgtEl>
+                                          <p:spTgt spid="16"/>
+                                        </p:tgtEl>
+                                        <p:attrNameLst>
+                                          <p:attrName>style.visibility</p:attrName>
+                                        </p:attrNameLst>
+                                      </p:cBhvr>
+                                      <p:to>
+                                        <p:strVal val="visible"/>
+                                      </p:to>
+                                    </p:set>
+                                    <p:animEffect transition="in" filter="fade">
+                                      <p:cBhvr>
+                                        <p:cTn id="15" dur="500"/>
+                                        <p:tgtEl>
+                                          <p:spTgt spid="16"/>
+                                        </p:tgtEl>
+                                      </p:cBhvr>
+                                    </p:animEffect>
+                                    <p:anim calcmode="lin" valueType="num">
+                                      <p:cBhvr>
+                                        <p:cTn id="16" dur="500" fill="hold"/>
+                                        <p:tgtEl>
+                                          <p:spTgt spid="16"/>
+                                        </p:tgtEl>
+                                        <p:attrNameLst>
+                                          <p:attrName>ppt_x</p:attrName>
+                                        </p:attrNameLst>
+                                      </p:cBhvr>
+                                      <p:tavLst>
+                                        <p:tav tm="0">
+                                          <p:val>
+                                            <p:strVal val="#ppt_x"/>
+                                          </p:val>
+                                        </p:tav>
+                                        <p:tav tm="100000">
+                                          <p:val>
+                                            <p:strVal val="#ppt_x"/>
+                                          </p:val>
+                                        </p:tav>
+                                      </p:tavLst>
+                                    </p:anim>
+                                    <p:anim calcmode="lin" valueType="num">
+                                      <p:cBhvr>
+                                        <p:cTn id="17" dur="500" fill="hold"/>
+                                        <p:tgtEl>
+                                          <p:spTgt spid="16"/>
+                                        </p:tgtEl>
+                                        <p:attrNameLst>
+                                          <p:attrName>ppt_y</p:attrName>
+                                        </p:attrNameLst>
+                                      </p:cBhvr>
+                                      <p:tavLst>
+                                        <p:tav tm="0">
+                                          <p:val>
+                                            <p:strVal val="#ppt_y+.1"/>
+                                          </p:val>
+                                        </p:tav>
+                                        <p:tav tm="100000">
+                                          <p:val>
+                                            <p:strVal val="#ppt_y"/>
+                                          </p:val>
+                                        </p:tav>
+                                      </p:tavLst>
+                                    </p:anim>
+                                  </p:childTnLst>
+                                </p:cTn>
+                              </p:par>
+                            </p:childTnLst>
+                          </p:cTn>
+                        </p:par>
+                        <p:par>
+                          <p:cTn id="18" fill="hold">
+                            <p:stCondLst>
+                              <p:cond delay="1500"/>
+                            </p:stCondLst>
+                            <p:childTnLst>
+                              <p:par>
+                                <p:cTn id="19" presetID="42" presetClass="entr" presetSubtype="0" fill="hold" nodeType="afterEffect">
+                                  <p:stCondLst>
+                                    <p:cond delay="0"/>
+                                  </p:stCondLst>
+                                  <p:childTnLst>
+                                    <p:set>
+                                      <p:cBhvr>
+                                        <p:cTn id="20" dur="1" fill="hold">
+                                          <p:stCondLst>
+                                            <p:cond delay="0"/>
+                                          </p:stCondLst>
+                                        </p:cTn>
+                                        <p:tgtEl>
+                                          <p:spTgt spid="17"/>
+                                        </p:tgtEl>
+                                        <p:attrNameLst>
+                                          <p:attrName>style.visibility</p:attrName>
+                                        </p:attrNameLst>
+                                      </p:cBhvr>
+                                      <p:to>
+                                        <p:strVal val="visible"/>
+                                      </p:to>
+                                    </p:set>
+                                    <p:animEffect transition="in" filter="fade">
+                                      <p:cBhvr>
+                                        <p:cTn id="21" dur="500"/>
+                                        <p:tgtEl>
+                                          <p:spTgt spid="17"/>
+                                        </p:tgtEl>
+                                      </p:cBhvr>
+                                    </p:animEffect>
+                                    <p:anim calcmode="lin" valueType="num">
+                                      <p:cBhvr>
+                                        <p:cTn id="22" dur="500" fill="hold"/>
+                                        <p:tgtEl>
+                                          <p:spTgt spid="17"/>
+                                        </p:tgtEl>
+                                        <p:attrNameLst>
+                                          <p:attrName>ppt_x</p:attrName>
+                                        </p:attrNameLst>
+                                      </p:cBhvr>
+                                      <p:tavLst>
+                                        <p:tav tm="0">
+                                          <p:val>
+                                            <p:strVal val="#ppt_x"/>
+                                          </p:val>
+                                        </p:tav>
+                                        <p:tav tm="100000">
+                                          <p:val>
+                                            <p:strVal val="#ppt_x"/>
+                                          </p:val>
+                                        </p:tav>
+                                      </p:tavLst>
+                                    </p:anim>
+                                    <p:anim calcmode="lin" valueType="num">
+                                      <p:cBhvr>
+                                        <p:cTn id="23" dur="500" fill="hold"/>
+                                        <p:tgtEl>
+                                          <p:spTgt spid="17"/>
+                                        </p:tgtEl>
+                                        <p:attrNameLst>
+                                          <p:attrName>ppt_y</p:attrName>
+                                        </p:attrNameLst>
+                                      </p:cBhvr>
+                                      <p:tavLst>
+                                        <p:tav tm="0">
+                                          <p:val>
+                                            <p:strVal val="#ppt_y+.1"/>
+                                          </p:val>
+                                        </p:tav>
+                                        <p:tav tm="100000">
+                                          <p:val>
+                                            <p:strVal val="#ppt_y"/>
+                                          </p:val>
+                                        </p:tav>
+                                      </p:tavLst>
+                                    </p:anim>
+                                  </p:childTnLst>
+                                </p:cTn>
+                              </p:par>
+                            </p:childTnLst>
+                          </p:cTn>
+                        </p:par>
+                        <p:par>
+                          <p:cTn id="24" fill="hold">
+                            <p:stCondLst>
+                              <p:cond delay="2000"/>
+                            </p:stCondLst>
+                            <p:childTnLst>
+                              <p:par>
+                                <p:cTn id="25" presetID="42" presetClass="entr" presetSubtype="0" fill="hold" nodeType="afterEffect">
+                                  <p:stCondLst>
+                                    <p:cond delay="0"/>
+                                  </p:stCondLst>
+                                  <p:childTnLst>
+                                    <p:set>
+                                      <p:cBhvr>
+                                        <p:cTn id="26" dur="1" fill="hold">
+                                          <p:stCondLst>
+                                            <p:cond delay="0"/>
+                                          </p:stCondLst>
+                                        </p:cTn>
+                                        <p:tgtEl>
+                                          <p:spTgt spid="18"/>
+                                        </p:tgtEl>
+                                        <p:attrNameLst>
+                                          <p:attrName>style.visibility</p:attrName>
+                                        </p:attrNameLst>
+                                      </p:cBhvr>
+                                      <p:to>
+                                        <p:strVal val="visible"/>
+                                      </p:to>
+                                    </p:set>
+                                    <p:animEffect transition="in" filter="fade">
+                                      <p:cBhvr>
+                                        <p:cTn id="27" dur="500"/>
+                                        <p:tgtEl>
+                                          <p:spTgt spid="18"/>
+                                        </p:tgtEl>
+                                      </p:cBhvr>
+                                    </p:animEffect>
+                                    <p:anim calcmode="lin" valueType="num">
+                                      <p:cBhvr>
+                                        <p:cTn id="28" dur="500" fill="hold"/>
+                                        <p:tgtEl>
+                                          <p:spTgt spid="18"/>
+                                        </p:tgtEl>
+                                        <p:attrNameLst>
+                                          <p:attrName>ppt_x</p:attrName>
+                                        </p:attrNameLst>
+                                      </p:cBhvr>
+                                      <p:tavLst>
+                                        <p:tav tm="0">
+                                          <p:val>
+                                            <p:strVal val="#ppt_x"/>
+                                          </p:val>
+                                        </p:tav>
+                                        <p:tav tm="100000">
+                                          <p:val>
+                                            <p:strVal val="#ppt_x"/>
+                                          </p:val>
+                                        </p:tav>
+                                      </p:tavLst>
+                                    </p:anim>
+                                    <p:anim calcmode="lin" valueType="num">
+                                      <p:cBhvr>
+                                        <p:cTn id="29" dur="500" fill="hold"/>
+                                        <p:tgtEl>
+                                          <p:spTgt spid="18"/>
+                                        </p:tgtEl>
+                                        <p:attrNameLst>
+                                          <p:attrName>ppt_y</p:attrName>
+                                        </p:attrNameLst>
+                                      </p:cBhvr>
+                                      <p:tavLst>
+                                        <p:tav tm="0">
+                                          <p:val>
+                                            <p:strVal val="#ppt_y+.1"/>
+                                          </p:val>
+                                        </p:tav>
+                                        <p:tav tm="100000">
+                                          <p:val>
+                                            <p:strVal val="#ppt_y"/>
+                                          </p:val>
+                                        </p:tav>
+                                      </p:tavLst>
+                                    </p:anim>
+                                  </p:childTnLst>
+                                </p:cTn>
+                              </p:par>
+                            </p:childTnLst>
+                          </p:cTn>
+                        </p:par>
+                        <p:par>
+                          <p:cTn id="30" fill="hold">
+                            <p:stCondLst>
+                              <p:cond delay="2500"/>
+                            </p:stCondLst>
+                            <p:childTnLst>
+                              <p:par>
+                                <p:cTn id="31" presetID="42" presetClass="entr" presetSubtype="0" fill="hold" grpId="0" nodeType="afterEffect">
+                                  <p:stCondLst>
+                                    <p:cond delay="0"/>
+                                  </p:stCondLst>
+                                  <p:childTnLst>
+                                    <p:set>
+                                      <p:cBhvr>
+                                        <p:cTn id="32" dur="1" fill="hold">
+                                          <p:stCondLst>
+                                            <p:cond delay="0"/>
+                                          </p:stCondLst>
+                                        </p:cTn>
+                                        <p:tgtEl>
+                                          <p:spTgt spid="13"/>
+                                        </p:tgtEl>
+                                        <p:attrNameLst>
+                                          <p:attrName>style.visibility</p:attrName>
+                                        </p:attrNameLst>
+                                      </p:cBhvr>
+                                      <p:to>
+                                        <p:strVal val="visible"/>
+                                      </p:to>
+                                    </p:set>
+                                    <p:animEffect transition="in" filter="fade">
+                                      <p:cBhvr>
+                                        <p:cTn id="33" dur="500"/>
+                                        <p:tgtEl>
+                                          <p:spTgt spid="13"/>
+                                        </p:tgtEl>
+                                      </p:cBhvr>
+                                    </p:animEffect>
+                                    <p:anim calcmode="lin" valueType="num">
+                                      <p:cBhvr>
+                                        <p:cTn id="34" dur="500" fill="hold"/>
+                                        <p:tgtEl>
+                                          <p:spTgt spid="13"/>
+                                        </p:tgtEl>
+                                        <p:attrNameLst>
+                                          <p:attrName>ppt_x</p:attrName>
+                                        </p:attrNameLst>
+                                      </p:cBhvr>
+                                      <p:tavLst>
+                                        <p:tav tm="0">
+                                          <p:val>
+                                            <p:strVal val="#ppt_x"/>
+                                          </p:val>
+                                        </p:tav>
+                                        <p:tav tm="100000">
+                                          <p:val>
+                                            <p:strVal val="#ppt_x"/>
+                                          </p:val>
+                                        </p:tav>
+                                      </p:tavLst>
+                                    </p:anim>
+                                    <p:anim calcmode="lin" valueType="num">
+                                      <p:cBhvr>
+                                        <p:cTn id="35" dur="500" fill="hold"/>
+                                        <p:tgtEl>
+                                          <p:spTgt spid="13"/>
+                                        </p:tgtEl>
+                                        <p:attrNameLst>
+                                          <p:attrName>ppt_y</p:attrName>
+                                        </p:attrNameLst>
+                                      </p:cBhvr>
+                                      <p:tavLst>
+                                        <p:tav tm="0">
+                                          <p:val>
+                                            <p:strVal val="#ppt_y+.1"/>
+                                          </p:val>
+                                        </p:tav>
+                                        <p:tav tm="100000">
+                                          <p:val>
+                                            <p:strVal val="#ppt_y"/>
+                                          </p:val>
+                                        </p:tav>
+                                      </p:tavLst>
+                                    </p:anim>
+                                  </p:childTnLst>
+                                </p:cTn>
+                              </p:par>
+                            </p:childTnLst>
+                          </p:cTn>
+                        </p:par>
+                      </p:childTnLst>
+                    </p:cTn>
+                  </p:par>
+                </p:childTnLst>
+              </p:cTn>
+              <p:prevCondLst>
+                <p:cond evt="onPrev" delay="0">
+                  <p:tgtEl>
+                    <p:sldTgt/>
+                  </p:tgtEl>
+                </p:cond>
+              </p:prevCondLst>
+              <p:nextCondLst>
+                <p:cond evt="onNext" delay="0">
+                  <p:tgtEl>
+                    <p:sldTgt/>
+                  </p:tgtEl>
+                </p:cond>
+              </p:nextCondLst>
+            </p:seq>
+          </p:childTnLst>
+        </p:cTn>
+      </p:par>
+    </p:tnLst>
+    <p:bldLst>
+      <p:bldP spid="3" grpId="0" build="p"/>
+      <p:bldP spid="13" grpId="0"/>
+    </p:bldLst>
+  </p:timing>
+</p:sld>
+</file>
+
+<file path=ppt/slides/slide3.xml><?xml version="1.0" encoding="utf-8"?>
+<p:sld xmlns:a="http://schemas.openxmlformats.org/drawingml/2006/main" xmlns:r="http://schemas.openxmlformats.org/officeDocument/2006/relationships" xmlns:p="http://schemas.openxmlformats.org/presentationml/2006/main">
+  <p:cSld>
+    <p:spTree>
+      <p:nvGrpSpPr>
+        <p:cNvPr id="1" name=""/>
+        <p:cNvGrpSpPr/>
+        <p:nvPr/>
+      </p:nvGrpSpPr>
+      <p:grpSpPr>
+        <a:xfrm>
+          <a:off x="0" y="0"/>
+          <a:ext cx="0" cy="0"/>
+          <a:chOff x="0" y="0"/>
+          <a:chExt cx="0" cy="0"/>
+        </a:xfrm>
+      </p:grpSpPr>
+      <p:sp>
+        <p:nvSpPr>
+          <p:cNvPr id="2" name="Title 1">
+            <a:extLst>
+              <a:ext uri="{FF2B5EF4-FFF2-40B4-BE49-F238E27FC236}">
+                <a16:creationId xmlns:a16="http://schemas.microsoft.com/office/drawing/2014/main" id="{5B757BFD-56E9-446D-9720-B1AFDD51FE27}"/>
+              </a:ext>
+            </a:extLst>
+          </p:cNvPr>
+          <p:cNvSpPr>
+            <a:spLocks noGrp="1"/>
+          </p:cNvSpPr>
+          <p:nvPr>
+            <p:ph type="title"/>
+          </p:nvPr>
+        </p:nvSpPr>
+        <p:spPr/>
+        <p:txBody>
+          <a:bodyPr/>
+          <a:lstStyle/>
+          <a:p>
+            <a:pPr algn="ctr"/>
+            <a:r>
+              <a:rPr lang="en-US" dirty="0"/>
+              <a:t>…Enter Machine Learning!</a:t>
+            </a:r>
+            <a:endParaRPr lang="en-CA" dirty="0"/>
+          </a:p>
+        </p:txBody>
+      </p:sp>
+      <p:sp>
+        <p:nvSpPr>
+          <p:cNvPr id="3" name="Content Placeholder 2">
+            <a:extLst>
+              <a:ext uri="{FF2B5EF4-FFF2-40B4-BE49-F238E27FC236}">
+                <a16:creationId xmlns:a16="http://schemas.microsoft.com/office/drawing/2014/main" id="{22AF6E02-7F66-4738-A834-F677331657B8}"/>
+              </a:ext>
+            </a:extLst>
+          </p:cNvPr>
+          <p:cNvSpPr>
+            <a:spLocks noGrp="1"/>
+          </p:cNvSpPr>
+          <p:nvPr>
+            <p:ph idx="1"/>
+          </p:nvPr>
+        </p:nvSpPr>
+        <p:spPr>
+          <a:xfrm>
+            <a:off x="7940351" y="2286000"/>
+            <a:ext cx="2803850" cy="4023360"/>
+          </a:xfrm>
+        </p:spPr>
+        <p:txBody>
+          <a:bodyPr>
+            <a:normAutofit/>
+          </a:bodyPr>
+          <a:lstStyle/>
+          <a:p>
+            <a:pPr marL="0" indent="0">
+              <a:buNone/>
+            </a:pPr>
+            <a:r>
+              <a:rPr lang="en-US" sz="2800" dirty="0"/>
+              <a:t>Can we predict which trial more likely to succeed?</a:t>
+            </a:r>
+          </a:p>
+          <a:p>
+            <a:pPr marL="0" indent="0">
+              <a:buNone/>
+            </a:pPr>
+            <a:r>
+              <a:rPr lang="en-US" sz="2800" dirty="0"/>
+              <a:t>Can we find factors affecting that clinical trial success rate?</a:t>
+            </a:r>
+          </a:p>
+          <a:p>
+            <a:pPr marL="0" indent="0">
+              <a:buNone/>
+            </a:pPr>
+            <a:endParaRPr lang="en-CA" sz="3600" dirty="0"/>
+          </a:p>
+        </p:txBody>
+      </p:sp>
+      <p:pic>
+        <p:nvPicPr>
+          <p:cNvPr id="8" name="Picture 7">
+            <a:extLst>
+              <a:ext uri="{FF2B5EF4-FFF2-40B4-BE49-F238E27FC236}">
+                <a16:creationId xmlns:a16="http://schemas.microsoft.com/office/drawing/2014/main" id="{CA36D370-7C2C-4B51-AE30-3D78970C9D42}"/>
+              </a:ext>
+            </a:extLst>
+          </p:cNvPr>
+          <p:cNvPicPr>
+            <a:picLocks noChangeAspect="1"/>
+          </p:cNvPicPr>
+          <p:nvPr/>
+        </p:nvPicPr>
+        <p:blipFill>
+          <a:blip r:embed="rId2"/>
+          <a:stretch>
+            <a:fillRect/>
+          </a:stretch>
+        </p:blipFill>
+        <p:spPr>
+          <a:xfrm>
+            <a:off x="695131" y="1983172"/>
+            <a:ext cx="6913984" cy="4289612"/>
+          </a:xfrm>
+          <a:prstGeom prst="rect">
+            <a:avLst/>
+          </a:prstGeom>
+        </p:spPr>
+      </p:pic>
+    </p:spTree>
+    <p:extLst>
+      <p:ext uri="{BB962C8B-B14F-4D97-AF65-F5344CB8AC3E}">
+        <p14:creationId xmlns:p14="http://schemas.microsoft.com/office/powerpoint/2010/main" val="2856408810"/>
+      </p:ext>
+    </p:extLst>
+  </p:cSld>
+  <p:clrMapOvr>
+    <a:masterClrMapping/>
+  </p:clrMapOvr>
+</p:sld>
+</file>
+
+<file path=ppt/slides/slide4.xml><?xml version="1.0" encoding="utf-8"?>
+<p:sld xmlns:a="http://schemas.openxmlformats.org/drawingml/2006/main" xmlns:r="http://schemas.openxmlformats.org/officeDocument/2006/relationships" xmlns:p="http://schemas.openxmlformats.org/presentationml/2006/main">
+  <p:cSld>
+    <p:spTree>
+      <p:nvGrpSpPr>
+        <p:cNvPr id="1" name=""/>
+        <p:cNvGrpSpPr/>
+        <p:nvPr/>
+      </p:nvGrpSpPr>
+      <p:grpSpPr>
+        <a:xfrm>
+          <a:off x="0" y="0"/>
+          <a:ext cx="0" cy="0"/>
+          <a:chOff x="0" y="0"/>
+          <a:chExt cx="0" cy="0"/>
+        </a:xfrm>
+      </p:grpSpPr>
+      <p:sp>
+        <p:nvSpPr>
+          <p:cNvPr id="2" name="Title 1">
+            <a:extLst>
+              <a:ext uri="{FF2B5EF4-FFF2-40B4-BE49-F238E27FC236}">
+                <a16:creationId xmlns:a16="http://schemas.microsoft.com/office/drawing/2014/main" id="{C77DEFA1-2DB8-452F-8F3B-7FD81B92382B}"/>
+              </a:ext>
+            </a:extLst>
+          </p:cNvPr>
+          <p:cNvSpPr>
+            <a:spLocks noGrp="1"/>
+          </p:cNvSpPr>
+          <p:nvPr>
+            <p:ph type="title"/>
+          </p:nvPr>
+        </p:nvSpPr>
+        <p:spPr/>
+        <p:txBody>
+          <a:bodyPr/>
+          <a:lstStyle/>
+          <a:p>
+            <a:pPr algn="ctr"/>
+            <a:r>
+              <a:rPr lang="en-US" dirty="0"/>
+              <a:t>Clinical Trials are risky and expensive investment</a:t>
+            </a:r>
+            <a:endParaRPr lang="en-CA" dirty="0"/>
+          </a:p>
+        </p:txBody>
+      </p:sp>
+      <p:graphicFrame>
+        <p:nvGraphicFramePr>
+          <p:cNvPr id="15" name="Content Placeholder 14">
+            <a:extLst>
+              <a:ext uri="{FF2B5EF4-FFF2-40B4-BE49-F238E27FC236}">
+                <a16:creationId xmlns:a16="http://schemas.microsoft.com/office/drawing/2014/main" id="{CE01DCC0-8F97-4F94-AD37-E75689370650}"/>
+              </a:ext>
+            </a:extLst>
+          </p:cNvPr>
+          <p:cNvGraphicFramePr>
+            <a:graphicFrameLocks noGrp="1"/>
+          </p:cNvGraphicFramePr>
+          <p:nvPr>
+            <p:ph idx="1"/>
+            <p:extLst>
+              <p:ext uri="{D42A27DB-BD31-4B8C-83A1-F6EECF244321}">
+                <p14:modId xmlns:p14="http://schemas.microsoft.com/office/powerpoint/2010/main" val="4290939596"/>
+              </p:ext>
+            </p:extLst>
+          </p:nvPr>
+        </p:nvGraphicFramePr>
+        <p:xfrm>
+          <a:off x="1023938" y="2286000"/>
+          <a:ext cx="9720262" cy="4022725"/>
+        </p:xfrm>
+        <a:graphic>
+          <a:graphicData uri="http://schemas.openxmlformats.org/drawingml/2006/chart">
+            <c:chart xmlns:c="http://schemas.openxmlformats.org/drawingml/2006/chart" xmlns:r="http://schemas.openxmlformats.org/officeDocument/2006/relationships" r:id="rId3"/>
+          </a:graphicData>
+        </a:graphic>
+      </p:graphicFrame>
+    </p:spTree>
+    <p:extLst>
+      <p:ext uri="{BB962C8B-B14F-4D97-AF65-F5344CB8AC3E}">
+        <p14:creationId xmlns:p14="http://schemas.microsoft.com/office/powerpoint/2010/main" val="2668270625"/>
+      </p:ext>
+    </p:extLst>
+  </p:cSld>
+  <p:clrMapOvr>
+    <a:masterClrMapping/>
+  </p:clrMapOvr>
+</p:sld>
+</file>
+
+<file path=ppt/slides/slide5.xml><?xml version="1.0" encoding="utf-8"?>
+<p:sld xmlns:a="http://schemas.openxmlformats.org/drawingml/2006/main" xmlns:r="http://schemas.openxmlformats.org/officeDocument/2006/relationships" xmlns:p="http://schemas.openxmlformats.org/presentationml/2006/main">
+  <p:cSld>
+    <p:spTree>
+      <p:nvGrpSpPr>
+        <p:cNvPr id="1" name=""/>
+        <p:cNvGrpSpPr/>
+        <p:nvPr/>
+      </p:nvGrpSpPr>
+      <p:grpSpPr>
+        <a:xfrm>
+          <a:off x="0" y="0"/>
+          <a:ext cx="0" cy="0"/>
+          <a:chOff x="0" y="0"/>
+          <a:chExt cx="0" cy="0"/>
+        </a:xfrm>
+      </p:grpSpPr>
+      <p:sp>
+        <p:nvSpPr>
+          <p:cNvPr id="2" name="Title 1">
+            <a:extLst>
+              <a:ext uri="{FF2B5EF4-FFF2-40B4-BE49-F238E27FC236}">
+                <a16:creationId xmlns:a16="http://schemas.microsoft.com/office/drawing/2014/main" id="{7E79C0C7-BCE7-4BD3-9AD5-1F3CE14078A3}"/>
+              </a:ext>
+            </a:extLst>
+          </p:cNvPr>
+          <p:cNvSpPr>
+            <a:spLocks noGrp="1"/>
+          </p:cNvSpPr>
+          <p:nvPr>
+            <p:ph type="title"/>
+          </p:nvPr>
+        </p:nvSpPr>
+        <p:spPr/>
+        <p:txBody>
+          <a:bodyPr/>
+          <a:lstStyle/>
+          <a:p>
+            <a:pPr algn="ctr"/>
+            <a:r>
+              <a:rPr lang="en-US" dirty="0"/>
+              <a:t>The process:</a:t>
+            </a:r>
+            <a:br>
+              <a:rPr lang="en-US" dirty="0"/>
+            </a:br>
+            <a:r>
+              <a:rPr lang="en-US" dirty="0"/>
+              <a:t>1. Scoping</a:t>
+            </a:r>
+            <a:endParaRPr lang="en-CA" dirty="0"/>
+          </a:p>
+        </p:txBody>
+      </p:sp>
+      <p:sp>
+        <p:nvSpPr>
+          <p:cNvPr id="3" name="Content Placeholder 2">
+            <a:extLst>
+              <a:ext uri="{FF2B5EF4-FFF2-40B4-BE49-F238E27FC236}">
+                <a16:creationId xmlns:a16="http://schemas.microsoft.com/office/drawing/2014/main" id="{27B75759-5D25-4A42-AFDB-D22809BC55AA}"/>
+              </a:ext>
+            </a:extLst>
+          </p:cNvPr>
+          <p:cNvSpPr>
+            <a:spLocks noGrp="1"/>
+          </p:cNvSpPr>
+          <p:nvPr>
+            <p:ph idx="1"/>
+          </p:nvPr>
+        </p:nvSpPr>
+        <p:spPr>
+          <a:xfrm>
+            <a:off x="1024129" y="2286000"/>
+            <a:ext cx="9513242" cy="4023360"/>
+          </a:xfrm>
+        </p:spPr>
+        <p:txBody>
+          <a:bodyPr>
+            <a:normAutofit/>
+          </a:bodyPr>
+          <a:lstStyle/>
+          <a:p>
+            <a:pPr>
+              <a:buFont typeface="Wingdings" panose="05000000000000000000" pitchFamily="2" charset="2"/>
+              <a:buChar char="v"/>
+            </a:pPr>
+            <a:r>
+              <a:rPr lang="en-US" sz="2800" dirty="0"/>
+              <a:t>Predicting success rate in </a:t>
+            </a:r>
+            <a:r>
+              <a:rPr lang="en-US" sz="2800" b="1" dirty="0"/>
+              <a:t>Phase 2</a:t>
+            </a:r>
+            <a:r>
+              <a:rPr lang="en-US" sz="2800" dirty="0"/>
+              <a:t> only; safety only</a:t>
+            </a:r>
+          </a:p>
+          <a:p>
+            <a:pPr>
+              <a:buFont typeface="Wingdings" panose="05000000000000000000" pitchFamily="2" charset="2"/>
+              <a:buChar char="v"/>
+            </a:pPr>
+            <a:r>
+              <a:rPr lang="en-US" sz="2800" dirty="0"/>
+              <a:t>Data from clinicaltrials.gov</a:t>
+            </a:r>
+          </a:p>
+          <a:p>
+            <a:pPr>
+              <a:buFont typeface="Wingdings" panose="05000000000000000000" pitchFamily="2" charset="2"/>
+              <a:buChar char="v"/>
+            </a:pPr>
+            <a:r>
+              <a:rPr lang="en-US" sz="2800" dirty="0"/>
+              <a:t>Trials in United States only</a:t>
+            </a:r>
+          </a:p>
+        </p:txBody>
+      </p:sp>
+      <p:pic>
+        <p:nvPicPr>
+          <p:cNvPr id="4098" name="Picture 2" descr="Hawke | Hawke Riflescope">
+            <a:extLst>
+              <a:ext uri="{FF2B5EF4-FFF2-40B4-BE49-F238E27FC236}">
+                <a16:creationId xmlns:a16="http://schemas.microsoft.com/office/drawing/2014/main" id="{553B3E42-E3C8-44AF-A5FA-197F7932D1BC}"/>
+              </a:ext>
+            </a:extLst>
+          </p:cNvPr>
+          <p:cNvPicPr>
+            <a:picLocks noChangeAspect="1" noChangeArrowheads="1"/>
+          </p:cNvPicPr>
+          <p:nvPr/>
+        </p:nvPicPr>
+        <p:blipFill>
+          <a:blip r:embed="rId2">
+            <a:clrChange>
+              <a:clrFrom>
+                <a:srgbClr val="FFFFFF"/>
+              </a:clrFrom>
+              <a:clrTo>
+                <a:srgbClr val="FFFFFF">
+                  <a:alpha val="0"/>
+                </a:srgbClr>
+              </a:clrTo>
+            </a:clrChange>
+            <a:extLst>
+              <a:ext uri="{28A0092B-C50C-407E-A947-70E740481C1C}">
+                <a14:useLocalDpi xmlns:a14="http://schemas.microsoft.com/office/drawing/2010/main" val="0"/>
+              </a:ext>
+            </a:extLst>
+          </a:blip>
+          <a:srcRect/>
+          <a:stretch>
+            <a:fillRect/>
+          </a:stretch>
+        </p:blipFill>
+        <p:spPr bwMode="auto">
+          <a:xfrm>
+            <a:off x="3761840" y="4297680"/>
+            <a:ext cx="4668319" cy="2143760"/>
+          </a:xfrm>
+          <a:prstGeom prst="rect">
+            <a:avLst/>
+          </a:prstGeom>
+          <a:noFill/>
+          <a:extLst>
+            <a:ext uri="{909E8E84-426E-40DD-AFC4-6F175D3DCCD1}">
+              <a14:hiddenFill xmlns:a14="http://schemas.microsoft.com/office/drawing/2010/main">
+                <a:solidFill>
+                  <a:srgbClr val="FFFFFF"/>
+                </a:solidFill>
+              </a14:hiddenFill>
+            </a:ext>
+          </a:extLst>
+        </p:spPr>
+      </p:pic>
+    </p:spTree>
+    <p:extLst>
+      <p:ext uri="{BB962C8B-B14F-4D97-AF65-F5344CB8AC3E}">
+        <p14:creationId xmlns:p14="http://schemas.microsoft.com/office/powerpoint/2010/main" val="664398864"/>
+      </p:ext>
+    </p:extLst>
+  </p:cSld>
+  <p:clrMapOvr>
+    <a:masterClrMapping/>
+  </p:clrMapOvr>
+</p:sld>
+</file>
+
+<file path=ppt/slides/slide6.xml><?xml version="1.0" encoding="utf-8"?>
+<p:sld xmlns:a="http://schemas.openxmlformats.org/drawingml/2006/main" xmlns:r="http://schemas.openxmlformats.org/officeDocument/2006/relationships" xmlns:p="http://schemas.openxmlformats.org/presentationml/2006/main">
+  <p:cSld>
+    <p:spTree>
+      <p:nvGrpSpPr>
+        <p:cNvPr id="1" name=""/>
+        <p:cNvGrpSpPr/>
+        <p:nvPr/>
+      </p:nvGrpSpPr>
+      <p:grpSpPr>
+        <a:xfrm>
+          <a:off x="0" y="0"/>
+          <a:ext cx="0" cy="0"/>
+          <a:chOff x="0" y="0"/>
+          <a:chExt cx="0" cy="0"/>
+        </a:xfrm>
+      </p:grpSpPr>
+      <p:sp>
+        <p:nvSpPr>
+          <p:cNvPr id="2" name="Title 1">
+            <a:extLst>
+              <a:ext uri="{FF2B5EF4-FFF2-40B4-BE49-F238E27FC236}">
+                <a16:creationId xmlns:a16="http://schemas.microsoft.com/office/drawing/2014/main" id="{7E79C0C7-BCE7-4BD3-9AD5-1F3CE14078A3}"/>
+              </a:ext>
+            </a:extLst>
+          </p:cNvPr>
+          <p:cNvSpPr>
+            <a:spLocks noGrp="1"/>
+          </p:cNvSpPr>
+          <p:nvPr>
+            <p:ph type="title"/>
+          </p:nvPr>
+        </p:nvSpPr>
+        <p:spPr/>
+        <p:txBody>
+          <a:bodyPr/>
+          <a:lstStyle/>
+          <a:p>
+            <a:pPr algn="ctr"/>
+            <a:r>
+              <a:rPr lang="en-US" dirty="0"/>
+              <a:t>The process:</a:t>
+            </a:r>
+            <a:br>
+              <a:rPr lang="en-US" dirty="0"/>
+            </a:br>
+            <a:r>
+              <a:rPr lang="en-US" dirty="0"/>
+              <a:t>2. Data Extraction &amp; Cleaning</a:t>
+            </a:r>
+            <a:endParaRPr lang="en-CA" dirty="0"/>
+          </a:p>
+        </p:txBody>
+      </p:sp>
+      <p:sp>
+        <p:nvSpPr>
+          <p:cNvPr id="3" name="Content Placeholder 2">
+            <a:extLst>
+              <a:ext uri="{FF2B5EF4-FFF2-40B4-BE49-F238E27FC236}">
+                <a16:creationId xmlns:a16="http://schemas.microsoft.com/office/drawing/2014/main" id="{27B75759-5D25-4A42-AFDB-D22809BC55AA}"/>
+              </a:ext>
+            </a:extLst>
+          </p:cNvPr>
+          <p:cNvSpPr>
+            <a:spLocks noGrp="1"/>
+          </p:cNvSpPr>
+          <p:nvPr>
+            <p:ph idx="1"/>
+          </p:nvPr>
+        </p:nvSpPr>
+        <p:spPr>
+          <a:xfrm>
+            <a:off x="240358" y="2286000"/>
+            <a:ext cx="3196554" cy="3376334"/>
+          </a:xfrm>
+        </p:spPr>
+        <p:txBody>
+          <a:bodyPr>
+            <a:normAutofit/>
+          </a:bodyPr>
+          <a:lstStyle/>
+          <a:p>
+            <a:pPr algn="ctr"/>
+            <a:r>
+              <a:rPr lang="en-US" sz="2800" b="1" dirty="0"/>
+              <a:t>API Extraction</a:t>
+            </a:r>
+          </a:p>
+          <a:p>
+            <a:pPr algn="ctr"/>
+            <a:r>
+              <a:rPr lang="en-US" sz="2000" dirty="0"/>
+              <a:t>Thousands of files</a:t>
+            </a:r>
+            <a:endParaRPr lang="en-CA" sz="2000" dirty="0"/>
+          </a:p>
+        </p:txBody>
+      </p:sp>
+      <p:sp>
+        <p:nvSpPr>
+          <p:cNvPr id="6" name="Content Placeholder 2">
+            <a:extLst>
+              <a:ext uri="{FF2B5EF4-FFF2-40B4-BE49-F238E27FC236}">
+                <a16:creationId xmlns:a16="http://schemas.microsoft.com/office/drawing/2014/main" id="{938D8C33-AEB2-42DD-83AC-3D8ABD527E42}"/>
+              </a:ext>
+            </a:extLst>
+          </p:cNvPr>
+          <p:cNvSpPr txBox="1">
+            <a:spLocks/>
+          </p:cNvSpPr>
+          <p:nvPr/>
+        </p:nvSpPr>
+        <p:spPr>
+          <a:xfrm>
+            <a:off x="4456980" y="2239402"/>
+            <a:ext cx="3196554" cy="3376334"/>
+          </a:xfrm>
+          <a:prstGeom prst="rect">
+            <a:avLst/>
+          </a:prstGeom>
+        </p:spPr>
+        <p:txBody>
+          <a:bodyPr vert="horz" lIns="45720" tIns="45720" rIns="45720" bIns="45720" rtlCol="0">
+            <a:normAutofit/>
+          </a:bodyPr>
+          <a:lstStyle>
+            <a:lvl1pPr marL="91440" indent="-91440" algn="l" defTabSz="914400" rtl="0" eaLnBrk="1" latinLnBrk="0" hangingPunct="1">
+              <a:lnSpc>
+                <a:spcPct val="90000"/>
+              </a:lnSpc>
+              <a:spcBef>
+                <a:spcPts val="1200"/>
+              </a:spcBef>
+              <a:spcAft>
+                <a:spcPts val="200"/>
+              </a:spcAft>
+              <a:buClr>
+                <a:schemeClr val="accent1"/>
+              </a:buClr>
+              <a:buSzPct val="100000"/>
+              <a:buFont typeface="Tw Cen MT" panose="020B0602020104020603" pitchFamily="34" charset="0"/>
+              <a:buChar char=" "/>
+              <a:defRPr sz="2200" kern="1200">
+                <a:solidFill>
+                  <a:schemeClr val="tx1"/>
+                </a:solidFill>
+                <a:latin typeface="+mn-lt"/>
+                <a:ea typeface="+mn-ea"/>
+                <a:cs typeface="+mn-cs"/>
+              </a:defRPr>
+            </a:lvl1pPr>
+            <a:lvl2pPr marL="265176" indent="-137160" algn="l" defTabSz="914400" rtl="0" eaLnBrk="1" latinLnBrk="0" hangingPunct="1">
+              <a:lnSpc>
+                <a:spcPct val="90000"/>
+              </a:lnSpc>
+              <a:spcBef>
+                <a:spcPts val="200"/>
+              </a:spcBef>
+              <a:spcAft>
+                <a:spcPts val="400"/>
+              </a:spcAft>
+              <a:buClr>
+                <a:schemeClr val="accent1"/>
+              </a:buClr>
+              <a:buFont typeface="Wingdings 3" pitchFamily="18" charset="2"/>
+              <a:buChar char=""/>
+              <a:defRPr sz="1800" kern="1200">
+                <a:solidFill>
+                  <a:schemeClr val="tx1"/>
+                </a:solidFill>
+                <a:latin typeface="+mn-lt"/>
+                <a:ea typeface="+mn-ea"/>
+                <a:cs typeface="+mn-cs"/>
+              </a:defRPr>
+            </a:lvl2pPr>
+            <a:lvl3pPr marL="448056" indent="-137160" algn="l" defTabSz="914400" rtl="0" eaLnBrk="1" latinLnBrk="0" hangingPunct="1">
+              <a:lnSpc>
+                <a:spcPct val="90000"/>
+              </a:lnSpc>
+              <a:spcBef>
+                <a:spcPts val="200"/>
+              </a:spcBef>
+              <a:spcAft>
+                <a:spcPts val="400"/>
+              </a:spcAft>
+              <a:buClr>
+                <a:schemeClr val="accent1"/>
+              </a:buClr>
+              <a:buFont typeface="Wingdings 3" pitchFamily="18" charset="2"/>
+              <a:buChar char=""/>
+              <a:defRPr sz="1400" kern="1200">
+                <a:solidFill>
+                  <a:schemeClr val="tx1"/>
+                </a:solidFill>
+                <a:latin typeface="+mn-lt"/>
+                <a:ea typeface="+mn-ea"/>
+                <a:cs typeface="+mn-cs"/>
+              </a:defRPr>
+            </a:lvl3pPr>
+            <a:lvl4pPr marL="594360" indent="-137160" algn="l" defTabSz="914400" rtl="0" eaLnBrk="1" latinLnBrk="0" hangingPunct="1">
+              <a:lnSpc>
+                <a:spcPct val="90000"/>
+              </a:lnSpc>
+              <a:spcBef>
+                <a:spcPts val="200"/>
+              </a:spcBef>
+              <a:spcAft>
+                <a:spcPts val="400"/>
+              </a:spcAft>
+              <a:buClr>
+                <a:schemeClr val="accent1"/>
+              </a:buClr>
+              <a:buFont typeface="Wingdings 3" pitchFamily="18" charset="2"/>
+              <a:buChar char=""/>
+              <a:defRPr sz="1400" kern="1200">
+                <a:solidFill>
+                  <a:schemeClr val="tx1"/>
+                </a:solidFill>
+                <a:latin typeface="+mn-lt"/>
+                <a:ea typeface="+mn-ea"/>
+                <a:cs typeface="+mn-cs"/>
+              </a:defRPr>
+            </a:lvl4pPr>
+            <a:lvl5pPr marL="777240" indent="-137160" algn="l" defTabSz="914400" rtl="0" eaLnBrk="1" latinLnBrk="0" hangingPunct="1">
+              <a:lnSpc>
+                <a:spcPct val="90000"/>
+              </a:lnSpc>
+              <a:spcBef>
+                <a:spcPts val="200"/>
+              </a:spcBef>
+              <a:spcAft>
+                <a:spcPts val="400"/>
+              </a:spcAft>
+              <a:buClr>
+                <a:schemeClr val="accent1"/>
+              </a:buClr>
+              <a:buFont typeface="Wingdings 3" pitchFamily="18" charset="2"/>
+              <a:buChar char=""/>
+              <a:defRPr sz="1400" kern="1200">
+                <a:solidFill>
+                  <a:schemeClr val="tx1"/>
+                </a:solidFill>
+                <a:latin typeface="+mn-lt"/>
+                <a:ea typeface="+mn-ea"/>
+                <a:cs typeface="+mn-cs"/>
+              </a:defRPr>
+            </a:lvl5pPr>
+            <a:lvl6pPr marL="914400" indent="-137160" algn="l" defTabSz="914400" rtl="0" eaLnBrk="1" latinLnBrk="0" hangingPunct="1">
+              <a:lnSpc>
+                <a:spcPct val="90000"/>
+              </a:lnSpc>
+              <a:spcBef>
+                <a:spcPts val="200"/>
+              </a:spcBef>
+              <a:spcAft>
+                <a:spcPts val="400"/>
+              </a:spcAft>
+              <a:buClr>
+                <a:schemeClr val="accent1"/>
+              </a:buClr>
+              <a:buFont typeface="Wingdings 3" pitchFamily="18" charset="2"/>
+              <a:buChar char=""/>
+              <a:defRPr sz="1400" kern="1200">
+                <a:solidFill>
+                  <a:schemeClr val="tx1"/>
+                </a:solidFill>
+                <a:latin typeface="+mn-lt"/>
+                <a:ea typeface="+mn-ea"/>
+                <a:cs typeface="+mn-cs"/>
+              </a:defRPr>
+            </a:lvl6pPr>
+            <a:lvl7pPr marL="1060704" indent="-137160" algn="l" defTabSz="914400" rtl="0" eaLnBrk="1" latinLnBrk="0" hangingPunct="1">
+              <a:lnSpc>
+                <a:spcPct val="90000"/>
+              </a:lnSpc>
+              <a:spcBef>
+                <a:spcPts val="200"/>
+              </a:spcBef>
+              <a:spcAft>
+                <a:spcPts val="400"/>
+              </a:spcAft>
+              <a:buClr>
+                <a:schemeClr val="accent1"/>
+              </a:buClr>
+              <a:buFont typeface="Wingdings 3" pitchFamily="18" charset="2"/>
+              <a:buChar char=""/>
+              <a:defRPr sz="1400" kern="1200">
+                <a:solidFill>
+                  <a:schemeClr val="tx1"/>
+                </a:solidFill>
+                <a:latin typeface="+mn-lt"/>
+                <a:ea typeface="+mn-ea"/>
+                <a:cs typeface="+mn-cs"/>
+              </a:defRPr>
+            </a:lvl7pPr>
+            <a:lvl8pPr marL="1216152" indent="-137160" algn="l" defTabSz="914400" rtl="0" eaLnBrk="1" latinLnBrk="0" hangingPunct="1">
+              <a:lnSpc>
+                <a:spcPct val="90000"/>
+              </a:lnSpc>
+              <a:spcBef>
+                <a:spcPts val="200"/>
+              </a:spcBef>
+              <a:spcAft>
+                <a:spcPts val="400"/>
+              </a:spcAft>
+              <a:buClr>
+                <a:schemeClr val="accent1"/>
+              </a:buClr>
+              <a:buFont typeface="Wingdings 3" pitchFamily="18" charset="2"/>
+              <a:buChar char=""/>
+              <a:defRPr sz="1400" kern="1200">
+                <a:solidFill>
+                  <a:schemeClr val="tx1"/>
+                </a:solidFill>
+                <a:latin typeface="+mn-lt"/>
+                <a:ea typeface="+mn-ea"/>
+                <a:cs typeface="+mn-cs"/>
+              </a:defRPr>
+            </a:lvl8pPr>
+            <a:lvl9pPr marL="1362456" indent="-137160" algn="l" defTabSz="914400" rtl="0" eaLnBrk="1" latinLnBrk="0" hangingPunct="1">
+              <a:lnSpc>
+                <a:spcPct val="90000"/>
+              </a:lnSpc>
+              <a:spcBef>
+                <a:spcPts val="200"/>
+              </a:spcBef>
+              <a:spcAft>
+                <a:spcPts val="400"/>
+              </a:spcAft>
+              <a:buClr>
+                <a:schemeClr val="accent1"/>
+              </a:buClr>
+              <a:buFont typeface="Wingdings 3" pitchFamily="18" charset="2"/>
+              <a:buChar char=""/>
+              <a:defRPr sz="1400" kern="1200">
+                <a:solidFill>
+                  <a:schemeClr val="tx1"/>
+                </a:solidFill>
+                <a:latin typeface="+mn-lt"/>
+                <a:ea typeface="+mn-ea"/>
+                <a:cs typeface="+mn-cs"/>
+              </a:defRPr>
+            </a:lvl9pPr>
+          </a:lstStyle>
+          <a:p>
+            <a:pPr algn="ctr"/>
+            <a:r>
+              <a:rPr lang="en-US" sz="2800" b="1" dirty="0"/>
+              <a:t>Auto Merging JSON</a:t>
+            </a:r>
+          </a:p>
+          <a:p>
+            <a:pPr marL="0" indent="0" algn="ctr">
+              <a:buNone/>
+            </a:pPr>
+            <a:r>
+              <a:rPr lang="en-CA" sz="2000" dirty="0"/>
+              <a:t>Combined into one 4GB of files</a:t>
+            </a:r>
+          </a:p>
+        </p:txBody>
+      </p:sp>
+      <p:pic>
+        <p:nvPicPr>
+          <p:cNvPr id="10" name="Picture 9">
+            <a:extLst>
+              <a:ext uri="{FF2B5EF4-FFF2-40B4-BE49-F238E27FC236}">
+                <a16:creationId xmlns:a16="http://schemas.microsoft.com/office/drawing/2014/main" id="{91F7673C-8E9A-44E7-A4DE-B60E86FF9F13}"/>
+              </a:ext>
+            </a:extLst>
+          </p:cNvPr>
+          <p:cNvPicPr>
+            <a:picLocks noChangeAspect="1"/>
+          </p:cNvPicPr>
+          <p:nvPr/>
+        </p:nvPicPr>
+        <p:blipFill>
+          <a:blip r:embed="rId2"/>
+          <a:stretch>
+            <a:fillRect/>
+          </a:stretch>
+        </p:blipFill>
+        <p:spPr>
+          <a:xfrm>
+            <a:off x="786367" y="3148877"/>
+            <a:ext cx="2228850" cy="2714625"/>
+          </a:xfrm>
+          <a:prstGeom prst="rect">
+            <a:avLst/>
+          </a:prstGeom>
+        </p:spPr>
+      </p:pic>
+      <p:pic>
+        <p:nvPicPr>
+          <p:cNvPr id="12" name="Picture 11">
+            <a:extLst>
+              <a:ext uri="{FF2B5EF4-FFF2-40B4-BE49-F238E27FC236}">
+                <a16:creationId xmlns:a16="http://schemas.microsoft.com/office/drawing/2014/main" id="{19877F83-F06C-4C18-865B-72FD485C638F}"/>
+              </a:ext>
+            </a:extLst>
+          </p:cNvPr>
+          <p:cNvPicPr>
+            <a:picLocks noChangeAspect="1"/>
+          </p:cNvPicPr>
+          <p:nvPr/>
+        </p:nvPicPr>
+        <p:blipFill>
+          <a:blip r:embed="rId3"/>
+          <a:stretch>
+            <a:fillRect/>
+          </a:stretch>
+        </p:blipFill>
+        <p:spPr>
+          <a:xfrm>
+            <a:off x="4314594" y="3347539"/>
+            <a:ext cx="3964634" cy="2166161"/>
+          </a:xfrm>
+          <a:prstGeom prst="rect">
+            <a:avLst/>
+          </a:prstGeom>
+        </p:spPr>
+      </p:pic>
+      <p:pic>
+        <p:nvPicPr>
+          <p:cNvPr id="7" name="Picture 6" descr="AWS —Amazon S3 Storage Classes Overview | by Ashish Patel | Awesome Cloud |  Medium">
+            <a:extLst>
+              <a:ext uri="{FF2B5EF4-FFF2-40B4-BE49-F238E27FC236}">
+                <a16:creationId xmlns:a16="http://schemas.microsoft.com/office/drawing/2014/main" id="{C286BB67-32B9-4330-B452-71FCD7534E6B}"/>
+              </a:ext>
+            </a:extLst>
+          </p:cNvPr>
+          <p:cNvPicPr>
+            <a:picLocks noChangeAspect="1" noChangeArrowheads="1"/>
+          </p:cNvPicPr>
+          <p:nvPr/>
+        </p:nvPicPr>
+        <p:blipFill>
+          <a:blip r:embed="rId4">
+            <a:extLst>
+              <a:ext uri="{28A0092B-C50C-407E-A947-70E740481C1C}">
+                <a14:useLocalDpi xmlns:a14="http://schemas.microsoft.com/office/drawing/2010/main" val="0"/>
+              </a:ext>
+            </a:extLst>
+          </a:blip>
+          <a:srcRect/>
+          <a:stretch>
+            <a:fillRect/>
+          </a:stretch>
+        </p:blipFill>
+        <p:spPr bwMode="auto">
+          <a:xfrm>
+            <a:off x="9156910" y="3032944"/>
+            <a:ext cx="1865970" cy="1397676"/>
+          </a:xfrm>
+          <a:prstGeom prst="rect">
+            <a:avLst/>
+          </a:prstGeom>
+          <a:noFill/>
+          <a:extLst>
+            <a:ext uri="{909E8E84-426E-40DD-AFC4-6F175D3DCCD1}">
+              <a14:hiddenFill xmlns:a14="http://schemas.microsoft.com/office/drawing/2010/main">
+                <a:solidFill>
+                  <a:srgbClr val="FFFFFF"/>
+                </a:solidFill>
+              </a14:hiddenFill>
+            </a:ext>
+          </a:extLst>
+        </p:spPr>
+      </p:pic>
+    </p:spTree>
+    <p:extLst>
+      <p:ext uri="{BB962C8B-B14F-4D97-AF65-F5344CB8AC3E}">
+        <p14:creationId xmlns:p14="http://schemas.microsoft.com/office/powerpoint/2010/main" val="3050591222"/>
+      </p:ext>
+    </p:extLst>
+  </p:cSld>
+  <p:clrMapOvr>
+    <a:masterClrMapping/>
+  </p:clrMapOvr>
+  <p:timing>
+    <p:tnLst>
+      <p:par>
+        <p:cTn id="1" dur="indefinite" restart="never" nodeType="tmRoot">
+          <p:childTnLst>
+            <p:seq concurrent="1" nextAc="seek">
+              <p:cTn id="2" dur="indefinite" nodeType="mainSeq">
+                <p:childTnLst>
+                  <p:par>
+                    <p:cTn id="3" fill="hold">
+                      <p:stCondLst>
+                        <p:cond delay="indefinite"/>
+                        <p:cond evt="onBegin" delay="0">
+                          <p:tn val="2"/>
+                        </p:cond>
+                      </p:stCondLst>
+                      <p:childTnLst>
+                        <p:par>
+                          <p:cTn id="4" fill="hold">
+                            <p:stCondLst>
+                              <p:cond delay="0"/>
+                            </p:stCondLst>
+                            <p:childTnLst>
+                              <p:par>
+                                <p:cTn id="5" presetID="22" presetClass="entr" presetSubtype="1" fill="hold" nodeType="afterEffect">
+                                  <p:stCondLst>
+                                    <p:cond delay="0"/>
+                                  </p:stCondLst>
+                                  <p:childTnLst>
+                                    <p:set>
+                                      <p:cBhvr>
+                                        <p:cTn id="6" dur="1" fill="hold">
+                                          <p:stCondLst>
+                                            <p:cond delay="0"/>
+                                          </p:stCondLst>
+                                        </p:cTn>
+                                        <p:tgtEl>
+                                          <p:spTgt spid="10"/>
+                                        </p:tgtEl>
+                                        <p:attrNameLst>
+                                          <p:attrName>style.visibility</p:attrName>
+                                        </p:attrNameLst>
+                                      </p:cBhvr>
+                                      <p:to>
+                                        <p:strVal val="visible"/>
+                                      </p:to>
+                                    </p:set>
+                                    <p:animEffect transition="in" filter="wipe(up)">
+                                      <p:cBhvr>
+                                        <p:cTn id="7" dur="500"/>
+                                        <p:tgtEl>
+                                          <p:spTgt spid="10"/>
+                                        </p:tgtEl>
+                                      </p:cBhvr>
+                                    </p:animEffect>
+                                  </p:childTnLst>
+                                </p:cTn>
+                              </p:par>
+                            </p:childTnLst>
+                          </p:cTn>
+                        </p:par>
+                        <p:par>
+                          <p:cTn id="8" fill="hold">
+                            <p:stCondLst>
+                              <p:cond delay="500"/>
+                            </p:stCondLst>
+                            <p:childTnLst>
+                              <p:par>
+                                <p:cTn id="9" presetID="16" presetClass="entr" presetSubtype="37" fill="hold" nodeType="afterEffect">
+                                  <p:stCondLst>
+                                    <p:cond delay="0"/>
+                                  </p:stCondLst>
+                                  <p:childTnLst>
+                                    <p:set>
+                                      <p:cBhvr>
+                                        <p:cTn id="10" dur="1" fill="hold">
+                                          <p:stCondLst>
+                                            <p:cond delay="0"/>
+                                          </p:stCondLst>
+                                        </p:cTn>
+                                        <p:tgtEl>
+                                          <p:spTgt spid="12"/>
+                                        </p:tgtEl>
+                                        <p:attrNameLst>
+                                          <p:attrName>style.visibility</p:attrName>
+                                        </p:attrNameLst>
+                                      </p:cBhvr>
+                                      <p:to>
+                                        <p:strVal val="visible"/>
+                                      </p:to>
+                                    </p:set>
+                                    <p:animEffect transition="in" filter="barn(outVertical)">
+                                      <p:cBhvr>
+                                        <p:cTn id="11" dur="500"/>
+                                        <p:tgtEl>
+                                          <p:spTgt spid="12"/>
+                                        </p:tgtEl>
+                                      </p:cBhvr>
+                                    </p:animEffect>
+                                  </p:childTnLst>
+                                </p:cTn>
+                              </p:par>
+                            </p:childTnLst>
+                          </p:cTn>
+                        </p:par>
+                      </p:childTnLst>
+                    </p:cTn>
+                  </p:par>
+                </p:childTnLst>
+              </p:cTn>
+              <p:prevCondLst>
+                <p:cond evt="onPrev" delay="0">
+                  <p:tgtEl>
+                    <p:sldTgt/>
+                  </p:tgtEl>
+                </p:cond>
+              </p:prevCondLst>
+              <p:nextCondLst>
+                <p:cond evt="onNext" delay="0">
+                  <p:tgtEl>
+                    <p:sldTgt/>
+                  </p:tgtEl>
+                </p:cond>
+              </p:nextCondLst>
+            </p:seq>
+          </p:childTnLst>
+        </p:cTn>
+      </p:par>
+    </p:tnLst>
+  </p:timing>
+</p:sld>
+</file>
+
+<file path=ppt/slides/slide7.xml><?xml version="1.0" encoding="utf-8"?>
+<p:sld xmlns:a="http://schemas.openxmlformats.org/drawingml/2006/main" xmlns:r="http://schemas.openxmlformats.org/officeDocument/2006/relationships" xmlns:p="http://schemas.openxmlformats.org/presentationml/2006/main">
+  <p:cSld>
+    <p:spTree>
+      <p:nvGrpSpPr>
+        <p:cNvPr id="1" name=""/>
+        <p:cNvGrpSpPr/>
+        <p:nvPr/>
+      </p:nvGrpSpPr>
+      <p:grpSpPr>
+        <a:xfrm>
+          <a:off x="0" y="0"/>
+          <a:ext cx="0" cy="0"/>
+          <a:chOff x="0" y="0"/>
+          <a:chExt cx="0" cy="0"/>
+        </a:xfrm>
+      </p:grpSpPr>
+      <p:sp>
+        <p:nvSpPr>
+          <p:cNvPr id="2" name="Title 1">
+            <a:extLst>
+              <a:ext uri="{FF2B5EF4-FFF2-40B4-BE49-F238E27FC236}">
+                <a16:creationId xmlns:a16="http://schemas.microsoft.com/office/drawing/2014/main" id="{6C986282-1982-45FB-A3BA-7F616F3737AA}"/>
+              </a:ext>
+            </a:extLst>
+          </p:cNvPr>
+          <p:cNvSpPr>
+            <a:spLocks noGrp="1"/>
+          </p:cNvSpPr>
+          <p:nvPr>
+            <p:ph type="title"/>
+          </p:nvPr>
+        </p:nvSpPr>
+        <p:spPr/>
+        <p:txBody>
+          <a:bodyPr/>
+          <a:lstStyle/>
+          <a:p>
+            <a:pPr algn="ctr"/>
+            <a:r>
+              <a:rPr lang="en-US" dirty="0"/>
+              <a:t>The process:</a:t>
+            </a:r>
+            <a:br>
+              <a:rPr lang="en-US" dirty="0"/>
+            </a:br>
+            <a:r>
+              <a:rPr lang="en-US" dirty="0"/>
+              <a:t>3. Transformation – Exclusion of Data</a:t>
+            </a:r>
+            <a:endParaRPr lang="en-CA" dirty="0"/>
+          </a:p>
+        </p:txBody>
+      </p:sp>
+      <p:sp>
+        <p:nvSpPr>
+          <p:cNvPr id="3" name="Content Placeholder 2">
+            <a:extLst>
+              <a:ext uri="{FF2B5EF4-FFF2-40B4-BE49-F238E27FC236}">
+                <a16:creationId xmlns:a16="http://schemas.microsoft.com/office/drawing/2014/main" id="{B5601835-0904-4CC7-B630-509A131FED6E}"/>
+              </a:ext>
+            </a:extLst>
+          </p:cNvPr>
+          <p:cNvSpPr>
+            <a:spLocks noGrp="1"/>
+          </p:cNvSpPr>
+          <p:nvPr>
+            <p:ph idx="1"/>
+          </p:nvPr>
+        </p:nvSpPr>
+        <p:spPr/>
+        <p:txBody>
+          <a:bodyPr/>
+          <a:lstStyle/>
+          <a:p>
+            <a:pPr algn="ctr"/>
+            <a:r>
+              <a:rPr lang="en-US" dirty="0"/>
+              <a:t>Feature Selection - Domain Knowledge Expert</a:t>
+            </a:r>
+          </a:p>
+          <a:p>
+            <a:pPr algn="ctr"/>
+            <a:r>
+              <a:rPr lang="en-US" b="1" dirty="0"/>
+              <a:t>300+ Features to 30</a:t>
+            </a:r>
+            <a:endParaRPr lang="en-CA" b="1" dirty="0"/>
+          </a:p>
+        </p:txBody>
+      </p:sp>
+      <p:pic>
+        <p:nvPicPr>
+          <p:cNvPr id="4" name="Picture 3">
+            <a:extLst>
+              <a:ext uri="{FF2B5EF4-FFF2-40B4-BE49-F238E27FC236}">
+                <a16:creationId xmlns:a16="http://schemas.microsoft.com/office/drawing/2014/main" id="{5FC6CBEA-B545-469E-AB62-73F48ADD6A26}"/>
+              </a:ext>
+            </a:extLst>
+          </p:cNvPr>
+          <p:cNvPicPr>
+            <a:picLocks noChangeAspect="1"/>
+          </p:cNvPicPr>
+          <p:nvPr/>
+        </p:nvPicPr>
+        <p:blipFill>
+          <a:blip r:embed="rId2"/>
+          <a:stretch>
+            <a:fillRect/>
+          </a:stretch>
+        </p:blipFill>
+        <p:spPr>
+          <a:xfrm>
+            <a:off x="3993502" y="3181738"/>
+            <a:ext cx="4120625" cy="3328789"/>
+          </a:xfrm>
+          <a:prstGeom prst="rect">
+            <a:avLst/>
+          </a:prstGeom>
+        </p:spPr>
+      </p:pic>
+    </p:spTree>
+    <p:extLst>
+      <p:ext uri="{BB962C8B-B14F-4D97-AF65-F5344CB8AC3E}">
+        <p14:creationId xmlns:p14="http://schemas.microsoft.com/office/powerpoint/2010/main" val="1414191400"/>
+      </p:ext>
+    </p:extLst>
+  </p:cSld>
+  <p:clrMapOvr>
+    <a:masterClrMapping/>
+  </p:clrMapOvr>
+</p:sld>
+</file>
+
+<file path=ppt/slides/slide8.xml><?xml version="1.0" encoding="utf-8"?>
+<p:sld xmlns:a="http://schemas.openxmlformats.org/drawingml/2006/main" xmlns:r="http://schemas.openxmlformats.org/officeDocument/2006/relationships" xmlns:p="http://schemas.openxmlformats.org/presentationml/2006/main">
+  <p:cSld>
+    <p:spTree>
+      <p:nvGrpSpPr>
+        <p:cNvPr id="1" name=""/>
+        <p:cNvGrpSpPr/>
+        <p:nvPr/>
+      </p:nvGrpSpPr>
+      <p:grpSpPr>
+        <a:xfrm>
+          <a:off x="0" y="0"/>
+          <a:ext cx="0" cy="0"/>
+          <a:chOff x="0" y="0"/>
+          <a:chExt cx="0" cy="0"/>
+        </a:xfrm>
+      </p:grpSpPr>
+      <p:sp>
+        <p:nvSpPr>
+          <p:cNvPr id="2" name="Title 1">
+            <a:extLst>
+              <a:ext uri="{FF2B5EF4-FFF2-40B4-BE49-F238E27FC236}">
+                <a16:creationId xmlns:a16="http://schemas.microsoft.com/office/drawing/2014/main" id="{3F363EAE-F622-4FE1-8D50-EAC568DDE8BC}"/>
+              </a:ext>
+            </a:extLst>
+          </p:cNvPr>
+          <p:cNvSpPr>
+            <a:spLocks noGrp="1"/>
+          </p:cNvSpPr>
+          <p:nvPr>
+            <p:ph type="title"/>
+          </p:nvPr>
+        </p:nvSpPr>
+        <p:spPr/>
+        <p:txBody>
+          <a:bodyPr/>
+          <a:lstStyle/>
+          <a:p>
+            <a:pPr algn="ctr"/>
+            <a:r>
+              <a:rPr lang="en-US" dirty="0"/>
+              <a:t>The process:</a:t>
+            </a:r>
+            <a:br>
+              <a:rPr lang="en-US" dirty="0"/>
+            </a:br>
+            <a:r>
+              <a:rPr lang="en-US" dirty="0"/>
+              <a:t>4. Transformation of data</a:t>
+            </a:r>
+            <a:endParaRPr lang="en-CA" dirty="0"/>
+          </a:p>
+        </p:txBody>
+      </p:sp>
+      <p:sp>
+        <p:nvSpPr>
+          <p:cNvPr id="3" name="Content Placeholder 2">
+            <a:extLst>
+              <a:ext uri="{FF2B5EF4-FFF2-40B4-BE49-F238E27FC236}">
+                <a16:creationId xmlns:a16="http://schemas.microsoft.com/office/drawing/2014/main" id="{070301CE-92F6-4648-A508-15331B309B62}"/>
+              </a:ext>
+            </a:extLst>
+          </p:cNvPr>
+          <p:cNvSpPr>
+            <a:spLocks noGrp="1"/>
+          </p:cNvSpPr>
+          <p:nvPr>
+            <p:ph idx="1"/>
+          </p:nvPr>
+        </p:nvSpPr>
+        <p:spPr/>
+        <p:txBody>
+          <a:bodyPr/>
+          <a:lstStyle/>
+          <a:p>
+            <a:pPr marL="0" indent="0" algn="ctr">
+              <a:buNone/>
+            </a:pPr>
+            <a:r>
+              <a:rPr lang="en-US" b="1" dirty="0"/>
+              <a:t>Machine learning can only process numbers</a:t>
+            </a:r>
+          </a:p>
+        </p:txBody>
+      </p:sp>
+      <p:sp>
+        <p:nvSpPr>
+          <p:cNvPr id="5" name="Content Placeholder 2">
+            <a:extLst>
+              <a:ext uri="{FF2B5EF4-FFF2-40B4-BE49-F238E27FC236}">
+                <a16:creationId xmlns:a16="http://schemas.microsoft.com/office/drawing/2014/main" id="{859CB023-6B02-42FB-86F4-237DA84CEC2E}"/>
+              </a:ext>
+            </a:extLst>
+          </p:cNvPr>
+          <p:cNvSpPr txBox="1">
+            <a:spLocks/>
+          </p:cNvSpPr>
+          <p:nvPr/>
+        </p:nvSpPr>
+        <p:spPr>
+          <a:xfrm>
+            <a:off x="7675358" y="2829839"/>
+            <a:ext cx="3449054" cy="591402"/>
+          </a:xfrm>
+          <a:prstGeom prst="rect">
+            <a:avLst/>
+          </a:prstGeom>
+        </p:spPr>
+        <p:txBody>
+          <a:bodyPr vert="horz" lIns="45720" tIns="45720" rIns="45720" bIns="45720" rtlCol="0">
+            <a:normAutofit/>
+          </a:bodyPr>
+          <a:lstStyle>
+            <a:lvl1pPr marL="91440" indent="-91440" algn="l" defTabSz="914400" rtl="0" eaLnBrk="1" latinLnBrk="0" hangingPunct="1">
+              <a:lnSpc>
+                <a:spcPct val="90000"/>
+              </a:lnSpc>
+              <a:spcBef>
+                <a:spcPts val="1200"/>
+              </a:spcBef>
+              <a:spcAft>
+                <a:spcPts val="200"/>
+              </a:spcAft>
+              <a:buClr>
+                <a:schemeClr val="accent1"/>
+              </a:buClr>
+              <a:buSzPct val="100000"/>
+              <a:buFont typeface="Tw Cen MT" panose="020B0602020104020603" pitchFamily="34" charset="0"/>
+              <a:buChar char=" "/>
+              <a:defRPr sz="2200" kern="1200">
+                <a:solidFill>
+                  <a:schemeClr val="tx1"/>
+                </a:solidFill>
+                <a:latin typeface="+mn-lt"/>
+                <a:ea typeface="+mn-ea"/>
+                <a:cs typeface="+mn-cs"/>
+              </a:defRPr>
+            </a:lvl1pPr>
+            <a:lvl2pPr marL="265176" indent="-137160" algn="l" defTabSz="914400" rtl="0" eaLnBrk="1" latinLnBrk="0" hangingPunct="1">
+              <a:lnSpc>
+                <a:spcPct val="90000"/>
+              </a:lnSpc>
+              <a:spcBef>
+                <a:spcPts val="200"/>
+              </a:spcBef>
+              <a:spcAft>
+                <a:spcPts val="400"/>
+              </a:spcAft>
+              <a:buClr>
+                <a:schemeClr val="accent1"/>
+              </a:buClr>
+              <a:buFont typeface="Wingdings 3" pitchFamily="18" charset="2"/>
+              <a:buChar char=""/>
+              <a:defRPr sz="1800" kern="1200">
+                <a:solidFill>
+                  <a:schemeClr val="tx1"/>
+                </a:solidFill>
+                <a:latin typeface="+mn-lt"/>
+                <a:ea typeface="+mn-ea"/>
+                <a:cs typeface="+mn-cs"/>
+              </a:defRPr>
+            </a:lvl2pPr>
+            <a:lvl3pPr marL="448056" indent="-137160" algn="l" defTabSz="914400" rtl="0" eaLnBrk="1" latinLnBrk="0" hangingPunct="1">
+              <a:lnSpc>
+                <a:spcPct val="90000"/>
+              </a:lnSpc>
+              <a:spcBef>
+                <a:spcPts val="200"/>
+              </a:spcBef>
+              <a:spcAft>
+                <a:spcPts val="400"/>
+              </a:spcAft>
+              <a:buClr>
+                <a:schemeClr val="accent1"/>
+              </a:buClr>
+              <a:buFont typeface="Wingdings 3" pitchFamily="18" charset="2"/>
+              <a:buChar char=""/>
+              <a:defRPr sz="1400" kern="1200">
+                <a:solidFill>
+                  <a:schemeClr val="tx1"/>
+                </a:solidFill>
+                <a:latin typeface="+mn-lt"/>
+                <a:ea typeface="+mn-ea"/>
+                <a:cs typeface="+mn-cs"/>
+              </a:defRPr>
+            </a:lvl3pPr>
+            <a:lvl4pPr marL="594360" indent="-137160" algn="l" defTabSz="914400" rtl="0" eaLnBrk="1" latinLnBrk="0" hangingPunct="1">
+              <a:lnSpc>
+                <a:spcPct val="90000"/>
+              </a:lnSpc>
+              <a:spcBef>
+                <a:spcPts val="200"/>
+              </a:spcBef>
+              <a:spcAft>
+                <a:spcPts val="400"/>
+              </a:spcAft>
+              <a:buClr>
+                <a:schemeClr val="accent1"/>
+              </a:buClr>
+              <a:buFont typeface="Wingdings 3" pitchFamily="18" charset="2"/>
+              <a:buChar char=""/>
+              <a:defRPr sz="1400" kern="1200">
+                <a:solidFill>
+                  <a:schemeClr val="tx1"/>
+                </a:solidFill>
+                <a:latin typeface="+mn-lt"/>
+                <a:ea typeface="+mn-ea"/>
+                <a:cs typeface="+mn-cs"/>
+              </a:defRPr>
+            </a:lvl4pPr>
+            <a:lvl5pPr marL="777240" indent="-137160" algn="l" defTabSz="914400" rtl="0" eaLnBrk="1" latinLnBrk="0" hangingPunct="1">
+              <a:lnSpc>
+                <a:spcPct val="90000"/>
+              </a:lnSpc>
+              <a:spcBef>
+                <a:spcPts val="200"/>
+              </a:spcBef>
+              <a:spcAft>
+                <a:spcPts val="400"/>
+              </a:spcAft>
+              <a:buClr>
+                <a:schemeClr val="accent1"/>
+              </a:buClr>
+              <a:buFont typeface="Wingdings 3" pitchFamily="18" charset="2"/>
+              <a:buChar char=""/>
+              <a:defRPr sz="1400" kern="1200">
+                <a:solidFill>
+                  <a:schemeClr val="tx1"/>
+                </a:solidFill>
+                <a:latin typeface="+mn-lt"/>
+                <a:ea typeface="+mn-ea"/>
+                <a:cs typeface="+mn-cs"/>
+              </a:defRPr>
+            </a:lvl5pPr>
+            <a:lvl6pPr marL="914400" indent="-137160" algn="l" defTabSz="914400" rtl="0" eaLnBrk="1" latinLnBrk="0" hangingPunct="1">
+              <a:lnSpc>
+                <a:spcPct val="90000"/>
+              </a:lnSpc>
+              <a:spcBef>
+                <a:spcPts val="200"/>
+              </a:spcBef>
+              <a:spcAft>
+                <a:spcPts val="400"/>
+              </a:spcAft>
+              <a:buClr>
+                <a:schemeClr val="accent1"/>
+              </a:buClr>
+              <a:buFont typeface="Wingdings 3" pitchFamily="18" charset="2"/>
+              <a:buChar char=""/>
+              <a:defRPr sz="1400" kern="1200">
+                <a:solidFill>
+                  <a:schemeClr val="tx1"/>
+                </a:solidFill>
+                <a:latin typeface="+mn-lt"/>
+                <a:ea typeface="+mn-ea"/>
+                <a:cs typeface="+mn-cs"/>
+              </a:defRPr>
+            </a:lvl6pPr>
+            <a:lvl7pPr marL="1060704" indent="-137160" algn="l" defTabSz="914400" rtl="0" eaLnBrk="1" latinLnBrk="0" hangingPunct="1">
+              <a:lnSpc>
+                <a:spcPct val="90000"/>
+              </a:lnSpc>
+              <a:spcBef>
+                <a:spcPts val="200"/>
+              </a:spcBef>
+              <a:spcAft>
+                <a:spcPts val="400"/>
+              </a:spcAft>
+              <a:buClr>
+                <a:schemeClr val="accent1"/>
+              </a:buClr>
+              <a:buFont typeface="Wingdings 3" pitchFamily="18" charset="2"/>
+              <a:buChar char=""/>
+              <a:defRPr sz="1400" kern="1200">
+                <a:solidFill>
+                  <a:schemeClr val="tx1"/>
+                </a:solidFill>
+                <a:latin typeface="+mn-lt"/>
+                <a:ea typeface="+mn-ea"/>
+                <a:cs typeface="+mn-cs"/>
+              </a:defRPr>
+            </a:lvl7pPr>
+            <a:lvl8pPr marL="1216152" indent="-137160" algn="l" defTabSz="914400" rtl="0" eaLnBrk="1" latinLnBrk="0" hangingPunct="1">
+              <a:lnSpc>
+                <a:spcPct val="90000"/>
+              </a:lnSpc>
+              <a:spcBef>
+                <a:spcPts val="200"/>
+              </a:spcBef>
+              <a:spcAft>
+                <a:spcPts val="400"/>
+              </a:spcAft>
+              <a:buClr>
+                <a:schemeClr val="accent1"/>
+              </a:buClr>
+              <a:buFont typeface="Wingdings 3" pitchFamily="18" charset="2"/>
+              <a:buChar char=""/>
+              <a:defRPr sz="1400" kern="1200">
+                <a:solidFill>
+                  <a:schemeClr val="tx1"/>
+                </a:solidFill>
+                <a:latin typeface="+mn-lt"/>
+                <a:ea typeface="+mn-ea"/>
+                <a:cs typeface="+mn-cs"/>
+              </a:defRPr>
+            </a:lvl8pPr>
+            <a:lvl9pPr marL="1362456" indent="-137160" algn="l" defTabSz="914400" rtl="0" eaLnBrk="1" latinLnBrk="0" hangingPunct="1">
+              <a:lnSpc>
+                <a:spcPct val="90000"/>
+              </a:lnSpc>
+              <a:spcBef>
+                <a:spcPts val="200"/>
+              </a:spcBef>
+              <a:spcAft>
+                <a:spcPts val="400"/>
+              </a:spcAft>
+              <a:buClr>
+                <a:schemeClr val="accent1"/>
+              </a:buClr>
+              <a:buFont typeface="Wingdings 3" pitchFamily="18" charset="2"/>
+              <a:buChar char=""/>
+              <a:defRPr sz="1400" kern="1200">
+                <a:solidFill>
+                  <a:schemeClr val="tx1"/>
+                </a:solidFill>
+                <a:latin typeface="+mn-lt"/>
+                <a:ea typeface="+mn-ea"/>
+                <a:cs typeface="+mn-cs"/>
+              </a:defRPr>
+            </a:lvl9pPr>
+          </a:lstStyle>
+          <a:p>
+            <a:pPr algn="r"/>
+            <a:r>
+              <a:rPr lang="en-US" sz="2800" b="1" dirty="0"/>
+              <a:t>One Hot Encoding</a:t>
+            </a:r>
+          </a:p>
+        </p:txBody>
+      </p:sp>
+      <p:sp>
+        <p:nvSpPr>
+          <p:cNvPr id="8" name="Content Placeholder 2">
+            <a:extLst>
+              <a:ext uri="{FF2B5EF4-FFF2-40B4-BE49-F238E27FC236}">
+                <a16:creationId xmlns:a16="http://schemas.microsoft.com/office/drawing/2014/main" id="{C887929E-1E59-4541-B123-19D7DB37FEEF}"/>
+              </a:ext>
+            </a:extLst>
+          </p:cNvPr>
+          <p:cNvSpPr txBox="1">
+            <a:spLocks/>
+          </p:cNvSpPr>
+          <p:nvPr/>
+        </p:nvSpPr>
+        <p:spPr>
+          <a:xfrm>
+            <a:off x="1595464" y="2938974"/>
+            <a:ext cx="3324448" cy="570036"/>
+          </a:xfrm>
+          <a:prstGeom prst="rect">
+            <a:avLst/>
+          </a:prstGeom>
+        </p:spPr>
+        <p:txBody>
+          <a:bodyPr vert="horz" lIns="45720" tIns="45720" rIns="45720" bIns="45720" rtlCol="0">
+            <a:normAutofit fontScale="85000" lnSpcReduction="10000"/>
+          </a:bodyPr>
+          <a:lstStyle>
+            <a:lvl1pPr marL="91440" indent="-91440" algn="l" defTabSz="914400" rtl="0" eaLnBrk="1" latinLnBrk="0" hangingPunct="1">
+              <a:lnSpc>
+                <a:spcPct val="90000"/>
+              </a:lnSpc>
+              <a:spcBef>
+                <a:spcPts val="1200"/>
+              </a:spcBef>
+              <a:spcAft>
+                <a:spcPts val="200"/>
+              </a:spcAft>
+              <a:buClr>
+                <a:schemeClr val="accent1"/>
+              </a:buClr>
+              <a:buSzPct val="100000"/>
+              <a:buFont typeface="Tw Cen MT" panose="020B0602020104020603" pitchFamily="34" charset="0"/>
+              <a:buChar char=" "/>
+              <a:defRPr sz="2200" kern="1200">
+                <a:solidFill>
+                  <a:schemeClr val="tx1"/>
+                </a:solidFill>
+                <a:latin typeface="+mn-lt"/>
+                <a:ea typeface="+mn-ea"/>
+                <a:cs typeface="+mn-cs"/>
+              </a:defRPr>
+            </a:lvl1pPr>
+            <a:lvl2pPr marL="265176" indent="-137160" algn="l" defTabSz="914400" rtl="0" eaLnBrk="1" latinLnBrk="0" hangingPunct="1">
+              <a:lnSpc>
+                <a:spcPct val="90000"/>
+              </a:lnSpc>
+              <a:spcBef>
+                <a:spcPts val="200"/>
+              </a:spcBef>
+              <a:spcAft>
+                <a:spcPts val="400"/>
+              </a:spcAft>
+              <a:buClr>
+                <a:schemeClr val="accent1"/>
+              </a:buClr>
+              <a:buFont typeface="Wingdings 3" pitchFamily="18" charset="2"/>
+              <a:buChar char=""/>
+              <a:defRPr sz="1800" kern="1200">
+                <a:solidFill>
+                  <a:schemeClr val="tx1"/>
+                </a:solidFill>
+                <a:latin typeface="+mn-lt"/>
+                <a:ea typeface="+mn-ea"/>
+                <a:cs typeface="+mn-cs"/>
+              </a:defRPr>
+            </a:lvl2pPr>
+            <a:lvl3pPr marL="448056" indent="-137160" algn="l" defTabSz="914400" rtl="0" eaLnBrk="1" latinLnBrk="0" hangingPunct="1">
+              <a:lnSpc>
+                <a:spcPct val="90000"/>
+              </a:lnSpc>
+              <a:spcBef>
+                <a:spcPts val="200"/>
+              </a:spcBef>
+              <a:spcAft>
+                <a:spcPts val="400"/>
+              </a:spcAft>
+              <a:buClr>
+                <a:schemeClr val="accent1"/>
+              </a:buClr>
+              <a:buFont typeface="Wingdings 3" pitchFamily="18" charset="2"/>
+              <a:buChar char=""/>
+              <a:defRPr sz="1400" kern="1200">
+                <a:solidFill>
+                  <a:schemeClr val="tx1"/>
+                </a:solidFill>
+                <a:latin typeface="+mn-lt"/>
+                <a:ea typeface="+mn-ea"/>
+                <a:cs typeface="+mn-cs"/>
+              </a:defRPr>
+            </a:lvl3pPr>
+            <a:lvl4pPr marL="594360" indent="-137160" algn="l" defTabSz="914400" rtl="0" eaLnBrk="1" latinLnBrk="0" hangingPunct="1">
+              <a:lnSpc>
+                <a:spcPct val="90000"/>
+              </a:lnSpc>
+              <a:spcBef>
+                <a:spcPts val="200"/>
+              </a:spcBef>
+              <a:spcAft>
+                <a:spcPts val="400"/>
+              </a:spcAft>
+              <a:buClr>
+                <a:schemeClr val="accent1"/>
+              </a:buClr>
+              <a:buFont typeface="Wingdings 3" pitchFamily="18" charset="2"/>
+              <a:buChar char=""/>
+              <a:defRPr sz="1400" kern="1200">
+                <a:solidFill>
+                  <a:schemeClr val="tx1"/>
+                </a:solidFill>
+                <a:latin typeface="+mn-lt"/>
+                <a:ea typeface="+mn-ea"/>
+                <a:cs typeface="+mn-cs"/>
+              </a:defRPr>
+            </a:lvl4pPr>
+            <a:lvl5pPr marL="777240" indent="-137160" algn="l" defTabSz="914400" rtl="0" eaLnBrk="1" latinLnBrk="0" hangingPunct="1">
+              <a:lnSpc>
+                <a:spcPct val="90000"/>
+              </a:lnSpc>
+              <a:spcBef>
+                <a:spcPts val="200"/>
+              </a:spcBef>
+              <a:spcAft>
+                <a:spcPts val="400"/>
+              </a:spcAft>
+              <a:buClr>
+                <a:schemeClr val="accent1"/>
+              </a:buClr>
+              <a:buFont typeface="Wingdings 3" pitchFamily="18" charset="2"/>
+              <a:buChar char=""/>
+              <a:defRPr sz="1400" kern="1200">
+                <a:solidFill>
+                  <a:schemeClr val="tx1"/>
+                </a:solidFill>
+                <a:latin typeface="+mn-lt"/>
+                <a:ea typeface="+mn-ea"/>
+                <a:cs typeface="+mn-cs"/>
+              </a:defRPr>
+            </a:lvl5pPr>
+            <a:lvl6pPr marL="914400" indent="-137160" algn="l" defTabSz="914400" rtl="0" eaLnBrk="1" latinLnBrk="0" hangingPunct="1">
+              <a:lnSpc>
+                <a:spcPct val="90000"/>
+              </a:lnSpc>
+              <a:spcBef>
+                <a:spcPts val="200"/>
+              </a:spcBef>
+              <a:spcAft>
+                <a:spcPts val="400"/>
+              </a:spcAft>
+              <a:buClr>
+                <a:schemeClr val="accent1"/>
+              </a:buClr>
+              <a:buFont typeface="Wingdings 3" pitchFamily="18" charset="2"/>
+              <a:buChar char=""/>
+              <a:defRPr sz="1400" kern="1200">
+                <a:solidFill>
+                  <a:schemeClr val="tx1"/>
+                </a:solidFill>
+                <a:latin typeface="+mn-lt"/>
+                <a:ea typeface="+mn-ea"/>
+                <a:cs typeface="+mn-cs"/>
+              </a:defRPr>
+            </a:lvl6pPr>
+            <a:lvl7pPr marL="1060704" indent="-137160" algn="l" defTabSz="914400" rtl="0" eaLnBrk="1" latinLnBrk="0" hangingPunct="1">
+              <a:lnSpc>
+                <a:spcPct val="90000"/>
+              </a:lnSpc>
+              <a:spcBef>
+                <a:spcPts val="200"/>
+              </a:spcBef>
+              <a:spcAft>
+                <a:spcPts val="400"/>
+              </a:spcAft>
+              <a:buClr>
+                <a:schemeClr val="accent1"/>
+              </a:buClr>
+              <a:buFont typeface="Wingdings 3" pitchFamily="18" charset="2"/>
+              <a:buChar char=""/>
+              <a:defRPr sz="1400" kern="1200">
+                <a:solidFill>
+                  <a:schemeClr val="tx1"/>
+                </a:solidFill>
+                <a:latin typeface="+mn-lt"/>
+                <a:ea typeface="+mn-ea"/>
+                <a:cs typeface="+mn-cs"/>
+              </a:defRPr>
+            </a:lvl7pPr>
+            <a:lvl8pPr marL="1216152" indent="-137160" algn="l" defTabSz="914400" rtl="0" eaLnBrk="1" latinLnBrk="0" hangingPunct="1">
+              <a:lnSpc>
+                <a:spcPct val="90000"/>
+              </a:lnSpc>
+              <a:spcBef>
+                <a:spcPts val="200"/>
+              </a:spcBef>
+              <a:spcAft>
+                <a:spcPts val="400"/>
+              </a:spcAft>
+              <a:buClr>
+                <a:schemeClr val="accent1"/>
+              </a:buClr>
+              <a:buFont typeface="Wingdings 3" pitchFamily="18" charset="2"/>
+              <a:buChar char=""/>
+              <a:defRPr sz="1400" kern="1200">
+                <a:solidFill>
+                  <a:schemeClr val="tx1"/>
+                </a:solidFill>
+                <a:latin typeface="+mn-lt"/>
+                <a:ea typeface="+mn-ea"/>
+                <a:cs typeface="+mn-cs"/>
+              </a:defRPr>
+            </a:lvl8pPr>
+            <a:lvl9pPr marL="1362456" indent="-137160" algn="l" defTabSz="914400" rtl="0" eaLnBrk="1" latinLnBrk="0" hangingPunct="1">
+              <a:lnSpc>
+                <a:spcPct val="90000"/>
+              </a:lnSpc>
+              <a:spcBef>
+                <a:spcPts val="200"/>
+              </a:spcBef>
+              <a:spcAft>
+                <a:spcPts val="400"/>
+              </a:spcAft>
+              <a:buClr>
+                <a:schemeClr val="accent1"/>
+              </a:buClr>
+              <a:buFont typeface="Wingdings 3" pitchFamily="18" charset="2"/>
+              <a:buChar char=""/>
+              <a:defRPr sz="1400" kern="1200">
+                <a:solidFill>
+                  <a:schemeClr val="tx1"/>
+                </a:solidFill>
+                <a:latin typeface="+mn-lt"/>
+                <a:ea typeface="+mn-ea"/>
+                <a:cs typeface="+mn-cs"/>
+              </a:defRPr>
+            </a:lvl9pPr>
+          </a:lstStyle>
+          <a:p>
+            <a:pPr algn="r"/>
+            <a:r>
+              <a:rPr lang="en-US" sz="2800" b="1" dirty="0"/>
+              <a:t>Nested Categorical Data</a:t>
+            </a:r>
+          </a:p>
+        </p:txBody>
+      </p:sp>
+      <p:sp>
+        <p:nvSpPr>
+          <p:cNvPr id="13" name="Arrow: Right 12">
+            <a:extLst>
+              <a:ext uri="{FF2B5EF4-FFF2-40B4-BE49-F238E27FC236}">
+                <a16:creationId xmlns:a16="http://schemas.microsoft.com/office/drawing/2014/main" id="{0D3E789A-04B9-485F-B0AF-36D83FE9D0DC}"/>
+              </a:ext>
+            </a:extLst>
+          </p:cNvPr>
+          <p:cNvSpPr/>
+          <p:nvPr/>
+        </p:nvSpPr>
+        <p:spPr>
+          <a:xfrm>
+            <a:off x="6253512" y="3866416"/>
+            <a:ext cx="709127" cy="1115447"/>
+          </a:xfrm>
+          <a:prstGeom prst="rightArrow">
+            <a:avLst/>
+          </a:prstGeom>
+        </p:spPr>
+        <p:style>
+          <a:lnRef idx="2">
+            <a:schemeClr val="accent1">
+              <a:shade val="50000"/>
+            </a:schemeClr>
+          </a:lnRef>
+          <a:fillRef idx="1">
+            <a:schemeClr val="accent1"/>
+          </a:fillRef>
+          <a:effectRef idx="0">
+            <a:schemeClr val="accent1"/>
+          </a:effectRef>
+          <a:fontRef idx="minor">
+            <a:schemeClr val="lt1"/>
+          </a:fontRef>
+        </p:style>
+        <p:txBody>
+          <a:bodyPr rtlCol="0" anchor="ctr"/>
+          <a:lstStyle/>
+          <a:p>
+            <a:pPr algn="ctr"/>
+            <a:endParaRPr lang="en-CA"/>
+          </a:p>
+        </p:txBody>
+      </p:sp>
+      <p:pic>
+        <p:nvPicPr>
+          <p:cNvPr id="17" name="Picture 16">
+            <a:extLst>
+              <a:ext uri="{FF2B5EF4-FFF2-40B4-BE49-F238E27FC236}">
+                <a16:creationId xmlns:a16="http://schemas.microsoft.com/office/drawing/2014/main" id="{1B7ECD5A-07A5-4297-AE9D-C65DC9CF3BD6}"/>
+              </a:ext>
+            </a:extLst>
+          </p:cNvPr>
+          <p:cNvPicPr>
+            <a:picLocks noChangeAspect="1"/>
+          </p:cNvPicPr>
+          <p:nvPr/>
+        </p:nvPicPr>
+        <p:blipFill>
+          <a:blip r:embed="rId2"/>
+          <a:stretch>
+            <a:fillRect/>
+          </a:stretch>
+        </p:blipFill>
+        <p:spPr>
+          <a:xfrm>
+            <a:off x="7500068" y="3659048"/>
+            <a:ext cx="4268282" cy="2231381"/>
+          </a:xfrm>
+          <a:prstGeom prst="rect">
+            <a:avLst/>
+          </a:prstGeom>
+        </p:spPr>
+      </p:pic>
+      <p:pic>
+        <p:nvPicPr>
+          <p:cNvPr id="18" name="Picture 17">
+            <a:extLst>
+              <a:ext uri="{FF2B5EF4-FFF2-40B4-BE49-F238E27FC236}">
+                <a16:creationId xmlns:a16="http://schemas.microsoft.com/office/drawing/2014/main" id="{C5C2A1A1-3065-4717-AE00-BED07626972F}"/>
+              </a:ext>
+            </a:extLst>
+          </p:cNvPr>
+          <p:cNvPicPr>
+            <a:picLocks noChangeAspect="1"/>
+          </p:cNvPicPr>
+          <p:nvPr/>
+        </p:nvPicPr>
+        <p:blipFill>
+          <a:blip r:embed="rId3"/>
+          <a:stretch>
+            <a:fillRect/>
+          </a:stretch>
+        </p:blipFill>
+        <p:spPr>
+          <a:xfrm>
+            <a:off x="1286013" y="3385648"/>
+            <a:ext cx="3943350" cy="2800350"/>
+          </a:xfrm>
+          <a:prstGeom prst="rect">
+            <a:avLst/>
+          </a:prstGeom>
+        </p:spPr>
+      </p:pic>
+    </p:spTree>
+    <p:extLst>
+      <p:ext uri="{BB962C8B-B14F-4D97-AF65-F5344CB8AC3E}">
+        <p14:creationId xmlns:p14="http://schemas.microsoft.com/office/powerpoint/2010/main" val="512027170"/>
+      </p:ext>
+    </p:extLst>
+  </p:cSld>
+  <p:clrMapOvr>
+    <a:masterClrMapping/>
+  </p:clrMapOvr>
+</p:sld>
+</file>
+
+<file path=ppt/slides/slide9.xml><?xml version="1.0" encoding="utf-8"?>
+<p:sld xmlns:a="http://schemas.openxmlformats.org/drawingml/2006/main" xmlns:r="http://schemas.openxmlformats.org/officeDocument/2006/relationships" xmlns:p="http://schemas.openxmlformats.org/presentationml/2006/main">
+  <p:cSld>
+    <p:spTree>
+      <p:nvGrpSpPr>
+        <p:cNvPr id="1" name=""/>
+        <p:cNvGrpSpPr/>
+        <p:nvPr/>
+      </p:nvGrpSpPr>
+      <p:grpSpPr>
+        <a:xfrm>
+          <a:off x="0" y="0"/>
+          <a:ext cx="0" cy="0"/>
+          <a:chOff x="0" y="0"/>
+          <a:chExt cx="0" cy="0"/>
+        </a:xfrm>
+      </p:grpSpPr>
+      <p:sp>
+        <p:nvSpPr>
+          <p:cNvPr id="2" name="Title 1">
+            <a:extLst>
+              <a:ext uri="{FF2B5EF4-FFF2-40B4-BE49-F238E27FC236}">
+                <a16:creationId xmlns:a16="http://schemas.microsoft.com/office/drawing/2014/main" id="{7E79C0C7-BCE7-4BD3-9AD5-1F3CE14078A3}"/>
+              </a:ext>
+            </a:extLst>
+          </p:cNvPr>
+          <p:cNvSpPr>
+            <a:spLocks noGrp="1"/>
+          </p:cNvSpPr>
+          <p:nvPr>
+            <p:ph type="title"/>
+          </p:nvPr>
+        </p:nvSpPr>
+        <p:spPr/>
+        <p:txBody>
+          <a:bodyPr/>
+          <a:lstStyle/>
+          <a:p>
+            <a:pPr algn="ctr"/>
+            <a:r>
+              <a:rPr lang="en-US" dirty="0"/>
+              <a:t>The process:</a:t>
+            </a:r>
+            <a:br>
+              <a:rPr lang="en-US" dirty="0"/>
+            </a:br>
+            <a:r>
+              <a:rPr lang="en-US" dirty="0"/>
+              <a:t>5. Loading the Data</a:t>
+            </a:r>
+            <a:endParaRPr lang="en-CA" dirty="0"/>
+          </a:p>
+        </p:txBody>
+      </p:sp>
+      <p:sp>
+        <p:nvSpPr>
+          <p:cNvPr id="3" name="Content Placeholder 2">
+            <a:extLst>
+              <a:ext uri="{FF2B5EF4-FFF2-40B4-BE49-F238E27FC236}">
+                <a16:creationId xmlns:a16="http://schemas.microsoft.com/office/drawing/2014/main" id="{27B75759-5D25-4A42-AFDB-D22809BC55AA}"/>
+              </a:ext>
+            </a:extLst>
+          </p:cNvPr>
+          <p:cNvSpPr>
+            <a:spLocks noGrp="1"/>
+          </p:cNvSpPr>
+          <p:nvPr>
+            <p:ph idx="1"/>
+          </p:nvPr>
+        </p:nvSpPr>
+        <p:spPr>
+          <a:xfrm>
+            <a:off x="3979600" y="2286000"/>
+            <a:ext cx="3809128" cy="4023360"/>
+          </a:xfrm>
+        </p:spPr>
+        <p:txBody>
+          <a:bodyPr>
+            <a:normAutofit/>
+          </a:bodyPr>
+          <a:lstStyle/>
+          <a:p>
+            <a:pPr algn="ctr"/>
+            <a:r>
+              <a:rPr lang="en-US" sz="2800" b="1" dirty="0"/>
+              <a:t>AWS RDS for Database and PostgreSQL</a:t>
+            </a:r>
+          </a:p>
+        </p:txBody>
+      </p:sp>
+      <p:pic>
+        <p:nvPicPr>
+          <p:cNvPr id="1028" name="Picture 4" descr="AWS — Amazon RDS vs Amazon EC2 Relational Databases — Comparison | by  Ashish Patel | Awesome Cloud | Medium">
+            <a:extLst>
+              <a:ext uri="{FF2B5EF4-FFF2-40B4-BE49-F238E27FC236}">
+                <a16:creationId xmlns:a16="http://schemas.microsoft.com/office/drawing/2014/main" id="{A180046F-7F16-4452-9C91-7A5DC0F77F25}"/>
+              </a:ext>
+            </a:extLst>
+          </p:cNvPr>
+          <p:cNvPicPr>
+            <a:picLocks noChangeAspect="1" noChangeArrowheads="1"/>
+          </p:cNvPicPr>
+          <p:nvPr/>
+        </p:nvPicPr>
+        <p:blipFill>
+          <a:blip r:embed="rId2">
+            <a:extLst>
+              <a:ext uri="{28A0092B-C50C-407E-A947-70E740481C1C}">
+                <a14:useLocalDpi xmlns:a14="http://schemas.microsoft.com/office/drawing/2010/main" val="0"/>
+              </a:ext>
+            </a:extLst>
+          </a:blip>
+          <a:srcRect/>
+          <a:stretch>
+            <a:fillRect/>
+          </a:stretch>
+        </p:blipFill>
+        <p:spPr bwMode="auto">
+          <a:xfrm>
+            <a:off x="3687508" y="3454215"/>
+            <a:ext cx="2046082" cy="1275199"/>
+          </a:xfrm>
+          <a:prstGeom prst="rect">
+            <a:avLst/>
+          </a:prstGeom>
+          <a:noFill/>
+          <a:extLst>
+            <a:ext uri="{909E8E84-426E-40DD-AFC4-6F175D3DCCD1}">
+              <a14:hiddenFill xmlns:a14="http://schemas.microsoft.com/office/drawing/2010/main">
+                <a:solidFill>
+                  <a:srgbClr val="FFFFFF"/>
+                </a:solidFill>
+              </a14:hiddenFill>
+            </a:ext>
+          </a:extLst>
+        </p:spPr>
+      </p:pic>
+      <p:pic>
+        <p:nvPicPr>
+          <p:cNvPr id="1032" name="Picture 8" descr="Amazon RDS for PostgreSQL – Amazon Web Services (AWS)">
+            <a:extLst>
+              <a:ext uri="{FF2B5EF4-FFF2-40B4-BE49-F238E27FC236}">
+                <a16:creationId xmlns:a16="http://schemas.microsoft.com/office/drawing/2014/main" id="{64B79BE4-020B-4B50-AFD8-2C4309D3ABC5}"/>
+              </a:ext>
+            </a:extLst>
+          </p:cNvPr>
+          <p:cNvPicPr>
+            <a:picLocks noChangeAspect="1" noChangeArrowheads="1"/>
+          </p:cNvPicPr>
+          <p:nvPr/>
+        </p:nvPicPr>
+        <p:blipFill>
+          <a:blip r:embed="rId3">
+            <a:extLst>
+              <a:ext uri="{28A0092B-C50C-407E-A947-70E740481C1C}">
+                <a14:useLocalDpi xmlns:a14="http://schemas.microsoft.com/office/drawing/2010/main" val="0"/>
+              </a:ext>
+            </a:extLst>
+          </a:blip>
+          <a:srcRect/>
+          <a:stretch>
+            <a:fillRect/>
+          </a:stretch>
+        </p:blipFill>
+        <p:spPr bwMode="auto">
+          <a:xfrm>
+            <a:off x="6458411" y="3429000"/>
+            <a:ext cx="1440903" cy="1325631"/>
+          </a:xfrm>
+          <a:prstGeom prst="rect">
+            <a:avLst/>
+          </a:prstGeom>
+          <a:noFill/>
+          <a:extLst>
+            <a:ext uri="{909E8E84-426E-40DD-AFC4-6F175D3DCCD1}">
+              <a14:hiddenFill xmlns:a14="http://schemas.microsoft.com/office/drawing/2010/main">
+                <a:solidFill>
+                  <a:srgbClr val="FFFFFF"/>
+                </a:solidFill>
+              </a14:hiddenFill>
+            </a:ext>
+          </a:extLst>
+        </p:spPr>
+      </p:pic>
+    </p:spTree>
+    <p:extLst>
+      <p:ext uri="{BB962C8B-B14F-4D97-AF65-F5344CB8AC3E}">
+        <p14:creationId xmlns:p14="http://schemas.microsoft.com/office/powerpoint/2010/main" val="2082921617"/>
+      </p:ext>
+    </p:extLst>
+  </p:cSld>
+  <p:clrMapOvr>
+    <a:masterClrMapping/>
+  </p:clrMapOvr>
+</p:sld>
+</file>
+
 <file path=ppt/theme/theme1.xml><?xml version="1.0" encoding="utf-8"?>
 <a:theme xmlns:a="http://schemas.openxmlformats.org/drawingml/2006/main" name="Integral">
   <a:themeElements>
